--- a/GM/powerplan/Power Sub-Mesh Construction in Multiple Power Domain Design/Power Sub-Mesh Construction in Multiple Power Domain Design.pptx
+++ b/GM/powerplan/Power Sub-Mesh Construction in Multiple Power Domain Design/Power Sub-Mesh Construction in Multiple Power Domain Design.pptx
@@ -5,15 +5,37 @@
     <p:sldMasterId id="2147483648" r:id="rId1"/>
   </p:sldMasterIdLst>
   <p:notesMasterIdLst>
-    <p:notesMasterId r:id="rId8"/>
+    <p:notesMasterId r:id="rId30"/>
   </p:notesMasterIdLst>
   <p:sldIdLst>
     <p:sldId id="256" r:id="rId2"/>
     <p:sldId id="299" r:id="rId3"/>
     <p:sldId id="300" r:id="rId4"/>
-    <p:sldId id="301" r:id="rId5"/>
-    <p:sldId id="302" r:id="rId6"/>
-    <p:sldId id="298" r:id="rId7"/>
+    <p:sldId id="304" r:id="rId5"/>
+    <p:sldId id="305" r:id="rId6"/>
+    <p:sldId id="306" r:id="rId7"/>
+    <p:sldId id="303" r:id="rId8"/>
+    <p:sldId id="301" r:id="rId9"/>
+    <p:sldId id="302" r:id="rId10"/>
+    <p:sldId id="307" r:id="rId11"/>
+    <p:sldId id="308" r:id="rId12"/>
+    <p:sldId id="309" r:id="rId13"/>
+    <p:sldId id="310" r:id="rId14"/>
+    <p:sldId id="311" r:id="rId15"/>
+    <p:sldId id="312" r:id="rId16"/>
+    <p:sldId id="313" r:id="rId17"/>
+    <p:sldId id="314" r:id="rId18"/>
+    <p:sldId id="315" r:id="rId19"/>
+    <p:sldId id="316" r:id="rId20"/>
+    <p:sldId id="317" r:id="rId21"/>
+    <p:sldId id="318" r:id="rId22"/>
+    <p:sldId id="319" r:id="rId23"/>
+    <p:sldId id="321" r:id="rId24"/>
+    <p:sldId id="320" r:id="rId25"/>
+    <p:sldId id="323" r:id="rId26"/>
+    <p:sldId id="324" r:id="rId27"/>
+    <p:sldId id="325" r:id="rId28"/>
+    <p:sldId id="298" r:id="rId29"/>
   </p:sldIdLst>
   <p:sldSz cx="12192000" cy="6858000"/>
   <p:notesSz cx="6858000" cy="9144000"/>
@@ -1376,6 +1398,470 @@
 </pc:chgInfo>
 </file>
 
+<file path=ppt/ink/ink1.xml><?xml version="1.0" encoding="utf-8"?>
+<inkml:ink xmlns:inkml="http://www.w3.org/2003/InkML">
+  <inkml:definitions>
+    <inkml:context xml:id="ctx0">
+      <inkml:inkSource xml:id="inkSrc0">
+        <inkml:traceFormat>
+          <inkml:channel name="X" type="integer" min="-2.14748E9" max="2.14748E9" units="cm"/>
+          <inkml:channel name="Y" type="integer" min="-2.14748E9" max="2.14748E9" units="cm"/>
+        </inkml:traceFormat>
+        <inkml:channelProperties>
+          <inkml:channelProperty channel="X" name="resolution" value="1000" units="1/cm"/>
+          <inkml:channelProperty channel="Y" name="resolution" value="1000" units="1/cm"/>
+        </inkml:channelProperties>
+      </inkml:inkSource>
+      <inkml:timestamp xml:id="ts0" timeString="2024-05-08T07:42:52.582"/>
+    </inkml:context>
+    <inkml:brush xml:id="br0">
+      <inkml:brushProperty name="width" value="0.1" units="cm"/>
+      <inkml:brushProperty name="height" value="0.2" units="cm"/>
+      <inkml:brushProperty name="color" value="#FFFC00"/>
+      <inkml:brushProperty name="tip" value="rectangle"/>
+      <inkml:brushProperty name="rasterOp" value="maskPen"/>
+      <inkml:brushProperty name="ignorePressure" value="1"/>
+    </inkml:brush>
+  </inkml:definitions>
+  <inkml:trace contextRef="#ctx0" brushRef="#br0">1 75,'1043'0,"-1021"-1,0-2,42-9,-11 1,0 1,-24 4,-1 1,48-1,-11 6,-34 2,1-2,0-1,0-2,54-11,-68 9</inkml:trace>
+</inkml:ink>
+</file>
+
+<file path=ppt/ink/ink10.xml><?xml version="1.0" encoding="utf-8"?>
+<inkml:ink xmlns:inkml="http://www.w3.org/2003/InkML">
+  <inkml:definitions>
+    <inkml:context xml:id="ctx0">
+      <inkml:inkSource xml:id="inkSrc0">
+        <inkml:traceFormat>
+          <inkml:channel name="X" type="integer" min="-2.14748E9" max="2.14748E9" units="cm"/>
+          <inkml:channel name="Y" type="integer" min="-2.14748E9" max="2.14748E9" units="cm"/>
+        </inkml:traceFormat>
+        <inkml:channelProperties>
+          <inkml:channelProperty channel="X" name="resolution" value="1000" units="1/cm"/>
+          <inkml:channelProperty channel="Y" name="resolution" value="1000" units="1/cm"/>
+        </inkml:channelProperties>
+      </inkml:inkSource>
+      <inkml:timestamp xml:id="ts0" timeString="2024-05-08T07:46:51.901"/>
+    </inkml:context>
+    <inkml:brush xml:id="br0">
+      <inkml:brushProperty name="width" value="0.1" units="cm"/>
+      <inkml:brushProperty name="height" value="0.2" units="cm"/>
+      <inkml:brushProperty name="color" value="#00FDFF"/>
+      <inkml:brushProperty name="tip" value="rectangle"/>
+      <inkml:brushProperty name="rasterOp" value="maskPen"/>
+      <inkml:brushProperty name="ignorePressure" value="1"/>
+    </inkml:brush>
+  </inkml:definitions>
+  <inkml:trace contextRef="#ctx0" brushRef="#br0">1 91,'94'-2,"107"5,-129 9,-52-7,0-1,28 1,677-3,-353-5,-350 3,15 1,-1-2,0-1,57-12,-55 8,0 2,1 1,-1 2,53 4,-37 0,65-6,-47-10,-53 9,0 0,31-2,62 7,44-2,-84-12,-52 9,0 0,28-1,677 3,-353 5,216-3,-564-2,0 0,0-2,-1 0,42-14,-42 10</inkml:trace>
+</inkml:ink>
+</file>
+
+<file path=ppt/ink/ink11.xml><?xml version="1.0" encoding="utf-8"?>
+<inkml:ink xmlns:inkml="http://www.w3.org/2003/InkML">
+  <inkml:definitions>
+    <inkml:context xml:id="ctx0">
+      <inkml:inkSource xml:id="inkSrc0">
+        <inkml:traceFormat>
+          <inkml:channel name="X" type="integer" min="-2.14748E9" max="2.14748E9" units="cm"/>
+          <inkml:channel name="Y" type="integer" min="-2.14748E9" max="2.14748E9" units="cm"/>
+        </inkml:traceFormat>
+        <inkml:channelProperties>
+          <inkml:channelProperty channel="X" name="resolution" value="1000" units="1/cm"/>
+          <inkml:channelProperty channel="Y" name="resolution" value="1000" units="1/cm"/>
+        </inkml:channelProperties>
+      </inkml:inkSource>
+      <inkml:timestamp xml:id="ts0" timeString="2024-05-08T07:47:52.287"/>
+    </inkml:context>
+    <inkml:brush xml:id="br0">
+      <inkml:brushProperty name="width" value="0.1" units="cm"/>
+      <inkml:brushProperty name="height" value="0.2" units="cm"/>
+      <inkml:brushProperty name="color" value="#FFACD5"/>
+      <inkml:brushProperty name="tip" value="rectangle"/>
+      <inkml:brushProperty name="rasterOp" value="maskPen"/>
+      <inkml:brushProperty name="ignorePressure" value="1"/>
+    </inkml:brush>
+  </inkml:definitions>
+  <inkml:trace contextRef="#ctx0" brushRef="#br0">1 57,'77'2,"-39"0,0-1,-1-3,41-5,-8-17,-58 19,0 0,0 1,0 1,0 0,19-3,306 4,-166 5,551-3,-703 1,1 1,36 9,-35-6,1-2,26 3,344-7,-381 1</inkml:trace>
+</inkml:ink>
+</file>
+
+<file path=ppt/ink/ink12.xml><?xml version="1.0" encoding="utf-8"?>
+<inkml:ink xmlns:inkml="http://www.w3.org/2003/InkML">
+  <inkml:definitions>
+    <inkml:context xml:id="ctx0">
+      <inkml:inkSource xml:id="inkSrc0">
+        <inkml:traceFormat>
+          <inkml:channel name="X" type="integer" min="-2.14748E9" max="2.14748E9" units="cm"/>
+          <inkml:channel name="Y" type="integer" min="-2.14748E9" max="2.14748E9" units="cm"/>
+        </inkml:traceFormat>
+        <inkml:channelProperties>
+          <inkml:channelProperty channel="X" name="resolution" value="1000" units="1/cm"/>
+          <inkml:channelProperty channel="Y" name="resolution" value="1000" units="1/cm"/>
+        </inkml:channelProperties>
+      </inkml:inkSource>
+      <inkml:timestamp xml:id="ts0" timeString="2024-05-08T07:47:54.056"/>
+    </inkml:context>
+    <inkml:brush xml:id="br0">
+      <inkml:brushProperty name="width" value="0.1" units="cm"/>
+      <inkml:brushProperty name="height" value="0.2" units="cm"/>
+      <inkml:brushProperty name="color" value="#FFACD5"/>
+      <inkml:brushProperty name="tip" value="rectangle"/>
+      <inkml:brushProperty name="rasterOp" value="maskPen"/>
+      <inkml:brushProperty name="ignorePressure" value="1"/>
+    </inkml:brush>
+  </inkml:definitions>
+  <inkml:trace contextRef="#ctx0" brushRef="#br0">1 17,'564'0,"-526"2,59 11,-58-7,55 2,-67-8,-1 1,1 2,36 8,-17-4,1-2,-1-1,1-3,50-5,11 1,1094 3,-1180-1,0-2,39-8,-4 0,3 0,-29 4,64-3,-84 9,1 0,-1 0,0-1,13-4,-7 1</inkml:trace>
+</inkml:ink>
+</file>
+
+<file path=ppt/ink/ink13.xml><?xml version="1.0" encoding="utf-8"?>
+<inkml:ink xmlns:inkml="http://www.w3.org/2003/InkML">
+  <inkml:definitions>
+    <inkml:context xml:id="ctx0">
+      <inkml:inkSource xml:id="inkSrc0">
+        <inkml:traceFormat>
+          <inkml:channel name="X" type="integer" min="-2.14748E9" max="2.14748E9" units="cm"/>
+          <inkml:channel name="Y" type="integer" min="-2.14748E9" max="2.14748E9" units="cm"/>
+        </inkml:traceFormat>
+        <inkml:channelProperties>
+          <inkml:channelProperty channel="X" name="resolution" value="1000" units="1/cm"/>
+          <inkml:channelProperty channel="Y" name="resolution" value="1000" units="1/cm"/>
+        </inkml:channelProperties>
+      </inkml:inkSource>
+      <inkml:timestamp xml:id="ts0" timeString="2024-05-08T07:48:30.647"/>
+    </inkml:context>
+    <inkml:brush xml:id="br0">
+      <inkml:brushProperty name="width" value="0.1" units="cm"/>
+      <inkml:brushProperty name="height" value="0.2" units="cm"/>
+      <inkml:brushProperty name="color" value="#A2D762"/>
+      <inkml:brushProperty name="tip" value="rectangle"/>
+      <inkml:brushProperty name="rasterOp" value="maskPen"/>
+      <inkml:brushProperty name="ignorePressure" value="1"/>
+    </inkml:brush>
+  </inkml:definitions>
+  <inkml:trace contextRef="#ctx0" brushRef="#br0">1 75,'2061'0,"-2041"-2,0 0,35-8,-33 5,0 2,25-2,85 6,57-2,-117-13,-53 10,1 0,29-2,641 4,-336 5,394-3,-728-1,-1-1,35-8,-40 7,9-2</inkml:trace>
+</inkml:ink>
+</file>
+
+<file path=ppt/ink/ink14.xml><?xml version="1.0" encoding="utf-8"?>
+<inkml:ink xmlns:inkml="http://www.w3.org/2003/InkML">
+  <inkml:definitions>
+    <inkml:context xml:id="ctx0">
+      <inkml:inkSource xml:id="inkSrc0">
+        <inkml:traceFormat>
+          <inkml:channel name="X" type="integer" min="-2.14748E9" max="2.14748E9" units="cm"/>
+          <inkml:channel name="Y" type="integer" min="-2.14748E9" max="2.14748E9" units="cm"/>
+        </inkml:traceFormat>
+        <inkml:channelProperties>
+          <inkml:channelProperty channel="X" name="resolution" value="1000" units="1/cm"/>
+          <inkml:channelProperty channel="Y" name="resolution" value="1000" units="1/cm"/>
+        </inkml:channelProperties>
+      </inkml:inkSource>
+      <inkml:timestamp xml:id="ts0" timeString="2024-05-08T07:48:51.473"/>
+    </inkml:context>
+    <inkml:brush xml:id="br0">
+      <inkml:brushProperty name="width" value="0.1" units="cm"/>
+      <inkml:brushProperty name="height" value="0.2" units="cm"/>
+      <inkml:brushProperty name="color" value="#D9AEFF"/>
+      <inkml:brushProperty name="tip" value="rectangle"/>
+      <inkml:brushProperty name="rasterOp" value="maskPen"/>
+      <inkml:brushProperty name="ignorePressure" value="1"/>
+    </inkml:brush>
+  </inkml:definitions>
+  <inkml:trace contextRef="#ctx0" brushRef="#br0">1 29,'112'2,"125"-5,-165-10,-53 9,1 0,29-2,356 5,-195 3,-187-2</inkml:trace>
+</inkml:ink>
+</file>
+
+<file path=ppt/ink/ink15.xml><?xml version="1.0" encoding="utf-8"?>
+<inkml:ink xmlns:inkml="http://www.w3.org/2003/InkML">
+  <inkml:definitions>
+    <inkml:context xml:id="ctx0">
+      <inkml:inkSource xml:id="inkSrc0">
+        <inkml:traceFormat>
+          <inkml:channel name="X" type="integer" min="-2.14748E9" max="2.14748E9" units="cm"/>
+          <inkml:channel name="Y" type="integer" min="-2.14748E9" max="2.14748E9" units="cm"/>
+        </inkml:traceFormat>
+        <inkml:channelProperties>
+          <inkml:channelProperty channel="X" name="resolution" value="1000" units="1/cm"/>
+          <inkml:channelProperty channel="Y" name="resolution" value="1000" units="1/cm"/>
+        </inkml:channelProperties>
+      </inkml:inkSource>
+      <inkml:timestamp xml:id="ts0" timeString="2024-05-08T07:48:58.419"/>
+    </inkml:context>
+    <inkml:brush xml:id="br0">
+      <inkml:brushProperty name="width" value="0.1" units="cm"/>
+      <inkml:brushProperty name="height" value="0.2" units="cm"/>
+      <inkml:brushProperty name="color" value="#D9AEFF"/>
+      <inkml:brushProperty name="tip" value="rectangle"/>
+      <inkml:brushProperty name="rasterOp" value="maskPen"/>
+      <inkml:brushProperty name="ignorePressure" value="1"/>
+    </inkml:brush>
+  </inkml:definitions>
+  <inkml:trace contextRef="#ctx0" brushRef="#br0">0 0,'695'0,"-674"1,0 1,35 9,-34-7,1 0,24 1,-10-2,41 8,-44-5,57 2,-56-6,50 9,-50-5,51 1,-60-7,0 2,0 0,40 10,-36-7,1-1,-1-1,41-2,-41-1,1 1,0 1,36 8,92 18,-115-21,0-2,0-2,0-2,45-5,11 2,-96 2,29 1,1-2,0-2,59-11,-51 7,0 2,0 2,0 1,55 6,2-1,1104-3,-1185-1,-1-1,0-1,19-5,36-4,-50 11</inkml:trace>
+</inkml:ink>
+</file>
+
+<file path=ppt/ink/ink16.xml><?xml version="1.0" encoding="utf-8"?>
+<inkml:ink xmlns:inkml="http://www.w3.org/2003/InkML">
+  <inkml:definitions>
+    <inkml:context xml:id="ctx0">
+      <inkml:inkSource xml:id="inkSrc0">
+        <inkml:traceFormat>
+          <inkml:channel name="X" type="integer" min="-2.14748E9" max="2.14748E9" units="cm"/>
+          <inkml:channel name="Y" type="integer" min="-2.14748E9" max="2.14748E9" units="cm"/>
+        </inkml:traceFormat>
+        <inkml:channelProperties>
+          <inkml:channelProperty channel="X" name="resolution" value="1000" units="1/cm"/>
+          <inkml:channelProperty channel="Y" name="resolution" value="1000" units="1/cm"/>
+        </inkml:channelProperties>
+      </inkml:inkSource>
+      <inkml:timestamp xml:id="ts0" timeString="2024-05-08T07:49:06.541"/>
+    </inkml:context>
+    <inkml:brush xml:id="br0">
+      <inkml:brushProperty name="width" value="0.1" units="cm"/>
+      <inkml:brushProperty name="height" value="0.2" units="cm"/>
+      <inkml:brushProperty name="color" value="#D9AEFF"/>
+      <inkml:brushProperty name="tip" value="rectangle"/>
+      <inkml:brushProperty name="rasterOp" value="maskPen"/>
+      <inkml:brushProperty name="ignorePressure" value="1"/>
+    </inkml:brush>
+  </inkml:definitions>
+  <inkml:trace contextRef="#ctx0" brushRef="#br0">1 55,'20'0,"18"1,0-2,0-1,54-12,-45 7,0 2,1 2,93 5,-33 1,-32-2,88-3,-92-11,-53 9,0 0,31-2,265 5,-148 3,-151-1,-1 1,1 0,-1 1,0 1,26 10,-23-7,0-1,1-1,24 3,35 6,-54-9,0-1,34 2,485-5,-257-2,-263 1</inkml:trace>
+</inkml:ink>
+</file>
+
+<file path=ppt/ink/ink2.xml><?xml version="1.0" encoding="utf-8"?>
+<inkml:ink xmlns:inkml="http://www.w3.org/2003/InkML">
+  <inkml:definitions>
+    <inkml:context xml:id="ctx0">
+      <inkml:inkSource xml:id="inkSrc0">
+        <inkml:traceFormat>
+          <inkml:channel name="X" type="integer" min="-2.14748E9" max="2.14748E9" units="cm"/>
+          <inkml:channel name="Y" type="integer" min="-2.14748E9" max="2.14748E9" units="cm"/>
+        </inkml:traceFormat>
+        <inkml:channelProperties>
+          <inkml:channelProperty channel="X" name="resolution" value="1000" units="1/cm"/>
+          <inkml:channelProperty channel="Y" name="resolution" value="1000" units="1/cm"/>
+        </inkml:channelProperties>
+      </inkml:inkSource>
+      <inkml:timestamp xml:id="ts0" timeString="2024-05-08T07:42:54.007"/>
+    </inkml:context>
+    <inkml:brush xml:id="br0">
+      <inkml:brushProperty name="width" value="0.1" units="cm"/>
+      <inkml:brushProperty name="height" value="0.2" units="cm"/>
+      <inkml:brushProperty name="color" value="#FFFC00"/>
+      <inkml:brushProperty name="tip" value="rectangle"/>
+      <inkml:brushProperty name="rasterOp" value="maskPen"/>
+      <inkml:brushProperty name="ignorePressure" value="1"/>
+    </inkml:brush>
+  </inkml:definitions>
+  <inkml:trace contextRef="#ctx0" brushRef="#br0">0 0,'32'0,"0"1,0 2,43 9,-27-5,1-1,0-3,90-6,-31 0,-78 5,0 1,30 7,-29-5,57 4,652-10,-729 1</inkml:trace>
+</inkml:ink>
+</file>
+
+<file path=ppt/ink/ink3.xml><?xml version="1.0" encoding="utf-8"?>
+<inkml:ink xmlns:inkml="http://www.w3.org/2003/InkML">
+  <inkml:definitions>
+    <inkml:context xml:id="ctx0">
+      <inkml:inkSource xml:id="inkSrc0">
+        <inkml:traceFormat>
+          <inkml:channel name="X" type="integer" min="-2.14748E9" max="2.14748E9" units="cm"/>
+          <inkml:channel name="Y" type="integer" min="-2.14748E9" max="2.14748E9" units="cm"/>
+        </inkml:traceFormat>
+        <inkml:channelProperties>
+          <inkml:channelProperty channel="X" name="resolution" value="1000" units="1/cm"/>
+          <inkml:channelProperty channel="Y" name="resolution" value="1000" units="1/cm"/>
+        </inkml:channelProperties>
+      </inkml:inkSource>
+      <inkml:timestamp xml:id="ts0" timeString="2024-05-08T07:44:34.727"/>
+    </inkml:context>
+    <inkml:brush xml:id="br0">
+      <inkml:brushProperty name="width" value="0.1" units="cm"/>
+      <inkml:brushProperty name="height" value="0.2" units="cm"/>
+      <inkml:brushProperty name="color" value="#FFFC00"/>
+      <inkml:brushProperty name="tip" value="rectangle"/>
+      <inkml:brushProperty name="rasterOp" value="maskPen"/>
+      <inkml:brushProperty name="ignorePressure" value="1"/>
+    </inkml:brush>
+  </inkml:definitions>
+  <inkml:trace contextRef="#ctx0" brushRef="#br0">1 14,'2969'0,"-2949"2,-1 0,38 8,-36-5,0-1,28 1,31-4,-45-2,0 1,0 2,58 12,-47-7,0-2,0-1,1-3,51-5,10 1,373 3,-464-1,0-1,0 0,18-6,40-5,-66 13,-1-1,1-1,-1 1,1-1,-1-1,0 0,0 0,0 0,0-1,9-7,-3 2</inkml:trace>
+</inkml:ink>
+</file>
+
+<file path=ppt/ink/ink4.xml><?xml version="1.0" encoding="utf-8"?>
+<inkml:ink xmlns:inkml="http://www.w3.org/2003/InkML">
+  <inkml:definitions>
+    <inkml:context xml:id="ctx0">
+      <inkml:inkSource xml:id="inkSrc0">
+        <inkml:traceFormat>
+          <inkml:channel name="X" type="integer" min="-2.14748E9" max="2.14748E9" units="cm"/>
+          <inkml:channel name="Y" type="integer" min="-2.14748E9" max="2.14748E9" units="cm"/>
+        </inkml:traceFormat>
+        <inkml:channelProperties>
+          <inkml:channelProperty channel="X" name="resolution" value="1000" units="1/cm"/>
+          <inkml:channelProperty channel="Y" name="resolution" value="1000" units="1/cm"/>
+        </inkml:channelProperties>
+      </inkml:inkSource>
+      <inkml:timestamp xml:id="ts0" timeString="2024-05-08T07:44:37.519"/>
+    </inkml:context>
+    <inkml:brush xml:id="br0">
+      <inkml:brushProperty name="width" value="0.1" units="cm"/>
+      <inkml:brushProperty name="height" value="0.2" units="cm"/>
+      <inkml:brushProperty name="color" value="#FFFC00"/>
+      <inkml:brushProperty name="tip" value="rectangle"/>
+      <inkml:brushProperty name="rasterOp" value="maskPen"/>
+      <inkml:brushProperty name="ignorePressure" value="1"/>
+    </inkml:brush>
+  </inkml:definitions>
+  <inkml:trace contextRef="#ctx0" brushRef="#br0">0 25,'671'0,"-651"1,1 1,34 8,-33-5,0-1,24 1,679-3,-353-5,1874 3,-2226-1,1-1,34-8,-33 5,0 1,25-1,-31 5,15-1,0 0,0-2,31-8,-41 7,-1 0</inkml:trace>
+</inkml:ink>
+</file>
+
+<file path=ppt/ink/ink5.xml><?xml version="1.0" encoding="utf-8"?>
+<inkml:ink xmlns:inkml="http://www.w3.org/2003/InkML">
+  <inkml:definitions>
+    <inkml:context xml:id="ctx0">
+      <inkml:inkSource xml:id="inkSrc0">
+        <inkml:traceFormat>
+          <inkml:channel name="X" type="integer" min="-2.14748E9" max="2.14748E9" units="cm"/>
+          <inkml:channel name="Y" type="integer" min="-2.14748E9" max="2.14748E9" units="cm"/>
+        </inkml:traceFormat>
+        <inkml:channelProperties>
+          <inkml:channelProperty channel="X" name="resolution" value="1000" units="1/cm"/>
+          <inkml:channelProperty channel="Y" name="resolution" value="1000" units="1/cm"/>
+        </inkml:channelProperties>
+      </inkml:inkSource>
+      <inkml:timestamp xml:id="ts0" timeString="2024-05-08T07:44:52.191"/>
+    </inkml:context>
+    <inkml:brush xml:id="br0">
+      <inkml:brushProperty name="width" value="0.1" units="cm"/>
+      <inkml:brushProperty name="height" value="0.2" units="cm"/>
+      <inkml:brushProperty name="color" value="#00F900"/>
+      <inkml:brushProperty name="tip" value="rectangle"/>
+      <inkml:brushProperty name="rasterOp" value="maskPen"/>
+      <inkml:brushProperty name="ignorePressure" value="1"/>
+    </inkml:brush>
+  </inkml:definitions>
+  <inkml:trace contextRef="#ctx0" brushRef="#br0">1 59,'3'0,"1"-1,-1-1,0 1,0 0,1-1,-1 0,0 0,0 0,4-3,12-8,-5 7,1 1,-1 1,1 0,0 1,-1 1,26-2,96 7,-52 0,60-6,139 7,-211 8,-52-7,0-1,28 1,31-5,-45-1,0 2,0 1,64 12,-56-7,0-2,0-2,0-1,55-6,2 1,382 3,-451-1,61-12,-60 8,57-4,1318 8,-646 3,-750-2,0-1,0 0,0 0,19-6,-12 1</inkml:trace>
+</inkml:ink>
+</file>
+
+<file path=ppt/ink/ink6.xml><?xml version="1.0" encoding="utf-8"?>
+<inkml:ink xmlns:inkml="http://www.w3.org/2003/InkML">
+  <inkml:definitions>
+    <inkml:context xml:id="ctx0">
+      <inkml:inkSource xml:id="inkSrc0">
+        <inkml:traceFormat>
+          <inkml:channel name="X" type="integer" min="-2.14748E9" max="2.14748E9" units="cm"/>
+          <inkml:channel name="Y" type="integer" min="-2.14748E9" max="2.14748E9" units="cm"/>
+        </inkml:traceFormat>
+        <inkml:channelProperties>
+          <inkml:channelProperty channel="X" name="resolution" value="1000" units="1/cm"/>
+          <inkml:channelProperty channel="Y" name="resolution" value="1000" units="1/cm"/>
+        </inkml:channelProperties>
+      </inkml:inkSource>
+      <inkml:timestamp xml:id="ts0" timeString="2024-05-08T07:45:01.388"/>
+    </inkml:context>
+    <inkml:brush xml:id="br0">
+      <inkml:brushProperty name="width" value="0.1" units="cm"/>
+      <inkml:brushProperty name="height" value="0.2" units="cm"/>
+      <inkml:brushProperty name="color" value="#00F900"/>
+      <inkml:brushProperty name="tip" value="rectangle"/>
+      <inkml:brushProperty name="rasterOp" value="maskPen"/>
+      <inkml:brushProperty name="ignorePressure" value="1"/>
+    </inkml:brush>
+  </inkml:definitions>
+  <inkml:trace contextRef="#ctx0" brushRef="#br0">0 1,'724'0,"-704"1,1 1,34 8,-33-5,0-1,24 1,64-7,48 4,-86 11,-53-9,0 0,31 2,640-4,-336-5,902 3,-1235 1,-1 1,35 9,-33-7,0 0,25 1,375-4,-202-2,-199-1,1 0,31-7,11-2,-41 9</inkml:trace>
+</inkml:ink>
+</file>
+
+<file path=ppt/ink/ink7.xml><?xml version="1.0" encoding="utf-8"?>
+<inkml:ink xmlns:inkml="http://www.w3.org/2003/InkML">
+  <inkml:definitions>
+    <inkml:context xml:id="ctx0">
+      <inkml:inkSource xml:id="inkSrc0">
+        <inkml:traceFormat>
+          <inkml:channel name="X" type="integer" min="-2.14748E9" max="2.14748E9" units="cm"/>
+          <inkml:channel name="Y" type="integer" min="-2.14748E9" max="2.14748E9" units="cm"/>
+        </inkml:traceFormat>
+        <inkml:channelProperties>
+          <inkml:channelProperty channel="X" name="resolution" value="1000" units="1/cm"/>
+          <inkml:channelProperty channel="Y" name="resolution" value="1000" units="1/cm"/>
+        </inkml:channelProperties>
+      </inkml:inkSource>
+      <inkml:timestamp xml:id="ts0" timeString="2024-05-08T07:45:06.230"/>
+    </inkml:context>
+    <inkml:brush xml:id="br0">
+      <inkml:brushProperty name="width" value="0.1" units="cm"/>
+      <inkml:brushProperty name="height" value="0.2" units="cm"/>
+      <inkml:brushProperty name="color" value="#00F900"/>
+      <inkml:brushProperty name="tip" value="rectangle"/>
+      <inkml:brushProperty name="rasterOp" value="maskPen"/>
+      <inkml:brushProperty name="ignorePressure" value="1"/>
+    </inkml:brush>
+  </inkml:definitions>
+  <inkml:trace contextRef="#ctx0" brushRef="#br0">1 0,'991'0,"-971"1,1 1,34 8,-33-5,0-1,24 1,46-4,-42-2,0 2,80 14,-95-10,50 2,-53-6,1 2,33 8,-29-5,-1-2,1-1,0-1,72-8,-38-6,-51 7,0 1,30-1,-24 5,-12 0,1-1,-1 1,0-2,25-6,-22 3</inkml:trace>
+</inkml:ink>
+</file>
+
+<file path=ppt/ink/ink8.xml><?xml version="1.0" encoding="utf-8"?>
+<inkml:ink xmlns:inkml="http://www.w3.org/2003/InkML">
+  <inkml:definitions>
+    <inkml:context xml:id="ctx0">
+      <inkml:inkSource xml:id="inkSrc0">
+        <inkml:traceFormat>
+          <inkml:channel name="X" type="integer" min="-2.14748E9" max="2.14748E9" units="cm"/>
+          <inkml:channel name="Y" type="integer" min="-2.14748E9" max="2.14748E9" units="cm"/>
+        </inkml:traceFormat>
+        <inkml:channelProperties>
+          <inkml:channelProperty channel="X" name="resolution" value="1000" units="1/cm"/>
+          <inkml:channelProperty channel="Y" name="resolution" value="1000" units="1/cm"/>
+        </inkml:channelProperties>
+      </inkml:inkSource>
+      <inkml:timestamp xml:id="ts0" timeString="2024-05-08T07:45:07.268"/>
+    </inkml:context>
+    <inkml:brush xml:id="br0">
+      <inkml:brushProperty name="width" value="0.1" units="cm"/>
+      <inkml:brushProperty name="height" value="0.2" units="cm"/>
+      <inkml:brushProperty name="color" value="#00F900"/>
+      <inkml:brushProperty name="tip" value="rectangle"/>
+      <inkml:brushProperty name="rasterOp" value="maskPen"/>
+      <inkml:brushProperty name="ignorePressure" value="1"/>
+    </inkml:brush>
+  </inkml:definitions>
+  <inkml:trace contextRef="#ctx0" brushRef="#br0">1 1,'536'0,"-504"1,57 11,-57-6,56 2,1032-8,-503-1,-594 1</inkml:trace>
+</inkml:ink>
+</file>
+
+<file path=ppt/ink/ink9.xml><?xml version="1.0" encoding="utf-8"?>
+<inkml:ink xmlns:inkml="http://www.w3.org/2003/InkML">
+  <inkml:definitions>
+    <inkml:context xml:id="ctx0">
+      <inkml:inkSource xml:id="inkSrc0">
+        <inkml:traceFormat>
+          <inkml:channel name="X" type="integer" min="-2.14748E9" max="2.14748E9" units="cm"/>
+          <inkml:channel name="Y" type="integer" min="-2.14748E9" max="2.14748E9" units="cm"/>
+        </inkml:traceFormat>
+        <inkml:channelProperties>
+          <inkml:channelProperty channel="X" name="resolution" value="1000" units="1/cm"/>
+          <inkml:channelProperty channel="Y" name="resolution" value="1000" units="1/cm"/>
+        </inkml:channelProperties>
+      </inkml:inkSource>
+      <inkml:timestamp xml:id="ts0" timeString="2024-05-08T07:46:48.712"/>
+    </inkml:context>
+    <inkml:brush xml:id="br0">
+      <inkml:brushProperty name="width" value="0.1" units="cm"/>
+      <inkml:brushProperty name="height" value="0.2" units="cm"/>
+      <inkml:brushProperty name="color" value="#00FDFF"/>
+      <inkml:brushProperty name="tip" value="rectangle"/>
+      <inkml:brushProperty name="rasterOp" value="maskPen"/>
+      <inkml:brushProperty name="ignorePressure" value="1"/>
+    </inkml:brush>
+  </inkml:definitions>
+  <inkml:trace contextRef="#ctx0" brushRef="#br0">0 1,'3076'0,"-3053"0</inkml:trace>
+</inkml:ink>
+</file>
+
 <file path=ppt/notesMasters/notesMaster1.xml><?xml version="1.0" encoding="utf-8"?>
 <p:notesMaster xmlns:a="http://schemas.openxmlformats.org/drawingml/2006/main" xmlns:r="http://schemas.openxmlformats.org/officeDocument/2006/relationships" xmlns:p="http://schemas.openxmlformats.org/presentationml/2006/main">
   <p:cSld>
@@ -1458,7 +1944,7 @@
           <a:p>
             <a:fld id="{C9ED61FB-B9B0-4D85-A72E-A614C28ECC4E}" type="datetimeFigureOut">
               <a:rPr lang="en-US" smtClean="0"/>
-              <a:t>5/1/2024</a:t>
+              <a:t>5/13/2024</a:t>
             </a:fld>
             <a:endParaRPr lang="en-US"/>
           </a:p>
@@ -1853,7 +2339,10 @@
           <a:bodyPr/>
           <a:lstStyle/>
           <a:p>
-            <a:endParaRPr lang="zh-TW" altLang="en-US" dirty="0"/>
+            <a:r>
+              <a:rPr lang="zh-TW" altLang="en-US" dirty="0"/>
+              <a:t>他們現在遇到的問題</a:t>
+            </a:r>
           </a:p>
         </p:txBody>
       </p:sp>
@@ -1883,7 +2372,7 @@
     </p:spTree>
     <p:extLst>
       <p:ext uri="{BB962C8B-B14F-4D97-AF65-F5344CB8AC3E}">
-        <p14:creationId xmlns:p14="http://schemas.microsoft.com/office/powerpoint/2010/main" val="3362585667"/>
+        <p14:creationId xmlns:p14="http://schemas.microsoft.com/office/powerpoint/2010/main" val="2209195875"/>
       </p:ext>
     </p:extLst>
   </p:cSld>
@@ -1937,6 +2426,67 @@
           <a:bodyPr/>
           <a:lstStyle/>
           <a:p>
+            <a:r>
+              <a:rPr lang="en-US" altLang="zh-TW" dirty="0"/>
+              <a:t>(b) sub-mesh</a:t>
+            </a:r>
+            <a:r>
+              <a:rPr lang="zh-TW" altLang="en-US" dirty="0"/>
+              <a:t>會佔據太多</a:t>
+            </a:r>
+            <a:r>
+              <a:rPr lang="en-US" altLang="zh-TW" dirty="0"/>
+              <a:t>routing resource</a:t>
+            </a:r>
+            <a:r>
+              <a:rPr lang="zh-TW" altLang="en-US" dirty="0"/>
+              <a:t>，因而導致</a:t>
+            </a:r>
+            <a:r>
+              <a:rPr lang="en-US" altLang="zh-TW" dirty="0"/>
+              <a:t>signal routing</a:t>
+            </a:r>
+            <a:r>
+              <a:rPr lang="zh-TW" altLang="en-US" dirty="0"/>
+              <a:t>很多</a:t>
+            </a:r>
+            <a:r>
+              <a:rPr lang="en-US" altLang="zh-TW" dirty="0"/>
+              <a:t>DRVs</a:t>
+            </a:r>
+          </a:p>
+          <a:p>
+            <a:r>
+              <a:rPr lang="en-US" altLang="zh-TW" dirty="0"/>
+              <a:t>(c) sub-mesh</a:t>
+            </a:r>
+            <a:r>
+              <a:rPr lang="zh-TW" altLang="en-US" dirty="0"/>
+              <a:t>只佔據在</a:t>
+            </a:r>
+            <a:r>
+              <a:rPr lang="en-US" altLang="zh-TW" dirty="0"/>
+              <a:t>cross-domain cell</a:t>
+            </a:r>
+            <a:r>
+              <a:rPr lang="zh-TW" altLang="en-US" dirty="0"/>
+              <a:t>附近</a:t>
+            </a:r>
+            <a:endParaRPr lang="en-US" altLang="zh-TW" dirty="0"/>
+          </a:p>
+          <a:p>
+            <a:r>
+              <a:rPr lang="en-US" altLang="zh-TW" dirty="0"/>
+              <a:t>(d) </a:t>
+            </a:r>
+            <a:r>
+              <a:rPr lang="zh-TW" altLang="en-US" dirty="0"/>
+              <a:t>減少更多不必要的</a:t>
+            </a:r>
+            <a:r>
+              <a:rPr lang="en-US" altLang="zh-TW" dirty="0"/>
+              <a:t>sub-mesh</a:t>
+            </a:r>
             <a:endParaRPr lang="zh-TW" altLang="en-US" dirty="0"/>
           </a:p>
         </p:txBody>
@@ -1958,7 +2508,192 @@
           <a:p>
             <a:fld id="{9D457EAB-1485-47AD-BEAD-484FAEBF5A54}" type="slidenum">
               <a:rPr lang="en-US" smtClean="0"/>
-              <a:t>4</a:t>
+              <a:t>5</a:t>
+            </a:fld>
+            <a:endParaRPr lang="en-US"/>
+          </a:p>
+        </p:txBody>
+      </p:sp>
+    </p:spTree>
+    <p:extLst>
+      <p:ext uri="{BB962C8B-B14F-4D97-AF65-F5344CB8AC3E}">
+        <p14:creationId xmlns:p14="http://schemas.microsoft.com/office/powerpoint/2010/main" val="3592218306"/>
+      </p:ext>
+    </p:extLst>
+  </p:cSld>
+  <p:clrMapOvr>
+    <a:masterClrMapping/>
+  </p:clrMapOvr>
+</p:notes>
+</file>
+
+<file path=ppt/notesSlides/notesSlide4.xml><?xml version="1.0" encoding="utf-8"?>
+<p:notes xmlns:a="http://schemas.openxmlformats.org/drawingml/2006/main" xmlns:r="http://schemas.openxmlformats.org/officeDocument/2006/relationships" xmlns:p="http://schemas.openxmlformats.org/presentationml/2006/main">
+  <p:cSld>
+    <p:spTree>
+      <p:nvGrpSpPr>
+        <p:cNvPr id="1" name=""/>
+        <p:cNvGrpSpPr/>
+        <p:nvPr/>
+      </p:nvGrpSpPr>
+      <p:grpSpPr>
+        <a:xfrm>
+          <a:off x="0" y="0"/>
+          <a:ext cx="0" cy="0"/>
+          <a:chOff x="0" y="0"/>
+          <a:chExt cx="0" cy="0"/>
+        </a:xfrm>
+      </p:grpSpPr>
+      <p:sp>
+        <p:nvSpPr>
+          <p:cNvPr id="2" name="投影片影像版面配置區 1"/>
+          <p:cNvSpPr>
+            <a:spLocks noGrp="1" noRot="1" noChangeAspect="1"/>
+          </p:cNvSpPr>
+          <p:nvPr>
+            <p:ph type="sldImg"/>
+          </p:nvPr>
+        </p:nvSpPr>
+        <p:spPr/>
+      </p:sp>
+      <p:sp>
+        <p:nvSpPr>
+          <p:cNvPr id="3" name="備忘稿版面配置區 2"/>
+          <p:cNvSpPr>
+            <a:spLocks noGrp="1"/>
+          </p:cNvSpPr>
+          <p:nvPr>
+            <p:ph type="body" idx="1"/>
+          </p:nvPr>
+        </p:nvSpPr>
+        <p:spPr/>
+        <p:txBody>
+          <a:bodyPr/>
+          <a:lstStyle/>
+          <a:p>
+            <a:endParaRPr lang="zh-TW" altLang="en-US" dirty="0"/>
+          </a:p>
+        </p:txBody>
+      </p:sp>
+      <p:sp>
+        <p:nvSpPr>
+          <p:cNvPr id="4" name="投影片編號版面配置區 3"/>
+          <p:cNvSpPr>
+            <a:spLocks noGrp="1"/>
+          </p:cNvSpPr>
+          <p:nvPr>
+            <p:ph type="sldNum" sz="quarter" idx="5"/>
+          </p:nvPr>
+        </p:nvSpPr>
+        <p:spPr/>
+        <p:txBody>
+          <a:bodyPr/>
+          <a:lstStyle/>
+          <a:p>
+            <a:fld id="{9D457EAB-1485-47AD-BEAD-484FAEBF5A54}" type="slidenum">
+              <a:rPr lang="en-US" smtClean="0"/>
+              <a:t>7</a:t>
+            </a:fld>
+            <a:endParaRPr lang="en-US"/>
+          </a:p>
+        </p:txBody>
+      </p:sp>
+    </p:spTree>
+    <p:extLst>
+      <p:ext uri="{BB962C8B-B14F-4D97-AF65-F5344CB8AC3E}">
+        <p14:creationId xmlns:p14="http://schemas.microsoft.com/office/powerpoint/2010/main" val="3362585667"/>
+      </p:ext>
+    </p:extLst>
+  </p:cSld>
+  <p:clrMapOvr>
+    <a:masterClrMapping/>
+  </p:clrMapOvr>
+</p:notes>
+</file>
+
+<file path=ppt/notesSlides/notesSlide5.xml><?xml version="1.0" encoding="utf-8"?>
+<p:notes xmlns:a="http://schemas.openxmlformats.org/drawingml/2006/main" xmlns:r="http://schemas.openxmlformats.org/officeDocument/2006/relationships" xmlns:p="http://schemas.openxmlformats.org/presentationml/2006/main">
+  <p:cSld>
+    <p:spTree>
+      <p:nvGrpSpPr>
+        <p:cNvPr id="1" name=""/>
+        <p:cNvGrpSpPr/>
+        <p:nvPr/>
+      </p:nvGrpSpPr>
+      <p:grpSpPr>
+        <a:xfrm>
+          <a:off x="0" y="0"/>
+          <a:ext cx="0" cy="0"/>
+          <a:chOff x="0" y="0"/>
+          <a:chExt cx="0" cy="0"/>
+        </a:xfrm>
+      </p:grpSpPr>
+      <p:sp>
+        <p:nvSpPr>
+          <p:cNvPr id="2" name="投影片影像版面配置區 1"/>
+          <p:cNvSpPr>
+            <a:spLocks noGrp="1" noRot="1" noChangeAspect="1"/>
+          </p:cNvSpPr>
+          <p:nvPr>
+            <p:ph type="sldImg"/>
+          </p:nvPr>
+        </p:nvSpPr>
+        <p:spPr/>
+      </p:sp>
+      <p:sp>
+        <p:nvSpPr>
+          <p:cNvPr id="3" name="備忘稿版面配置區 2"/>
+          <p:cNvSpPr>
+            <a:spLocks noGrp="1"/>
+          </p:cNvSpPr>
+          <p:nvPr>
+            <p:ph type="body" idx="1"/>
+          </p:nvPr>
+        </p:nvSpPr>
+        <p:spPr/>
+        <p:txBody>
+          <a:bodyPr/>
+          <a:lstStyle/>
+          <a:p>
+            <a:pPr marL="171450" indent="-171450">
+              <a:buFont typeface="Arial" panose="020B0604020202020204" pitchFamily="34" charset="0"/>
+              <a:buChar char="•"/>
+            </a:pPr>
+            <a:r>
+              <a:rPr lang="en-US" altLang="zh-TW" dirty="0"/>
+              <a:t>Set by non-default routing rule</a:t>
+            </a:r>
+          </a:p>
+          <a:p>
+            <a:pPr marL="171450" indent="-171450">
+              <a:buFont typeface="Arial" panose="020B0604020202020204" pitchFamily="34" charset="0"/>
+              <a:buChar char="•"/>
+            </a:pPr>
+            <a:r>
+              <a:rPr lang="zh-TW" altLang="en-US" dirty="0"/>
+              <a:t>線越寬，電阻越小</a:t>
+            </a:r>
+          </a:p>
+        </p:txBody>
+      </p:sp>
+      <p:sp>
+        <p:nvSpPr>
+          <p:cNvPr id="4" name="投影片編號版面配置區 3"/>
+          <p:cNvSpPr>
+            <a:spLocks noGrp="1"/>
+          </p:cNvSpPr>
+          <p:nvPr>
+            <p:ph type="sldNum" sz="quarter" idx="5"/>
+          </p:nvPr>
+        </p:nvSpPr>
+        <p:spPr/>
+        <p:txBody>
+          <a:bodyPr/>
+          <a:lstStyle/>
+          <a:p>
+            <a:fld id="{9D457EAB-1485-47AD-BEAD-484FAEBF5A54}" type="slidenum">
+              <a:rPr lang="en-US" smtClean="0"/>
+              <a:t>8</a:t>
             </a:fld>
             <a:endParaRPr lang="en-US"/>
           </a:p>
@@ -1968,6 +2703,496 @@
     <p:extLst>
       <p:ext uri="{BB962C8B-B14F-4D97-AF65-F5344CB8AC3E}">
         <p14:creationId xmlns:p14="http://schemas.microsoft.com/office/powerpoint/2010/main" val="455945627"/>
+      </p:ext>
+    </p:extLst>
+  </p:cSld>
+  <p:clrMapOvr>
+    <a:masterClrMapping/>
+  </p:clrMapOvr>
+</p:notes>
+</file>
+
+<file path=ppt/notesSlides/notesSlide6.xml><?xml version="1.0" encoding="utf-8"?>
+<p:notes xmlns:a="http://schemas.openxmlformats.org/drawingml/2006/main" xmlns:r="http://schemas.openxmlformats.org/officeDocument/2006/relationships" xmlns:p="http://schemas.openxmlformats.org/presentationml/2006/main">
+  <p:cSld>
+    <p:spTree>
+      <p:nvGrpSpPr>
+        <p:cNvPr id="1" name=""/>
+        <p:cNvGrpSpPr/>
+        <p:nvPr/>
+      </p:nvGrpSpPr>
+      <p:grpSpPr>
+        <a:xfrm>
+          <a:off x="0" y="0"/>
+          <a:ext cx="0" cy="0"/>
+          <a:chOff x="0" y="0"/>
+          <a:chExt cx="0" cy="0"/>
+        </a:xfrm>
+      </p:grpSpPr>
+      <p:sp>
+        <p:nvSpPr>
+          <p:cNvPr id="2" name="投影片影像版面配置區 1"/>
+          <p:cNvSpPr>
+            <a:spLocks noGrp="1" noRot="1" noChangeAspect="1"/>
+          </p:cNvSpPr>
+          <p:nvPr>
+            <p:ph type="sldImg"/>
+          </p:nvPr>
+        </p:nvSpPr>
+        <p:spPr/>
+      </p:sp>
+      <p:sp>
+        <p:nvSpPr>
+          <p:cNvPr id="3" name="備忘稿版面配置區 2"/>
+          <p:cNvSpPr>
+            <a:spLocks noGrp="1"/>
+          </p:cNvSpPr>
+          <p:nvPr>
+            <p:ph type="body" idx="1"/>
+          </p:nvPr>
+        </p:nvSpPr>
+        <p:spPr/>
+        <p:txBody>
+          <a:bodyPr/>
+          <a:lstStyle/>
+          <a:p>
+            <a:endParaRPr lang="zh-TW" altLang="en-US" dirty="0"/>
+          </a:p>
+        </p:txBody>
+      </p:sp>
+      <p:sp>
+        <p:nvSpPr>
+          <p:cNvPr id="4" name="投影片編號版面配置區 3"/>
+          <p:cNvSpPr>
+            <a:spLocks noGrp="1"/>
+          </p:cNvSpPr>
+          <p:nvPr>
+            <p:ph type="sldNum" sz="quarter" idx="5"/>
+          </p:nvPr>
+        </p:nvSpPr>
+        <p:spPr/>
+        <p:txBody>
+          <a:bodyPr/>
+          <a:lstStyle/>
+          <a:p>
+            <a:fld id="{9D457EAB-1485-47AD-BEAD-484FAEBF5A54}" type="slidenum">
+              <a:rPr lang="en-US" smtClean="0"/>
+              <a:t>12</a:t>
+            </a:fld>
+            <a:endParaRPr lang="en-US"/>
+          </a:p>
+        </p:txBody>
+      </p:sp>
+    </p:spTree>
+    <p:extLst>
+      <p:ext uri="{BB962C8B-B14F-4D97-AF65-F5344CB8AC3E}">
+        <p14:creationId xmlns:p14="http://schemas.microsoft.com/office/powerpoint/2010/main" val="1620103697"/>
+      </p:ext>
+    </p:extLst>
+  </p:cSld>
+  <p:clrMapOvr>
+    <a:masterClrMapping/>
+  </p:clrMapOvr>
+</p:notes>
+</file>
+
+<file path=ppt/notesSlides/notesSlide7.xml><?xml version="1.0" encoding="utf-8"?>
+<p:notes xmlns:a="http://schemas.openxmlformats.org/drawingml/2006/main" xmlns:r="http://schemas.openxmlformats.org/officeDocument/2006/relationships" xmlns:p="http://schemas.openxmlformats.org/presentationml/2006/main">
+  <p:cSld>
+    <p:spTree>
+      <p:nvGrpSpPr>
+        <p:cNvPr id="1" name=""/>
+        <p:cNvGrpSpPr/>
+        <p:nvPr/>
+      </p:nvGrpSpPr>
+      <p:grpSpPr>
+        <a:xfrm>
+          <a:off x="0" y="0"/>
+          <a:ext cx="0" cy="0"/>
+          <a:chOff x="0" y="0"/>
+          <a:chExt cx="0" cy="0"/>
+        </a:xfrm>
+      </p:grpSpPr>
+      <p:sp>
+        <p:nvSpPr>
+          <p:cNvPr id="2" name="投影片影像版面配置區 1"/>
+          <p:cNvSpPr>
+            <a:spLocks noGrp="1" noRot="1" noChangeAspect="1"/>
+          </p:cNvSpPr>
+          <p:nvPr>
+            <p:ph type="sldImg"/>
+          </p:nvPr>
+        </p:nvSpPr>
+        <p:spPr/>
+      </p:sp>
+      <p:sp>
+        <p:nvSpPr>
+          <p:cNvPr id="3" name="備忘稿版面配置區 2"/>
+          <p:cNvSpPr>
+            <a:spLocks noGrp="1"/>
+          </p:cNvSpPr>
+          <p:nvPr>
+            <p:ph type="body" idx="1"/>
+          </p:nvPr>
+        </p:nvSpPr>
+        <p:spPr/>
+        <p:txBody>
+          <a:bodyPr/>
+          <a:lstStyle/>
+          <a:p>
+            <a:r>
+              <a:rPr lang="en-US" altLang="zh-TW" dirty="0"/>
+              <a:t>MAE:    mean absolute error</a:t>
+            </a:r>
+          </a:p>
+          <a:p>
+            <a:r>
+              <a:rPr lang="en-US" altLang="zh-TW" dirty="0"/>
+              <a:t>RSME:  root mean square error</a:t>
+            </a:r>
+          </a:p>
+          <a:p>
+            <a:r>
+              <a:rPr lang="en-US" altLang="zh-TW" dirty="0"/>
+              <a:t>C.C.:      Correlation coefficient</a:t>
+            </a:r>
+            <a:endParaRPr lang="zh-TW" altLang="en-US" dirty="0"/>
+          </a:p>
+        </p:txBody>
+      </p:sp>
+      <p:sp>
+        <p:nvSpPr>
+          <p:cNvPr id="4" name="投影片編號版面配置區 3"/>
+          <p:cNvSpPr>
+            <a:spLocks noGrp="1"/>
+          </p:cNvSpPr>
+          <p:nvPr>
+            <p:ph type="sldNum" sz="quarter" idx="5"/>
+          </p:nvPr>
+        </p:nvSpPr>
+        <p:spPr/>
+        <p:txBody>
+          <a:bodyPr/>
+          <a:lstStyle/>
+          <a:p>
+            <a:fld id="{9D457EAB-1485-47AD-BEAD-484FAEBF5A54}" type="slidenum">
+              <a:rPr lang="en-US" smtClean="0"/>
+              <a:t>14</a:t>
+            </a:fld>
+            <a:endParaRPr lang="en-US"/>
+          </a:p>
+        </p:txBody>
+      </p:sp>
+    </p:spTree>
+    <p:extLst>
+      <p:ext uri="{BB962C8B-B14F-4D97-AF65-F5344CB8AC3E}">
+        <p14:creationId xmlns:p14="http://schemas.microsoft.com/office/powerpoint/2010/main" val="950430112"/>
+      </p:ext>
+    </p:extLst>
+  </p:cSld>
+  <p:clrMapOvr>
+    <a:masterClrMapping/>
+  </p:clrMapOvr>
+</p:notes>
+</file>
+
+<file path=ppt/notesSlides/notesSlide8.xml><?xml version="1.0" encoding="utf-8"?>
+<p:notes xmlns:a="http://schemas.openxmlformats.org/drawingml/2006/main" xmlns:r="http://schemas.openxmlformats.org/officeDocument/2006/relationships" xmlns:p="http://schemas.openxmlformats.org/presentationml/2006/main">
+  <p:cSld>
+    <p:spTree>
+      <p:nvGrpSpPr>
+        <p:cNvPr id="1" name=""/>
+        <p:cNvGrpSpPr/>
+        <p:nvPr/>
+      </p:nvGrpSpPr>
+      <p:grpSpPr>
+        <a:xfrm>
+          <a:off x="0" y="0"/>
+          <a:ext cx="0" cy="0"/>
+          <a:chOff x="0" y="0"/>
+          <a:chExt cx="0" cy="0"/>
+        </a:xfrm>
+      </p:grpSpPr>
+      <p:sp>
+        <p:nvSpPr>
+          <p:cNvPr id="2" name="投影片影像版面配置區 1"/>
+          <p:cNvSpPr>
+            <a:spLocks noGrp="1" noRot="1" noChangeAspect="1"/>
+          </p:cNvSpPr>
+          <p:nvPr>
+            <p:ph type="sldImg"/>
+          </p:nvPr>
+        </p:nvSpPr>
+        <p:spPr/>
+      </p:sp>
+      <p:sp>
+        <p:nvSpPr>
+          <p:cNvPr id="3" name="備忘稿版面配置區 2"/>
+          <p:cNvSpPr>
+            <a:spLocks noGrp="1"/>
+          </p:cNvSpPr>
+          <p:nvPr>
+            <p:ph type="body" idx="1"/>
+          </p:nvPr>
+        </p:nvSpPr>
+        <p:spPr/>
+        <p:txBody>
+          <a:bodyPr/>
+          <a:lstStyle/>
+          <a:p>
+            <a:r>
+              <a:rPr lang="zh-TW" altLang="en-US" dirty="0"/>
+              <a:t>所以</a:t>
+            </a:r>
+            <a:r>
+              <a:rPr lang="en-US" altLang="zh-TW" dirty="0"/>
+              <a:t>sub mesh</a:t>
+            </a:r>
+            <a:r>
+              <a:rPr lang="zh-TW" altLang="en-US" dirty="0"/>
+              <a:t>的</a:t>
+            </a:r>
+            <a:r>
+              <a:rPr lang="en-US" altLang="zh-TW" dirty="0"/>
+              <a:t>unit size</a:t>
+            </a:r>
+            <a:r>
+              <a:rPr lang="zh-TW" altLang="en-US" dirty="0"/>
+              <a:t>設為</a:t>
+            </a:r>
+            <a:r>
+              <a:rPr lang="en-US" altLang="zh-TW" dirty="0"/>
+              <a:t>6*6 grid.</a:t>
+            </a:r>
+            <a:endParaRPr lang="zh-TW" altLang="en-US" dirty="0"/>
+          </a:p>
+        </p:txBody>
+      </p:sp>
+      <p:sp>
+        <p:nvSpPr>
+          <p:cNvPr id="4" name="投影片編號版面配置區 3"/>
+          <p:cNvSpPr>
+            <a:spLocks noGrp="1"/>
+          </p:cNvSpPr>
+          <p:nvPr>
+            <p:ph type="sldNum" sz="quarter" idx="5"/>
+          </p:nvPr>
+        </p:nvSpPr>
+        <p:spPr/>
+        <p:txBody>
+          <a:bodyPr/>
+          <a:lstStyle/>
+          <a:p>
+            <a:fld id="{9D457EAB-1485-47AD-BEAD-484FAEBF5A54}" type="slidenum">
+              <a:rPr lang="en-US" smtClean="0"/>
+              <a:t>18</a:t>
+            </a:fld>
+            <a:endParaRPr lang="en-US"/>
+          </a:p>
+        </p:txBody>
+      </p:sp>
+    </p:spTree>
+    <p:extLst>
+      <p:ext uri="{BB962C8B-B14F-4D97-AF65-F5344CB8AC3E}">
+        <p14:creationId xmlns:p14="http://schemas.microsoft.com/office/powerpoint/2010/main" val="1545970527"/>
+      </p:ext>
+    </p:extLst>
+  </p:cSld>
+  <p:clrMapOvr>
+    <a:masterClrMapping/>
+  </p:clrMapOvr>
+</p:notes>
+</file>
+
+<file path=ppt/notesSlides/notesSlide9.xml><?xml version="1.0" encoding="utf-8"?>
+<p:notes xmlns:a="http://schemas.openxmlformats.org/drawingml/2006/main" xmlns:r="http://schemas.openxmlformats.org/officeDocument/2006/relationships" xmlns:p="http://schemas.openxmlformats.org/presentationml/2006/main">
+  <p:cSld>
+    <p:spTree>
+      <p:nvGrpSpPr>
+        <p:cNvPr id="1" name=""/>
+        <p:cNvGrpSpPr/>
+        <p:nvPr/>
+      </p:nvGrpSpPr>
+      <p:grpSpPr>
+        <a:xfrm>
+          <a:off x="0" y="0"/>
+          <a:ext cx="0" cy="0"/>
+          <a:chOff x="0" y="0"/>
+          <a:chExt cx="0" cy="0"/>
+        </a:xfrm>
+      </p:grpSpPr>
+      <p:sp>
+        <p:nvSpPr>
+          <p:cNvPr id="2" name="投影片影像版面配置區 1"/>
+          <p:cNvSpPr>
+            <a:spLocks noGrp="1" noRot="1" noChangeAspect="1"/>
+          </p:cNvSpPr>
+          <p:nvPr>
+            <p:ph type="sldImg"/>
+          </p:nvPr>
+        </p:nvSpPr>
+        <p:spPr/>
+      </p:sp>
+      <p:sp>
+        <p:nvSpPr>
+          <p:cNvPr id="3" name="備忘稿版面配置區 2"/>
+          <p:cNvSpPr>
+            <a:spLocks noGrp="1"/>
+          </p:cNvSpPr>
+          <p:nvPr>
+            <p:ph type="body" idx="1"/>
+          </p:nvPr>
+        </p:nvSpPr>
+        <p:spPr/>
+        <p:txBody>
+          <a:bodyPr/>
+          <a:lstStyle/>
+          <a:p>
+            <a:r>
+              <a:rPr lang="en-US" altLang="zh-TW" dirty="0"/>
+              <a:t>sub-mesh length: sub-mesh</a:t>
+            </a:r>
+            <a:r>
+              <a:rPr lang="zh-TW" altLang="en-US" dirty="0"/>
+              <a:t>的總線長</a:t>
+            </a:r>
+            <a:endParaRPr lang="en-US" altLang="zh-TW" dirty="0"/>
+          </a:p>
+          <a:p>
+            <a:r>
+              <a:rPr lang="en-US" altLang="zh-TW" dirty="0"/>
+              <a:t>Sub-mesh</a:t>
+            </a:r>
+            <a:r>
+              <a:rPr lang="zh-TW" altLang="en-US" dirty="0"/>
+              <a:t> </a:t>
+            </a:r>
+            <a:r>
+              <a:rPr lang="en-US" altLang="zh-TW" dirty="0"/>
+              <a:t>coverage%:</a:t>
+            </a:r>
+            <a:r>
+              <a:rPr lang="zh-TW" altLang="en-US" dirty="0"/>
+              <a:t> </a:t>
+            </a:r>
+            <a:r>
+              <a:rPr lang="en-US" altLang="zh-TW" dirty="0"/>
+              <a:t>cross-domain cell</a:t>
+            </a:r>
+            <a:r>
+              <a:rPr lang="zh-TW" altLang="en-US" dirty="0"/>
+              <a:t>所在的</a:t>
+            </a:r>
+            <a:r>
+              <a:rPr lang="en-US" altLang="zh-TW" dirty="0"/>
+              <a:t>grid</a:t>
+            </a:r>
+            <a:r>
+              <a:rPr lang="zh-TW" altLang="en-US" dirty="0"/>
+              <a:t>中，</a:t>
+            </a:r>
+            <a:r>
+              <a:rPr lang="en-US" altLang="zh-TW" dirty="0"/>
+              <a:t>sub-mesh</a:t>
+            </a:r>
+            <a:r>
+              <a:rPr lang="zh-TW" altLang="en-US" dirty="0"/>
+              <a:t>佔的百分比</a:t>
+            </a:r>
+            <a:endParaRPr lang="en-US" altLang="zh-TW" dirty="0"/>
+          </a:p>
+          <a:p>
+            <a:r>
+              <a:rPr lang="en-US" altLang="zh-TW" sz="1800" b="0" i="0" u="none" strike="noStrike" baseline="0" dirty="0">
+                <a:latin typeface="LinLibertineT"/>
+              </a:rPr>
+              <a:t>Direct IR%:</a:t>
+            </a:r>
+            <a:r>
+              <a:rPr lang="zh-TW" altLang="en-US" sz="1800" b="0" i="0" u="none" strike="noStrike" baseline="0" dirty="0">
+                <a:latin typeface="LinLibertineT"/>
+              </a:rPr>
+              <a:t> 跟</a:t>
+            </a:r>
+            <a:r>
+              <a:rPr lang="en-US" altLang="zh-TW" sz="1800" b="0" i="0" u="none" strike="noStrike" baseline="0" dirty="0">
+                <a:latin typeface="LinLibertineT"/>
+              </a:rPr>
+              <a:t>direct supply</a:t>
+            </a:r>
+            <a:r>
+              <a:rPr lang="zh-TW" altLang="en-US" sz="1800" b="0" i="0" u="none" strike="noStrike" baseline="0" dirty="0">
+                <a:latin typeface="LinLibertineT"/>
+              </a:rPr>
+              <a:t>連接的</a:t>
+            </a:r>
+            <a:r>
+              <a:rPr lang="en-US" altLang="zh-TW" sz="1800" b="0" i="0" u="none" strike="noStrike" baseline="0" dirty="0">
+                <a:latin typeface="LinLibertineT"/>
+              </a:rPr>
+              <a:t>cross-domain cell</a:t>
+            </a:r>
+            <a:r>
+              <a:rPr lang="zh-TW" altLang="en-US" sz="1800" b="0" i="0" u="none" strike="noStrike" baseline="0" dirty="0">
+                <a:latin typeface="LinLibertineT"/>
+              </a:rPr>
+              <a:t>最大</a:t>
+            </a:r>
+            <a:r>
+              <a:rPr lang="en-US" altLang="zh-TW" sz="1800" b="0" i="0" u="none" strike="noStrike" baseline="0" dirty="0">
+                <a:latin typeface="LinLibertineT"/>
+              </a:rPr>
+              <a:t>/</a:t>
+            </a:r>
+            <a:r>
+              <a:rPr lang="zh-TW" altLang="en-US" sz="1800" b="0" i="0" u="none" strike="noStrike" baseline="0" dirty="0">
+                <a:latin typeface="LinLibertineT"/>
+              </a:rPr>
+              <a:t>平均的</a:t>
+            </a:r>
+            <a:r>
+              <a:rPr lang="en-US" altLang="zh-TW" sz="1800" b="0" i="0" u="none" strike="noStrike" baseline="0" dirty="0">
+                <a:latin typeface="LinLibertineT"/>
+              </a:rPr>
+              <a:t>IR Drop</a:t>
+            </a:r>
+            <a:r>
+              <a:rPr lang="zh-TW" altLang="en-US" sz="1800" b="0" i="0" u="none" strike="noStrike" baseline="0" dirty="0">
+                <a:latin typeface="LinLibertineT"/>
+              </a:rPr>
+              <a:t>的比例</a:t>
+            </a:r>
+            <a:endParaRPr lang="zh-TW" altLang="en-US" dirty="0"/>
+          </a:p>
+        </p:txBody>
+      </p:sp>
+      <p:sp>
+        <p:nvSpPr>
+          <p:cNvPr id="4" name="投影片編號版面配置區 3"/>
+          <p:cNvSpPr>
+            <a:spLocks noGrp="1"/>
+          </p:cNvSpPr>
+          <p:nvPr>
+            <p:ph type="sldNum" sz="quarter" idx="5"/>
+          </p:nvPr>
+        </p:nvSpPr>
+        <p:spPr/>
+        <p:txBody>
+          <a:bodyPr/>
+          <a:lstStyle/>
+          <a:p>
+            <a:fld id="{9D457EAB-1485-47AD-BEAD-484FAEBF5A54}" type="slidenum">
+              <a:rPr lang="en-US" smtClean="0"/>
+              <a:t>23</a:t>
+            </a:fld>
+            <a:endParaRPr lang="en-US"/>
+          </a:p>
+        </p:txBody>
+      </p:sp>
+    </p:spTree>
+    <p:extLst>
+      <p:ext uri="{BB962C8B-B14F-4D97-AF65-F5344CB8AC3E}">
+        <p14:creationId xmlns:p14="http://schemas.microsoft.com/office/powerpoint/2010/main" val="2414667141"/>
       </p:ext>
     </p:extLst>
   </p:cSld>
@@ -2124,7 +3349,7 @@
           <a:p>
             <a:fld id="{99BA7BAB-F69F-4C21-8D40-7AA273A2D01F}" type="datetime1">
               <a:rPr lang="en-US" smtClean="0"/>
-              <a:t>5/1/2024</a:t>
+              <a:t>5/13/2024</a:t>
             </a:fld>
             <a:endParaRPr lang="en-US"/>
           </a:p>
@@ -2329,7 +3554,7 @@
           <a:p>
             <a:fld id="{FB00A8EC-4678-43EE-BE64-F312B7F1A46F}" type="datetime1">
               <a:rPr lang="en-US" smtClean="0"/>
-              <a:t>5/1/2024</a:t>
+              <a:t>5/13/2024</a:t>
             </a:fld>
             <a:endParaRPr lang="en-US"/>
           </a:p>
@@ -2537,7 +3762,7 @@
           <a:p>
             <a:fld id="{9487F23D-EA8F-4C56-9373-23F6109AD11F}" type="datetime1">
               <a:rPr lang="en-US" smtClean="0"/>
-              <a:t>5/1/2024</a:t>
+              <a:t>5/13/2024</a:t>
             </a:fld>
             <a:endParaRPr lang="en-US"/>
           </a:p>
@@ -2735,7 +3960,7 @@
           <a:p>
             <a:fld id="{A34E716E-0239-4A81-9CF4-D3B9651721CF}" type="datetime1">
               <a:rPr lang="en-US" smtClean="0"/>
-              <a:t>5/1/2024</a:t>
+              <a:t>5/13/2024</a:t>
             </a:fld>
             <a:endParaRPr lang="en-US"/>
           </a:p>
@@ -3017,7 +4242,7 @@
           <a:p>
             <a:fld id="{CC112E56-3D97-4B86-935C-1C493DD86A08}" type="datetime1">
               <a:rPr lang="en-US" smtClean="0"/>
-              <a:t>5/1/2024</a:t>
+              <a:t>5/13/2024</a:t>
             </a:fld>
             <a:endParaRPr lang="en-US"/>
           </a:p>
@@ -3282,7 +4507,7 @@
           <a:p>
             <a:fld id="{40649135-BABF-4F63-9AF8-3CEC545E47DC}" type="datetime1">
               <a:rPr lang="en-US" smtClean="0"/>
-              <a:t>5/1/2024</a:t>
+              <a:t>5/13/2024</a:t>
             </a:fld>
             <a:endParaRPr lang="en-US"/>
           </a:p>
@@ -3694,7 +4919,7 @@
           <a:p>
             <a:fld id="{B16EBC02-C9C0-442D-A8A6-494057203542}" type="datetime1">
               <a:rPr lang="en-US" smtClean="0"/>
-              <a:t>5/1/2024</a:t>
+              <a:t>5/13/2024</a:t>
             </a:fld>
             <a:endParaRPr lang="en-US"/>
           </a:p>
@@ -3835,7 +5060,7 @@
           <a:p>
             <a:fld id="{A126C4B4-559D-414E-BC9C-16A745BBF3C3}" type="datetime1">
               <a:rPr lang="en-US" smtClean="0"/>
-              <a:t>5/1/2024</a:t>
+              <a:t>5/13/2024</a:t>
             </a:fld>
             <a:endParaRPr lang="en-US"/>
           </a:p>
@@ -3948,7 +5173,7 @@
           <a:p>
             <a:fld id="{0D49D49E-73A5-4C03-BFEA-3D845EB044D8}" type="datetime1">
               <a:rPr lang="en-US" smtClean="0"/>
-              <a:t>5/1/2024</a:t>
+              <a:t>5/13/2024</a:t>
             </a:fld>
             <a:endParaRPr lang="en-US"/>
           </a:p>
@@ -4259,7 +5484,7 @@
           <a:p>
             <a:fld id="{4A0F93E6-3134-410C-B573-A5F6B38FC346}" type="datetime1">
               <a:rPr lang="en-US" smtClean="0"/>
-              <a:t>5/1/2024</a:t>
+              <a:t>5/13/2024</a:t>
             </a:fld>
             <a:endParaRPr lang="en-US"/>
           </a:p>
@@ -4547,7 +5772,7 @@
           <a:p>
             <a:fld id="{F766E70F-5320-45A5-BE33-1819A93C2AF4}" type="datetime1">
               <a:rPr lang="en-US" smtClean="0"/>
-              <a:t>5/1/2024</a:t>
+              <a:t>5/13/2024</a:t>
             </a:fld>
             <a:endParaRPr lang="en-US"/>
           </a:p>
@@ -4788,7 +6013,7 @@
           <a:p>
             <a:fld id="{A706458B-0289-40FF-A02D-2C541B7F1CB6}" type="datetime1">
               <a:rPr lang="en-US" smtClean="0"/>
-              <a:t>5/1/2024</a:t>
+              <a:t>5/13/2024</a:t>
             </a:fld>
             <a:endParaRPr lang="en-US"/>
           </a:p>
@@ -5449,8 +6674,47 @@
                 <a:latin typeface="Times New Roman" panose="02020603050405020304" pitchFamily="18" charset="0"/>
                 <a:cs typeface="Times New Roman" panose="02020603050405020304" pitchFamily="18" charset="0"/>
               </a:rPr>
-              <a:t>Chien-Pang Lu, Iris Hui-Ru Jiang, Chung-Ching Peng</a:t>
-            </a:r>
+              <a:t>Chien-Pang Lu, Iris Hui-Ru Jiang, Chung-Ching Peng, Mohd </a:t>
+            </a:r>
+            <a:r>
+              <a:rPr lang="en-US" sz="1600" dirty="0" err="1">
+                <a:latin typeface="Times New Roman" panose="02020603050405020304" pitchFamily="18" charset="0"/>
+                <a:cs typeface="Times New Roman" panose="02020603050405020304" pitchFamily="18" charset="0"/>
+              </a:rPr>
+              <a:t>Razha</a:t>
+            </a:r>
+            <a:r>
+              <a:rPr lang="en-US" sz="1600" dirty="0">
+                <a:latin typeface="Times New Roman" panose="02020603050405020304" pitchFamily="18" charset="0"/>
+                <a:cs typeface="Times New Roman" panose="02020603050405020304" pitchFamily="18" charset="0"/>
+              </a:rPr>
+              <a:t> Mohd </a:t>
+            </a:r>
+            <a:r>
+              <a:rPr lang="en-US" sz="1600" dirty="0" err="1">
+                <a:latin typeface="Times New Roman" panose="02020603050405020304" pitchFamily="18" charset="0"/>
+                <a:cs typeface="Times New Roman" panose="02020603050405020304" pitchFamily="18" charset="0"/>
+              </a:rPr>
+              <a:t>Mawardi</a:t>
+            </a:r>
+            <a:r>
+              <a:rPr lang="en-US" sz="1600" dirty="0">
+                <a:latin typeface="Times New Roman" panose="02020603050405020304" pitchFamily="18" charset="0"/>
+                <a:cs typeface="Times New Roman" panose="02020603050405020304" pitchFamily="18" charset="0"/>
+              </a:rPr>
+              <a:t>, Uber </a:t>
+            </a:r>
+            <a:r>
+              <a:rPr lang="en-US" sz="1600" dirty="0" err="1">
+                <a:latin typeface="Times New Roman" panose="02020603050405020304" pitchFamily="18" charset="0"/>
+                <a:cs typeface="Times New Roman" panose="02020603050405020304" pitchFamily="18" charset="0"/>
+              </a:rPr>
+              <a:t>Akessandro</a:t>
+            </a:r>
+            <a:endParaRPr lang="en-US" sz="1600" dirty="0">
+              <a:latin typeface="Times New Roman" panose="02020603050405020304" pitchFamily="18" charset="0"/>
+              <a:cs typeface="Times New Roman" panose="02020603050405020304" pitchFamily="18" charset="0"/>
+            </a:endParaRPr>
           </a:p>
           <a:p>
             <a:endParaRPr lang="en-US" sz="500" dirty="0">
@@ -5539,6 +6803,3318 @@
     <p:extLst>
       <p:ext uri="{BB962C8B-B14F-4D97-AF65-F5344CB8AC3E}">
         <p14:creationId xmlns:p14="http://schemas.microsoft.com/office/powerpoint/2010/main" val="3290883424"/>
+      </p:ext>
+    </p:extLst>
+  </p:cSld>
+  <p:clrMapOvr>
+    <a:masterClrMapping/>
+  </p:clrMapOvr>
+</p:sld>
+</file>
+
+<file path=ppt/slides/slide10.xml><?xml version="1.0" encoding="utf-8"?>
+<p:sld xmlns:a="http://schemas.openxmlformats.org/drawingml/2006/main" xmlns:r="http://schemas.openxmlformats.org/officeDocument/2006/relationships" xmlns:p="http://schemas.openxmlformats.org/presentationml/2006/main">
+  <p:cSld>
+    <p:spTree>
+      <p:nvGrpSpPr>
+        <p:cNvPr id="1" name=""/>
+        <p:cNvGrpSpPr/>
+        <p:nvPr/>
+      </p:nvGrpSpPr>
+      <p:grpSpPr>
+        <a:xfrm>
+          <a:off x="0" y="0"/>
+          <a:ext cx="0" cy="0"/>
+          <a:chOff x="0" y="0"/>
+          <a:chExt cx="0" cy="0"/>
+        </a:xfrm>
+      </p:grpSpPr>
+      <p:sp>
+        <p:nvSpPr>
+          <p:cNvPr id="2" name="標題 1">
+            <a:extLst>
+              <a:ext uri="{FF2B5EF4-FFF2-40B4-BE49-F238E27FC236}">
+                <a16:creationId xmlns:a16="http://schemas.microsoft.com/office/drawing/2014/main" id="{5286E359-E626-B493-ABAF-94D504ABD4C3}"/>
+              </a:ext>
+            </a:extLst>
+          </p:cNvPr>
+          <p:cNvSpPr>
+            <a:spLocks noGrp="1"/>
+          </p:cNvSpPr>
+          <p:nvPr>
+            <p:ph type="title"/>
+          </p:nvPr>
+        </p:nvSpPr>
+        <p:spPr/>
+        <p:txBody>
+          <a:bodyPr/>
+          <a:lstStyle/>
+          <a:p>
+            <a:r>
+              <a:rPr lang="en-US" altLang="zh-TW" sz="4000" dirty="0"/>
+              <a:t>Preliminaries</a:t>
+            </a:r>
+            <a:endParaRPr lang="zh-TW" altLang="en-US" dirty="0"/>
+          </a:p>
+        </p:txBody>
+      </p:sp>
+      <p:sp>
+        <p:nvSpPr>
+          <p:cNvPr id="3" name="內容版面配置區 2">
+            <a:extLst>
+              <a:ext uri="{FF2B5EF4-FFF2-40B4-BE49-F238E27FC236}">
+                <a16:creationId xmlns:a16="http://schemas.microsoft.com/office/drawing/2014/main" id="{64602112-5F7A-7122-5DB0-E3E666D8CB39}"/>
+              </a:ext>
+            </a:extLst>
+          </p:cNvPr>
+          <p:cNvSpPr>
+            <a:spLocks noGrp="1"/>
+          </p:cNvSpPr>
+          <p:nvPr>
+            <p:ph idx="1"/>
+          </p:nvPr>
+        </p:nvSpPr>
+        <p:spPr>
+          <a:xfrm>
+            <a:off x="838200" y="1690688"/>
+            <a:ext cx="10515600" cy="4486275"/>
+          </a:xfrm>
+        </p:spPr>
+        <p:txBody>
+          <a:bodyPr/>
+          <a:lstStyle/>
+          <a:p>
+            <a:pPr>
+              <a:lnSpc>
+                <a:spcPct val="150000"/>
+              </a:lnSpc>
+            </a:pPr>
+            <a:r>
+              <a:rPr lang="en-US" altLang="zh-TW" sz="2200" dirty="0"/>
+              <a:t>Input</a:t>
+            </a:r>
+          </a:p>
+          <a:p>
+            <a:pPr lvl="1">
+              <a:lnSpc>
+                <a:spcPct val="150000"/>
+              </a:lnSpc>
+            </a:pPr>
+            <a:r>
+              <a:rPr lang="en-US" altLang="zh-TW" sz="1800" dirty="0"/>
+              <a:t>A timing-driven placed and clock-routed multiple power domain design.</a:t>
+            </a:r>
+          </a:p>
+          <a:p>
+            <a:pPr lvl="1">
+              <a:lnSpc>
+                <a:spcPct val="150000"/>
+              </a:lnSpc>
+            </a:pPr>
+            <a:r>
+              <a:rPr lang="en-US" altLang="zh-TW" sz="1800" dirty="0"/>
+              <a:t>A set of cross-domain cells and corresponding power sources, primary power mesh and signal routing distributions.</a:t>
+            </a:r>
+          </a:p>
+          <a:p>
+            <a:pPr>
+              <a:lnSpc>
+                <a:spcPct val="150000"/>
+              </a:lnSpc>
+            </a:pPr>
+            <a:r>
+              <a:rPr lang="en-US" altLang="zh-TW" sz="2200" dirty="0"/>
+              <a:t>Goal</a:t>
+            </a:r>
+          </a:p>
+          <a:p>
+            <a:pPr lvl="1">
+              <a:lnSpc>
+                <a:spcPct val="150000"/>
+              </a:lnSpc>
+            </a:pPr>
+            <a:r>
+              <a:rPr lang="en-US" altLang="zh-TW" sz="1800" dirty="0"/>
+              <a:t>To construct power sub-meshes such that the IR drop constraints on cross-domain cells are satisfied.</a:t>
+            </a:r>
+          </a:p>
+          <a:p>
+            <a:pPr lvl="1">
+              <a:lnSpc>
+                <a:spcPct val="150000"/>
+              </a:lnSpc>
+            </a:pPr>
+            <a:r>
+              <a:rPr lang="en-US" altLang="zh-TW" sz="1800" dirty="0"/>
+              <a:t>Design rule violations on signal routing are minimized without timing degradation.</a:t>
+            </a:r>
+            <a:endParaRPr lang="zh-TW" altLang="en-US" sz="1800" dirty="0"/>
+          </a:p>
+        </p:txBody>
+      </p:sp>
+      <p:sp>
+        <p:nvSpPr>
+          <p:cNvPr id="4" name="投影片編號版面配置區 3">
+            <a:extLst>
+              <a:ext uri="{FF2B5EF4-FFF2-40B4-BE49-F238E27FC236}">
+                <a16:creationId xmlns:a16="http://schemas.microsoft.com/office/drawing/2014/main" id="{BEB3191F-3D5D-B9EF-1EDE-CD891F6DB1AD}"/>
+              </a:ext>
+            </a:extLst>
+          </p:cNvPr>
+          <p:cNvSpPr>
+            <a:spLocks noGrp="1"/>
+          </p:cNvSpPr>
+          <p:nvPr>
+            <p:ph type="sldNum" sz="quarter" idx="12"/>
+          </p:nvPr>
+        </p:nvSpPr>
+        <p:spPr/>
+        <p:txBody>
+          <a:bodyPr/>
+          <a:lstStyle/>
+          <a:p>
+            <a:fld id="{666274A1-CF9C-426A-8DD4-B13ED0C24231}" type="slidenum">
+              <a:rPr lang="en-US" smtClean="0"/>
+              <a:t>9</a:t>
+            </a:fld>
+            <a:endParaRPr lang="en-US"/>
+          </a:p>
+        </p:txBody>
+      </p:sp>
+    </p:spTree>
+    <p:extLst>
+      <p:ext uri="{BB962C8B-B14F-4D97-AF65-F5344CB8AC3E}">
+        <p14:creationId xmlns:p14="http://schemas.microsoft.com/office/powerpoint/2010/main" val="3031697280"/>
+      </p:ext>
+    </p:extLst>
+  </p:cSld>
+  <p:clrMapOvr>
+    <a:masterClrMapping/>
+  </p:clrMapOvr>
+</p:sld>
+</file>
+
+<file path=ppt/slides/slide11.xml><?xml version="1.0" encoding="utf-8"?>
+<p:sld xmlns:a="http://schemas.openxmlformats.org/drawingml/2006/main" xmlns:r="http://schemas.openxmlformats.org/officeDocument/2006/relationships" xmlns:p="http://schemas.openxmlformats.org/presentationml/2006/main">
+  <p:cSld>
+    <p:spTree>
+      <p:nvGrpSpPr>
+        <p:cNvPr id="1" name=""/>
+        <p:cNvGrpSpPr/>
+        <p:nvPr/>
+      </p:nvGrpSpPr>
+      <p:grpSpPr>
+        <a:xfrm>
+          <a:off x="0" y="0"/>
+          <a:ext cx="0" cy="0"/>
+          <a:chOff x="0" y="0"/>
+          <a:chExt cx="0" cy="0"/>
+        </a:xfrm>
+      </p:grpSpPr>
+      <p:sp>
+        <p:nvSpPr>
+          <p:cNvPr id="2" name="標題 1">
+            <a:extLst>
+              <a:ext uri="{FF2B5EF4-FFF2-40B4-BE49-F238E27FC236}">
+                <a16:creationId xmlns:a16="http://schemas.microsoft.com/office/drawing/2014/main" id="{27366C51-2F74-B127-3481-5D12174C21C1}"/>
+              </a:ext>
+            </a:extLst>
+          </p:cNvPr>
+          <p:cNvSpPr>
+            <a:spLocks noGrp="1"/>
+          </p:cNvSpPr>
+          <p:nvPr>
+            <p:ph type="title"/>
+          </p:nvPr>
+        </p:nvSpPr>
+        <p:spPr/>
+        <p:txBody>
+          <a:bodyPr/>
+          <a:lstStyle/>
+          <a:p>
+            <a:r>
+              <a:rPr lang="en-US" altLang="zh-TW" sz="4000" dirty="0"/>
+              <a:t>Methodology</a:t>
+            </a:r>
+            <a:endParaRPr lang="zh-TW" altLang="en-US" dirty="0"/>
+          </a:p>
+        </p:txBody>
+      </p:sp>
+      <p:pic>
+        <p:nvPicPr>
+          <p:cNvPr id="6" name="內容版面配置區 5">
+            <a:extLst>
+              <a:ext uri="{FF2B5EF4-FFF2-40B4-BE49-F238E27FC236}">
+                <a16:creationId xmlns:a16="http://schemas.microsoft.com/office/drawing/2014/main" id="{FAFD1D33-569C-F65A-6431-0CC47395F37F}"/>
+              </a:ext>
+            </a:extLst>
+          </p:cNvPr>
+          <p:cNvPicPr>
+            <a:picLocks noGrp="1" noChangeAspect="1"/>
+          </p:cNvPicPr>
+          <p:nvPr>
+            <p:ph idx="1"/>
+          </p:nvPr>
+        </p:nvPicPr>
+        <p:blipFill>
+          <a:blip r:embed="rId2"/>
+          <a:stretch>
+            <a:fillRect/>
+          </a:stretch>
+        </p:blipFill>
+        <p:spPr>
+          <a:xfrm>
+            <a:off x="2860272" y="1575594"/>
+            <a:ext cx="6471455" cy="4895850"/>
+          </a:xfrm>
+        </p:spPr>
+      </p:pic>
+      <p:sp>
+        <p:nvSpPr>
+          <p:cNvPr id="4" name="投影片編號版面配置區 3">
+            <a:extLst>
+              <a:ext uri="{FF2B5EF4-FFF2-40B4-BE49-F238E27FC236}">
+                <a16:creationId xmlns:a16="http://schemas.microsoft.com/office/drawing/2014/main" id="{E170D164-5E43-0D64-2651-D812DF971DF0}"/>
+              </a:ext>
+            </a:extLst>
+          </p:cNvPr>
+          <p:cNvSpPr>
+            <a:spLocks noGrp="1"/>
+          </p:cNvSpPr>
+          <p:nvPr>
+            <p:ph type="sldNum" sz="quarter" idx="12"/>
+          </p:nvPr>
+        </p:nvSpPr>
+        <p:spPr/>
+        <p:txBody>
+          <a:bodyPr/>
+          <a:lstStyle/>
+          <a:p>
+            <a:fld id="{666274A1-CF9C-426A-8DD4-B13ED0C24231}" type="slidenum">
+              <a:rPr lang="en-US" smtClean="0"/>
+              <a:t>10</a:t>
+            </a:fld>
+            <a:endParaRPr lang="en-US"/>
+          </a:p>
+        </p:txBody>
+      </p:sp>
+    </p:spTree>
+    <p:extLst>
+      <p:ext uri="{BB962C8B-B14F-4D97-AF65-F5344CB8AC3E}">
+        <p14:creationId xmlns:p14="http://schemas.microsoft.com/office/powerpoint/2010/main" val="663736613"/>
+      </p:ext>
+    </p:extLst>
+  </p:cSld>
+  <p:clrMapOvr>
+    <a:masterClrMapping/>
+  </p:clrMapOvr>
+</p:sld>
+</file>
+
+<file path=ppt/slides/slide12.xml><?xml version="1.0" encoding="utf-8"?>
+<p:sld xmlns:a="http://schemas.openxmlformats.org/drawingml/2006/main" xmlns:r="http://schemas.openxmlformats.org/officeDocument/2006/relationships" xmlns:p="http://schemas.openxmlformats.org/presentationml/2006/main">
+  <p:cSld>
+    <p:spTree>
+      <p:nvGrpSpPr>
+        <p:cNvPr id="1" name=""/>
+        <p:cNvGrpSpPr/>
+        <p:nvPr/>
+      </p:nvGrpSpPr>
+      <p:grpSpPr>
+        <a:xfrm>
+          <a:off x="0" y="0"/>
+          <a:ext cx="0" cy="0"/>
+          <a:chOff x="0" y="0"/>
+          <a:chExt cx="0" cy="0"/>
+        </a:xfrm>
+      </p:grpSpPr>
+      <p:sp>
+        <p:nvSpPr>
+          <p:cNvPr id="2" name="標題 1">
+            <a:extLst>
+              <a:ext uri="{FF2B5EF4-FFF2-40B4-BE49-F238E27FC236}">
+                <a16:creationId xmlns:a16="http://schemas.microsoft.com/office/drawing/2014/main" id="{FD28F0D8-549F-0F5A-0929-4EE037E6D213}"/>
+              </a:ext>
+            </a:extLst>
+          </p:cNvPr>
+          <p:cNvSpPr>
+            <a:spLocks noGrp="1"/>
+          </p:cNvSpPr>
+          <p:nvPr>
+            <p:ph type="title"/>
+          </p:nvPr>
+        </p:nvSpPr>
+        <p:spPr/>
+        <p:txBody>
+          <a:bodyPr/>
+          <a:lstStyle/>
+          <a:p>
+            <a:r>
+              <a:rPr lang="en-US" altLang="zh-TW" sz="4000" dirty="0"/>
+              <a:t>Methodology</a:t>
+            </a:r>
+            <a:r>
+              <a:rPr lang="en-US" altLang="zh-TW" dirty="0"/>
+              <a:t> </a:t>
+            </a:r>
+            <a:r>
+              <a:rPr lang="en-US" altLang="zh-TW" sz="2800" dirty="0"/>
+              <a:t>– Feature Extraction</a:t>
+            </a:r>
+            <a:endParaRPr lang="zh-TW" altLang="en-US" dirty="0"/>
+          </a:p>
+        </p:txBody>
+      </p:sp>
+      <p:sp>
+        <p:nvSpPr>
+          <p:cNvPr id="3" name="內容版面配置區 2">
+            <a:extLst>
+              <a:ext uri="{FF2B5EF4-FFF2-40B4-BE49-F238E27FC236}">
+                <a16:creationId xmlns:a16="http://schemas.microsoft.com/office/drawing/2014/main" id="{A631D7BD-9745-5DAE-5222-935ABF471125}"/>
+              </a:ext>
+            </a:extLst>
+          </p:cNvPr>
+          <p:cNvSpPr>
+            <a:spLocks noGrp="1"/>
+          </p:cNvSpPr>
+          <p:nvPr>
+            <p:ph idx="1"/>
+          </p:nvPr>
+        </p:nvSpPr>
+        <p:spPr/>
+        <p:txBody>
+          <a:bodyPr>
+            <a:normAutofit/>
+          </a:bodyPr>
+          <a:lstStyle/>
+          <a:p>
+            <a:pPr>
+              <a:lnSpc>
+                <a:spcPct val="125000"/>
+              </a:lnSpc>
+            </a:pPr>
+            <a:r>
+              <a:rPr lang="en-US" altLang="zh-TW" sz="2200" dirty="0"/>
+              <a:t>Training layouts are generated by a multiple power domain design with different densities of sub-meshes.</a:t>
+            </a:r>
+          </a:p>
+          <a:p>
+            <a:pPr>
+              <a:lnSpc>
+                <a:spcPct val="125000"/>
+              </a:lnSpc>
+            </a:pPr>
+            <a:r>
+              <a:rPr lang="en-US" altLang="zh-TW" sz="2200" dirty="0"/>
+              <a:t>The training layout is partitioned into uniform grids.</a:t>
+            </a:r>
+          </a:p>
+          <a:p>
+            <a:pPr>
+              <a:lnSpc>
+                <a:spcPct val="125000"/>
+              </a:lnSpc>
+            </a:pPr>
+            <a:r>
+              <a:rPr lang="en-US" altLang="zh-TW" sz="2200" dirty="0"/>
+              <a:t>The datasets contain around 20K cross-domain cell instances</a:t>
+            </a:r>
+          </a:p>
+          <a:p>
+            <a:pPr lvl="1">
+              <a:lnSpc>
+                <a:spcPct val="125000"/>
+              </a:lnSpc>
+            </a:pPr>
+            <a:r>
+              <a:rPr lang="en-US" altLang="zh-TW" sz="1800" dirty="0"/>
+              <a:t>Split them into training and validation sets with 80 : 20 split ratio.</a:t>
+            </a:r>
+          </a:p>
+          <a:p>
+            <a:pPr lvl="1">
+              <a:lnSpc>
+                <a:spcPct val="125000"/>
+              </a:lnSpc>
+            </a:pPr>
+            <a:r>
+              <a:rPr lang="en-US" altLang="zh-TW" sz="1800" dirty="0"/>
+              <a:t>Perform normalization and standardization on the data feature values before the training process</a:t>
+            </a:r>
+          </a:p>
+        </p:txBody>
+      </p:sp>
+      <p:sp>
+        <p:nvSpPr>
+          <p:cNvPr id="4" name="投影片編號版面配置區 3">
+            <a:extLst>
+              <a:ext uri="{FF2B5EF4-FFF2-40B4-BE49-F238E27FC236}">
+                <a16:creationId xmlns:a16="http://schemas.microsoft.com/office/drawing/2014/main" id="{29205F26-7060-16BC-949B-03B5E192AEFC}"/>
+              </a:ext>
+            </a:extLst>
+          </p:cNvPr>
+          <p:cNvSpPr>
+            <a:spLocks noGrp="1"/>
+          </p:cNvSpPr>
+          <p:nvPr>
+            <p:ph type="sldNum" sz="quarter" idx="12"/>
+          </p:nvPr>
+        </p:nvSpPr>
+        <p:spPr/>
+        <p:txBody>
+          <a:bodyPr/>
+          <a:lstStyle/>
+          <a:p>
+            <a:fld id="{666274A1-CF9C-426A-8DD4-B13ED0C24231}" type="slidenum">
+              <a:rPr lang="en-US" smtClean="0"/>
+              <a:t>11</a:t>
+            </a:fld>
+            <a:endParaRPr lang="en-US"/>
+          </a:p>
+        </p:txBody>
+      </p:sp>
+    </p:spTree>
+    <p:extLst>
+      <p:ext uri="{BB962C8B-B14F-4D97-AF65-F5344CB8AC3E}">
+        <p14:creationId xmlns:p14="http://schemas.microsoft.com/office/powerpoint/2010/main" val="2703942916"/>
+      </p:ext>
+    </p:extLst>
+  </p:cSld>
+  <p:clrMapOvr>
+    <a:masterClrMapping/>
+  </p:clrMapOvr>
+</p:sld>
+</file>
+
+<file path=ppt/slides/slide13.xml><?xml version="1.0" encoding="utf-8"?>
+<p:sld xmlns:a="http://schemas.openxmlformats.org/drawingml/2006/main" xmlns:r="http://schemas.openxmlformats.org/officeDocument/2006/relationships" xmlns:p="http://schemas.openxmlformats.org/presentationml/2006/main">
+  <p:cSld>
+    <p:spTree>
+      <p:nvGrpSpPr>
+        <p:cNvPr id="1" name=""/>
+        <p:cNvGrpSpPr/>
+        <p:nvPr/>
+      </p:nvGrpSpPr>
+      <p:grpSpPr>
+        <a:xfrm>
+          <a:off x="0" y="0"/>
+          <a:ext cx="0" cy="0"/>
+          <a:chOff x="0" y="0"/>
+          <a:chExt cx="0" cy="0"/>
+        </a:xfrm>
+      </p:grpSpPr>
+      <p:sp>
+        <p:nvSpPr>
+          <p:cNvPr id="3" name="內容版面配置區 2">
+            <a:extLst>
+              <a:ext uri="{FF2B5EF4-FFF2-40B4-BE49-F238E27FC236}">
+                <a16:creationId xmlns:a16="http://schemas.microsoft.com/office/drawing/2014/main" id="{08B9682A-E93D-9E8D-593E-1E2EEA5BA812}"/>
+              </a:ext>
+            </a:extLst>
+          </p:cNvPr>
+          <p:cNvSpPr>
+            <a:spLocks noGrp="1"/>
+          </p:cNvSpPr>
+          <p:nvPr>
+            <p:ph idx="1"/>
+          </p:nvPr>
+        </p:nvSpPr>
+        <p:spPr>
+          <a:xfrm>
+            <a:off x="508388" y="658247"/>
+            <a:ext cx="4624749" cy="458903"/>
+          </a:xfrm>
+        </p:spPr>
+        <p:txBody>
+          <a:bodyPr>
+            <a:normAutofit/>
+          </a:bodyPr>
+          <a:lstStyle/>
+          <a:p>
+            <a:r>
+              <a:rPr lang="en-US" altLang="zh-TW" sz="2000" dirty="0"/>
+              <a:t>Extract 46 features for each target cell.</a:t>
+            </a:r>
+            <a:endParaRPr lang="zh-TW" altLang="en-US" sz="2000" dirty="0"/>
+          </a:p>
+        </p:txBody>
+      </p:sp>
+      <p:sp>
+        <p:nvSpPr>
+          <p:cNvPr id="4" name="投影片編號版面配置區 3">
+            <a:extLst>
+              <a:ext uri="{FF2B5EF4-FFF2-40B4-BE49-F238E27FC236}">
+                <a16:creationId xmlns:a16="http://schemas.microsoft.com/office/drawing/2014/main" id="{E8AE9F24-B77D-F9A8-F3B4-3EC0232B3864}"/>
+              </a:ext>
+            </a:extLst>
+          </p:cNvPr>
+          <p:cNvSpPr>
+            <a:spLocks noGrp="1"/>
+          </p:cNvSpPr>
+          <p:nvPr>
+            <p:ph type="sldNum" sz="quarter" idx="12"/>
+          </p:nvPr>
+        </p:nvSpPr>
+        <p:spPr/>
+        <p:txBody>
+          <a:bodyPr/>
+          <a:lstStyle/>
+          <a:p>
+            <a:fld id="{666274A1-CF9C-426A-8DD4-B13ED0C24231}" type="slidenum">
+              <a:rPr lang="en-US" smtClean="0"/>
+              <a:t>12</a:t>
+            </a:fld>
+            <a:endParaRPr lang="en-US"/>
+          </a:p>
+        </p:txBody>
+      </p:sp>
+      <p:pic>
+        <p:nvPicPr>
+          <p:cNvPr id="8" name="圖片 7">
+            <a:extLst>
+              <a:ext uri="{FF2B5EF4-FFF2-40B4-BE49-F238E27FC236}">
+                <a16:creationId xmlns:a16="http://schemas.microsoft.com/office/drawing/2014/main" id="{7BAC46BF-B675-E28D-A5B0-23A7F0990E8B}"/>
+              </a:ext>
+            </a:extLst>
+          </p:cNvPr>
+          <p:cNvPicPr>
+            <a:picLocks noChangeAspect="1"/>
+          </p:cNvPicPr>
+          <p:nvPr/>
+        </p:nvPicPr>
+        <p:blipFill>
+          <a:blip r:embed="rId3"/>
+          <a:stretch>
+            <a:fillRect/>
+          </a:stretch>
+        </p:blipFill>
+        <p:spPr>
+          <a:xfrm>
+            <a:off x="0" y="1201867"/>
+            <a:ext cx="12192000" cy="3222221"/>
+          </a:xfrm>
+          <a:prstGeom prst="rect">
+            <a:avLst/>
+          </a:prstGeom>
+        </p:spPr>
+      </p:pic>
+      <mc:AlternateContent xmlns:mc="http://schemas.openxmlformats.org/markup-compatibility/2006" xmlns:p14="http://schemas.microsoft.com/office/powerpoint/2010/main">
+        <mc:Choice Requires="p14">
+          <p:contentPart p14:bwMode="auto" r:id="rId4">
+            <p14:nvContentPartPr>
+              <p14:cNvPr id="9" name="筆跡 8">
+                <a:extLst>
+                  <a:ext uri="{FF2B5EF4-FFF2-40B4-BE49-F238E27FC236}">
+                    <a16:creationId xmlns:a16="http://schemas.microsoft.com/office/drawing/2014/main" id="{0948E33C-09DA-71B9-4D7D-878CA053F5F5}"/>
+                  </a:ext>
+                </a:extLst>
+              </p14:cNvPr>
+              <p14:cNvContentPartPr/>
+              <p14:nvPr/>
+            </p14:nvContentPartPr>
+            <p14:xfrm>
+              <a:off x="2589158" y="3043530"/>
+              <a:ext cx="607680" cy="27360"/>
+            </p14:xfrm>
+          </p:contentPart>
+        </mc:Choice>
+        <mc:Fallback xmlns="">
+          <p:pic>
+            <p:nvPicPr>
+              <p:cNvPr id="9" name="筆跡 8">
+                <a:extLst>
+                  <a:ext uri="{FF2B5EF4-FFF2-40B4-BE49-F238E27FC236}">
+                    <a16:creationId xmlns:a16="http://schemas.microsoft.com/office/drawing/2014/main" id="{0948E33C-09DA-71B9-4D7D-878CA053F5F5}"/>
+                  </a:ext>
+                </a:extLst>
+              </p:cNvPr>
+              <p:cNvPicPr/>
+              <p:nvPr/>
+            </p:nvPicPr>
+            <p:blipFill>
+              <a:blip r:embed="rId5"/>
+              <a:stretch>
+                <a:fillRect/>
+              </a:stretch>
+            </p:blipFill>
+            <p:spPr>
+              <a:xfrm>
+                <a:off x="2571518" y="3007530"/>
+                <a:ext cx="643320" cy="99000"/>
+              </a:xfrm>
+              <a:prstGeom prst="rect">
+                <a:avLst/>
+              </a:prstGeom>
+            </p:spPr>
+          </p:pic>
+        </mc:Fallback>
+      </mc:AlternateContent>
+      <mc:AlternateContent xmlns:mc="http://schemas.openxmlformats.org/markup-compatibility/2006" xmlns:p14="http://schemas.microsoft.com/office/powerpoint/2010/main">
+        <mc:Choice Requires="p14">
+          <p:contentPart p14:bwMode="auto" r:id="rId6">
+            <p14:nvContentPartPr>
+              <p14:cNvPr id="10" name="筆跡 9">
+                <a:extLst>
+                  <a:ext uri="{FF2B5EF4-FFF2-40B4-BE49-F238E27FC236}">
+                    <a16:creationId xmlns:a16="http://schemas.microsoft.com/office/drawing/2014/main" id="{E7AEF898-414A-E393-0DA6-3DE46DD48336}"/>
+                  </a:ext>
+                </a:extLst>
+              </p14:cNvPr>
+              <p14:cNvContentPartPr/>
+              <p14:nvPr/>
+            </p14:nvContentPartPr>
+            <p14:xfrm>
+              <a:off x="2608238" y="3311010"/>
+              <a:ext cx="559800" cy="20160"/>
+            </p14:xfrm>
+          </p:contentPart>
+        </mc:Choice>
+        <mc:Fallback xmlns="">
+          <p:pic>
+            <p:nvPicPr>
+              <p:cNvPr id="10" name="筆跡 9">
+                <a:extLst>
+                  <a:ext uri="{FF2B5EF4-FFF2-40B4-BE49-F238E27FC236}">
+                    <a16:creationId xmlns:a16="http://schemas.microsoft.com/office/drawing/2014/main" id="{E7AEF898-414A-E393-0DA6-3DE46DD48336}"/>
+                  </a:ext>
+                </a:extLst>
+              </p:cNvPr>
+              <p:cNvPicPr/>
+              <p:nvPr/>
+            </p:nvPicPr>
+            <p:blipFill>
+              <a:blip r:embed="rId7"/>
+              <a:stretch>
+                <a:fillRect/>
+              </a:stretch>
+            </p:blipFill>
+            <p:spPr>
+              <a:xfrm>
+                <a:off x="2590238" y="3275010"/>
+                <a:ext cx="595440" cy="91800"/>
+              </a:xfrm>
+              <a:prstGeom prst="rect">
+                <a:avLst/>
+              </a:prstGeom>
+            </p:spPr>
+          </p:pic>
+        </mc:Fallback>
+      </mc:AlternateContent>
+      <mc:AlternateContent xmlns:mc="http://schemas.openxmlformats.org/markup-compatibility/2006" xmlns:p14="http://schemas.microsoft.com/office/powerpoint/2010/main">
+        <mc:Choice Requires="p14">
+          <p:contentPart p14:bwMode="auto" r:id="rId8">
+            <p14:nvContentPartPr>
+              <p14:cNvPr id="14" name="筆跡 13">
+                <a:extLst>
+                  <a:ext uri="{FF2B5EF4-FFF2-40B4-BE49-F238E27FC236}">
+                    <a16:creationId xmlns:a16="http://schemas.microsoft.com/office/drawing/2014/main" id="{3986E4BE-0146-DBDD-90CF-9D41C040338B}"/>
+                  </a:ext>
+                </a:extLst>
+              </p14:cNvPr>
+              <p14:cNvContentPartPr/>
+              <p14:nvPr/>
+            </p14:nvContentPartPr>
+            <p14:xfrm>
+              <a:off x="7391918" y="3036330"/>
+              <a:ext cx="1649880" cy="27000"/>
+            </p14:xfrm>
+          </p:contentPart>
+        </mc:Choice>
+        <mc:Fallback xmlns="">
+          <p:pic>
+            <p:nvPicPr>
+              <p:cNvPr id="14" name="筆跡 13">
+                <a:extLst>
+                  <a:ext uri="{FF2B5EF4-FFF2-40B4-BE49-F238E27FC236}">
+                    <a16:creationId xmlns:a16="http://schemas.microsoft.com/office/drawing/2014/main" id="{3986E4BE-0146-DBDD-90CF-9D41C040338B}"/>
+                  </a:ext>
+                </a:extLst>
+              </p:cNvPr>
+              <p:cNvPicPr/>
+              <p:nvPr/>
+            </p:nvPicPr>
+            <p:blipFill>
+              <a:blip r:embed="rId9"/>
+              <a:stretch>
+                <a:fillRect/>
+              </a:stretch>
+            </p:blipFill>
+            <p:spPr>
+              <a:xfrm>
+                <a:off x="7374278" y="3000330"/>
+                <a:ext cx="1685520" cy="98640"/>
+              </a:xfrm>
+              <a:prstGeom prst="rect">
+                <a:avLst/>
+              </a:prstGeom>
+            </p:spPr>
+          </p:pic>
+        </mc:Fallback>
+      </mc:AlternateContent>
+      <mc:AlternateContent xmlns:mc="http://schemas.openxmlformats.org/markup-compatibility/2006" xmlns:p14="http://schemas.microsoft.com/office/powerpoint/2010/main">
+        <mc:Choice Requires="p14">
+          <p:contentPart p14:bwMode="auto" r:id="rId10">
+            <p14:nvContentPartPr>
+              <p14:cNvPr id="15" name="筆跡 14">
+                <a:extLst>
+                  <a:ext uri="{FF2B5EF4-FFF2-40B4-BE49-F238E27FC236}">
+                    <a16:creationId xmlns:a16="http://schemas.microsoft.com/office/drawing/2014/main" id="{FDF9FA35-65B6-EF06-CAD3-FE1C5117B55C}"/>
+                  </a:ext>
+                </a:extLst>
+              </p14:cNvPr>
+              <p14:cNvContentPartPr/>
+              <p14:nvPr/>
+            </p14:nvContentPartPr>
+            <p14:xfrm>
+              <a:off x="9076358" y="3254130"/>
+              <a:ext cx="1656000" cy="19800"/>
+            </p14:xfrm>
+          </p:contentPart>
+        </mc:Choice>
+        <mc:Fallback xmlns="">
+          <p:pic>
+            <p:nvPicPr>
+              <p:cNvPr id="15" name="筆跡 14">
+                <a:extLst>
+                  <a:ext uri="{FF2B5EF4-FFF2-40B4-BE49-F238E27FC236}">
+                    <a16:creationId xmlns:a16="http://schemas.microsoft.com/office/drawing/2014/main" id="{FDF9FA35-65B6-EF06-CAD3-FE1C5117B55C}"/>
+                  </a:ext>
+                </a:extLst>
+              </p:cNvPr>
+              <p:cNvPicPr/>
+              <p:nvPr/>
+            </p:nvPicPr>
+            <p:blipFill>
+              <a:blip r:embed="rId11"/>
+              <a:stretch>
+                <a:fillRect/>
+              </a:stretch>
+            </p:blipFill>
+            <p:spPr>
+              <a:xfrm>
+                <a:off x="9058358" y="3218130"/>
+                <a:ext cx="1691640" cy="91440"/>
+              </a:xfrm>
+              <a:prstGeom prst="rect">
+                <a:avLst/>
+              </a:prstGeom>
+            </p:spPr>
+          </p:pic>
+        </mc:Fallback>
+      </mc:AlternateContent>
+      <mc:AlternateContent xmlns:mc="http://schemas.openxmlformats.org/markup-compatibility/2006" xmlns:p14="http://schemas.microsoft.com/office/powerpoint/2010/main">
+        <mc:Choice Requires="p14">
+          <p:contentPart p14:bwMode="auto" r:id="rId12">
+            <p14:nvContentPartPr>
+              <p14:cNvPr id="17" name="筆跡 16">
+                <a:extLst>
+                  <a:ext uri="{FF2B5EF4-FFF2-40B4-BE49-F238E27FC236}">
+                    <a16:creationId xmlns:a16="http://schemas.microsoft.com/office/drawing/2014/main" id="{5BCF5867-BD36-08BA-E50C-722449E62548}"/>
+                  </a:ext>
+                </a:extLst>
+              </p14:cNvPr>
+              <p14:cNvContentPartPr/>
+              <p14:nvPr/>
+            </p14:nvContentPartPr>
+            <p14:xfrm>
+              <a:off x="7671278" y="3539970"/>
+              <a:ext cx="1658520" cy="23760"/>
+            </p14:xfrm>
+          </p:contentPart>
+        </mc:Choice>
+        <mc:Fallback xmlns="">
+          <p:pic>
+            <p:nvPicPr>
+              <p:cNvPr id="17" name="筆跡 16">
+                <a:extLst>
+                  <a:ext uri="{FF2B5EF4-FFF2-40B4-BE49-F238E27FC236}">
+                    <a16:creationId xmlns:a16="http://schemas.microsoft.com/office/drawing/2014/main" id="{5BCF5867-BD36-08BA-E50C-722449E62548}"/>
+                  </a:ext>
+                </a:extLst>
+              </p:cNvPr>
+              <p:cNvPicPr/>
+              <p:nvPr/>
+            </p:nvPicPr>
+            <p:blipFill>
+              <a:blip r:embed="rId13"/>
+              <a:stretch>
+                <a:fillRect/>
+              </a:stretch>
+            </p:blipFill>
+            <p:spPr>
+              <a:xfrm>
+                <a:off x="7653638" y="3503970"/>
+                <a:ext cx="1694160" cy="95400"/>
+              </a:xfrm>
+              <a:prstGeom prst="rect">
+                <a:avLst/>
+              </a:prstGeom>
+            </p:spPr>
+          </p:pic>
+        </mc:Fallback>
+      </mc:AlternateContent>
+      <mc:AlternateContent xmlns:mc="http://schemas.openxmlformats.org/markup-compatibility/2006" xmlns:p14="http://schemas.microsoft.com/office/powerpoint/2010/main">
+        <mc:Choice Requires="p14">
+          <p:contentPart p14:bwMode="auto" r:id="rId14">
+            <p14:nvContentPartPr>
+              <p14:cNvPr id="19" name="筆跡 18">
+                <a:extLst>
+                  <a:ext uri="{FF2B5EF4-FFF2-40B4-BE49-F238E27FC236}">
+                    <a16:creationId xmlns:a16="http://schemas.microsoft.com/office/drawing/2014/main" id="{1A2432BE-2F68-70BA-873C-60849CAD558B}"/>
+                  </a:ext>
+                </a:extLst>
+              </p14:cNvPr>
+              <p14:cNvContentPartPr/>
+              <p14:nvPr/>
+            </p14:nvContentPartPr>
+            <p14:xfrm>
+              <a:off x="9345998" y="3811410"/>
+              <a:ext cx="1674000" cy="29520"/>
+            </p14:xfrm>
+          </p:contentPart>
+        </mc:Choice>
+        <mc:Fallback xmlns="">
+          <p:pic>
+            <p:nvPicPr>
+              <p:cNvPr id="19" name="筆跡 18">
+                <a:extLst>
+                  <a:ext uri="{FF2B5EF4-FFF2-40B4-BE49-F238E27FC236}">
+                    <a16:creationId xmlns:a16="http://schemas.microsoft.com/office/drawing/2014/main" id="{1A2432BE-2F68-70BA-873C-60849CAD558B}"/>
+                  </a:ext>
+                </a:extLst>
+              </p:cNvPr>
+              <p:cNvPicPr/>
+              <p:nvPr/>
+            </p:nvPicPr>
+            <p:blipFill>
+              <a:blip r:embed="rId15"/>
+              <a:stretch>
+                <a:fillRect/>
+              </a:stretch>
+            </p:blipFill>
+            <p:spPr>
+              <a:xfrm>
+                <a:off x="9327998" y="3775770"/>
+                <a:ext cx="1709640" cy="101160"/>
+              </a:xfrm>
+              <a:prstGeom prst="rect">
+                <a:avLst/>
+              </a:prstGeom>
+            </p:spPr>
+          </p:pic>
+        </mc:Fallback>
+      </mc:AlternateContent>
+      <mc:AlternateContent xmlns:mc="http://schemas.openxmlformats.org/markup-compatibility/2006" xmlns:p14="http://schemas.microsoft.com/office/powerpoint/2010/main">
+        <mc:Choice Requires="p14">
+          <p:contentPart p14:bwMode="auto" r:id="rId16">
+            <p14:nvContentPartPr>
+              <p14:cNvPr id="20" name="筆跡 19">
+                <a:extLst>
+                  <a:ext uri="{FF2B5EF4-FFF2-40B4-BE49-F238E27FC236}">
+                    <a16:creationId xmlns:a16="http://schemas.microsoft.com/office/drawing/2014/main" id="{D0743981-9534-3542-94A0-2D4F89BE51C7}"/>
+                  </a:ext>
+                </a:extLst>
+              </p14:cNvPr>
+              <p14:cNvContentPartPr/>
+              <p14:nvPr/>
+            </p14:nvContentPartPr>
+            <p14:xfrm>
+              <a:off x="2521478" y="3580650"/>
+              <a:ext cx="830880" cy="30960"/>
+            </p14:xfrm>
+          </p:contentPart>
+        </mc:Choice>
+        <mc:Fallback xmlns="">
+          <p:pic>
+            <p:nvPicPr>
+              <p:cNvPr id="20" name="筆跡 19">
+                <a:extLst>
+                  <a:ext uri="{FF2B5EF4-FFF2-40B4-BE49-F238E27FC236}">
+                    <a16:creationId xmlns:a16="http://schemas.microsoft.com/office/drawing/2014/main" id="{D0743981-9534-3542-94A0-2D4F89BE51C7}"/>
+                  </a:ext>
+                </a:extLst>
+              </p:cNvPr>
+              <p:cNvPicPr/>
+              <p:nvPr/>
+            </p:nvPicPr>
+            <p:blipFill>
+              <a:blip r:embed="rId17"/>
+              <a:stretch>
+                <a:fillRect/>
+              </a:stretch>
+            </p:blipFill>
+            <p:spPr>
+              <a:xfrm>
+                <a:off x="2503838" y="3544650"/>
+                <a:ext cx="866520" cy="102600"/>
+              </a:xfrm>
+              <a:prstGeom prst="rect">
+                <a:avLst/>
+              </a:prstGeom>
+            </p:spPr>
+          </p:pic>
+        </mc:Fallback>
+      </mc:AlternateContent>
+      <mc:AlternateContent xmlns:mc="http://schemas.openxmlformats.org/markup-compatibility/2006" xmlns:p14="http://schemas.microsoft.com/office/powerpoint/2010/main">
+        <mc:Choice Requires="p14">
+          <p:contentPart p14:bwMode="auto" r:id="rId18">
+            <p14:nvContentPartPr>
+              <p14:cNvPr id="21" name="筆跡 20">
+                <a:extLst>
+                  <a:ext uri="{FF2B5EF4-FFF2-40B4-BE49-F238E27FC236}">
+                    <a16:creationId xmlns:a16="http://schemas.microsoft.com/office/drawing/2014/main" id="{4EF5E97C-AEBD-611B-04E2-79211C9FE3A9}"/>
+                  </a:ext>
+                </a:extLst>
+              </p14:cNvPr>
+              <p14:cNvContentPartPr/>
+              <p14:nvPr/>
+            </p14:nvContentPartPr>
+            <p14:xfrm>
+              <a:off x="2531198" y="3811410"/>
+              <a:ext cx="913680" cy="10440"/>
+            </p14:xfrm>
+          </p:contentPart>
+        </mc:Choice>
+        <mc:Fallback xmlns="">
+          <p:pic>
+            <p:nvPicPr>
+              <p:cNvPr id="21" name="筆跡 20">
+                <a:extLst>
+                  <a:ext uri="{FF2B5EF4-FFF2-40B4-BE49-F238E27FC236}">
+                    <a16:creationId xmlns:a16="http://schemas.microsoft.com/office/drawing/2014/main" id="{4EF5E97C-AEBD-611B-04E2-79211C9FE3A9}"/>
+                  </a:ext>
+                </a:extLst>
+              </p:cNvPr>
+              <p:cNvPicPr/>
+              <p:nvPr/>
+            </p:nvPicPr>
+            <p:blipFill>
+              <a:blip r:embed="rId19"/>
+              <a:stretch>
+                <a:fillRect/>
+              </a:stretch>
+            </p:blipFill>
+            <p:spPr>
+              <a:xfrm>
+                <a:off x="2513558" y="3775770"/>
+                <a:ext cx="949320" cy="82080"/>
+              </a:xfrm>
+              <a:prstGeom prst="rect">
+                <a:avLst/>
+              </a:prstGeom>
+            </p:spPr>
+          </p:pic>
+        </mc:Fallback>
+      </mc:AlternateContent>
+      <p:sp>
+        <p:nvSpPr>
+          <p:cNvPr id="22" name="文字方塊 21">
+            <a:extLst>
+              <a:ext uri="{FF2B5EF4-FFF2-40B4-BE49-F238E27FC236}">
+                <a16:creationId xmlns:a16="http://schemas.microsoft.com/office/drawing/2014/main" id="{352F2FB5-21B0-A181-3C35-17E18BDC4063}"/>
+              </a:ext>
+            </a:extLst>
+          </p:cNvPr>
+          <p:cNvSpPr txBox="1"/>
+          <p:nvPr/>
+        </p:nvSpPr>
+        <p:spPr>
+          <a:xfrm>
+            <a:off x="8500538" y="777595"/>
+            <a:ext cx="3203698" cy="369332"/>
+          </a:xfrm>
+          <a:prstGeom prst="rect">
+            <a:avLst/>
+          </a:prstGeom>
+          <a:noFill/>
+        </p:spPr>
+        <p:txBody>
+          <a:bodyPr wrap="square" rtlCol="0">
+            <a:spAutoFit/>
+          </a:bodyPr>
+          <a:lstStyle/>
+          <a:p>
+            <a:pPr marL="285750" indent="-285750">
+              <a:buFont typeface="Wingdings" panose="05000000000000000000" pitchFamily="2" charset="2"/>
+              <a:buChar char="Ø"/>
+            </a:pPr>
+            <a:r>
+              <a:rPr lang="en-US" altLang="zh-TW" dirty="0"/>
+              <a:t>Target cell: cross-domain cell</a:t>
+            </a:r>
+            <a:endParaRPr lang="zh-TW" altLang="en-US" dirty="0"/>
+          </a:p>
+        </p:txBody>
+      </p:sp>
+      <mc:AlternateContent xmlns:mc="http://schemas.openxmlformats.org/markup-compatibility/2006" xmlns:p14="http://schemas.microsoft.com/office/powerpoint/2010/main">
+        <mc:Choice Requires="p14">
+          <p:contentPart p14:bwMode="auto" r:id="rId20">
+            <p14:nvContentPartPr>
+              <p14:cNvPr id="24" name="筆跡 23">
+                <a:extLst>
+                  <a:ext uri="{FF2B5EF4-FFF2-40B4-BE49-F238E27FC236}">
+                    <a16:creationId xmlns:a16="http://schemas.microsoft.com/office/drawing/2014/main" id="{BEFF51F6-9A4B-F60F-BC37-103D417328EC}"/>
+                  </a:ext>
+                </a:extLst>
+              </p14:cNvPr>
+              <p14:cNvContentPartPr/>
+              <p14:nvPr/>
+            </p14:nvContentPartPr>
+            <p14:xfrm>
+              <a:off x="5958038" y="4051890"/>
+              <a:ext cx="1116000" cy="360"/>
+            </p14:xfrm>
+          </p:contentPart>
+        </mc:Choice>
+        <mc:Fallback xmlns="">
+          <p:pic>
+            <p:nvPicPr>
+              <p:cNvPr id="24" name="筆跡 23">
+                <a:extLst>
+                  <a:ext uri="{FF2B5EF4-FFF2-40B4-BE49-F238E27FC236}">
+                    <a16:creationId xmlns:a16="http://schemas.microsoft.com/office/drawing/2014/main" id="{BEFF51F6-9A4B-F60F-BC37-103D417328EC}"/>
+                  </a:ext>
+                </a:extLst>
+              </p:cNvPr>
+              <p:cNvPicPr/>
+              <p:nvPr/>
+            </p:nvPicPr>
+            <p:blipFill>
+              <a:blip r:embed="rId21"/>
+              <a:stretch>
+                <a:fillRect/>
+              </a:stretch>
+            </p:blipFill>
+            <p:spPr>
+              <a:xfrm>
+                <a:off x="5940038" y="4016250"/>
+                <a:ext cx="1151640" cy="72000"/>
+              </a:xfrm>
+              <a:prstGeom prst="rect">
+                <a:avLst/>
+              </a:prstGeom>
+            </p:spPr>
+          </p:pic>
+        </mc:Fallback>
+      </mc:AlternateContent>
+      <mc:AlternateContent xmlns:mc="http://schemas.openxmlformats.org/markup-compatibility/2006" xmlns:p14="http://schemas.microsoft.com/office/powerpoint/2010/main">
+        <mc:Choice Requires="p14">
+          <p:contentPart p14:bwMode="auto" r:id="rId22">
+            <p14:nvContentPartPr>
+              <p14:cNvPr id="25" name="筆跡 24">
+                <a:extLst>
+                  <a:ext uri="{FF2B5EF4-FFF2-40B4-BE49-F238E27FC236}">
+                    <a16:creationId xmlns:a16="http://schemas.microsoft.com/office/drawing/2014/main" id="{88D26922-43B1-5DDD-AAF1-E563F7EE3227}"/>
+                  </a:ext>
+                </a:extLst>
+              </p14:cNvPr>
+              <p14:cNvContentPartPr/>
+              <p14:nvPr/>
+            </p14:nvContentPartPr>
+            <p14:xfrm>
+              <a:off x="5938598" y="4240890"/>
+              <a:ext cx="1674000" cy="43560"/>
+            </p14:xfrm>
+          </p:contentPart>
+        </mc:Choice>
+        <mc:Fallback xmlns="">
+          <p:pic>
+            <p:nvPicPr>
+              <p:cNvPr id="25" name="筆跡 24">
+                <a:extLst>
+                  <a:ext uri="{FF2B5EF4-FFF2-40B4-BE49-F238E27FC236}">
+                    <a16:creationId xmlns:a16="http://schemas.microsoft.com/office/drawing/2014/main" id="{88D26922-43B1-5DDD-AAF1-E563F7EE3227}"/>
+                  </a:ext>
+                </a:extLst>
+              </p:cNvPr>
+              <p:cNvPicPr/>
+              <p:nvPr/>
+            </p:nvPicPr>
+            <p:blipFill>
+              <a:blip r:embed="rId23"/>
+              <a:stretch>
+                <a:fillRect/>
+              </a:stretch>
+            </p:blipFill>
+            <p:spPr>
+              <a:xfrm>
+                <a:off x="5920958" y="4204890"/>
+                <a:ext cx="1709640" cy="115200"/>
+              </a:xfrm>
+              <a:prstGeom prst="rect">
+                <a:avLst/>
+              </a:prstGeom>
+            </p:spPr>
+          </p:pic>
+        </mc:Fallback>
+      </mc:AlternateContent>
+      <mc:AlternateContent xmlns:mc="http://schemas.openxmlformats.org/markup-compatibility/2006" xmlns:p14="http://schemas.microsoft.com/office/powerpoint/2010/main">
+        <mc:Choice Requires="p14">
+          <p:contentPart p14:bwMode="auto" r:id="rId24">
+            <p14:nvContentPartPr>
+              <p14:cNvPr id="31" name="筆跡 30">
+                <a:extLst>
+                  <a:ext uri="{FF2B5EF4-FFF2-40B4-BE49-F238E27FC236}">
+                    <a16:creationId xmlns:a16="http://schemas.microsoft.com/office/drawing/2014/main" id="{E6F31194-553C-91CD-61D2-536AFD7E436C}"/>
+                  </a:ext>
+                </a:extLst>
+              </p14:cNvPr>
+              <p14:cNvContentPartPr/>
+              <p14:nvPr/>
+            </p14:nvContentPartPr>
+            <p14:xfrm>
+              <a:off x="3387998" y="1567530"/>
+              <a:ext cx="809640" cy="22320"/>
+            </p14:xfrm>
+          </p:contentPart>
+        </mc:Choice>
+        <mc:Fallback xmlns="">
+          <p:pic>
+            <p:nvPicPr>
+              <p:cNvPr id="31" name="筆跡 30">
+                <a:extLst>
+                  <a:ext uri="{FF2B5EF4-FFF2-40B4-BE49-F238E27FC236}">
+                    <a16:creationId xmlns:a16="http://schemas.microsoft.com/office/drawing/2014/main" id="{E6F31194-553C-91CD-61D2-536AFD7E436C}"/>
+                  </a:ext>
+                </a:extLst>
+              </p:cNvPr>
+              <p:cNvPicPr/>
+              <p:nvPr/>
+            </p:nvPicPr>
+            <p:blipFill>
+              <a:blip r:embed="rId25"/>
+              <a:stretch>
+                <a:fillRect/>
+              </a:stretch>
+            </p:blipFill>
+            <p:spPr>
+              <a:xfrm>
+                <a:off x="3370358" y="1531890"/>
+                <a:ext cx="845280" cy="93960"/>
+              </a:xfrm>
+              <a:prstGeom prst="rect">
+                <a:avLst/>
+              </a:prstGeom>
+            </p:spPr>
+          </p:pic>
+        </mc:Fallback>
+      </mc:AlternateContent>
+      <mc:AlternateContent xmlns:mc="http://schemas.openxmlformats.org/markup-compatibility/2006" xmlns:p14="http://schemas.microsoft.com/office/powerpoint/2010/main">
+        <mc:Choice Requires="p14">
+          <p:contentPart p14:bwMode="auto" r:id="rId26">
+            <p14:nvContentPartPr>
+              <p14:cNvPr id="32" name="筆跡 31">
+                <a:extLst>
+                  <a:ext uri="{FF2B5EF4-FFF2-40B4-BE49-F238E27FC236}">
+                    <a16:creationId xmlns:a16="http://schemas.microsoft.com/office/drawing/2014/main" id="{A4F998E2-A256-4D21-BC6A-88591ACD3DCB}"/>
+                  </a:ext>
+                </a:extLst>
+              </p14:cNvPr>
+              <p14:cNvContentPartPr/>
+              <p14:nvPr/>
+            </p14:nvContentPartPr>
+            <p14:xfrm>
+              <a:off x="3426158" y="1793610"/>
+              <a:ext cx="1081080" cy="28080"/>
+            </p14:xfrm>
+          </p:contentPart>
+        </mc:Choice>
+        <mc:Fallback xmlns="">
+          <p:pic>
+            <p:nvPicPr>
+              <p:cNvPr id="32" name="筆跡 31">
+                <a:extLst>
+                  <a:ext uri="{FF2B5EF4-FFF2-40B4-BE49-F238E27FC236}">
+                    <a16:creationId xmlns:a16="http://schemas.microsoft.com/office/drawing/2014/main" id="{A4F998E2-A256-4D21-BC6A-88591ACD3DCB}"/>
+                  </a:ext>
+                </a:extLst>
+              </p:cNvPr>
+              <p:cNvPicPr/>
+              <p:nvPr/>
+            </p:nvPicPr>
+            <p:blipFill>
+              <a:blip r:embed="rId27"/>
+              <a:stretch>
+                <a:fillRect/>
+              </a:stretch>
+            </p:blipFill>
+            <p:spPr>
+              <a:xfrm>
+                <a:off x="3408518" y="1757970"/>
+                <a:ext cx="1116720" cy="99720"/>
+              </a:xfrm>
+              <a:prstGeom prst="rect">
+                <a:avLst/>
+              </a:prstGeom>
+            </p:spPr>
+          </p:pic>
+        </mc:Fallback>
+      </mc:AlternateContent>
+      <mc:AlternateContent xmlns:mc="http://schemas.openxmlformats.org/markup-compatibility/2006" xmlns:p14="http://schemas.microsoft.com/office/powerpoint/2010/main">
+        <mc:Choice Requires="p14">
+          <p:contentPart p14:bwMode="auto" r:id="rId28">
+            <p14:nvContentPartPr>
+              <p14:cNvPr id="33" name="筆跡 32">
+                <a:extLst>
+                  <a:ext uri="{FF2B5EF4-FFF2-40B4-BE49-F238E27FC236}">
+                    <a16:creationId xmlns:a16="http://schemas.microsoft.com/office/drawing/2014/main" id="{4BB8D3BF-E40C-840A-30D9-C4635687C0D6}"/>
+                  </a:ext>
+                </a:extLst>
+              </p14:cNvPr>
+              <p14:cNvContentPartPr/>
+              <p14:nvPr/>
+            </p14:nvContentPartPr>
+            <p14:xfrm>
+              <a:off x="3426158" y="2052090"/>
+              <a:ext cx="1674360" cy="27000"/>
+            </p14:xfrm>
+          </p:contentPart>
+        </mc:Choice>
+        <mc:Fallback xmlns="">
+          <p:pic>
+            <p:nvPicPr>
+              <p:cNvPr id="33" name="筆跡 32">
+                <a:extLst>
+                  <a:ext uri="{FF2B5EF4-FFF2-40B4-BE49-F238E27FC236}">
+                    <a16:creationId xmlns:a16="http://schemas.microsoft.com/office/drawing/2014/main" id="{4BB8D3BF-E40C-840A-30D9-C4635687C0D6}"/>
+                  </a:ext>
+                </a:extLst>
+              </p:cNvPr>
+              <p:cNvPicPr/>
+              <p:nvPr/>
+            </p:nvPicPr>
+            <p:blipFill>
+              <a:blip r:embed="rId29"/>
+              <a:stretch>
+                <a:fillRect/>
+              </a:stretch>
+            </p:blipFill>
+            <p:spPr>
+              <a:xfrm>
+                <a:off x="3408518" y="2016090"/>
+                <a:ext cx="1710000" cy="98640"/>
+              </a:xfrm>
+              <a:prstGeom prst="rect">
+                <a:avLst/>
+              </a:prstGeom>
+            </p:spPr>
+          </p:pic>
+        </mc:Fallback>
+      </mc:AlternateContent>
+      <mc:AlternateContent xmlns:mc="http://schemas.openxmlformats.org/markup-compatibility/2006" xmlns:p14="http://schemas.microsoft.com/office/powerpoint/2010/main">
+        <mc:Choice Requires="p14">
+          <p:contentPart p14:bwMode="auto" r:id="rId30">
+            <p14:nvContentPartPr>
+              <p14:cNvPr id="34" name="筆跡 33">
+                <a:extLst>
+                  <a:ext uri="{FF2B5EF4-FFF2-40B4-BE49-F238E27FC236}">
+                    <a16:creationId xmlns:a16="http://schemas.microsoft.com/office/drawing/2014/main" id="{B001837C-3E44-FDD1-E33C-1B3F64830C1C}"/>
+                  </a:ext>
+                </a:extLst>
+              </p14:cNvPr>
+              <p14:cNvContentPartPr/>
+              <p14:nvPr/>
+            </p14:nvContentPartPr>
+            <p14:xfrm>
+              <a:off x="3426158" y="2328570"/>
+              <a:ext cx="413280" cy="11520"/>
+            </p14:xfrm>
+          </p:contentPart>
+        </mc:Choice>
+        <mc:Fallback xmlns="">
+          <p:pic>
+            <p:nvPicPr>
+              <p:cNvPr id="34" name="筆跡 33">
+                <a:extLst>
+                  <a:ext uri="{FF2B5EF4-FFF2-40B4-BE49-F238E27FC236}">
+                    <a16:creationId xmlns:a16="http://schemas.microsoft.com/office/drawing/2014/main" id="{B001837C-3E44-FDD1-E33C-1B3F64830C1C}"/>
+                  </a:ext>
+                </a:extLst>
+              </p:cNvPr>
+              <p:cNvPicPr/>
+              <p:nvPr/>
+            </p:nvPicPr>
+            <p:blipFill>
+              <a:blip r:embed="rId31"/>
+              <a:stretch>
+                <a:fillRect/>
+              </a:stretch>
+            </p:blipFill>
+            <p:spPr>
+              <a:xfrm>
+                <a:off x="3408518" y="2292570"/>
+                <a:ext cx="448920" cy="83160"/>
+              </a:xfrm>
+              <a:prstGeom prst="rect">
+                <a:avLst/>
+              </a:prstGeom>
+            </p:spPr>
+          </p:pic>
+        </mc:Fallback>
+      </mc:AlternateContent>
+      <mc:AlternateContent xmlns:mc="http://schemas.openxmlformats.org/markup-compatibility/2006" xmlns:p14="http://schemas.microsoft.com/office/powerpoint/2010/main">
+        <mc:Choice Requires="p14">
+          <p:contentPart p14:bwMode="auto" r:id="rId32">
+            <p14:nvContentPartPr>
+              <p14:cNvPr id="36" name="筆跡 35">
+                <a:extLst>
+                  <a:ext uri="{FF2B5EF4-FFF2-40B4-BE49-F238E27FC236}">
+                    <a16:creationId xmlns:a16="http://schemas.microsoft.com/office/drawing/2014/main" id="{38778112-699F-7206-4D8D-61F05CD2B109}"/>
+                  </a:ext>
+                </a:extLst>
+              </p14:cNvPr>
+              <p14:cNvContentPartPr/>
+              <p14:nvPr/>
+            </p14:nvContentPartPr>
+            <p14:xfrm>
+              <a:off x="5486078" y="2550690"/>
+              <a:ext cx="1548720" cy="60480"/>
+            </p14:xfrm>
+          </p:contentPart>
+        </mc:Choice>
+        <mc:Fallback xmlns="">
+          <p:pic>
+            <p:nvPicPr>
+              <p:cNvPr id="36" name="筆跡 35">
+                <a:extLst>
+                  <a:ext uri="{FF2B5EF4-FFF2-40B4-BE49-F238E27FC236}">
+                    <a16:creationId xmlns:a16="http://schemas.microsoft.com/office/drawing/2014/main" id="{38778112-699F-7206-4D8D-61F05CD2B109}"/>
+                  </a:ext>
+                </a:extLst>
+              </p:cNvPr>
+              <p:cNvPicPr/>
+              <p:nvPr/>
+            </p:nvPicPr>
+            <p:blipFill>
+              <a:blip r:embed="rId33"/>
+              <a:stretch>
+                <a:fillRect/>
+              </a:stretch>
+            </p:blipFill>
+            <p:spPr>
+              <a:xfrm>
+                <a:off x="5468078" y="2514690"/>
+                <a:ext cx="1584360" cy="132120"/>
+              </a:xfrm>
+              <a:prstGeom prst="rect">
+                <a:avLst/>
+              </a:prstGeom>
+            </p:spPr>
+          </p:pic>
+        </mc:Fallback>
+      </mc:AlternateContent>
+      <mc:AlternateContent xmlns:mc="http://schemas.openxmlformats.org/markup-compatibility/2006" xmlns:p14="http://schemas.microsoft.com/office/powerpoint/2010/main">
+        <mc:Choice Requires="p14">
+          <p:contentPart p14:bwMode="auto" r:id="rId34">
+            <p14:nvContentPartPr>
+              <p14:cNvPr id="40" name="筆跡 39">
+                <a:extLst>
+                  <a:ext uri="{FF2B5EF4-FFF2-40B4-BE49-F238E27FC236}">
+                    <a16:creationId xmlns:a16="http://schemas.microsoft.com/office/drawing/2014/main" id="{1D71B166-0A10-BCD5-A049-A5F2C6D2CD0F}"/>
+                  </a:ext>
+                </a:extLst>
+              </p14:cNvPr>
+              <p14:cNvContentPartPr/>
+              <p14:nvPr/>
+            </p14:nvContentPartPr>
+            <p14:xfrm>
+              <a:off x="3426158" y="2809890"/>
+              <a:ext cx="990720" cy="30600"/>
+            </p14:xfrm>
+          </p:contentPart>
+        </mc:Choice>
+        <mc:Fallback xmlns="">
+          <p:pic>
+            <p:nvPicPr>
+              <p:cNvPr id="40" name="筆跡 39">
+                <a:extLst>
+                  <a:ext uri="{FF2B5EF4-FFF2-40B4-BE49-F238E27FC236}">
+                    <a16:creationId xmlns:a16="http://schemas.microsoft.com/office/drawing/2014/main" id="{1D71B166-0A10-BCD5-A049-A5F2C6D2CD0F}"/>
+                  </a:ext>
+                </a:extLst>
+              </p:cNvPr>
+              <p:cNvPicPr/>
+              <p:nvPr/>
+            </p:nvPicPr>
+            <p:blipFill>
+              <a:blip r:embed="rId35"/>
+              <a:stretch>
+                <a:fillRect/>
+              </a:stretch>
+            </p:blipFill>
+            <p:spPr>
+              <a:xfrm>
+                <a:off x="3408518" y="2773890"/>
+                <a:ext cx="1026360" cy="102240"/>
+              </a:xfrm>
+              <a:prstGeom prst="rect">
+                <a:avLst/>
+              </a:prstGeom>
+            </p:spPr>
+          </p:pic>
+        </mc:Fallback>
+      </mc:AlternateContent>
+      <p:sp>
+        <p:nvSpPr>
+          <p:cNvPr id="41" name="文字方塊 40">
+            <a:extLst>
+              <a:ext uri="{FF2B5EF4-FFF2-40B4-BE49-F238E27FC236}">
+                <a16:creationId xmlns:a16="http://schemas.microsoft.com/office/drawing/2014/main" id="{937789C2-97EA-B7CB-CCA9-AF6B475AE4DC}"/>
+              </a:ext>
+            </a:extLst>
+          </p:cNvPr>
+          <p:cNvSpPr txBox="1"/>
+          <p:nvPr/>
+        </p:nvSpPr>
+        <p:spPr>
+          <a:xfrm>
+            <a:off x="507327" y="4623888"/>
+            <a:ext cx="12017421" cy="1617751"/>
+          </a:xfrm>
+          <a:prstGeom prst="rect">
+            <a:avLst/>
+          </a:prstGeom>
+          <a:noFill/>
+        </p:spPr>
+        <p:txBody>
+          <a:bodyPr wrap="square" rtlCol="0">
+            <a:spAutoFit/>
+          </a:bodyPr>
+          <a:lstStyle/>
+          <a:p>
+            <a:pPr marL="342900" indent="-342900">
+              <a:lnSpc>
+                <a:spcPct val="200000"/>
+              </a:lnSpc>
+              <a:buFont typeface="Arial" panose="020B0604020202020204" pitchFamily="34" charset="0"/>
+              <a:buChar char="•"/>
+            </a:pPr>
+            <a:r>
+              <a:rPr lang="en-US" altLang="zh-TW" sz="2000" dirty="0"/>
+              <a:t>Furthermore, in the training phase, they collect two target variables</a:t>
+            </a:r>
+          </a:p>
+          <a:p>
+            <a:pPr marL="800100" lvl="1" indent="-342900">
+              <a:lnSpc>
+                <a:spcPct val="200000"/>
+              </a:lnSpc>
+              <a:buFont typeface="+mj-lt"/>
+              <a:buAutoNum type="arabicPeriod"/>
+            </a:pPr>
+            <a:r>
+              <a:rPr lang="en-US" altLang="zh-TW" sz="1600" dirty="0"/>
+              <a:t>the static IR drop value of each cross-domain cell (with direct or indirect supply) reported by the IR drop simulation tool</a:t>
+            </a:r>
+          </a:p>
+          <a:p>
+            <a:pPr marL="800100" lvl="1" indent="-342900">
+              <a:lnSpc>
+                <a:spcPct val="200000"/>
+              </a:lnSpc>
+              <a:buFont typeface="+mj-lt"/>
+              <a:buAutoNum type="arabicPeriod"/>
+            </a:pPr>
+            <a:r>
+              <a:rPr lang="en-US" altLang="zh-TW" sz="1600" dirty="0"/>
+              <a:t>DRC hotspot grids from detailed routing</a:t>
+            </a:r>
+            <a:endParaRPr lang="zh-TW" altLang="en-US" sz="1600" dirty="0"/>
+          </a:p>
+        </p:txBody>
+      </p:sp>
+    </p:spTree>
+    <p:extLst>
+      <p:ext uri="{BB962C8B-B14F-4D97-AF65-F5344CB8AC3E}">
+        <p14:creationId xmlns:p14="http://schemas.microsoft.com/office/powerpoint/2010/main" val="2623794339"/>
+      </p:ext>
+    </p:extLst>
+  </p:cSld>
+  <p:clrMapOvr>
+    <a:masterClrMapping/>
+  </p:clrMapOvr>
+</p:sld>
+</file>
+
+<file path=ppt/slides/slide14.xml><?xml version="1.0" encoding="utf-8"?>
+<p:sld xmlns:a="http://schemas.openxmlformats.org/drawingml/2006/main" xmlns:r="http://schemas.openxmlformats.org/officeDocument/2006/relationships" xmlns:p="http://schemas.openxmlformats.org/presentationml/2006/main">
+  <p:cSld>
+    <p:spTree>
+      <p:nvGrpSpPr>
+        <p:cNvPr id="1" name=""/>
+        <p:cNvGrpSpPr/>
+        <p:nvPr/>
+      </p:nvGrpSpPr>
+      <p:grpSpPr>
+        <a:xfrm>
+          <a:off x="0" y="0"/>
+          <a:ext cx="0" cy="0"/>
+          <a:chOff x="0" y="0"/>
+          <a:chExt cx="0" cy="0"/>
+        </a:xfrm>
+      </p:grpSpPr>
+      <p:sp>
+        <p:nvSpPr>
+          <p:cNvPr id="2" name="標題 1">
+            <a:extLst>
+              <a:ext uri="{FF2B5EF4-FFF2-40B4-BE49-F238E27FC236}">
+                <a16:creationId xmlns:a16="http://schemas.microsoft.com/office/drawing/2014/main" id="{FD28F0D8-549F-0F5A-0929-4EE037E6D213}"/>
+              </a:ext>
+            </a:extLst>
+          </p:cNvPr>
+          <p:cNvSpPr>
+            <a:spLocks noGrp="1"/>
+          </p:cNvSpPr>
+          <p:nvPr>
+            <p:ph type="title"/>
+          </p:nvPr>
+        </p:nvSpPr>
+        <p:spPr/>
+        <p:txBody>
+          <a:bodyPr/>
+          <a:lstStyle/>
+          <a:p>
+            <a:r>
+              <a:rPr lang="en-US" altLang="zh-TW" sz="4000" dirty="0"/>
+              <a:t>Methodology</a:t>
+            </a:r>
+            <a:r>
+              <a:rPr lang="en-US" altLang="zh-TW" dirty="0"/>
+              <a:t> </a:t>
+            </a:r>
+            <a:r>
+              <a:rPr lang="en-US" altLang="zh-TW" sz="2800" dirty="0"/>
+              <a:t>– ML Model</a:t>
+            </a:r>
+            <a:endParaRPr lang="zh-TW" altLang="en-US" dirty="0"/>
+          </a:p>
+        </p:txBody>
+      </p:sp>
+      <mc:AlternateContent xmlns:mc="http://schemas.openxmlformats.org/markup-compatibility/2006" xmlns:a14="http://schemas.microsoft.com/office/drawing/2010/main">
+        <mc:Choice Requires="a14">
+          <p:sp>
+            <p:nvSpPr>
+              <p:cNvPr id="3" name="內容版面配置區 2">
+                <a:extLst>
+                  <a:ext uri="{FF2B5EF4-FFF2-40B4-BE49-F238E27FC236}">
+                    <a16:creationId xmlns:a16="http://schemas.microsoft.com/office/drawing/2014/main" id="{A631D7BD-9745-5DAE-5222-935ABF471125}"/>
+                  </a:ext>
+                </a:extLst>
+              </p:cNvPr>
+              <p:cNvSpPr>
+                <a:spLocks noGrp="1"/>
+              </p:cNvSpPr>
+              <p:nvPr>
+                <p:ph idx="1"/>
+              </p:nvPr>
+            </p:nvSpPr>
+            <p:spPr/>
+            <p:txBody>
+              <a:bodyPr>
+                <a:normAutofit/>
+              </a:bodyPr>
+              <a:lstStyle/>
+              <a:p>
+                <a:pPr>
+                  <a:lnSpc>
+                    <a:spcPct val="150000"/>
+                  </a:lnSpc>
+                </a:pPr>
+                <a:r>
+                  <a:rPr lang="en-US" altLang="zh-TW" sz="2200" dirty="0"/>
+                  <a:t>Two datasets are adopted to train machine learning models</a:t>
+                </a:r>
+              </a:p>
+              <a:p>
+                <a:pPr lvl="1">
+                  <a:lnSpc>
+                    <a:spcPct val="200000"/>
+                  </a:lnSpc>
+                </a:pPr>
+                <a14:m>
+                  <m:oMath xmlns:m="http://schemas.openxmlformats.org/officeDocument/2006/math">
+                    <m:sSup>
+                      <m:sSupPr>
+                        <m:ctrlPr>
+                          <a:rPr lang="en-US" altLang="zh-TW" sz="1800" i="1" smtClean="0">
+                            <a:latin typeface="Cambria Math" panose="02040503050406030204" pitchFamily="18" charset="0"/>
+                          </a:rPr>
+                        </m:ctrlPr>
+                      </m:sSupPr>
+                      <m:e>
+                        <m:r>
+                          <a:rPr lang="en-US" altLang="zh-TW" sz="1800" b="0" i="1" smtClean="0">
+                            <a:latin typeface="Cambria Math" panose="02040503050406030204" pitchFamily="18" charset="0"/>
+                          </a:rPr>
+                          <m:t>𝐷</m:t>
+                        </m:r>
+                      </m:e>
+                      <m:sup>
+                        <m:r>
+                          <a:rPr lang="en-US" altLang="zh-TW" sz="1800" b="0" i="1" smtClean="0">
+                            <a:latin typeface="Cambria Math" panose="02040503050406030204" pitchFamily="18" charset="0"/>
+                          </a:rPr>
+                          <m:t>𝑖𝑟</m:t>
+                        </m:r>
+                      </m:sup>
+                    </m:sSup>
+                    <m:r>
+                      <a:rPr lang="en-US" altLang="zh-TW" sz="1800" b="0" i="1" smtClean="0">
+                        <a:latin typeface="Cambria Math" panose="02040503050406030204" pitchFamily="18" charset="0"/>
+                      </a:rPr>
+                      <m:t>    : </m:t>
+                    </m:r>
+                  </m:oMath>
+                </a14:m>
+                <a:r>
+                  <a:rPr lang="en-US" altLang="zh-TW" sz="1800" dirty="0"/>
+                  <a:t> IR drop percentage prediction of a given cell instance.</a:t>
+                </a:r>
+              </a:p>
+              <a:p>
+                <a:pPr lvl="2">
+                  <a:lnSpc>
+                    <a:spcPct val="200000"/>
+                  </a:lnSpc>
+                </a:pPr>
+                <a:r>
+                  <a:rPr lang="en-US" altLang="zh-TW" sz="1400" dirty="0"/>
+                  <a:t> </a:t>
+                </a:r>
+              </a:p>
+              <a:p>
+                <a:pPr lvl="2">
+                  <a:lnSpc>
+                    <a:spcPct val="200000"/>
+                  </a:lnSpc>
+                </a:pPr>
+                <a14:m>
+                  <m:oMath xmlns:m="http://schemas.openxmlformats.org/officeDocument/2006/math">
+                    <m:sSubSup>
+                      <m:sSubSupPr>
+                        <m:ctrlPr>
+                          <a:rPr lang="en-US" altLang="zh-TW" sz="1600" i="1" smtClean="0">
+                            <a:latin typeface="Cambria Math" panose="02040503050406030204" pitchFamily="18" charset="0"/>
+                          </a:rPr>
+                        </m:ctrlPr>
+                      </m:sSubSupPr>
+                      <m:e>
+                        <m:acc>
+                          <m:accPr>
+                            <m:chr m:val="̂"/>
+                            <m:ctrlPr>
+                              <a:rPr lang="en-US" altLang="zh-TW" sz="1600" i="1" smtClean="0">
+                                <a:latin typeface="Cambria Math" panose="02040503050406030204" pitchFamily="18" charset="0"/>
+                              </a:rPr>
+                            </m:ctrlPr>
+                          </m:accPr>
+                          <m:e>
+                            <m:r>
+                              <a:rPr lang="en-US" altLang="zh-TW" sz="1600" b="0" i="1" smtClean="0">
+                                <a:latin typeface="Cambria Math" panose="02040503050406030204" pitchFamily="18" charset="0"/>
+                              </a:rPr>
+                              <m:t>𝑦</m:t>
+                            </m:r>
+                          </m:e>
+                        </m:acc>
+                      </m:e>
+                      <m:sub>
+                        <m:r>
+                          <a:rPr lang="en-US" altLang="zh-TW" sz="1600" b="0" i="1" smtClean="0">
+                            <a:latin typeface="Cambria Math" panose="02040503050406030204" pitchFamily="18" charset="0"/>
+                          </a:rPr>
+                          <m:t>𝑖</m:t>
+                        </m:r>
+                      </m:sub>
+                      <m:sup>
+                        <m:r>
+                          <a:rPr lang="en-US" altLang="zh-TW" sz="1600" b="0" i="1" smtClean="0">
+                            <a:latin typeface="Cambria Math" panose="02040503050406030204" pitchFamily="18" charset="0"/>
+                          </a:rPr>
+                          <m:t>𝑖𝑟</m:t>
+                        </m:r>
+                      </m:sup>
+                    </m:sSubSup>
+                  </m:oMath>
+                </a14:m>
+                <a:r>
+                  <a:rPr lang="en-US" altLang="zh-TW" sz="1600" dirty="0"/>
+                  <a:t> is the IR drop percentage value of cell </a:t>
+                </a:r>
+                <a:r>
+                  <a:rPr lang="zh-TW" altLang="en-US" sz="1600" dirty="0"/>
+                  <a:t>𝑖 </a:t>
+                </a:r>
+                <a:r>
+                  <a:rPr lang="en-US" altLang="zh-TW" sz="1600" dirty="0"/>
+                  <a:t>provided by static IR drop analysis.</a:t>
+                </a:r>
+              </a:p>
+              <a:p>
+                <a:pPr lvl="1">
+                  <a:lnSpc>
+                    <a:spcPct val="200000"/>
+                  </a:lnSpc>
+                </a:pPr>
+                <a14:m>
+                  <m:oMath xmlns:m="http://schemas.openxmlformats.org/officeDocument/2006/math">
+                    <m:sSup>
+                      <m:sSupPr>
+                        <m:ctrlPr>
+                          <a:rPr lang="en-US" altLang="zh-TW" sz="1800" i="1" smtClean="0">
+                            <a:latin typeface="Cambria Math" panose="02040503050406030204" pitchFamily="18" charset="0"/>
+                          </a:rPr>
+                        </m:ctrlPr>
+                      </m:sSupPr>
+                      <m:e>
+                        <m:r>
+                          <a:rPr lang="en-US" altLang="zh-TW" sz="1800" b="0" i="1" smtClean="0">
+                            <a:latin typeface="Cambria Math" panose="02040503050406030204" pitchFamily="18" charset="0"/>
+                          </a:rPr>
+                          <m:t>𝐷</m:t>
+                        </m:r>
+                      </m:e>
+                      <m:sup>
+                        <m:r>
+                          <a:rPr lang="en-US" altLang="zh-TW" sz="1800" b="0" i="1" smtClean="0">
+                            <a:latin typeface="Cambria Math" panose="02040503050406030204" pitchFamily="18" charset="0"/>
+                          </a:rPr>
+                          <m:t>𝑑𝑟𝑐</m:t>
+                        </m:r>
+                      </m:sup>
+                    </m:sSup>
+                    <m:r>
+                      <a:rPr lang="en-US" altLang="zh-TW" sz="1800" b="0" i="1" smtClean="0">
+                        <a:latin typeface="Cambria Math" panose="02040503050406030204" pitchFamily="18" charset="0"/>
+                      </a:rPr>
+                      <m:t> :  </m:t>
+                    </m:r>
+                  </m:oMath>
+                </a14:m>
+                <a:r>
+                  <a:rPr lang="en-US" altLang="zh-TW" sz="1800" dirty="0"/>
+                  <a:t>DRC hotspot prediction for the grid where the cell is located.</a:t>
+                </a:r>
+              </a:p>
+              <a:p>
+                <a:pPr lvl="2">
+                  <a:lnSpc>
+                    <a:spcPct val="200000"/>
+                  </a:lnSpc>
+                </a:pPr>
+                <a:r>
+                  <a:rPr lang="en-US" altLang="zh-TW" sz="1400" dirty="0"/>
+                  <a:t> </a:t>
+                </a:r>
+              </a:p>
+              <a:p>
+                <a:pPr lvl="2">
+                  <a:lnSpc>
+                    <a:spcPct val="200000"/>
+                  </a:lnSpc>
+                </a:pPr>
+                <a14:m>
+                  <m:oMath xmlns:m="http://schemas.openxmlformats.org/officeDocument/2006/math">
+                    <m:sSubSup>
+                      <m:sSubSupPr>
+                        <m:ctrlPr>
+                          <a:rPr lang="en-US" altLang="zh-TW" sz="1600" i="1" smtClean="0">
+                            <a:latin typeface="Cambria Math" panose="02040503050406030204" pitchFamily="18" charset="0"/>
+                          </a:rPr>
+                        </m:ctrlPr>
+                      </m:sSubSupPr>
+                      <m:e>
+                        <m:acc>
+                          <m:accPr>
+                            <m:chr m:val="̂"/>
+                            <m:ctrlPr>
+                              <a:rPr lang="en-US" altLang="zh-TW" sz="1600" i="1" smtClean="0">
+                                <a:latin typeface="Cambria Math" panose="02040503050406030204" pitchFamily="18" charset="0"/>
+                              </a:rPr>
+                            </m:ctrlPr>
+                          </m:accPr>
+                          <m:e>
+                            <m:r>
+                              <a:rPr lang="en-US" altLang="zh-TW" sz="1600" b="0" i="1" smtClean="0">
+                                <a:latin typeface="Cambria Math" panose="02040503050406030204" pitchFamily="18" charset="0"/>
+                              </a:rPr>
+                              <m:t>𝑦</m:t>
+                            </m:r>
+                          </m:e>
+                        </m:acc>
+                      </m:e>
+                      <m:sub>
+                        <m:r>
+                          <a:rPr lang="en-US" altLang="zh-TW" sz="1600" b="0" i="1" smtClean="0">
+                            <a:latin typeface="Cambria Math" panose="02040503050406030204" pitchFamily="18" charset="0"/>
+                          </a:rPr>
+                          <m:t>𝑖</m:t>
+                        </m:r>
+                      </m:sub>
+                      <m:sup>
+                        <m:r>
+                          <a:rPr lang="en-US" altLang="zh-TW" sz="1600" b="0" i="1" smtClean="0">
+                            <a:latin typeface="Cambria Math" panose="02040503050406030204" pitchFamily="18" charset="0"/>
+                          </a:rPr>
+                          <m:t>𝑑𝑟𝑐</m:t>
+                        </m:r>
+                      </m:sup>
+                    </m:sSubSup>
+                  </m:oMath>
+                </a14:m>
+                <a:r>
+                  <a:rPr lang="en-US" altLang="zh-TW" sz="1600" dirty="0"/>
+                  <a:t> indicates if there is a DRC hotspot at the grid containing cell </a:t>
+                </a:r>
+                <a:r>
+                  <a:rPr lang="zh-TW" altLang="en-US" sz="1600" dirty="0"/>
+                  <a:t>𝑖</a:t>
+                </a:r>
+                <a:r>
+                  <a:rPr lang="en-US" altLang="zh-TW" sz="1600" dirty="0"/>
+                  <a:t>.</a:t>
+                </a:r>
+                <a:endParaRPr lang="en-US" altLang="zh-TW" sz="1400" dirty="0"/>
+              </a:p>
+            </p:txBody>
+          </p:sp>
+        </mc:Choice>
+        <mc:Fallback xmlns="">
+          <p:sp>
+            <p:nvSpPr>
+              <p:cNvPr id="3" name="內容版面配置區 2">
+                <a:extLst>
+                  <a:ext uri="{FF2B5EF4-FFF2-40B4-BE49-F238E27FC236}">
+                    <a16:creationId xmlns:a16="http://schemas.microsoft.com/office/drawing/2014/main" id="{A631D7BD-9745-5DAE-5222-935ABF471125}"/>
+                  </a:ext>
+                </a:extLst>
+              </p:cNvPr>
+              <p:cNvSpPr>
+                <a:spLocks noGrp="1" noRot="1" noChangeAspect="1" noMove="1" noResize="1" noEditPoints="1" noAdjustHandles="1" noChangeArrowheads="1" noChangeShapeType="1" noTextEdit="1"/>
+              </p:cNvSpPr>
+              <p:nvPr>
+                <p:ph idx="1"/>
+              </p:nvPr>
+            </p:nvSpPr>
+            <p:spPr>
+              <a:blipFill>
+                <a:blip r:embed="rId2"/>
+                <a:stretch>
+                  <a:fillRect l="-696"/>
+                </a:stretch>
+              </a:blipFill>
+            </p:spPr>
+            <p:txBody>
+              <a:bodyPr/>
+              <a:lstStyle/>
+              <a:p>
+                <a:r>
+                  <a:rPr lang="zh-TW" altLang="en-US">
+                    <a:noFill/>
+                  </a:rPr>
+                  <a:t> </a:t>
+                </a:r>
+              </a:p>
+            </p:txBody>
+          </p:sp>
+        </mc:Fallback>
+      </mc:AlternateContent>
+      <p:sp>
+        <p:nvSpPr>
+          <p:cNvPr id="4" name="投影片編號版面配置區 3">
+            <a:extLst>
+              <a:ext uri="{FF2B5EF4-FFF2-40B4-BE49-F238E27FC236}">
+                <a16:creationId xmlns:a16="http://schemas.microsoft.com/office/drawing/2014/main" id="{29205F26-7060-16BC-949B-03B5E192AEFC}"/>
+              </a:ext>
+            </a:extLst>
+          </p:cNvPr>
+          <p:cNvSpPr>
+            <a:spLocks noGrp="1"/>
+          </p:cNvSpPr>
+          <p:nvPr>
+            <p:ph type="sldNum" sz="quarter" idx="12"/>
+          </p:nvPr>
+        </p:nvSpPr>
+        <p:spPr/>
+        <p:txBody>
+          <a:bodyPr/>
+          <a:lstStyle/>
+          <a:p>
+            <a:fld id="{666274A1-CF9C-426A-8DD4-B13ED0C24231}" type="slidenum">
+              <a:rPr lang="en-US" smtClean="0"/>
+              <a:t>13</a:t>
+            </a:fld>
+            <a:endParaRPr lang="en-US"/>
+          </a:p>
+        </p:txBody>
+      </p:sp>
+      <p:pic>
+        <p:nvPicPr>
+          <p:cNvPr id="6" name="圖片 5">
+            <a:extLst>
+              <a:ext uri="{FF2B5EF4-FFF2-40B4-BE49-F238E27FC236}">
+                <a16:creationId xmlns:a16="http://schemas.microsoft.com/office/drawing/2014/main" id="{8493323C-E551-6901-EA67-137B6F065C5B}"/>
+              </a:ext>
+            </a:extLst>
+          </p:cNvPr>
+          <p:cNvPicPr>
+            <a:picLocks noChangeAspect="1"/>
+          </p:cNvPicPr>
+          <p:nvPr/>
+        </p:nvPicPr>
+        <p:blipFill>
+          <a:blip r:embed="rId3"/>
+          <a:stretch>
+            <a:fillRect/>
+          </a:stretch>
+        </p:blipFill>
+        <p:spPr>
+          <a:xfrm>
+            <a:off x="2044181" y="3196622"/>
+            <a:ext cx="4187913" cy="291502"/>
+          </a:xfrm>
+          <a:prstGeom prst="rect">
+            <a:avLst/>
+          </a:prstGeom>
+        </p:spPr>
+      </p:pic>
+      <p:pic>
+        <p:nvPicPr>
+          <p:cNvPr id="8" name="圖片 7">
+            <a:extLst>
+              <a:ext uri="{FF2B5EF4-FFF2-40B4-BE49-F238E27FC236}">
+                <a16:creationId xmlns:a16="http://schemas.microsoft.com/office/drawing/2014/main" id="{C87FB886-215C-0DD3-0A70-259DB1CB57BD}"/>
+              </a:ext>
+            </a:extLst>
+          </p:cNvPr>
+          <p:cNvPicPr>
+            <a:picLocks noChangeAspect="1"/>
+          </p:cNvPicPr>
+          <p:nvPr/>
+        </p:nvPicPr>
+        <p:blipFill>
+          <a:blip r:embed="rId4"/>
+          <a:stretch>
+            <a:fillRect/>
+          </a:stretch>
+        </p:blipFill>
+        <p:spPr>
+          <a:xfrm>
+            <a:off x="2044181" y="4897621"/>
+            <a:ext cx="4992448" cy="291600"/>
+          </a:xfrm>
+          <a:prstGeom prst="rect">
+            <a:avLst/>
+          </a:prstGeom>
+        </p:spPr>
+      </p:pic>
+    </p:spTree>
+    <p:extLst>
+      <p:ext uri="{BB962C8B-B14F-4D97-AF65-F5344CB8AC3E}">
+        <p14:creationId xmlns:p14="http://schemas.microsoft.com/office/powerpoint/2010/main" val="3904027134"/>
+      </p:ext>
+    </p:extLst>
+  </p:cSld>
+  <p:clrMapOvr>
+    <a:masterClrMapping/>
+  </p:clrMapOvr>
+</p:sld>
+</file>
+
+<file path=ppt/slides/slide15.xml><?xml version="1.0" encoding="utf-8"?>
+<p:sld xmlns:a="http://schemas.openxmlformats.org/drawingml/2006/main" xmlns:r="http://schemas.openxmlformats.org/officeDocument/2006/relationships" xmlns:p="http://schemas.openxmlformats.org/presentationml/2006/main">
+  <p:cSld>
+    <p:spTree>
+      <p:nvGrpSpPr>
+        <p:cNvPr id="1" name=""/>
+        <p:cNvGrpSpPr/>
+        <p:nvPr/>
+      </p:nvGrpSpPr>
+      <p:grpSpPr>
+        <a:xfrm>
+          <a:off x="0" y="0"/>
+          <a:ext cx="0" cy="0"/>
+          <a:chOff x="0" y="0"/>
+          <a:chExt cx="0" cy="0"/>
+        </a:xfrm>
+      </p:grpSpPr>
+      <p:sp>
+        <p:nvSpPr>
+          <p:cNvPr id="2" name="標題 1">
+            <a:extLst>
+              <a:ext uri="{FF2B5EF4-FFF2-40B4-BE49-F238E27FC236}">
+                <a16:creationId xmlns:a16="http://schemas.microsoft.com/office/drawing/2014/main" id="{B955430E-95E6-5E59-A3B3-482D2BA0D71D}"/>
+              </a:ext>
+            </a:extLst>
+          </p:cNvPr>
+          <p:cNvSpPr>
+            <a:spLocks noGrp="1"/>
+          </p:cNvSpPr>
+          <p:nvPr>
+            <p:ph type="title"/>
+          </p:nvPr>
+        </p:nvSpPr>
+        <p:spPr/>
+        <p:txBody>
+          <a:bodyPr/>
+          <a:lstStyle/>
+          <a:p>
+            <a:r>
+              <a:rPr lang="en-US" altLang="zh-TW" sz="4000" dirty="0"/>
+              <a:t>Methodology</a:t>
+            </a:r>
+            <a:r>
+              <a:rPr lang="en-US" altLang="zh-TW" dirty="0"/>
+              <a:t> </a:t>
+            </a:r>
+            <a:r>
+              <a:rPr lang="en-US" altLang="zh-TW" sz="2800" dirty="0"/>
+              <a:t>– ML Model</a:t>
+            </a:r>
+            <a:endParaRPr lang="zh-TW" altLang="en-US" dirty="0"/>
+          </a:p>
+        </p:txBody>
+      </p:sp>
+      <p:sp>
+        <p:nvSpPr>
+          <p:cNvPr id="3" name="內容版面配置區 2">
+            <a:extLst>
+              <a:ext uri="{FF2B5EF4-FFF2-40B4-BE49-F238E27FC236}">
+                <a16:creationId xmlns:a16="http://schemas.microsoft.com/office/drawing/2014/main" id="{8635AFCE-6229-6782-F0B9-AE31A9E6282A}"/>
+              </a:ext>
+            </a:extLst>
+          </p:cNvPr>
+          <p:cNvSpPr>
+            <a:spLocks noGrp="1"/>
+          </p:cNvSpPr>
+          <p:nvPr>
+            <p:ph idx="1"/>
+          </p:nvPr>
+        </p:nvSpPr>
+        <p:spPr>
+          <a:xfrm>
+            <a:off x="838200" y="1690688"/>
+            <a:ext cx="10515600" cy="4486275"/>
+          </a:xfrm>
+        </p:spPr>
+        <p:txBody>
+          <a:bodyPr>
+            <a:normAutofit/>
+          </a:bodyPr>
+          <a:lstStyle/>
+          <a:p>
+            <a:pPr>
+              <a:lnSpc>
+                <a:spcPct val="150000"/>
+              </a:lnSpc>
+            </a:pPr>
+            <a:r>
+              <a:rPr lang="en-US" altLang="zh-TW" sz="2200" dirty="0"/>
+              <a:t>They trained multiple regression models and output the model with the best prediction performance on the validation set.</a:t>
+            </a:r>
+          </a:p>
+          <a:p>
+            <a:pPr marL="914400" lvl="1" indent="-457200">
+              <a:lnSpc>
+                <a:spcPct val="125000"/>
+              </a:lnSpc>
+              <a:buFont typeface="+mj-lt"/>
+              <a:buAutoNum type="arabicPeriod"/>
+            </a:pPr>
+            <a:r>
+              <a:rPr lang="en-US" altLang="zh-TW" sz="1800" dirty="0"/>
+              <a:t>Extra Trees</a:t>
+            </a:r>
+          </a:p>
+          <a:p>
+            <a:pPr marL="914400" lvl="1" indent="-457200">
+              <a:lnSpc>
+                <a:spcPct val="125000"/>
+              </a:lnSpc>
+              <a:buFont typeface="+mj-lt"/>
+              <a:buAutoNum type="arabicPeriod"/>
+            </a:pPr>
+            <a:r>
+              <a:rPr lang="en-US" altLang="zh-TW" sz="1800" dirty="0"/>
+              <a:t>MLP (ANN)</a:t>
+            </a:r>
+          </a:p>
+          <a:p>
+            <a:pPr marL="914400" lvl="1" indent="-457200">
+              <a:lnSpc>
+                <a:spcPct val="125000"/>
+              </a:lnSpc>
+              <a:buFont typeface="+mj-lt"/>
+              <a:buAutoNum type="arabicPeriod"/>
+            </a:pPr>
+            <a:r>
+              <a:rPr lang="en-US" altLang="zh-TW" sz="1800" dirty="0"/>
+              <a:t>Random Forest (RF)</a:t>
+            </a:r>
+          </a:p>
+          <a:p>
+            <a:pPr marL="914400" lvl="1" indent="-457200">
+              <a:lnSpc>
+                <a:spcPct val="125000"/>
+              </a:lnSpc>
+              <a:buFont typeface="+mj-lt"/>
+              <a:buAutoNum type="arabicPeriod"/>
+            </a:pPr>
+            <a:r>
+              <a:rPr lang="en-US" altLang="zh-TW" sz="1800" dirty="0"/>
+              <a:t>XGBoost</a:t>
+            </a:r>
+            <a:endParaRPr lang="en-US" altLang="zh-TW" sz="2200" dirty="0"/>
+          </a:p>
+          <a:p>
+            <a:pPr>
+              <a:lnSpc>
+                <a:spcPct val="125000"/>
+              </a:lnSpc>
+            </a:pPr>
+            <a:r>
+              <a:rPr lang="en-US" altLang="zh-TW" sz="2200" dirty="0"/>
+              <a:t>The best model is trained by XGBoost.</a:t>
+            </a:r>
+            <a:endParaRPr lang="zh-TW" altLang="en-US" sz="2200" dirty="0"/>
+          </a:p>
+        </p:txBody>
+      </p:sp>
+      <p:sp>
+        <p:nvSpPr>
+          <p:cNvPr id="4" name="投影片編號版面配置區 3">
+            <a:extLst>
+              <a:ext uri="{FF2B5EF4-FFF2-40B4-BE49-F238E27FC236}">
+                <a16:creationId xmlns:a16="http://schemas.microsoft.com/office/drawing/2014/main" id="{A670D4F7-56DF-5465-D63A-954219B6F335}"/>
+              </a:ext>
+            </a:extLst>
+          </p:cNvPr>
+          <p:cNvSpPr>
+            <a:spLocks noGrp="1"/>
+          </p:cNvSpPr>
+          <p:nvPr>
+            <p:ph type="sldNum" sz="quarter" idx="12"/>
+          </p:nvPr>
+        </p:nvSpPr>
+        <p:spPr/>
+        <p:txBody>
+          <a:bodyPr/>
+          <a:lstStyle/>
+          <a:p>
+            <a:fld id="{666274A1-CF9C-426A-8DD4-B13ED0C24231}" type="slidenum">
+              <a:rPr lang="en-US" smtClean="0"/>
+              <a:t>14</a:t>
+            </a:fld>
+            <a:endParaRPr lang="en-US"/>
+          </a:p>
+        </p:txBody>
+      </p:sp>
+      <p:pic>
+        <p:nvPicPr>
+          <p:cNvPr id="8" name="圖片 7">
+            <a:extLst>
+              <a:ext uri="{FF2B5EF4-FFF2-40B4-BE49-F238E27FC236}">
+                <a16:creationId xmlns:a16="http://schemas.microsoft.com/office/drawing/2014/main" id="{C18CA8AF-970E-EA25-49EE-D44C3D86E019}"/>
+              </a:ext>
+            </a:extLst>
+          </p:cNvPr>
+          <p:cNvPicPr>
+            <a:picLocks noChangeAspect="1"/>
+          </p:cNvPicPr>
+          <p:nvPr/>
+        </p:nvPicPr>
+        <p:blipFill>
+          <a:blip r:embed="rId3"/>
+          <a:stretch>
+            <a:fillRect/>
+          </a:stretch>
+        </p:blipFill>
+        <p:spPr>
+          <a:xfrm>
+            <a:off x="4754881" y="2912224"/>
+            <a:ext cx="7157986" cy="1472005"/>
+          </a:xfrm>
+          <a:prstGeom prst="rect">
+            <a:avLst/>
+          </a:prstGeom>
+        </p:spPr>
+      </p:pic>
+      <p:sp>
+        <p:nvSpPr>
+          <p:cNvPr id="10" name="文字方塊 9">
+            <a:extLst>
+              <a:ext uri="{FF2B5EF4-FFF2-40B4-BE49-F238E27FC236}">
+                <a16:creationId xmlns:a16="http://schemas.microsoft.com/office/drawing/2014/main" id="{DB547C68-1B69-FB35-DFE1-F57E8DE6C23D}"/>
+              </a:ext>
+            </a:extLst>
+          </p:cNvPr>
+          <p:cNvSpPr txBox="1"/>
+          <p:nvPr/>
+        </p:nvSpPr>
+        <p:spPr>
+          <a:xfrm>
+            <a:off x="5292290" y="5167312"/>
+            <a:ext cx="6083167" cy="1196738"/>
+          </a:xfrm>
+          <a:prstGeom prst="rect">
+            <a:avLst/>
+          </a:prstGeom>
+          <a:noFill/>
+          <a:ln>
+            <a:solidFill>
+              <a:schemeClr val="tx1"/>
+            </a:solidFill>
+          </a:ln>
+        </p:spPr>
+        <p:txBody>
+          <a:bodyPr wrap="square" rtlCol="0">
+            <a:spAutoFit/>
+          </a:bodyPr>
+          <a:lstStyle/>
+          <a:p>
+            <a:pPr marL="285750" indent="-285750">
+              <a:lnSpc>
+                <a:spcPct val="150000"/>
+              </a:lnSpc>
+              <a:buFont typeface="Arial" panose="020B0604020202020204" pitchFamily="34" charset="0"/>
+              <a:buChar char="•"/>
+            </a:pPr>
+            <a:r>
+              <a:rPr lang="en-US" altLang="zh-TW" sz="1600" dirty="0"/>
+              <a:t>Direct:    IR drop on cross-domain cell with direct supply.</a:t>
+            </a:r>
+          </a:p>
+          <a:p>
+            <a:pPr marL="285750" indent="-285750">
+              <a:lnSpc>
+                <a:spcPct val="150000"/>
+              </a:lnSpc>
+              <a:buFont typeface="Arial" panose="020B0604020202020204" pitchFamily="34" charset="0"/>
+              <a:buChar char="•"/>
+            </a:pPr>
+            <a:r>
+              <a:rPr lang="en-US" altLang="zh-TW" sz="1600" dirty="0"/>
+              <a:t>Indirect:  IR drop on cross-domain cell with indirect supply.</a:t>
+            </a:r>
+          </a:p>
+          <a:p>
+            <a:pPr marL="285750" indent="-285750">
+              <a:lnSpc>
+                <a:spcPct val="150000"/>
+              </a:lnSpc>
+              <a:buFont typeface="Arial" panose="020B0604020202020204" pitchFamily="34" charset="0"/>
+              <a:buChar char="•"/>
+            </a:pPr>
+            <a:r>
+              <a:rPr lang="en-US" altLang="zh-TW" sz="1600" dirty="0"/>
+              <a:t>DRC:      DRC hotspot in a grid.</a:t>
+            </a:r>
+            <a:endParaRPr lang="zh-TW" altLang="en-US" sz="1600" dirty="0"/>
+          </a:p>
+        </p:txBody>
+      </p:sp>
+    </p:spTree>
+    <p:extLst>
+      <p:ext uri="{BB962C8B-B14F-4D97-AF65-F5344CB8AC3E}">
+        <p14:creationId xmlns:p14="http://schemas.microsoft.com/office/powerpoint/2010/main" val="1600053978"/>
+      </p:ext>
+    </p:extLst>
+  </p:cSld>
+  <p:clrMapOvr>
+    <a:masterClrMapping/>
+  </p:clrMapOvr>
+</p:sld>
+</file>
+
+<file path=ppt/slides/slide16.xml><?xml version="1.0" encoding="utf-8"?>
+<p:sld xmlns:a="http://schemas.openxmlformats.org/drawingml/2006/main" xmlns:r="http://schemas.openxmlformats.org/officeDocument/2006/relationships" xmlns:p="http://schemas.openxmlformats.org/presentationml/2006/main">
+  <p:cSld>
+    <p:spTree>
+      <p:nvGrpSpPr>
+        <p:cNvPr id="1" name=""/>
+        <p:cNvGrpSpPr/>
+        <p:nvPr/>
+      </p:nvGrpSpPr>
+      <p:grpSpPr>
+        <a:xfrm>
+          <a:off x="0" y="0"/>
+          <a:ext cx="0" cy="0"/>
+          <a:chOff x="0" y="0"/>
+          <a:chExt cx="0" cy="0"/>
+        </a:xfrm>
+      </p:grpSpPr>
+      <p:sp>
+        <p:nvSpPr>
+          <p:cNvPr id="2" name="標題 1">
+            <a:extLst>
+              <a:ext uri="{FF2B5EF4-FFF2-40B4-BE49-F238E27FC236}">
+                <a16:creationId xmlns:a16="http://schemas.microsoft.com/office/drawing/2014/main" id="{70FB0DA9-E48F-8219-EB95-9ABBE688E849}"/>
+              </a:ext>
+            </a:extLst>
+          </p:cNvPr>
+          <p:cNvSpPr>
+            <a:spLocks noGrp="1"/>
+          </p:cNvSpPr>
+          <p:nvPr>
+            <p:ph type="title"/>
+          </p:nvPr>
+        </p:nvSpPr>
+        <p:spPr/>
+        <p:txBody>
+          <a:bodyPr/>
+          <a:lstStyle/>
+          <a:p>
+            <a:r>
+              <a:rPr lang="en-US" altLang="zh-TW" sz="4000" dirty="0"/>
+              <a:t>Methodology</a:t>
+            </a:r>
+            <a:r>
+              <a:rPr lang="en-US" altLang="zh-TW" dirty="0"/>
+              <a:t> </a:t>
+            </a:r>
+            <a:r>
+              <a:rPr lang="en-US" altLang="zh-TW" sz="2800" dirty="0"/>
+              <a:t>– ML Model</a:t>
+            </a:r>
+            <a:endParaRPr lang="zh-TW" altLang="en-US" dirty="0"/>
+          </a:p>
+        </p:txBody>
+      </p:sp>
+      <p:sp>
+        <p:nvSpPr>
+          <p:cNvPr id="4" name="投影片編號版面配置區 3">
+            <a:extLst>
+              <a:ext uri="{FF2B5EF4-FFF2-40B4-BE49-F238E27FC236}">
+                <a16:creationId xmlns:a16="http://schemas.microsoft.com/office/drawing/2014/main" id="{B1985FF4-E91B-A4E5-3EF0-6381DB16B237}"/>
+              </a:ext>
+            </a:extLst>
+          </p:cNvPr>
+          <p:cNvSpPr>
+            <a:spLocks noGrp="1"/>
+          </p:cNvSpPr>
+          <p:nvPr>
+            <p:ph type="sldNum" sz="quarter" idx="12"/>
+          </p:nvPr>
+        </p:nvSpPr>
+        <p:spPr/>
+        <p:txBody>
+          <a:bodyPr/>
+          <a:lstStyle/>
+          <a:p>
+            <a:fld id="{666274A1-CF9C-426A-8DD4-B13ED0C24231}" type="slidenum">
+              <a:rPr lang="en-US" smtClean="0"/>
+              <a:t>15</a:t>
+            </a:fld>
+            <a:endParaRPr lang="en-US"/>
+          </a:p>
+        </p:txBody>
+      </p:sp>
+      <p:sp>
+        <p:nvSpPr>
+          <p:cNvPr id="10" name="內容版面配置區 9">
+            <a:extLst>
+              <a:ext uri="{FF2B5EF4-FFF2-40B4-BE49-F238E27FC236}">
+                <a16:creationId xmlns:a16="http://schemas.microsoft.com/office/drawing/2014/main" id="{A4F5582B-30E0-B3EB-7F8E-3E24BED3590D}"/>
+              </a:ext>
+            </a:extLst>
+          </p:cNvPr>
+          <p:cNvSpPr>
+            <a:spLocks noGrp="1"/>
+          </p:cNvSpPr>
+          <p:nvPr>
+            <p:ph idx="1"/>
+          </p:nvPr>
+        </p:nvSpPr>
+        <p:spPr/>
+        <p:txBody>
+          <a:bodyPr/>
+          <a:lstStyle/>
+          <a:p>
+            <a:endParaRPr lang="zh-TW" altLang="en-US"/>
+          </a:p>
+        </p:txBody>
+      </p:sp>
+      <p:pic>
+        <p:nvPicPr>
+          <p:cNvPr id="12" name="圖片 11">
+            <a:extLst>
+              <a:ext uri="{FF2B5EF4-FFF2-40B4-BE49-F238E27FC236}">
+                <a16:creationId xmlns:a16="http://schemas.microsoft.com/office/drawing/2014/main" id="{8A831718-31BA-36F3-E471-2FAAF3738915}"/>
+              </a:ext>
+            </a:extLst>
+          </p:cNvPr>
+          <p:cNvPicPr>
+            <a:picLocks noChangeAspect="1"/>
+          </p:cNvPicPr>
+          <p:nvPr/>
+        </p:nvPicPr>
+        <p:blipFill>
+          <a:blip r:embed="rId2"/>
+          <a:stretch>
+            <a:fillRect/>
+          </a:stretch>
+        </p:blipFill>
+        <p:spPr>
+          <a:xfrm>
+            <a:off x="2126108" y="1698473"/>
+            <a:ext cx="7939784" cy="4478490"/>
+          </a:xfrm>
+          <a:prstGeom prst="rect">
+            <a:avLst/>
+          </a:prstGeom>
+        </p:spPr>
+      </p:pic>
+    </p:spTree>
+    <p:extLst>
+      <p:ext uri="{BB962C8B-B14F-4D97-AF65-F5344CB8AC3E}">
+        <p14:creationId xmlns:p14="http://schemas.microsoft.com/office/powerpoint/2010/main" val="4034179293"/>
+      </p:ext>
+    </p:extLst>
+  </p:cSld>
+  <p:clrMapOvr>
+    <a:masterClrMapping/>
+  </p:clrMapOvr>
+</p:sld>
+</file>
+
+<file path=ppt/slides/slide17.xml><?xml version="1.0" encoding="utf-8"?>
+<p:sld xmlns:a="http://schemas.openxmlformats.org/drawingml/2006/main" xmlns:r="http://schemas.openxmlformats.org/officeDocument/2006/relationships" xmlns:p="http://schemas.openxmlformats.org/presentationml/2006/main">
+  <p:cSld>
+    <p:spTree>
+      <p:nvGrpSpPr>
+        <p:cNvPr id="1" name=""/>
+        <p:cNvGrpSpPr/>
+        <p:nvPr/>
+      </p:nvGrpSpPr>
+      <p:grpSpPr>
+        <a:xfrm>
+          <a:off x="0" y="0"/>
+          <a:ext cx="0" cy="0"/>
+          <a:chOff x="0" y="0"/>
+          <a:chExt cx="0" cy="0"/>
+        </a:xfrm>
+      </p:grpSpPr>
+      <p:sp>
+        <p:nvSpPr>
+          <p:cNvPr id="2" name="標題 1">
+            <a:extLst>
+              <a:ext uri="{FF2B5EF4-FFF2-40B4-BE49-F238E27FC236}">
+                <a16:creationId xmlns:a16="http://schemas.microsoft.com/office/drawing/2014/main" id="{70FB0DA9-E48F-8219-EB95-9ABBE688E849}"/>
+              </a:ext>
+            </a:extLst>
+          </p:cNvPr>
+          <p:cNvSpPr>
+            <a:spLocks noGrp="1"/>
+          </p:cNvSpPr>
+          <p:nvPr>
+            <p:ph type="title"/>
+          </p:nvPr>
+        </p:nvSpPr>
+        <p:spPr/>
+        <p:txBody>
+          <a:bodyPr/>
+          <a:lstStyle/>
+          <a:p>
+            <a:r>
+              <a:rPr lang="en-US" altLang="zh-TW" sz="4000" dirty="0"/>
+              <a:t>Methodology</a:t>
+            </a:r>
+            <a:r>
+              <a:rPr lang="en-US" altLang="zh-TW" dirty="0"/>
+              <a:t> </a:t>
+            </a:r>
+            <a:r>
+              <a:rPr lang="en-US" altLang="zh-TW" sz="2800" dirty="0"/>
+              <a:t>– ML Model</a:t>
+            </a:r>
+            <a:endParaRPr lang="zh-TW" altLang="en-US" dirty="0"/>
+          </a:p>
+        </p:txBody>
+      </p:sp>
+      <p:sp>
+        <p:nvSpPr>
+          <p:cNvPr id="4" name="投影片編號版面配置區 3">
+            <a:extLst>
+              <a:ext uri="{FF2B5EF4-FFF2-40B4-BE49-F238E27FC236}">
+                <a16:creationId xmlns:a16="http://schemas.microsoft.com/office/drawing/2014/main" id="{B1985FF4-E91B-A4E5-3EF0-6381DB16B237}"/>
+              </a:ext>
+            </a:extLst>
+          </p:cNvPr>
+          <p:cNvSpPr>
+            <a:spLocks noGrp="1"/>
+          </p:cNvSpPr>
+          <p:nvPr>
+            <p:ph type="sldNum" sz="quarter" idx="12"/>
+          </p:nvPr>
+        </p:nvSpPr>
+        <p:spPr/>
+        <p:txBody>
+          <a:bodyPr/>
+          <a:lstStyle/>
+          <a:p>
+            <a:fld id="{666274A1-CF9C-426A-8DD4-B13ED0C24231}" type="slidenum">
+              <a:rPr lang="en-US" smtClean="0"/>
+              <a:t>16</a:t>
+            </a:fld>
+            <a:endParaRPr lang="en-US"/>
+          </a:p>
+        </p:txBody>
+      </p:sp>
+      <p:sp>
+        <p:nvSpPr>
+          <p:cNvPr id="5" name="內容版面配置區 4">
+            <a:extLst>
+              <a:ext uri="{FF2B5EF4-FFF2-40B4-BE49-F238E27FC236}">
+                <a16:creationId xmlns:a16="http://schemas.microsoft.com/office/drawing/2014/main" id="{65617D24-C4D9-DA8C-36B0-DD254AAE32FD}"/>
+              </a:ext>
+            </a:extLst>
+          </p:cNvPr>
+          <p:cNvSpPr>
+            <a:spLocks noGrp="1"/>
+          </p:cNvSpPr>
+          <p:nvPr>
+            <p:ph idx="1"/>
+          </p:nvPr>
+        </p:nvSpPr>
+        <p:spPr/>
+        <p:txBody>
+          <a:bodyPr/>
+          <a:lstStyle/>
+          <a:p>
+            <a:endParaRPr lang="zh-TW" altLang="en-US"/>
+          </a:p>
+        </p:txBody>
+      </p:sp>
+      <p:pic>
+        <p:nvPicPr>
+          <p:cNvPr id="10" name="圖片 9">
+            <a:extLst>
+              <a:ext uri="{FF2B5EF4-FFF2-40B4-BE49-F238E27FC236}">
+                <a16:creationId xmlns:a16="http://schemas.microsoft.com/office/drawing/2014/main" id="{B9AE4F9C-8428-3DE3-08E7-1A4C6DF9AD68}"/>
+              </a:ext>
+            </a:extLst>
+          </p:cNvPr>
+          <p:cNvPicPr>
+            <a:picLocks noChangeAspect="1"/>
+          </p:cNvPicPr>
+          <p:nvPr/>
+        </p:nvPicPr>
+        <p:blipFill>
+          <a:blip r:embed="rId2"/>
+          <a:stretch>
+            <a:fillRect/>
+          </a:stretch>
+        </p:blipFill>
+        <p:spPr>
+          <a:xfrm>
+            <a:off x="2672979" y="1635511"/>
+            <a:ext cx="6846042" cy="4857364"/>
+          </a:xfrm>
+          <a:prstGeom prst="rect">
+            <a:avLst/>
+          </a:prstGeom>
+        </p:spPr>
+      </p:pic>
+    </p:spTree>
+    <p:extLst>
+      <p:ext uri="{BB962C8B-B14F-4D97-AF65-F5344CB8AC3E}">
+        <p14:creationId xmlns:p14="http://schemas.microsoft.com/office/powerpoint/2010/main" val="2310928367"/>
+      </p:ext>
+    </p:extLst>
+  </p:cSld>
+  <p:clrMapOvr>
+    <a:masterClrMapping/>
+  </p:clrMapOvr>
+</p:sld>
+</file>
+
+<file path=ppt/slides/slide18.xml><?xml version="1.0" encoding="utf-8"?>
+<p:sld xmlns:a="http://schemas.openxmlformats.org/drawingml/2006/main" xmlns:r="http://schemas.openxmlformats.org/officeDocument/2006/relationships" xmlns:p="http://schemas.openxmlformats.org/presentationml/2006/main">
+  <p:cSld>
+    <p:spTree>
+      <p:nvGrpSpPr>
+        <p:cNvPr id="1" name=""/>
+        <p:cNvGrpSpPr/>
+        <p:nvPr/>
+      </p:nvGrpSpPr>
+      <p:grpSpPr>
+        <a:xfrm>
+          <a:off x="0" y="0"/>
+          <a:ext cx="0" cy="0"/>
+          <a:chOff x="0" y="0"/>
+          <a:chExt cx="0" cy="0"/>
+        </a:xfrm>
+      </p:grpSpPr>
+      <p:sp>
+        <p:nvSpPr>
+          <p:cNvPr id="2" name="標題 1">
+            <a:extLst>
+              <a:ext uri="{FF2B5EF4-FFF2-40B4-BE49-F238E27FC236}">
+                <a16:creationId xmlns:a16="http://schemas.microsoft.com/office/drawing/2014/main" id="{DA1C470E-0495-0458-337E-AF6991D71E1C}"/>
+              </a:ext>
+            </a:extLst>
+          </p:cNvPr>
+          <p:cNvSpPr>
+            <a:spLocks noGrp="1"/>
+          </p:cNvSpPr>
+          <p:nvPr>
+            <p:ph type="title"/>
+          </p:nvPr>
+        </p:nvSpPr>
+        <p:spPr/>
+        <p:txBody>
+          <a:bodyPr/>
+          <a:lstStyle/>
+          <a:p>
+            <a:r>
+              <a:rPr lang="en-US" altLang="zh-TW" sz="4000" dirty="0"/>
+              <a:t>Methodology</a:t>
+            </a:r>
+            <a:r>
+              <a:rPr lang="en-US" altLang="zh-TW" dirty="0"/>
+              <a:t> </a:t>
+            </a:r>
+            <a:r>
+              <a:rPr lang="en-US" altLang="zh-TW" sz="2800" dirty="0"/>
+              <a:t>– Unit Size Selection for Sub-Meshes</a:t>
+            </a:r>
+            <a:endParaRPr lang="zh-TW" altLang="en-US" dirty="0"/>
+          </a:p>
+        </p:txBody>
+      </p:sp>
+      <p:sp>
+        <p:nvSpPr>
+          <p:cNvPr id="3" name="內容版面配置區 2">
+            <a:extLst>
+              <a:ext uri="{FF2B5EF4-FFF2-40B4-BE49-F238E27FC236}">
+                <a16:creationId xmlns:a16="http://schemas.microsoft.com/office/drawing/2014/main" id="{CBBC6483-4EB3-9809-2E1F-3E32024A7434}"/>
+              </a:ext>
+            </a:extLst>
+          </p:cNvPr>
+          <p:cNvSpPr>
+            <a:spLocks noGrp="1"/>
+          </p:cNvSpPr>
+          <p:nvPr>
+            <p:ph idx="1"/>
+          </p:nvPr>
+        </p:nvSpPr>
+        <p:spPr/>
+        <p:txBody>
+          <a:bodyPr>
+            <a:normAutofit/>
+          </a:bodyPr>
+          <a:lstStyle/>
+          <a:p>
+            <a:pPr>
+              <a:lnSpc>
+                <a:spcPct val="125000"/>
+              </a:lnSpc>
+            </a:pPr>
+            <a:r>
+              <a:rPr lang="en-US" altLang="zh-TW" sz="2200" dirty="0"/>
+              <a:t>The unit size of sub-mesh determines the search range for extracting features of neighboring cells.</a:t>
+            </a:r>
+          </a:p>
+          <a:p>
+            <a:pPr>
+              <a:lnSpc>
+                <a:spcPct val="125000"/>
+              </a:lnSpc>
+            </a:pPr>
+            <a:r>
+              <a:rPr lang="en-US" altLang="zh-TW" sz="2200" dirty="0"/>
+              <a:t>A unit size of sub-mesh should overlap with the primary power mesh so that it can receive supply.</a:t>
+            </a:r>
+          </a:p>
+          <a:p>
+            <a:pPr>
+              <a:lnSpc>
+                <a:spcPct val="125000"/>
+              </a:lnSpc>
+            </a:pPr>
+            <a:r>
+              <a:rPr lang="en-US" altLang="zh-TW" sz="2200" dirty="0"/>
+              <a:t>The unit size can contain more than one layout grid.</a:t>
+            </a:r>
+            <a:endParaRPr lang="zh-TW" altLang="en-US" sz="2200" dirty="0"/>
+          </a:p>
+        </p:txBody>
+      </p:sp>
+      <p:sp>
+        <p:nvSpPr>
+          <p:cNvPr id="4" name="投影片編號版面配置區 3">
+            <a:extLst>
+              <a:ext uri="{FF2B5EF4-FFF2-40B4-BE49-F238E27FC236}">
+                <a16:creationId xmlns:a16="http://schemas.microsoft.com/office/drawing/2014/main" id="{2570D1AB-82E1-0327-9185-8FE895DEA280}"/>
+              </a:ext>
+            </a:extLst>
+          </p:cNvPr>
+          <p:cNvSpPr>
+            <a:spLocks noGrp="1"/>
+          </p:cNvSpPr>
+          <p:nvPr>
+            <p:ph type="sldNum" sz="quarter" idx="12"/>
+          </p:nvPr>
+        </p:nvSpPr>
+        <p:spPr/>
+        <p:txBody>
+          <a:bodyPr/>
+          <a:lstStyle/>
+          <a:p>
+            <a:fld id="{666274A1-CF9C-426A-8DD4-B13ED0C24231}" type="slidenum">
+              <a:rPr lang="en-US" smtClean="0"/>
+              <a:t>17</a:t>
+            </a:fld>
+            <a:endParaRPr lang="en-US"/>
+          </a:p>
+        </p:txBody>
+      </p:sp>
+      <p:pic>
+        <p:nvPicPr>
+          <p:cNvPr id="6" name="圖片 5">
+            <a:extLst>
+              <a:ext uri="{FF2B5EF4-FFF2-40B4-BE49-F238E27FC236}">
+                <a16:creationId xmlns:a16="http://schemas.microsoft.com/office/drawing/2014/main" id="{E9D074A4-AD9F-3EAD-5524-FD8215A7D7E5}"/>
+              </a:ext>
+            </a:extLst>
+          </p:cNvPr>
+          <p:cNvPicPr>
+            <a:picLocks noChangeAspect="1"/>
+          </p:cNvPicPr>
+          <p:nvPr/>
+        </p:nvPicPr>
+        <p:blipFill>
+          <a:blip r:embed="rId2"/>
+          <a:stretch>
+            <a:fillRect/>
+          </a:stretch>
+        </p:blipFill>
+        <p:spPr>
+          <a:xfrm>
+            <a:off x="2721638" y="4781803"/>
+            <a:ext cx="6748723" cy="1711072"/>
+          </a:xfrm>
+          <a:prstGeom prst="rect">
+            <a:avLst/>
+          </a:prstGeom>
+        </p:spPr>
+      </p:pic>
+    </p:spTree>
+    <p:extLst>
+      <p:ext uri="{BB962C8B-B14F-4D97-AF65-F5344CB8AC3E}">
+        <p14:creationId xmlns:p14="http://schemas.microsoft.com/office/powerpoint/2010/main" val="1019714139"/>
+      </p:ext>
+    </p:extLst>
+  </p:cSld>
+  <p:clrMapOvr>
+    <a:masterClrMapping/>
+  </p:clrMapOvr>
+</p:sld>
+</file>
+
+<file path=ppt/slides/slide19.xml><?xml version="1.0" encoding="utf-8"?>
+<p:sld xmlns:a="http://schemas.openxmlformats.org/drawingml/2006/main" xmlns:r="http://schemas.openxmlformats.org/officeDocument/2006/relationships" xmlns:p="http://schemas.openxmlformats.org/presentationml/2006/main">
+  <p:cSld>
+    <p:spTree>
+      <p:nvGrpSpPr>
+        <p:cNvPr id="1" name=""/>
+        <p:cNvGrpSpPr/>
+        <p:nvPr/>
+      </p:nvGrpSpPr>
+      <p:grpSpPr>
+        <a:xfrm>
+          <a:off x="0" y="0"/>
+          <a:ext cx="0" cy="0"/>
+          <a:chOff x="0" y="0"/>
+          <a:chExt cx="0" cy="0"/>
+        </a:xfrm>
+      </p:grpSpPr>
+      <p:sp>
+        <p:nvSpPr>
+          <p:cNvPr id="2" name="標題 1">
+            <a:extLst>
+              <a:ext uri="{FF2B5EF4-FFF2-40B4-BE49-F238E27FC236}">
+                <a16:creationId xmlns:a16="http://schemas.microsoft.com/office/drawing/2014/main" id="{5527147E-C86B-9ABB-96AD-C34EC6F99587}"/>
+              </a:ext>
+            </a:extLst>
+          </p:cNvPr>
+          <p:cNvSpPr>
+            <a:spLocks noGrp="1"/>
+          </p:cNvSpPr>
+          <p:nvPr>
+            <p:ph type="title"/>
+          </p:nvPr>
+        </p:nvSpPr>
+        <p:spPr/>
+        <p:txBody>
+          <a:bodyPr/>
+          <a:lstStyle/>
+          <a:p>
+            <a:r>
+              <a:rPr kumimoji="0" lang="en-US" altLang="zh-TW" sz="4000" b="0" i="0" u="none" strike="noStrike" kern="1200" cap="none" spc="0" normalizeH="0" baseline="0" noProof="0" dirty="0">
+                <a:ln>
+                  <a:noFill/>
+                </a:ln>
+                <a:solidFill>
+                  <a:prstClr val="black"/>
+                </a:solidFill>
+                <a:effectLst/>
+                <a:uLnTx/>
+                <a:uFillTx/>
+                <a:latin typeface="Times New Roman"/>
+                <a:ea typeface="標楷體"/>
+                <a:cs typeface="+mj-cs"/>
+              </a:rPr>
+              <a:t>Methodology</a:t>
+            </a:r>
+            <a:r>
+              <a:rPr kumimoji="0" lang="en-US" altLang="zh-TW" sz="4400" b="0" i="0" u="none" strike="noStrike" kern="1200" cap="none" spc="0" normalizeH="0" baseline="0" noProof="0" dirty="0">
+                <a:ln>
+                  <a:noFill/>
+                </a:ln>
+                <a:solidFill>
+                  <a:prstClr val="black"/>
+                </a:solidFill>
+                <a:effectLst/>
+                <a:uLnTx/>
+                <a:uFillTx/>
+                <a:latin typeface="Times New Roman"/>
+                <a:ea typeface="標楷體"/>
+                <a:cs typeface="+mj-cs"/>
+              </a:rPr>
+              <a:t> </a:t>
+            </a:r>
+            <a:r>
+              <a:rPr kumimoji="0" lang="en-US" altLang="zh-TW" sz="2800" b="0" i="0" u="none" strike="noStrike" kern="1200" cap="none" spc="0" normalizeH="0" baseline="0" noProof="0" dirty="0">
+                <a:ln>
+                  <a:noFill/>
+                </a:ln>
+                <a:solidFill>
+                  <a:prstClr val="black"/>
+                </a:solidFill>
+                <a:effectLst/>
+                <a:uLnTx/>
+                <a:uFillTx/>
+                <a:latin typeface="Times New Roman"/>
+                <a:ea typeface="標楷體"/>
+                <a:cs typeface="+mj-cs"/>
+              </a:rPr>
+              <a:t>– Unit Size Selection for Sub-Meshes</a:t>
+            </a:r>
+            <a:endParaRPr lang="zh-TW" altLang="en-US" dirty="0"/>
+          </a:p>
+        </p:txBody>
+      </p:sp>
+      <mc:AlternateContent xmlns:mc="http://schemas.openxmlformats.org/markup-compatibility/2006" xmlns:a14="http://schemas.microsoft.com/office/drawing/2010/main">
+        <mc:Choice Requires="a14">
+          <p:sp>
+            <p:nvSpPr>
+              <p:cNvPr id="3" name="內容版面配置區 2">
+                <a:extLst>
+                  <a:ext uri="{FF2B5EF4-FFF2-40B4-BE49-F238E27FC236}">
+                    <a16:creationId xmlns:a16="http://schemas.microsoft.com/office/drawing/2014/main" id="{7F42C915-95B5-AA75-2343-71D745FB2C93}"/>
+                  </a:ext>
+                </a:extLst>
+              </p:cNvPr>
+              <p:cNvSpPr>
+                <a:spLocks noGrp="1"/>
+              </p:cNvSpPr>
+              <p:nvPr>
+                <p:ph idx="1"/>
+              </p:nvPr>
+            </p:nvSpPr>
+            <p:spPr>
+              <a:xfrm>
+                <a:off x="838200" y="1690688"/>
+                <a:ext cx="10515600" cy="4486275"/>
+              </a:xfrm>
+            </p:spPr>
+            <p:txBody>
+              <a:bodyPr>
+                <a:normAutofit/>
+              </a:bodyPr>
+              <a:lstStyle/>
+              <a:p>
+                <a:pPr>
+                  <a:lnSpc>
+                    <a:spcPct val="150000"/>
+                  </a:lnSpc>
+                </a:pPr>
+                <a:r>
+                  <a:rPr lang="en-US" altLang="zh-TW" sz="2200" dirty="0">
+                    <a:latin typeface="+mj-lt"/>
+                  </a:rPr>
+                  <a:t>Considering a layout grid of size </a:t>
+                </a:r>
+                <a14:m>
+                  <m:oMath xmlns:m="http://schemas.openxmlformats.org/officeDocument/2006/math">
+                    <m:r>
+                      <a:rPr lang="en-US" altLang="zh-TW" sz="2200" b="0" i="0" smtClean="0">
+                        <a:latin typeface="Cambria Math" panose="02040503050406030204" pitchFamily="18" charset="0"/>
+                        <a:ea typeface="Cambria Math" panose="02040503050406030204" pitchFamily="18" charset="0"/>
+                      </a:rPr>
+                      <m:t>1</m:t>
+                    </m:r>
+                    <m:r>
+                      <a:rPr lang="en-US" altLang="zh-TW" sz="2200" i="1" smtClean="0">
+                        <a:latin typeface="Cambria Math" panose="02040503050406030204" pitchFamily="18" charset="0"/>
+                        <a:ea typeface="Cambria Math" panose="02040503050406030204" pitchFamily="18" charset="0"/>
+                      </a:rPr>
+                      <m:t>×</m:t>
+                    </m:r>
+                    <m:r>
+                      <a:rPr lang="en-US" altLang="zh-TW" sz="2200" b="0" i="1" smtClean="0">
+                        <a:latin typeface="Cambria Math" panose="02040503050406030204" pitchFamily="18" charset="0"/>
+                        <a:ea typeface="Cambria Math" panose="02040503050406030204" pitchFamily="18" charset="0"/>
+                      </a:rPr>
+                      <m:t>1</m:t>
+                    </m:r>
+                  </m:oMath>
+                </a14:m>
+                <a:r>
+                  <a:rPr lang="zh-TW" altLang="en-US" sz="2200" dirty="0">
+                    <a:latin typeface="+mj-lt"/>
+                  </a:rPr>
+                  <a:t> </a:t>
+                </a:r>
+                <a14:m>
+                  <m:oMath xmlns:m="http://schemas.openxmlformats.org/officeDocument/2006/math">
+                    <m:sSup>
+                      <m:sSupPr>
+                        <m:ctrlPr>
+                          <a:rPr lang="en-US" altLang="zh-TW" sz="2200" i="1" dirty="0" smtClean="0">
+                            <a:latin typeface="Cambria Math" panose="02040503050406030204" pitchFamily="18" charset="0"/>
+                          </a:rPr>
+                        </m:ctrlPr>
+                      </m:sSupPr>
+                      <m:e>
+                        <m:r>
+                          <a:rPr lang="en-US" altLang="zh-TW" sz="2200" b="0" i="1" dirty="0" smtClean="0">
+                            <a:latin typeface="Cambria Math" panose="02040503050406030204" pitchFamily="18" charset="0"/>
+                          </a:rPr>
+                          <m:t>𝑛𝑚</m:t>
+                        </m:r>
+                      </m:e>
+                      <m:sup>
+                        <m:r>
+                          <a:rPr lang="en-US" altLang="zh-TW" sz="2200" b="0" i="1" dirty="0" smtClean="0">
+                            <a:latin typeface="Cambria Math" panose="02040503050406030204" pitchFamily="18" charset="0"/>
+                          </a:rPr>
+                          <m:t>2</m:t>
+                        </m:r>
+                      </m:sup>
+                    </m:sSup>
+                  </m:oMath>
+                </a14:m>
+                <a:r>
+                  <a:rPr lang="en-US" altLang="zh-TW" sz="2200" dirty="0">
+                    <a:latin typeface="+mj-lt"/>
+                  </a:rPr>
+                  <a:t>.</a:t>
+                </a:r>
+              </a:p>
+              <a:p>
+                <a:pPr marL="457200" indent="-457200">
+                  <a:lnSpc>
+                    <a:spcPct val="150000"/>
+                  </a:lnSpc>
+                  <a:buFont typeface="+mj-lt"/>
+                  <a:buAutoNum type="arabicPeriod"/>
+                </a:pPr>
+                <a:r>
+                  <a:rPr lang="en-US" altLang="zh-TW" sz="2200" dirty="0">
+                    <a:latin typeface="+mj-lt"/>
+                  </a:rPr>
+                  <a:t>Area density of neighboring cells.</a:t>
+                </a:r>
+              </a:p>
+              <a:p>
+                <a:pPr lvl="1">
+                  <a:lnSpc>
+                    <a:spcPct val="150000"/>
+                  </a:lnSpc>
+                </a:pPr>
+                <a:r>
+                  <a:rPr lang="en-US" altLang="zh-TW" sz="1800" dirty="0">
+                    <a:latin typeface="+mj-lt"/>
+                  </a:rPr>
+                  <a:t>The densities collected in each grid will be further merged as features.</a:t>
+                </a:r>
+              </a:p>
+              <a:p>
+                <a:pPr marL="457200" indent="-457200">
+                  <a:lnSpc>
+                    <a:spcPct val="150000"/>
+                  </a:lnSpc>
+                  <a:buFont typeface="+mj-lt"/>
+                  <a:buAutoNum type="arabicPeriod"/>
+                </a:pPr>
+                <a:r>
+                  <a:rPr lang="en-US" altLang="zh-TW" sz="2200" dirty="0">
+                    <a:latin typeface="+mj-lt"/>
+                  </a:rPr>
+                  <a:t>Signal routing density within each layout grid.</a:t>
+                </a:r>
+                <a:endParaRPr lang="zh-TW" altLang="en-US" sz="2200" dirty="0">
+                  <a:latin typeface="+mj-lt"/>
+                </a:endParaRPr>
+              </a:p>
+            </p:txBody>
+          </p:sp>
+        </mc:Choice>
+        <mc:Fallback xmlns="">
+          <p:sp>
+            <p:nvSpPr>
+              <p:cNvPr id="3" name="內容版面配置區 2">
+                <a:extLst>
+                  <a:ext uri="{FF2B5EF4-FFF2-40B4-BE49-F238E27FC236}">
+                    <a16:creationId xmlns:a16="http://schemas.microsoft.com/office/drawing/2014/main" id="{7F42C915-95B5-AA75-2343-71D745FB2C93}"/>
+                  </a:ext>
+                </a:extLst>
+              </p:cNvPr>
+              <p:cNvSpPr>
+                <a:spLocks noGrp="1" noRot="1" noChangeAspect="1" noMove="1" noResize="1" noEditPoints="1" noAdjustHandles="1" noChangeArrowheads="1" noChangeShapeType="1" noTextEdit="1"/>
+              </p:cNvSpPr>
+              <p:nvPr>
+                <p:ph idx="1"/>
+              </p:nvPr>
+            </p:nvSpPr>
+            <p:spPr>
+              <a:xfrm>
+                <a:off x="838200" y="1690688"/>
+                <a:ext cx="10515600" cy="4486275"/>
+              </a:xfrm>
+              <a:blipFill>
+                <a:blip r:embed="rId3"/>
+                <a:stretch>
+                  <a:fillRect l="-696"/>
+                </a:stretch>
+              </a:blipFill>
+            </p:spPr>
+            <p:txBody>
+              <a:bodyPr/>
+              <a:lstStyle/>
+              <a:p>
+                <a:r>
+                  <a:rPr lang="zh-TW" altLang="en-US">
+                    <a:noFill/>
+                  </a:rPr>
+                  <a:t> </a:t>
+                </a:r>
+              </a:p>
+            </p:txBody>
+          </p:sp>
+        </mc:Fallback>
+      </mc:AlternateContent>
+      <p:sp>
+        <p:nvSpPr>
+          <p:cNvPr id="4" name="投影片編號版面配置區 3">
+            <a:extLst>
+              <a:ext uri="{FF2B5EF4-FFF2-40B4-BE49-F238E27FC236}">
+                <a16:creationId xmlns:a16="http://schemas.microsoft.com/office/drawing/2014/main" id="{B0F51A40-D248-1943-D894-B654EEACCA7B}"/>
+              </a:ext>
+            </a:extLst>
+          </p:cNvPr>
+          <p:cNvSpPr>
+            <a:spLocks noGrp="1"/>
+          </p:cNvSpPr>
+          <p:nvPr>
+            <p:ph type="sldNum" sz="quarter" idx="12"/>
+          </p:nvPr>
+        </p:nvSpPr>
+        <p:spPr/>
+        <p:txBody>
+          <a:bodyPr/>
+          <a:lstStyle/>
+          <a:p>
+            <a:fld id="{666274A1-CF9C-426A-8DD4-B13ED0C24231}" type="slidenum">
+              <a:rPr lang="en-US" smtClean="0"/>
+              <a:t>18</a:t>
+            </a:fld>
+            <a:endParaRPr lang="en-US" dirty="0"/>
+          </a:p>
+        </p:txBody>
+      </p:sp>
+      <p:pic>
+        <p:nvPicPr>
+          <p:cNvPr id="5" name="圖片 4">
+            <a:extLst>
+              <a:ext uri="{FF2B5EF4-FFF2-40B4-BE49-F238E27FC236}">
+                <a16:creationId xmlns:a16="http://schemas.microsoft.com/office/drawing/2014/main" id="{792B4F8E-8592-5697-19F8-AB3CACF8158D}"/>
+              </a:ext>
+            </a:extLst>
+          </p:cNvPr>
+          <p:cNvPicPr>
+            <a:picLocks noChangeAspect="1"/>
+          </p:cNvPicPr>
+          <p:nvPr/>
+        </p:nvPicPr>
+        <p:blipFill rotWithShape="1">
+          <a:blip r:embed="rId4"/>
+          <a:srcRect r="46826" b="8432"/>
+          <a:stretch/>
+        </p:blipFill>
+        <p:spPr>
+          <a:xfrm>
+            <a:off x="1800728" y="4306452"/>
+            <a:ext cx="2655769" cy="2288241"/>
+          </a:xfrm>
+          <a:prstGeom prst="rect">
+            <a:avLst/>
+          </a:prstGeom>
+        </p:spPr>
+      </p:pic>
+      <p:pic>
+        <p:nvPicPr>
+          <p:cNvPr id="6" name="圖片 5">
+            <a:extLst>
+              <a:ext uri="{FF2B5EF4-FFF2-40B4-BE49-F238E27FC236}">
+                <a16:creationId xmlns:a16="http://schemas.microsoft.com/office/drawing/2014/main" id="{8193B89F-50B4-52EE-0A2C-47196E29F5C4}"/>
+              </a:ext>
+            </a:extLst>
+          </p:cNvPr>
+          <p:cNvPicPr>
+            <a:picLocks noChangeAspect="1"/>
+          </p:cNvPicPr>
+          <p:nvPr/>
+        </p:nvPicPr>
+        <p:blipFill rotWithShape="1">
+          <a:blip r:embed="rId4"/>
+          <a:srcRect l="53174" t="22794" b="9622"/>
+          <a:stretch/>
+        </p:blipFill>
+        <p:spPr>
+          <a:xfrm>
+            <a:off x="5419025" y="4250671"/>
+            <a:ext cx="3168672" cy="2288241"/>
+          </a:xfrm>
+          <a:prstGeom prst="rect">
+            <a:avLst/>
+          </a:prstGeom>
+        </p:spPr>
+      </p:pic>
+      <p:pic>
+        <p:nvPicPr>
+          <p:cNvPr id="7" name="圖片 6">
+            <a:extLst>
+              <a:ext uri="{FF2B5EF4-FFF2-40B4-BE49-F238E27FC236}">
+                <a16:creationId xmlns:a16="http://schemas.microsoft.com/office/drawing/2014/main" id="{09A5489F-2BD4-E921-EA81-5B42FE5E69DB}"/>
+              </a:ext>
+            </a:extLst>
+          </p:cNvPr>
+          <p:cNvPicPr>
+            <a:picLocks noChangeAspect="1"/>
+          </p:cNvPicPr>
+          <p:nvPr/>
+        </p:nvPicPr>
+        <p:blipFill>
+          <a:blip r:embed="rId5"/>
+          <a:stretch>
+            <a:fillRect/>
+          </a:stretch>
+        </p:blipFill>
+        <p:spPr>
+          <a:xfrm>
+            <a:off x="8627654" y="2116303"/>
+            <a:ext cx="3235037" cy="2192822"/>
+          </a:xfrm>
+          <a:prstGeom prst="rect">
+            <a:avLst/>
+          </a:prstGeom>
+        </p:spPr>
+      </p:pic>
+      <p:cxnSp>
+        <p:nvCxnSpPr>
+          <p:cNvPr id="9" name="直線單箭頭接點 8">
+            <a:extLst>
+              <a:ext uri="{FF2B5EF4-FFF2-40B4-BE49-F238E27FC236}">
+                <a16:creationId xmlns:a16="http://schemas.microsoft.com/office/drawing/2014/main" id="{5DCE51EF-E5BA-ED52-C4FF-4A53F52D165E}"/>
+              </a:ext>
+            </a:extLst>
+          </p:cNvPr>
+          <p:cNvCxnSpPr>
+            <a:cxnSpLocks/>
+          </p:cNvCxnSpPr>
+          <p:nvPr/>
+        </p:nvCxnSpPr>
+        <p:spPr>
+          <a:xfrm flipV="1">
+            <a:off x="10318282" y="3739866"/>
+            <a:ext cx="0" cy="966888"/>
+          </a:xfrm>
+          <a:prstGeom prst="straightConnector1">
+            <a:avLst/>
+          </a:prstGeom>
+          <a:ln w="19050">
+            <a:solidFill>
+              <a:srgbClr val="FF0000"/>
+            </a:solidFill>
+            <a:tailEnd type="triangle"/>
+          </a:ln>
+        </p:spPr>
+        <p:style>
+          <a:lnRef idx="1">
+            <a:schemeClr val="accent1"/>
+          </a:lnRef>
+          <a:fillRef idx="0">
+            <a:schemeClr val="accent1"/>
+          </a:fillRef>
+          <a:effectRef idx="0">
+            <a:schemeClr val="accent1"/>
+          </a:effectRef>
+          <a:fontRef idx="minor">
+            <a:schemeClr val="tx1"/>
+          </a:fontRef>
+        </p:style>
+      </p:cxnSp>
+      <p:sp>
+        <p:nvSpPr>
+          <p:cNvPr id="14" name="文字方塊 13">
+            <a:extLst>
+              <a:ext uri="{FF2B5EF4-FFF2-40B4-BE49-F238E27FC236}">
+                <a16:creationId xmlns:a16="http://schemas.microsoft.com/office/drawing/2014/main" id="{FA40886D-F224-C445-55F8-A84FE7FA6777}"/>
+              </a:ext>
+            </a:extLst>
+          </p:cNvPr>
+          <p:cNvSpPr txBox="1"/>
+          <p:nvPr/>
+        </p:nvSpPr>
+        <p:spPr>
+          <a:xfrm>
+            <a:off x="9091865" y="4721064"/>
+            <a:ext cx="2743199" cy="646331"/>
+          </a:xfrm>
+          <a:prstGeom prst="rect">
+            <a:avLst/>
+          </a:prstGeom>
+          <a:noFill/>
+        </p:spPr>
+        <p:txBody>
+          <a:bodyPr wrap="square" rtlCol="0">
+            <a:spAutoFit/>
+          </a:bodyPr>
+          <a:lstStyle/>
+          <a:p>
+            <a:r>
+              <a:rPr lang="en-US" altLang="zh-TW" dirty="0">
+                <a:solidFill>
+                  <a:srgbClr val="FF0000"/>
+                </a:solidFill>
+              </a:rPr>
+              <a:t>The unit size is wider than the pitch of primary mesh</a:t>
+            </a:r>
+            <a:endParaRPr lang="zh-TW" altLang="en-US" dirty="0">
+              <a:solidFill>
+                <a:srgbClr val="FF0000"/>
+              </a:solidFill>
+            </a:endParaRPr>
+          </a:p>
+        </p:txBody>
+      </p:sp>
+    </p:spTree>
+    <p:extLst>
+      <p:ext uri="{BB962C8B-B14F-4D97-AF65-F5344CB8AC3E}">
+        <p14:creationId xmlns:p14="http://schemas.microsoft.com/office/powerpoint/2010/main" val="375370229"/>
       </p:ext>
     </p:extLst>
   </p:cSld>
@@ -5587,7 +10163,7 @@
           <a:lstStyle/>
           <a:p>
             <a:r>
-              <a:rPr lang="en-US" altLang="zh-TW" dirty="0">
+              <a:rPr lang="en-US" altLang="zh-TW" sz="4000" dirty="0">
                 <a:latin typeface="Times" panose="02020603050405020304" pitchFamily="18" charset="0"/>
                 <a:cs typeface="Times" panose="02020603050405020304" pitchFamily="18" charset="0"/>
               </a:rPr>
@@ -5657,7 +10233,328 @@
             </a:pPr>
             <a:r>
               <a:rPr lang="en-US" altLang="zh-TW" sz="2400" dirty="0"/>
-              <a:t>Proposed Algorithm</a:t>
+              <a:t>Methodology</a:t>
+            </a:r>
+          </a:p>
+          <a:p>
+            <a:pPr>
+              <a:lnSpc>
+                <a:spcPct val="150000"/>
+              </a:lnSpc>
+            </a:pPr>
+            <a:r>
+              <a:rPr lang="en-US" altLang="zh-TW" sz="2400" dirty="0"/>
+              <a:t>Experimental</a:t>
+            </a:r>
+            <a:r>
+              <a:rPr lang="en-US" altLang="zh-TW" dirty="0"/>
+              <a:t> </a:t>
+            </a:r>
+            <a:r>
+              <a:rPr lang="en-US" altLang="zh-TW" sz="2400" dirty="0"/>
+              <a:t>Results</a:t>
+            </a:r>
+            <a:endParaRPr lang="zh-TW" altLang="en-US" dirty="0"/>
+          </a:p>
+        </p:txBody>
+      </p:sp>
+      <p:sp>
+        <p:nvSpPr>
+          <p:cNvPr id="4" name="投影片編號版面配置區 3">
+            <a:extLst>
+              <a:ext uri="{FF2B5EF4-FFF2-40B4-BE49-F238E27FC236}">
+                <a16:creationId xmlns:a16="http://schemas.microsoft.com/office/drawing/2014/main" id="{5891B803-9796-C957-1032-D2F5DFAFFD47}"/>
+              </a:ext>
+            </a:extLst>
+          </p:cNvPr>
+          <p:cNvSpPr>
+            <a:spLocks noGrp="1"/>
+          </p:cNvSpPr>
+          <p:nvPr>
+            <p:ph type="sldNum" sz="quarter" idx="12"/>
+          </p:nvPr>
+        </p:nvSpPr>
+        <p:spPr/>
+        <p:txBody>
+          <a:bodyPr/>
+          <a:lstStyle/>
+          <a:p>
+            <a:fld id="{666274A1-CF9C-426A-8DD4-B13ED0C24231}" type="slidenum">
+              <a:rPr lang="en-US" smtClean="0"/>
+              <a:t>1</a:t>
+            </a:fld>
+            <a:endParaRPr lang="en-US"/>
+          </a:p>
+        </p:txBody>
+      </p:sp>
+    </p:spTree>
+    <p:extLst>
+      <p:ext uri="{BB962C8B-B14F-4D97-AF65-F5344CB8AC3E}">
+        <p14:creationId xmlns:p14="http://schemas.microsoft.com/office/powerpoint/2010/main" val="701454037"/>
+      </p:ext>
+    </p:extLst>
+  </p:cSld>
+  <p:clrMapOvr>
+    <a:masterClrMapping/>
+  </p:clrMapOvr>
+</p:sld>
+</file>
+
+<file path=ppt/slides/slide20.xml><?xml version="1.0" encoding="utf-8"?>
+<p:sld xmlns:a="http://schemas.openxmlformats.org/drawingml/2006/main" xmlns:r="http://schemas.openxmlformats.org/officeDocument/2006/relationships" xmlns:p="http://schemas.openxmlformats.org/presentationml/2006/main">
+  <p:cSld>
+    <p:spTree>
+      <p:nvGrpSpPr>
+        <p:cNvPr id="1" name=""/>
+        <p:cNvGrpSpPr/>
+        <p:nvPr/>
+      </p:nvGrpSpPr>
+      <p:grpSpPr>
+        <a:xfrm>
+          <a:off x="0" y="0"/>
+          <a:ext cx="0" cy="0"/>
+          <a:chOff x="0" y="0"/>
+          <a:chExt cx="0" cy="0"/>
+        </a:xfrm>
+      </p:grpSpPr>
+      <p:sp>
+        <p:nvSpPr>
+          <p:cNvPr id="2" name="標題 1">
+            <a:extLst>
+              <a:ext uri="{FF2B5EF4-FFF2-40B4-BE49-F238E27FC236}">
+                <a16:creationId xmlns:a16="http://schemas.microsoft.com/office/drawing/2014/main" id="{76B33A3F-DD1F-491A-A3CB-A472026661C8}"/>
+              </a:ext>
+            </a:extLst>
+          </p:cNvPr>
+          <p:cNvSpPr>
+            <a:spLocks noGrp="1"/>
+          </p:cNvSpPr>
+          <p:nvPr>
+            <p:ph type="title"/>
+          </p:nvPr>
+        </p:nvSpPr>
+        <p:spPr/>
+        <p:txBody>
+          <a:bodyPr/>
+          <a:lstStyle/>
+          <a:p>
+            <a:r>
+              <a:rPr kumimoji="0" lang="en-US" altLang="zh-TW" sz="4000" b="0" i="0" u="none" strike="noStrike" kern="1200" cap="none" spc="0" normalizeH="0" baseline="0" noProof="0" dirty="0">
+                <a:ln>
+                  <a:noFill/>
+                </a:ln>
+                <a:solidFill>
+                  <a:prstClr val="black"/>
+                </a:solidFill>
+                <a:effectLst/>
+                <a:uLnTx/>
+                <a:uFillTx/>
+                <a:latin typeface="Times New Roman"/>
+                <a:ea typeface="標楷體"/>
+                <a:cs typeface="+mj-cs"/>
+              </a:rPr>
+              <a:t>Methodology</a:t>
+            </a:r>
+            <a:r>
+              <a:rPr kumimoji="0" lang="en-US" altLang="zh-TW" sz="4400" b="0" i="0" u="none" strike="noStrike" kern="1200" cap="none" spc="0" normalizeH="0" baseline="0" noProof="0" dirty="0">
+                <a:ln>
+                  <a:noFill/>
+                </a:ln>
+                <a:solidFill>
+                  <a:prstClr val="black"/>
+                </a:solidFill>
+                <a:effectLst/>
+                <a:uLnTx/>
+                <a:uFillTx/>
+                <a:latin typeface="Times New Roman"/>
+                <a:ea typeface="標楷體"/>
+                <a:cs typeface="+mj-cs"/>
+              </a:rPr>
+              <a:t> </a:t>
+            </a:r>
+            <a:r>
+              <a:rPr kumimoji="0" lang="en-US" altLang="zh-TW" sz="2800" b="0" i="0" u="none" strike="noStrike" kern="1200" cap="none" spc="0" normalizeH="0" baseline="0" noProof="0" dirty="0">
+                <a:ln>
+                  <a:noFill/>
+                </a:ln>
+                <a:solidFill>
+                  <a:prstClr val="black"/>
+                </a:solidFill>
+                <a:effectLst/>
+                <a:uLnTx/>
+                <a:uFillTx/>
+                <a:latin typeface="Times New Roman"/>
+                <a:ea typeface="標楷體"/>
+                <a:cs typeface="+mj-cs"/>
+              </a:rPr>
+              <a:t>– Model Prediction and ECO Selection</a:t>
+            </a:r>
+            <a:endParaRPr lang="zh-TW" altLang="en-US" dirty="0"/>
+          </a:p>
+        </p:txBody>
+      </p:sp>
+      <p:sp>
+        <p:nvSpPr>
+          <p:cNvPr id="3" name="內容版面配置區 2">
+            <a:extLst>
+              <a:ext uri="{FF2B5EF4-FFF2-40B4-BE49-F238E27FC236}">
+                <a16:creationId xmlns:a16="http://schemas.microsoft.com/office/drawing/2014/main" id="{B88EB786-1B26-7EF7-3DDE-66FC4B1612CC}"/>
+              </a:ext>
+            </a:extLst>
+          </p:cNvPr>
+          <p:cNvSpPr>
+            <a:spLocks noGrp="1"/>
+          </p:cNvSpPr>
+          <p:nvPr>
+            <p:ph idx="1"/>
+          </p:nvPr>
+        </p:nvSpPr>
+        <p:spPr/>
+        <p:txBody>
+          <a:bodyPr/>
+          <a:lstStyle/>
+          <a:p>
+            <a:endParaRPr lang="zh-TW" altLang="en-US"/>
+          </a:p>
+        </p:txBody>
+      </p:sp>
+      <p:sp>
+        <p:nvSpPr>
+          <p:cNvPr id="4" name="投影片編號版面配置區 3">
+            <a:extLst>
+              <a:ext uri="{FF2B5EF4-FFF2-40B4-BE49-F238E27FC236}">
+                <a16:creationId xmlns:a16="http://schemas.microsoft.com/office/drawing/2014/main" id="{6FD16732-0E72-A2A2-89D2-42D674E18730}"/>
+              </a:ext>
+            </a:extLst>
+          </p:cNvPr>
+          <p:cNvSpPr>
+            <a:spLocks noGrp="1"/>
+          </p:cNvSpPr>
+          <p:nvPr>
+            <p:ph type="sldNum" sz="quarter" idx="12"/>
+          </p:nvPr>
+        </p:nvSpPr>
+        <p:spPr/>
+        <p:txBody>
+          <a:bodyPr/>
+          <a:lstStyle/>
+          <a:p>
+            <a:fld id="{666274A1-CF9C-426A-8DD4-B13ED0C24231}" type="slidenum">
+              <a:rPr lang="en-US" smtClean="0"/>
+              <a:t>19</a:t>
+            </a:fld>
+            <a:endParaRPr lang="en-US"/>
+          </a:p>
+        </p:txBody>
+      </p:sp>
+    </p:spTree>
+    <p:extLst>
+      <p:ext uri="{BB962C8B-B14F-4D97-AF65-F5344CB8AC3E}">
+        <p14:creationId xmlns:p14="http://schemas.microsoft.com/office/powerpoint/2010/main" val="826746291"/>
+      </p:ext>
+    </p:extLst>
+  </p:cSld>
+  <p:clrMapOvr>
+    <a:masterClrMapping/>
+  </p:clrMapOvr>
+</p:sld>
+</file>
+
+<file path=ppt/slides/slide21.xml><?xml version="1.0" encoding="utf-8"?>
+<p:sld xmlns:a="http://schemas.openxmlformats.org/drawingml/2006/main" xmlns:r="http://schemas.openxmlformats.org/officeDocument/2006/relationships" xmlns:p="http://schemas.openxmlformats.org/presentationml/2006/main">
+  <p:cSld>
+    <p:spTree>
+      <p:nvGrpSpPr>
+        <p:cNvPr id="1" name=""/>
+        <p:cNvGrpSpPr/>
+        <p:nvPr/>
+      </p:nvGrpSpPr>
+      <p:grpSpPr>
+        <a:xfrm>
+          <a:off x="0" y="0"/>
+          <a:ext cx="0" cy="0"/>
+          <a:chOff x="0" y="0"/>
+          <a:chExt cx="0" cy="0"/>
+        </a:xfrm>
+      </p:grpSpPr>
+      <p:sp>
+        <p:nvSpPr>
+          <p:cNvPr id="2" name="標題 1">
+            <a:extLst>
+              <a:ext uri="{FF2B5EF4-FFF2-40B4-BE49-F238E27FC236}">
+                <a16:creationId xmlns:a16="http://schemas.microsoft.com/office/drawing/2014/main" id="{C1EBFC81-0EBF-3E2F-11C1-407E0D031BFF}"/>
+              </a:ext>
+            </a:extLst>
+          </p:cNvPr>
+          <p:cNvSpPr>
+            <a:spLocks noGrp="1"/>
+          </p:cNvSpPr>
+          <p:nvPr>
+            <p:ph type="title"/>
+          </p:nvPr>
+        </p:nvSpPr>
+        <p:spPr/>
+        <p:txBody>
+          <a:bodyPr>
+            <a:normAutofit/>
+          </a:bodyPr>
+          <a:lstStyle/>
+          <a:p>
+            <a:r>
+              <a:rPr lang="en-US" altLang="zh-TW" sz="4000" dirty="0"/>
+              <a:t>Experimental Result</a:t>
+            </a:r>
+            <a:endParaRPr lang="zh-TW" altLang="en-US" sz="4000" dirty="0"/>
+          </a:p>
+        </p:txBody>
+      </p:sp>
+      <p:sp>
+        <p:nvSpPr>
+          <p:cNvPr id="3" name="內容版面配置區 2">
+            <a:extLst>
+              <a:ext uri="{FF2B5EF4-FFF2-40B4-BE49-F238E27FC236}">
+                <a16:creationId xmlns:a16="http://schemas.microsoft.com/office/drawing/2014/main" id="{CD71C4C4-3C88-AD50-0966-B098A5C66B83}"/>
+              </a:ext>
+            </a:extLst>
+          </p:cNvPr>
+          <p:cNvSpPr>
+            <a:spLocks noGrp="1"/>
+          </p:cNvSpPr>
+          <p:nvPr>
+            <p:ph idx="1"/>
+          </p:nvPr>
+        </p:nvSpPr>
+        <p:spPr>
+          <a:xfrm>
+            <a:off x="838200" y="1825625"/>
+            <a:ext cx="10515600" cy="4895850"/>
+          </a:xfrm>
+        </p:spPr>
+        <p:txBody>
+          <a:bodyPr>
+            <a:normAutofit/>
+          </a:bodyPr>
+          <a:lstStyle/>
+          <a:p>
+            <a:pPr>
+              <a:lnSpc>
+                <a:spcPct val="150000"/>
+              </a:lnSpc>
+            </a:pPr>
+            <a:r>
+              <a:rPr lang="en-US" altLang="zh-TW" sz="2200" dirty="0"/>
+              <a:t>Implement with C++, Tcl and Python 3.7.4 (scikit-learn package) language.</a:t>
+            </a:r>
+          </a:p>
+          <a:p>
+            <a:pPr>
+              <a:lnSpc>
+                <a:spcPct val="150000"/>
+              </a:lnSpc>
+            </a:pPr>
+            <a:r>
+              <a:rPr lang="en-US" altLang="zh-TW" sz="2200" dirty="0"/>
+              <a:t>Intel Xeon Linux workstation</a:t>
             </a:r>
           </a:p>
           <a:p>
@@ -5667,8 +10564,8 @@
               </a:lnSpc>
             </a:pPr>
             <a:r>
-              <a:rPr lang="en-US" altLang="zh-TW" sz="2000" dirty="0"/>
-              <a:t>StWL Optimization in Global Placement</a:t>
+              <a:rPr lang="en-US" altLang="zh-TW" sz="1800" dirty="0"/>
+              <a:t>3.2 GHz CPU</a:t>
             </a:r>
           </a:p>
           <a:p>
@@ -5678,8 +10575,8 @@
               </a:lnSpc>
             </a:pPr>
             <a:r>
-              <a:rPr lang="en-US" altLang="zh-TW" sz="2000" dirty="0"/>
-              <a:t>StWL Optimization in Cell Refinement</a:t>
+              <a:rPr lang="en-US" altLang="zh-TW" sz="1800" dirty="0"/>
+              <a:t>512 GB memory</a:t>
             </a:r>
           </a:p>
           <a:p>
@@ -5689,18 +10586,48 @@
               </a:lnSpc>
             </a:pPr>
             <a:r>
-              <a:rPr lang="en-US" altLang="zh-TW" sz="2400" dirty="0"/>
-              <a:t>Experimental</a:t>
-            </a:r>
-            <a:r>
-              <a:rPr lang="en-US" altLang="zh-TW" dirty="0"/>
+              <a:rPr lang="en-US" altLang="zh-TW" sz="2200" dirty="0"/>
+              <a:t>#</a:t>
+            </a:r>
+            <a:r>
+              <a:rPr lang="zh-TW" altLang="en-US" sz="2200" dirty="0"/>
               <a:t> </a:t>
             </a:r>
             <a:r>
-              <a:rPr lang="en-US" altLang="zh-TW" sz="2400" dirty="0"/>
-              <a:t>Result</a:t>
-            </a:r>
-            <a:endParaRPr lang="zh-TW" altLang="en-US" dirty="0"/>
+              <a:rPr lang="en-US" altLang="zh-TW" sz="2200" dirty="0"/>
+              <a:t>of direct / indirect</a:t>
+            </a:r>
+          </a:p>
+          <a:p>
+            <a:pPr lvl="1">
+              <a:lnSpc>
+                <a:spcPct val="150000"/>
+              </a:lnSpc>
+            </a:pPr>
+            <a:r>
+              <a:rPr lang="en-US" altLang="zh-TW" sz="1800" dirty="0"/>
+              <a:t>Number of cross-domain cell instances with direct / indirect supply.</a:t>
+            </a:r>
+          </a:p>
+          <a:p>
+            <a:pPr>
+              <a:lnSpc>
+                <a:spcPct val="150000"/>
+              </a:lnSpc>
+            </a:pPr>
+            <a:r>
+              <a:rPr lang="en-US" altLang="zh-TW" sz="2200" dirty="0"/>
+              <a:t>Training datasets: 2 power domains and 20k cross-domain cells</a:t>
+            </a:r>
+          </a:p>
+          <a:p>
+            <a:pPr marL="0" indent="0">
+              <a:lnSpc>
+                <a:spcPct val="150000"/>
+              </a:lnSpc>
+              <a:buNone/>
+            </a:pPr>
+            <a:endParaRPr lang="en-US" altLang="zh-TW" sz="2200" dirty="0"/>
           </a:p>
         </p:txBody>
       </p:sp>
@@ -5709,7 +10636,7 @@
           <p:cNvPr id="4" name="投影片編號版面配置區 3">
             <a:extLst>
               <a:ext uri="{FF2B5EF4-FFF2-40B4-BE49-F238E27FC236}">
-                <a16:creationId xmlns:a16="http://schemas.microsoft.com/office/drawing/2014/main" id="{5891B803-9796-C957-1032-D2F5DFAFFD47}"/>
+                <a16:creationId xmlns:a16="http://schemas.microsoft.com/office/drawing/2014/main" id="{B186EF88-7931-B5F6-01DF-5119D0464DF9}"/>
               </a:ext>
             </a:extLst>
           </p:cNvPr>
@@ -5727,16 +10654,1162 @@
           <a:p>
             <a:fld id="{666274A1-CF9C-426A-8DD4-B13ED0C24231}" type="slidenum">
               <a:rPr lang="en-US" smtClean="0"/>
-              <a:t>1</a:t>
+              <a:t>20</a:t>
             </a:fld>
             <a:endParaRPr lang="en-US"/>
           </a:p>
         </p:txBody>
       </p:sp>
+      <p:pic>
+        <p:nvPicPr>
+          <p:cNvPr id="6" name="圖片 5">
+            <a:extLst>
+              <a:ext uri="{FF2B5EF4-FFF2-40B4-BE49-F238E27FC236}">
+                <a16:creationId xmlns:a16="http://schemas.microsoft.com/office/drawing/2014/main" id="{BB3F1F40-EF10-F0D3-EC1C-EDFAE0C392A0}"/>
+              </a:ext>
+            </a:extLst>
+          </p:cNvPr>
+          <p:cNvPicPr>
+            <a:picLocks noChangeAspect="1"/>
+          </p:cNvPicPr>
+          <p:nvPr/>
+        </p:nvPicPr>
+        <p:blipFill>
+          <a:blip r:embed="rId2"/>
+          <a:stretch>
+            <a:fillRect/>
+          </a:stretch>
+        </p:blipFill>
+        <p:spPr>
+          <a:xfrm>
+            <a:off x="5174380" y="2743653"/>
+            <a:ext cx="6395102" cy="1760970"/>
+          </a:xfrm>
+          <a:prstGeom prst="rect">
+            <a:avLst/>
+          </a:prstGeom>
+        </p:spPr>
+      </p:pic>
     </p:spTree>
     <p:extLst>
       <p:ext uri="{BB962C8B-B14F-4D97-AF65-F5344CB8AC3E}">
-        <p14:creationId xmlns:p14="http://schemas.microsoft.com/office/powerpoint/2010/main" val="701454037"/>
+        <p14:creationId xmlns:p14="http://schemas.microsoft.com/office/powerpoint/2010/main" val="845810698"/>
+      </p:ext>
+    </p:extLst>
+  </p:cSld>
+  <p:clrMapOvr>
+    <a:masterClrMapping/>
+  </p:clrMapOvr>
+</p:sld>
+</file>
+
+<file path=ppt/slides/slide22.xml><?xml version="1.0" encoding="utf-8"?>
+<p:sld xmlns:a="http://schemas.openxmlformats.org/drawingml/2006/main" xmlns:r="http://schemas.openxmlformats.org/officeDocument/2006/relationships" xmlns:p="http://schemas.openxmlformats.org/presentationml/2006/main">
+  <p:cSld>
+    <p:spTree>
+      <p:nvGrpSpPr>
+        <p:cNvPr id="1" name=""/>
+        <p:cNvGrpSpPr/>
+        <p:nvPr/>
+      </p:nvGrpSpPr>
+      <p:grpSpPr>
+        <a:xfrm>
+          <a:off x="0" y="0"/>
+          <a:ext cx="0" cy="0"/>
+          <a:chOff x="0" y="0"/>
+          <a:chExt cx="0" cy="0"/>
+        </a:xfrm>
+      </p:grpSpPr>
+      <p:sp>
+        <p:nvSpPr>
+          <p:cNvPr id="2" name="標題 1">
+            <a:extLst>
+              <a:ext uri="{FF2B5EF4-FFF2-40B4-BE49-F238E27FC236}">
+                <a16:creationId xmlns:a16="http://schemas.microsoft.com/office/drawing/2014/main" id="{17DEBFC1-8D70-AB1F-ED80-1894042F47ED}"/>
+              </a:ext>
+            </a:extLst>
+          </p:cNvPr>
+          <p:cNvSpPr>
+            <a:spLocks noGrp="1"/>
+          </p:cNvSpPr>
+          <p:nvPr>
+            <p:ph type="title"/>
+          </p:nvPr>
+        </p:nvSpPr>
+        <p:spPr/>
+        <p:txBody>
+          <a:bodyPr>
+            <a:normAutofit/>
+          </a:bodyPr>
+          <a:lstStyle/>
+          <a:p>
+            <a:r>
+              <a:rPr lang="en-US" altLang="zh-TW" sz="4000" dirty="0"/>
+              <a:t>Experimental Result</a:t>
+            </a:r>
+            <a:endParaRPr lang="zh-TW" altLang="en-US" sz="4000" dirty="0"/>
+          </a:p>
+        </p:txBody>
+      </p:sp>
+      <p:sp>
+        <p:nvSpPr>
+          <p:cNvPr id="3" name="內容版面配置區 2">
+            <a:extLst>
+              <a:ext uri="{FF2B5EF4-FFF2-40B4-BE49-F238E27FC236}">
+                <a16:creationId xmlns:a16="http://schemas.microsoft.com/office/drawing/2014/main" id="{29DB8C5F-818D-A336-7160-783D705460AE}"/>
+              </a:ext>
+            </a:extLst>
+          </p:cNvPr>
+          <p:cNvSpPr>
+            <a:spLocks noGrp="1"/>
+          </p:cNvSpPr>
+          <p:nvPr>
+            <p:ph idx="1"/>
+          </p:nvPr>
+        </p:nvSpPr>
+        <p:spPr/>
+        <p:txBody>
+          <a:bodyPr>
+            <a:normAutofit/>
+          </a:bodyPr>
+          <a:lstStyle/>
+          <a:p>
+            <a:pPr>
+              <a:lnSpc>
+                <a:spcPct val="150000"/>
+              </a:lnSpc>
+            </a:pPr>
+            <a:r>
+              <a:rPr lang="en-US" altLang="zh-TW" sz="2200" dirty="0"/>
+              <a:t>Primary power mesh is constructed on metal 10 and metal 11 layers.</a:t>
+            </a:r>
+          </a:p>
+          <a:p>
+            <a:pPr>
+              <a:lnSpc>
+                <a:spcPct val="150000"/>
+              </a:lnSpc>
+            </a:pPr>
+            <a:r>
+              <a:rPr lang="en-US" altLang="zh-TW" sz="2200" dirty="0"/>
+              <a:t>Sub-meshes are on metal 8 and metal 9 layers.</a:t>
+            </a:r>
+          </a:p>
+          <a:p>
+            <a:pPr>
+              <a:lnSpc>
+                <a:spcPct val="150000"/>
+              </a:lnSpc>
+            </a:pPr>
+            <a:r>
+              <a:rPr lang="en-US" altLang="zh-TW" sz="2200" dirty="0"/>
+              <a:t>IR drop constraint is 3% of the working voltage.</a:t>
+            </a:r>
+          </a:p>
+          <a:p>
+            <a:pPr>
+              <a:lnSpc>
+                <a:spcPct val="150000"/>
+              </a:lnSpc>
+            </a:pPr>
+            <a:r>
+              <a:rPr lang="en-US" altLang="zh-TW" sz="2200" dirty="0"/>
+              <a:t>All the design are placed at timing optimization mode by fusion compiler.</a:t>
+            </a:r>
+          </a:p>
+          <a:p>
+            <a:pPr lvl="1">
+              <a:lnSpc>
+                <a:spcPct val="150000"/>
+              </a:lnSpc>
+            </a:pPr>
+            <a:r>
+              <a:rPr lang="en-US" altLang="zh-TW" sz="1800" dirty="0"/>
+              <a:t>Timing is reported by primetime.</a:t>
+            </a:r>
+          </a:p>
+          <a:p>
+            <a:pPr lvl="1">
+              <a:lnSpc>
+                <a:spcPct val="150000"/>
+              </a:lnSpc>
+            </a:pPr>
+            <a:r>
+              <a:rPr lang="en-US" altLang="zh-TW" sz="1800" dirty="0"/>
+              <a:t>IR drop analysis in done by </a:t>
+            </a:r>
+            <a:r>
+              <a:rPr lang="en-US" altLang="zh-TW" sz="1800" dirty="0" err="1"/>
+              <a:t>redhawk</a:t>
+            </a:r>
+            <a:r>
+              <a:rPr lang="en-US" altLang="zh-TW" sz="1800" dirty="0"/>
+              <a:t>.</a:t>
+            </a:r>
+          </a:p>
+          <a:p>
+            <a:pPr>
+              <a:lnSpc>
+                <a:spcPct val="150000"/>
+              </a:lnSpc>
+            </a:pPr>
+            <a:endParaRPr lang="zh-TW" altLang="en-US" sz="2200" dirty="0"/>
+          </a:p>
+        </p:txBody>
+      </p:sp>
+      <p:sp>
+        <p:nvSpPr>
+          <p:cNvPr id="4" name="投影片編號版面配置區 3">
+            <a:extLst>
+              <a:ext uri="{FF2B5EF4-FFF2-40B4-BE49-F238E27FC236}">
+                <a16:creationId xmlns:a16="http://schemas.microsoft.com/office/drawing/2014/main" id="{A4BB3C08-983C-C03B-B824-93E2BDE3EB0E}"/>
+              </a:ext>
+            </a:extLst>
+          </p:cNvPr>
+          <p:cNvSpPr>
+            <a:spLocks noGrp="1"/>
+          </p:cNvSpPr>
+          <p:nvPr>
+            <p:ph type="sldNum" sz="quarter" idx="12"/>
+          </p:nvPr>
+        </p:nvSpPr>
+        <p:spPr/>
+        <p:txBody>
+          <a:bodyPr/>
+          <a:lstStyle/>
+          <a:p>
+            <a:fld id="{666274A1-CF9C-426A-8DD4-B13ED0C24231}" type="slidenum">
+              <a:rPr lang="en-US" smtClean="0"/>
+              <a:t>21</a:t>
+            </a:fld>
+            <a:endParaRPr lang="en-US"/>
+          </a:p>
+        </p:txBody>
+      </p:sp>
+    </p:spTree>
+    <p:extLst>
+      <p:ext uri="{BB962C8B-B14F-4D97-AF65-F5344CB8AC3E}">
+        <p14:creationId xmlns:p14="http://schemas.microsoft.com/office/powerpoint/2010/main" val="3699976847"/>
+      </p:ext>
+    </p:extLst>
+  </p:cSld>
+  <p:clrMapOvr>
+    <a:masterClrMapping/>
+  </p:clrMapOvr>
+</p:sld>
+</file>
+
+<file path=ppt/slides/slide23.xml><?xml version="1.0" encoding="utf-8"?>
+<p:sld xmlns:a="http://schemas.openxmlformats.org/drawingml/2006/main" xmlns:r="http://schemas.openxmlformats.org/officeDocument/2006/relationships" xmlns:p="http://schemas.openxmlformats.org/presentationml/2006/main">
+  <p:cSld>
+    <p:spTree>
+      <p:nvGrpSpPr>
+        <p:cNvPr id="1" name=""/>
+        <p:cNvGrpSpPr/>
+        <p:nvPr/>
+      </p:nvGrpSpPr>
+      <p:grpSpPr>
+        <a:xfrm>
+          <a:off x="0" y="0"/>
+          <a:ext cx="0" cy="0"/>
+          <a:chOff x="0" y="0"/>
+          <a:chExt cx="0" cy="0"/>
+        </a:xfrm>
+      </p:grpSpPr>
+      <p:sp>
+        <p:nvSpPr>
+          <p:cNvPr id="2" name="標題 1">
+            <a:extLst>
+              <a:ext uri="{FF2B5EF4-FFF2-40B4-BE49-F238E27FC236}">
+                <a16:creationId xmlns:a16="http://schemas.microsoft.com/office/drawing/2014/main" id="{17DEBFC1-8D70-AB1F-ED80-1894042F47ED}"/>
+              </a:ext>
+            </a:extLst>
+          </p:cNvPr>
+          <p:cNvSpPr>
+            <a:spLocks noGrp="1"/>
+          </p:cNvSpPr>
+          <p:nvPr>
+            <p:ph type="title"/>
+          </p:nvPr>
+        </p:nvSpPr>
+        <p:spPr/>
+        <p:txBody>
+          <a:bodyPr>
+            <a:normAutofit/>
+          </a:bodyPr>
+          <a:lstStyle/>
+          <a:p>
+            <a:r>
+              <a:rPr lang="en-US" altLang="zh-TW" sz="4000" dirty="0"/>
+              <a:t>Experimental Result</a:t>
+            </a:r>
+            <a:endParaRPr lang="zh-TW" altLang="en-US" sz="4000" dirty="0"/>
+          </a:p>
+        </p:txBody>
+      </p:sp>
+      <p:sp>
+        <p:nvSpPr>
+          <p:cNvPr id="3" name="內容版面配置區 2">
+            <a:extLst>
+              <a:ext uri="{FF2B5EF4-FFF2-40B4-BE49-F238E27FC236}">
+                <a16:creationId xmlns:a16="http://schemas.microsoft.com/office/drawing/2014/main" id="{29DB8C5F-818D-A336-7160-783D705460AE}"/>
+              </a:ext>
+            </a:extLst>
+          </p:cNvPr>
+          <p:cNvSpPr>
+            <a:spLocks noGrp="1"/>
+          </p:cNvSpPr>
+          <p:nvPr>
+            <p:ph idx="1"/>
+          </p:nvPr>
+        </p:nvSpPr>
+        <p:spPr>
+          <a:xfrm>
+            <a:off x="838200" y="1825624"/>
+            <a:ext cx="10515600" cy="4667251"/>
+          </a:xfrm>
+        </p:spPr>
+        <p:txBody>
+          <a:bodyPr>
+            <a:normAutofit/>
+          </a:bodyPr>
+          <a:lstStyle/>
+          <a:p>
+            <a:pPr>
+              <a:lnSpc>
+                <a:spcPct val="125000"/>
+              </a:lnSpc>
+            </a:pPr>
+            <a:r>
+              <a:rPr lang="en-US" altLang="zh-TW" sz="2200" dirty="0"/>
+              <a:t>None</a:t>
+            </a:r>
+          </a:p>
+          <a:p>
+            <a:pPr lvl="1">
+              <a:lnSpc>
+                <a:spcPct val="125000"/>
+              </a:lnSpc>
+            </a:pPr>
+            <a:r>
+              <a:rPr lang="en-US" altLang="zh-TW" sz="1800" dirty="0"/>
+              <a:t>No sub-mesh </a:t>
+            </a:r>
+          </a:p>
+          <a:p>
+            <a:pPr>
+              <a:lnSpc>
+                <a:spcPct val="125000"/>
+              </a:lnSpc>
+            </a:pPr>
+            <a:r>
+              <a:rPr lang="en-US" altLang="zh-TW" sz="2200" dirty="0"/>
+              <a:t>Full</a:t>
+            </a:r>
+          </a:p>
+          <a:p>
+            <a:pPr lvl="1">
+              <a:lnSpc>
+                <a:spcPct val="125000"/>
+              </a:lnSpc>
+            </a:pPr>
+            <a:r>
+              <a:rPr lang="en-US" altLang="zh-TW" sz="1800" dirty="0"/>
+              <a:t>Full sub-mesh</a:t>
+            </a:r>
+          </a:p>
+          <a:p>
+            <a:pPr>
+              <a:lnSpc>
+                <a:spcPct val="125000"/>
+              </a:lnSpc>
+            </a:pPr>
+            <a:r>
+              <a:rPr lang="en-US" altLang="zh-TW" sz="2200" dirty="0"/>
+              <a:t>GR-aware</a:t>
+            </a:r>
+          </a:p>
+          <a:p>
+            <a:pPr lvl="1">
+              <a:lnSpc>
+                <a:spcPct val="125000"/>
+              </a:lnSpc>
+            </a:pPr>
+            <a:r>
+              <a:rPr lang="en-US" altLang="zh-TW" sz="1800" dirty="0"/>
+              <a:t>Global route congestion-aware sub-mesh</a:t>
+            </a:r>
+          </a:p>
+          <a:p>
+            <a:pPr lvl="1">
+              <a:lnSpc>
+                <a:spcPct val="125000"/>
+              </a:lnSpc>
+            </a:pPr>
+            <a:r>
+              <a:rPr lang="en-US" altLang="zh-TW" sz="1800" dirty="0"/>
+              <a:t>Constructs sub-meshes only when the average layer-wise routing density is under 40%</a:t>
+            </a:r>
+          </a:p>
+          <a:p>
+            <a:pPr>
+              <a:lnSpc>
+                <a:spcPct val="125000"/>
+              </a:lnSpc>
+            </a:pPr>
+            <a:r>
+              <a:rPr lang="en-US" altLang="zh-TW" sz="2200" dirty="0"/>
+              <a:t>Ours: ML</a:t>
+            </a:r>
+          </a:p>
+          <a:p>
+            <a:pPr lvl="1">
+              <a:lnSpc>
+                <a:spcPct val="125000"/>
+              </a:lnSpc>
+            </a:pPr>
+            <a:r>
+              <a:rPr lang="en-US" altLang="zh-TW" sz="1800" dirty="0"/>
+              <a:t>Predicted static IR drop should be less than strictly 1%</a:t>
+            </a:r>
+          </a:p>
+          <a:p>
+            <a:pPr lvl="1">
+              <a:lnSpc>
+                <a:spcPct val="125000"/>
+              </a:lnSpc>
+            </a:pPr>
+            <a:r>
+              <a:rPr lang="en-US" altLang="zh-TW" sz="1800" dirty="0"/>
+              <a:t>Zero DRC hotspots for each sub-mesh unit</a:t>
+            </a:r>
+          </a:p>
+          <a:p>
+            <a:pPr>
+              <a:lnSpc>
+                <a:spcPct val="125000"/>
+              </a:lnSpc>
+            </a:pPr>
+            <a:endParaRPr lang="zh-TW" altLang="en-US" sz="2200" dirty="0"/>
+          </a:p>
+        </p:txBody>
+      </p:sp>
+      <p:sp>
+        <p:nvSpPr>
+          <p:cNvPr id="4" name="投影片編號版面配置區 3">
+            <a:extLst>
+              <a:ext uri="{FF2B5EF4-FFF2-40B4-BE49-F238E27FC236}">
+                <a16:creationId xmlns:a16="http://schemas.microsoft.com/office/drawing/2014/main" id="{A4BB3C08-983C-C03B-B824-93E2BDE3EB0E}"/>
+              </a:ext>
+            </a:extLst>
+          </p:cNvPr>
+          <p:cNvSpPr>
+            <a:spLocks noGrp="1"/>
+          </p:cNvSpPr>
+          <p:nvPr>
+            <p:ph type="sldNum" sz="quarter" idx="12"/>
+          </p:nvPr>
+        </p:nvSpPr>
+        <p:spPr/>
+        <p:txBody>
+          <a:bodyPr/>
+          <a:lstStyle/>
+          <a:p>
+            <a:fld id="{666274A1-CF9C-426A-8DD4-B13ED0C24231}" type="slidenum">
+              <a:rPr lang="en-US" smtClean="0"/>
+              <a:t>22</a:t>
+            </a:fld>
+            <a:endParaRPr lang="en-US"/>
+          </a:p>
+        </p:txBody>
+      </p:sp>
+    </p:spTree>
+    <p:extLst>
+      <p:ext uri="{BB962C8B-B14F-4D97-AF65-F5344CB8AC3E}">
+        <p14:creationId xmlns:p14="http://schemas.microsoft.com/office/powerpoint/2010/main" val="3833339162"/>
+      </p:ext>
+    </p:extLst>
+  </p:cSld>
+  <p:clrMapOvr>
+    <a:masterClrMapping/>
+  </p:clrMapOvr>
+</p:sld>
+</file>
+
+<file path=ppt/slides/slide24.xml><?xml version="1.0" encoding="utf-8"?>
+<p:sld xmlns:a="http://schemas.openxmlformats.org/drawingml/2006/main" xmlns:r="http://schemas.openxmlformats.org/officeDocument/2006/relationships" xmlns:p="http://schemas.openxmlformats.org/presentationml/2006/main">
+  <p:cSld>
+    <p:spTree>
+      <p:nvGrpSpPr>
+        <p:cNvPr id="1" name=""/>
+        <p:cNvGrpSpPr/>
+        <p:nvPr/>
+      </p:nvGrpSpPr>
+      <p:grpSpPr>
+        <a:xfrm>
+          <a:off x="0" y="0"/>
+          <a:ext cx="0" cy="0"/>
+          <a:chOff x="0" y="0"/>
+          <a:chExt cx="0" cy="0"/>
+        </a:xfrm>
+      </p:grpSpPr>
+      <p:sp>
+        <p:nvSpPr>
+          <p:cNvPr id="3" name="內容版面配置區 2">
+            <a:extLst>
+              <a:ext uri="{FF2B5EF4-FFF2-40B4-BE49-F238E27FC236}">
+                <a16:creationId xmlns:a16="http://schemas.microsoft.com/office/drawing/2014/main" id="{9352C39B-D56C-E66E-A553-220408325E2A}"/>
+              </a:ext>
+            </a:extLst>
+          </p:cNvPr>
+          <p:cNvSpPr>
+            <a:spLocks noGrp="1"/>
+          </p:cNvSpPr>
+          <p:nvPr>
+            <p:ph idx="1"/>
+          </p:nvPr>
+        </p:nvSpPr>
+        <p:spPr/>
+        <p:txBody>
+          <a:bodyPr/>
+          <a:lstStyle/>
+          <a:p>
+            <a:endParaRPr lang="zh-TW" altLang="en-US" dirty="0"/>
+          </a:p>
+        </p:txBody>
+      </p:sp>
+      <p:sp>
+        <p:nvSpPr>
+          <p:cNvPr id="4" name="投影片編號版面配置區 3">
+            <a:extLst>
+              <a:ext uri="{FF2B5EF4-FFF2-40B4-BE49-F238E27FC236}">
+                <a16:creationId xmlns:a16="http://schemas.microsoft.com/office/drawing/2014/main" id="{A4ADF07B-00EA-6C63-AE2D-2D365B07F022}"/>
+              </a:ext>
+            </a:extLst>
+          </p:cNvPr>
+          <p:cNvSpPr>
+            <a:spLocks noGrp="1"/>
+          </p:cNvSpPr>
+          <p:nvPr>
+            <p:ph type="sldNum" sz="quarter" idx="12"/>
+          </p:nvPr>
+        </p:nvSpPr>
+        <p:spPr/>
+        <p:txBody>
+          <a:bodyPr/>
+          <a:lstStyle/>
+          <a:p>
+            <a:fld id="{666274A1-CF9C-426A-8DD4-B13ED0C24231}" type="slidenum">
+              <a:rPr lang="en-US" smtClean="0"/>
+              <a:t>23</a:t>
+            </a:fld>
+            <a:endParaRPr lang="en-US"/>
+          </a:p>
+        </p:txBody>
+      </p:sp>
+      <p:pic>
+        <p:nvPicPr>
+          <p:cNvPr id="6" name="圖片 5">
+            <a:extLst>
+              <a:ext uri="{FF2B5EF4-FFF2-40B4-BE49-F238E27FC236}">
+                <a16:creationId xmlns:a16="http://schemas.microsoft.com/office/drawing/2014/main" id="{6DE13FAC-FB40-DA78-D467-B8C2E8F99CD5}"/>
+              </a:ext>
+            </a:extLst>
+          </p:cNvPr>
+          <p:cNvPicPr>
+            <a:picLocks noChangeAspect="1"/>
+          </p:cNvPicPr>
+          <p:nvPr/>
+        </p:nvPicPr>
+        <p:blipFill>
+          <a:blip r:embed="rId3"/>
+          <a:stretch>
+            <a:fillRect/>
+          </a:stretch>
+        </p:blipFill>
+        <p:spPr>
+          <a:xfrm>
+            <a:off x="533865" y="1037310"/>
+            <a:ext cx="11124269" cy="5319040"/>
+          </a:xfrm>
+          <a:prstGeom prst="rect">
+            <a:avLst/>
+          </a:prstGeom>
+        </p:spPr>
+      </p:pic>
+    </p:spTree>
+    <p:extLst>
+      <p:ext uri="{BB962C8B-B14F-4D97-AF65-F5344CB8AC3E}">
+        <p14:creationId xmlns:p14="http://schemas.microsoft.com/office/powerpoint/2010/main" val="3350558384"/>
+      </p:ext>
+    </p:extLst>
+  </p:cSld>
+  <p:clrMapOvr>
+    <a:masterClrMapping/>
+  </p:clrMapOvr>
+</p:sld>
+</file>
+
+<file path=ppt/slides/slide25.xml><?xml version="1.0" encoding="utf-8"?>
+<p:sld xmlns:a="http://schemas.openxmlformats.org/drawingml/2006/main" xmlns:r="http://schemas.openxmlformats.org/officeDocument/2006/relationships" xmlns:p="http://schemas.openxmlformats.org/presentationml/2006/main">
+  <p:cSld>
+    <p:spTree>
+      <p:nvGrpSpPr>
+        <p:cNvPr id="1" name=""/>
+        <p:cNvGrpSpPr/>
+        <p:nvPr/>
+      </p:nvGrpSpPr>
+      <p:grpSpPr>
+        <a:xfrm>
+          <a:off x="0" y="0"/>
+          <a:ext cx="0" cy="0"/>
+          <a:chOff x="0" y="0"/>
+          <a:chExt cx="0" cy="0"/>
+        </a:xfrm>
+      </p:grpSpPr>
+      <p:sp>
+        <p:nvSpPr>
+          <p:cNvPr id="2" name="標題 1">
+            <a:extLst>
+              <a:ext uri="{FF2B5EF4-FFF2-40B4-BE49-F238E27FC236}">
+                <a16:creationId xmlns:a16="http://schemas.microsoft.com/office/drawing/2014/main" id="{B135B933-899A-9E49-BB30-F23F4A12879E}"/>
+              </a:ext>
+            </a:extLst>
+          </p:cNvPr>
+          <p:cNvSpPr>
+            <a:spLocks noGrp="1"/>
+          </p:cNvSpPr>
+          <p:nvPr>
+            <p:ph type="title"/>
+          </p:nvPr>
+        </p:nvSpPr>
+        <p:spPr/>
+        <p:txBody>
+          <a:bodyPr>
+            <a:normAutofit/>
+          </a:bodyPr>
+          <a:lstStyle/>
+          <a:p>
+            <a:r>
+              <a:rPr lang="en-US" altLang="zh-TW" sz="4000" dirty="0"/>
+              <a:t>Experimental Result</a:t>
+            </a:r>
+            <a:endParaRPr lang="zh-TW" altLang="en-US" sz="4000" dirty="0"/>
+          </a:p>
+        </p:txBody>
+      </p:sp>
+      <p:sp>
+        <p:nvSpPr>
+          <p:cNvPr id="3" name="內容版面配置區 2">
+            <a:extLst>
+              <a:ext uri="{FF2B5EF4-FFF2-40B4-BE49-F238E27FC236}">
+                <a16:creationId xmlns:a16="http://schemas.microsoft.com/office/drawing/2014/main" id="{E85A145D-0F05-03E0-D175-44B825FC0780}"/>
+              </a:ext>
+            </a:extLst>
+          </p:cNvPr>
+          <p:cNvSpPr>
+            <a:spLocks noGrp="1"/>
+          </p:cNvSpPr>
+          <p:nvPr>
+            <p:ph idx="1"/>
+          </p:nvPr>
+        </p:nvSpPr>
+        <p:spPr/>
+        <p:txBody>
+          <a:bodyPr>
+            <a:normAutofit/>
+          </a:bodyPr>
+          <a:lstStyle/>
+          <a:p>
+            <a:r>
+              <a:rPr lang="en-US" altLang="zh-TW" sz="2200" dirty="0"/>
+              <a:t>IR drop optimization</a:t>
+            </a:r>
+            <a:endParaRPr lang="zh-TW" altLang="en-US" sz="2200" dirty="0"/>
+          </a:p>
+        </p:txBody>
+      </p:sp>
+      <p:sp>
+        <p:nvSpPr>
+          <p:cNvPr id="4" name="投影片編號版面配置區 3">
+            <a:extLst>
+              <a:ext uri="{FF2B5EF4-FFF2-40B4-BE49-F238E27FC236}">
+                <a16:creationId xmlns:a16="http://schemas.microsoft.com/office/drawing/2014/main" id="{F41AAEC5-9EFF-154E-DBA4-0AEABBEADBB3}"/>
+              </a:ext>
+            </a:extLst>
+          </p:cNvPr>
+          <p:cNvSpPr>
+            <a:spLocks noGrp="1"/>
+          </p:cNvSpPr>
+          <p:nvPr>
+            <p:ph type="sldNum" sz="quarter" idx="12"/>
+          </p:nvPr>
+        </p:nvSpPr>
+        <p:spPr/>
+        <p:txBody>
+          <a:bodyPr/>
+          <a:lstStyle/>
+          <a:p>
+            <a:fld id="{666274A1-CF9C-426A-8DD4-B13ED0C24231}" type="slidenum">
+              <a:rPr lang="en-US" smtClean="0"/>
+              <a:t>24</a:t>
+            </a:fld>
+            <a:endParaRPr lang="en-US"/>
+          </a:p>
+        </p:txBody>
+      </p:sp>
+      <p:pic>
+        <p:nvPicPr>
+          <p:cNvPr id="10" name="內容版面配置區 5">
+            <a:extLst>
+              <a:ext uri="{FF2B5EF4-FFF2-40B4-BE49-F238E27FC236}">
+                <a16:creationId xmlns:a16="http://schemas.microsoft.com/office/drawing/2014/main" id="{86FAEE86-B75D-C345-3D4C-61EA39EE638B}"/>
+              </a:ext>
+            </a:extLst>
+          </p:cNvPr>
+          <p:cNvPicPr>
+            <a:picLocks noChangeAspect="1"/>
+          </p:cNvPicPr>
+          <p:nvPr/>
+        </p:nvPicPr>
+        <p:blipFill>
+          <a:blip r:embed="rId2"/>
+          <a:stretch>
+            <a:fillRect/>
+          </a:stretch>
+        </p:blipFill>
+        <p:spPr>
+          <a:xfrm>
+            <a:off x="3128112" y="2492679"/>
+            <a:ext cx="5935775" cy="4000196"/>
+          </a:xfrm>
+          <a:prstGeom prst="rect">
+            <a:avLst/>
+          </a:prstGeom>
+        </p:spPr>
+      </p:pic>
+    </p:spTree>
+    <p:extLst>
+      <p:ext uri="{BB962C8B-B14F-4D97-AF65-F5344CB8AC3E}">
+        <p14:creationId xmlns:p14="http://schemas.microsoft.com/office/powerpoint/2010/main" val="1857910883"/>
+      </p:ext>
+    </p:extLst>
+  </p:cSld>
+  <p:clrMapOvr>
+    <a:masterClrMapping/>
+  </p:clrMapOvr>
+</p:sld>
+</file>
+
+<file path=ppt/slides/slide26.xml><?xml version="1.0" encoding="utf-8"?>
+<p:sld xmlns:a="http://schemas.openxmlformats.org/drawingml/2006/main" xmlns:r="http://schemas.openxmlformats.org/officeDocument/2006/relationships" xmlns:p="http://schemas.openxmlformats.org/presentationml/2006/main">
+  <p:cSld>
+    <p:spTree>
+      <p:nvGrpSpPr>
+        <p:cNvPr id="1" name=""/>
+        <p:cNvGrpSpPr/>
+        <p:nvPr/>
+      </p:nvGrpSpPr>
+      <p:grpSpPr>
+        <a:xfrm>
+          <a:off x="0" y="0"/>
+          <a:ext cx="0" cy="0"/>
+          <a:chOff x="0" y="0"/>
+          <a:chExt cx="0" cy="0"/>
+        </a:xfrm>
+      </p:grpSpPr>
+      <p:sp>
+        <p:nvSpPr>
+          <p:cNvPr id="2" name="標題 1">
+            <a:extLst>
+              <a:ext uri="{FF2B5EF4-FFF2-40B4-BE49-F238E27FC236}">
+                <a16:creationId xmlns:a16="http://schemas.microsoft.com/office/drawing/2014/main" id="{610288D9-B7B8-9916-CE8A-A16E3CD37FDC}"/>
+              </a:ext>
+            </a:extLst>
+          </p:cNvPr>
+          <p:cNvSpPr>
+            <a:spLocks noGrp="1"/>
+          </p:cNvSpPr>
+          <p:nvPr>
+            <p:ph type="title"/>
+          </p:nvPr>
+        </p:nvSpPr>
+        <p:spPr/>
+        <p:txBody>
+          <a:bodyPr/>
+          <a:lstStyle/>
+          <a:p>
+            <a:r>
+              <a:rPr lang="en-US" altLang="zh-TW" sz="4400" dirty="0"/>
+              <a:t>Experimental Result</a:t>
+            </a:r>
+            <a:endParaRPr lang="zh-TW" altLang="en-US" dirty="0"/>
+          </a:p>
+        </p:txBody>
+      </p:sp>
+      <p:sp>
+        <p:nvSpPr>
+          <p:cNvPr id="3" name="內容版面配置區 2">
+            <a:extLst>
+              <a:ext uri="{FF2B5EF4-FFF2-40B4-BE49-F238E27FC236}">
+                <a16:creationId xmlns:a16="http://schemas.microsoft.com/office/drawing/2014/main" id="{0C8CE807-4736-147A-1173-1E63556B4CF6}"/>
+              </a:ext>
+            </a:extLst>
+          </p:cNvPr>
+          <p:cNvSpPr>
+            <a:spLocks noGrp="1"/>
+          </p:cNvSpPr>
+          <p:nvPr>
+            <p:ph idx="1"/>
+          </p:nvPr>
+        </p:nvSpPr>
+        <p:spPr/>
+        <p:txBody>
+          <a:bodyPr>
+            <a:normAutofit/>
+          </a:bodyPr>
+          <a:lstStyle/>
+          <a:p>
+            <a:r>
+              <a:rPr lang="en-US" altLang="zh-TW" sz="2200" dirty="0"/>
+              <a:t>Routability improvement (especially for congestion region)</a:t>
+            </a:r>
+            <a:endParaRPr lang="zh-TW" altLang="en-US" sz="2200" dirty="0"/>
+          </a:p>
+        </p:txBody>
+      </p:sp>
+      <p:sp>
+        <p:nvSpPr>
+          <p:cNvPr id="4" name="投影片編號版面配置區 3">
+            <a:extLst>
+              <a:ext uri="{FF2B5EF4-FFF2-40B4-BE49-F238E27FC236}">
+                <a16:creationId xmlns:a16="http://schemas.microsoft.com/office/drawing/2014/main" id="{039ED592-AB30-896F-6DBA-3323C0885B6D}"/>
+              </a:ext>
+            </a:extLst>
+          </p:cNvPr>
+          <p:cNvSpPr>
+            <a:spLocks noGrp="1"/>
+          </p:cNvSpPr>
+          <p:nvPr>
+            <p:ph type="sldNum" sz="quarter" idx="12"/>
+          </p:nvPr>
+        </p:nvSpPr>
+        <p:spPr/>
+        <p:txBody>
+          <a:bodyPr/>
+          <a:lstStyle/>
+          <a:p>
+            <a:fld id="{666274A1-CF9C-426A-8DD4-B13ED0C24231}" type="slidenum">
+              <a:rPr lang="en-US" smtClean="0"/>
+              <a:t>25</a:t>
+            </a:fld>
+            <a:endParaRPr lang="en-US"/>
+          </a:p>
+        </p:txBody>
+      </p:sp>
+      <p:pic>
+        <p:nvPicPr>
+          <p:cNvPr id="6" name="圖片 5">
+            <a:extLst>
+              <a:ext uri="{FF2B5EF4-FFF2-40B4-BE49-F238E27FC236}">
+                <a16:creationId xmlns:a16="http://schemas.microsoft.com/office/drawing/2014/main" id="{2136F109-62B9-7CA0-BD23-50ABCB180D30}"/>
+              </a:ext>
+            </a:extLst>
+          </p:cNvPr>
+          <p:cNvPicPr>
+            <a:picLocks noChangeAspect="1"/>
+          </p:cNvPicPr>
+          <p:nvPr/>
+        </p:nvPicPr>
+        <p:blipFill>
+          <a:blip r:embed="rId2"/>
+          <a:stretch>
+            <a:fillRect/>
+          </a:stretch>
+        </p:blipFill>
+        <p:spPr>
+          <a:xfrm>
+            <a:off x="2604035" y="2650499"/>
+            <a:ext cx="6983930" cy="3705851"/>
+          </a:xfrm>
+          <a:prstGeom prst="rect">
+            <a:avLst/>
+          </a:prstGeom>
+        </p:spPr>
+      </p:pic>
+    </p:spTree>
+    <p:extLst>
+      <p:ext uri="{BB962C8B-B14F-4D97-AF65-F5344CB8AC3E}">
+        <p14:creationId xmlns:p14="http://schemas.microsoft.com/office/powerpoint/2010/main" val="1821514118"/>
+      </p:ext>
+    </p:extLst>
+  </p:cSld>
+  <p:clrMapOvr>
+    <a:masterClrMapping/>
+  </p:clrMapOvr>
+</p:sld>
+</file>
+
+<file path=ppt/slides/slide27.xml><?xml version="1.0" encoding="utf-8"?>
+<p:sld xmlns:a="http://schemas.openxmlformats.org/drawingml/2006/main" xmlns:r="http://schemas.openxmlformats.org/officeDocument/2006/relationships" xmlns:p="http://schemas.openxmlformats.org/presentationml/2006/main">
+  <p:cSld>
+    <p:spTree>
+      <p:nvGrpSpPr>
+        <p:cNvPr id="1" name=""/>
+        <p:cNvGrpSpPr/>
+        <p:nvPr/>
+      </p:nvGrpSpPr>
+      <p:grpSpPr>
+        <a:xfrm>
+          <a:off x="0" y="0"/>
+          <a:ext cx="0" cy="0"/>
+          <a:chOff x="0" y="0"/>
+          <a:chExt cx="0" cy="0"/>
+        </a:xfrm>
+      </p:grpSpPr>
+      <p:sp>
+        <p:nvSpPr>
+          <p:cNvPr id="2" name="標題 1">
+            <a:extLst>
+              <a:ext uri="{FF2B5EF4-FFF2-40B4-BE49-F238E27FC236}">
+                <a16:creationId xmlns:a16="http://schemas.microsoft.com/office/drawing/2014/main" id="{4E76B90D-F2DF-4619-5143-CBDE4CD3024D}"/>
+              </a:ext>
+            </a:extLst>
+          </p:cNvPr>
+          <p:cNvSpPr>
+            <a:spLocks noGrp="1"/>
+          </p:cNvSpPr>
+          <p:nvPr>
+            <p:ph type="title"/>
+          </p:nvPr>
+        </p:nvSpPr>
+        <p:spPr/>
+        <p:txBody>
+          <a:bodyPr/>
+          <a:lstStyle/>
+          <a:p>
+            <a:r>
+              <a:rPr lang="en-US" altLang="zh-TW" sz="4400" dirty="0"/>
+              <a:t>Experimental Result</a:t>
+            </a:r>
+            <a:endParaRPr lang="zh-TW" altLang="en-US" dirty="0"/>
+          </a:p>
+        </p:txBody>
+      </p:sp>
+      <p:sp>
+        <p:nvSpPr>
+          <p:cNvPr id="3" name="內容版面配置區 2">
+            <a:extLst>
+              <a:ext uri="{FF2B5EF4-FFF2-40B4-BE49-F238E27FC236}">
+                <a16:creationId xmlns:a16="http://schemas.microsoft.com/office/drawing/2014/main" id="{94134C74-329C-BB24-8AB4-FB98AAF18995}"/>
+              </a:ext>
+            </a:extLst>
+          </p:cNvPr>
+          <p:cNvSpPr>
+            <a:spLocks noGrp="1"/>
+          </p:cNvSpPr>
+          <p:nvPr>
+            <p:ph idx="1"/>
+          </p:nvPr>
+        </p:nvSpPr>
+        <p:spPr>
+          <a:xfrm>
+            <a:off x="838200" y="1825625"/>
+            <a:ext cx="10943122" cy="4351338"/>
+          </a:xfrm>
+        </p:spPr>
+        <p:txBody>
+          <a:bodyPr>
+            <a:normAutofit/>
+          </a:bodyPr>
+          <a:lstStyle/>
+          <a:p>
+            <a:r>
+              <a:rPr lang="en-US" altLang="zh-TW" sz="2200" dirty="0"/>
+              <a:t>Decreases the sub-mesh usage for cross-domain cells with direct supply.</a:t>
+            </a:r>
+          </a:p>
+          <a:p>
+            <a:r>
+              <a:rPr lang="en-US" altLang="zh-TW" sz="2200" dirty="0"/>
+              <a:t>Reserves more routing resource for the </a:t>
+            </a:r>
+            <a:r>
+              <a:rPr lang="en-US" altLang="zh-TW" sz="2200" dirty="0" err="1"/>
+              <a:t>submesh</a:t>
+            </a:r>
+            <a:r>
+              <a:rPr lang="en-US" altLang="zh-TW" sz="2200" dirty="0"/>
+              <a:t> of cross-domain cells with indirect supply.</a:t>
+            </a:r>
+            <a:endParaRPr lang="zh-TW" altLang="en-US" sz="2200" dirty="0"/>
+          </a:p>
+        </p:txBody>
+      </p:sp>
+      <p:sp>
+        <p:nvSpPr>
+          <p:cNvPr id="4" name="投影片編號版面配置區 3">
+            <a:extLst>
+              <a:ext uri="{FF2B5EF4-FFF2-40B4-BE49-F238E27FC236}">
+                <a16:creationId xmlns:a16="http://schemas.microsoft.com/office/drawing/2014/main" id="{6DDF1E8A-B469-7A77-51A1-82EDF27C1E23}"/>
+              </a:ext>
+            </a:extLst>
+          </p:cNvPr>
+          <p:cNvSpPr>
+            <a:spLocks noGrp="1"/>
+          </p:cNvSpPr>
+          <p:nvPr>
+            <p:ph type="sldNum" sz="quarter" idx="12"/>
+          </p:nvPr>
+        </p:nvSpPr>
+        <p:spPr/>
+        <p:txBody>
+          <a:bodyPr/>
+          <a:lstStyle/>
+          <a:p>
+            <a:fld id="{666274A1-CF9C-426A-8DD4-B13ED0C24231}" type="slidenum">
+              <a:rPr lang="en-US" smtClean="0"/>
+              <a:t>26</a:t>
+            </a:fld>
+            <a:endParaRPr lang="en-US"/>
+          </a:p>
+        </p:txBody>
+      </p:sp>
+      <p:pic>
+        <p:nvPicPr>
+          <p:cNvPr id="8" name="圖片 7">
+            <a:extLst>
+              <a:ext uri="{FF2B5EF4-FFF2-40B4-BE49-F238E27FC236}">
+                <a16:creationId xmlns:a16="http://schemas.microsoft.com/office/drawing/2014/main" id="{E4B71253-B6E2-A60C-B41F-3CEC27CAE2D8}"/>
+              </a:ext>
+            </a:extLst>
+          </p:cNvPr>
+          <p:cNvPicPr>
+            <a:picLocks noChangeAspect="1"/>
+          </p:cNvPicPr>
+          <p:nvPr/>
+        </p:nvPicPr>
+        <p:blipFill>
+          <a:blip r:embed="rId2"/>
+          <a:stretch>
+            <a:fillRect/>
+          </a:stretch>
+        </p:blipFill>
+        <p:spPr>
+          <a:xfrm>
+            <a:off x="3190156" y="2747986"/>
+            <a:ext cx="5984943" cy="3973489"/>
+          </a:xfrm>
+          <a:prstGeom prst="rect">
+            <a:avLst/>
+          </a:prstGeom>
+        </p:spPr>
+      </p:pic>
+    </p:spTree>
+    <p:extLst>
+      <p:ext uri="{BB962C8B-B14F-4D97-AF65-F5344CB8AC3E}">
+        <p14:creationId xmlns:p14="http://schemas.microsoft.com/office/powerpoint/2010/main" val="476002218"/>
+      </p:ext>
+    </p:extLst>
+  </p:cSld>
+  <p:clrMapOvr>
+    <a:masterClrMapping/>
+  </p:clrMapOvr>
+</p:sld>
+</file>
+
+<file path=ppt/slides/slide28.xml><?xml version="1.0" encoding="utf-8"?>
+<p:sld xmlns:a="http://schemas.openxmlformats.org/drawingml/2006/main" xmlns:r="http://schemas.openxmlformats.org/officeDocument/2006/relationships" xmlns:p="http://schemas.openxmlformats.org/presentationml/2006/main">
+  <p:cSld>
+    <p:spTree>
+      <p:nvGrpSpPr>
+        <p:cNvPr id="1" name=""/>
+        <p:cNvGrpSpPr/>
+        <p:nvPr/>
+      </p:nvGrpSpPr>
+      <p:grpSpPr>
+        <a:xfrm>
+          <a:off x="0" y="0"/>
+          <a:ext cx="0" cy="0"/>
+          <a:chOff x="0" y="0"/>
+          <a:chExt cx="0" cy="0"/>
+        </a:xfrm>
+      </p:grpSpPr>
+      <p:sp>
+        <p:nvSpPr>
+          <p:cNvPr id="4" name="Slide Number Placeholder 3">
+            <a:extLst>
+              <a:ext uri="{FF2B5EF4-FFF2-40B4-BE49-F238E27FC236}">
+                <a16:creationId xmlns:a16="http://schemas.microsoft.com/office/drawing/2014/main" id="{DB47E6D4-11C1-7FA3-40FD-EC8CC1AC8613}"/>
+              </a:ext>
+            </a:extLst>
+          </p:cNvPr>
+          <p:cNvSpPr>
+            <a:spLocks noGrp="1"/>
+          </p:cNvSpPr>
+          <p:nvPr>
+            <p:ph type="sldNum" sz="quarter" idx="12"/>
+          </p:nvPr>
+        </p:nvSpPr>
+        <p:spPr/>
+        <p:txBody>
+          <a:bodyPr/>
+          <a:lstStyle/>
+          <a:p>
+            <a:fld id="{666274A1-CF9C-426A-8DD4-B13ED0C24231}" type="slidenum">
+              <a:rPr lang="en-US" smtClean="0"/>
+              <a:t>27</a:t>
+            </a:fld>
+            <a:endParaRPr lang="en-US"/>
+          </a:p>
+        </p:txBody>
+      </p:sp>
+      <p:sp>
+        <p:nvSpPr>
+          <p:cNvPr id="5" name="TextBox 4">
+            <a:extLst>
+              <a:ext uri="{FF2B5EF4-FFF2-40B4-BE49-F238E27FC236}">
+                <a16:creationId xmlns:a16="http://schemas.microsoft.com/office/drawing/2014/main" id="{DE342AA9-4E4B-2420-9858-9BBA5A519307}"/>
+              </a:ext>
+            </a:extLst>
+          </p:cNvPr>
+          <p:cNvSpPr txBox="1"/>
+          <p:nvPr/>
+        </p:nvSpPr>
+        <p:spPr>
+          <a:xfrm>
+            <a:off x="2627743" y="2967335"/>
+            <a:ext cx="6936514" cy="923330"/>
+          </a:xfrm>
+          <a:prstGeom prst="rect">
+            <a:avLst/>
+          </a:prstGeom>
+          <a:noFill/>
+        </p:spPr>
+        <p:txBody>
+          <a:bodyPr wrap="none" rtlCol="0">
+            <a:spAutoFit/>
+          </a:bodyPr>
+          <a:lstStyle/>
+          <a:p>
+            <a:r>
+              <a:rPr lang="en-US" altLang="zh-TW" sz="5400" dirty="0">
+                <a:latin typeface="Times" panose="02020603050405020304" pitchFamily="18" charset="0"/>
+                <a:cs typeface="Times" panose="02020603050405020304" pitchFamily="18" charset="0"/>
+              </a:rPr>
+              <a:t>Thank you for listening!</a:t>
+            </a:r>
+            <a:endParaRPr lang="zh-TW" altLang="en-US" sz="5400" dirty="0">
+              <a:latin typeface="Times" panose="02020603050405020304" pitchFamily="18" charset="0"/>
+              <a:cs typeface="Times" panose="02020603050405020304" pitchFamily="18" charset="0"/>
+            </a:endParaRPr>
+          </a:p>
+        </p:txBody>
+      </p:sp>
+    </p:spTree>
+    <p:extLst>
+      <p:ext uri="{BB962C8B-B14F-4D97-AF65-F5344CB8AC3E}">
+        <p14:creationId xmlns:p14="http://schemas.microsoft.com/office/powerpoint/2010/main" val="1947749228"/>
       </p:ext>
     </p:extLst>
   </p:cSld>
@@ -5785,11 +11858,1466 @@
           <a:lstStyle/>
           <a:p>
             <a:r>
-              <a:rPr lang="en-US" altLang="zh-TW" dirty="0">
+              <a:rPr lang="en-US" altLang="zh-TW" sz="4000" dirty="0">
                 <a:latin typeface="Times" panose="02020603050405020304" pitchFamily="18" charset="0"/>
                 <a:cs typeface="Times" panose="02020603050405020304" pitchFamily="18" charset="0"/>
               </a:rPr>
               <a:t>Introduction</a:t>
+            </a:r>
+            <a:endParaRPr lang="zh-TW" altLang="en-US" dirty="0">
+              <a:latin typeface="Times" panose="02020603050405020304" pitchFamily="18" charset="0"/>
+              <a:cs typeface="Times" panose="02020603050405020304" pitchFamily="18" charset="0"/>
+            </a:endParaRPr>
+          </a:p>
+        </p:txBody>
+      </p:sp>
+      <p:sp>
+        <p:nvSpPr>
+          <p:cNvPr id="3" name="內容版面配置區 2">
+            <a:extLst>
+              <a:ext uri="{FF2B5EF4-FFF2-40B4-BE49-F238E27FC236}">
+                <a16:creationId xmlns:a16="http://schemas.microsoft.com/office/drawing/2014/main" id="{2BF1C42E-208D-D375-D779-4FE5706E52D6}"/>
+              </a:ext>
+            </a:extLst>
+          </p:cNvPr>
+          <p:cNvSpPr>
+            <a:spLocks noGrp="1"/>
+          </p:cNvSpPr>
+          <p:nvPr>
+            <p:ph idx="1"/>
+          </p:nvPr>
+        </p:nvSpPr>
+        <p:spPr>
+          <a:xfrm>
+            <a:off x="838200" y="1620000"/>
+            <a:ext cx="11353800" cy="4895850"/>
+          </a:xfrm>
+        </p:spPr>
+        <p:txBody>
+          <a:bodyPr>
+            <a:normAutofit/>
+          </a:bodyPr>
+          <a:lstStyle/>
+          <a:p>
+            <a:pPr>
+              <a:lnSpc>
+                <a:spcPct val="150000"/>
+              </a:lnSpc>
+            </a:pPr>
+            <a:r>
+              <a:rPr lang="en-US" altLang="zh-TW" sz="2200" dirty="0"/>
+              <a:t>Primary / secondary power mesh : high / low layer stripe.</a:t>
+            </a:r>
+          </a:p>
+          <a:p>
+            <a:pPr>
+              <a:lnSpc>
+                <a:spcPct val="150000"/>
+              </a:lnSpc>
+            </a:pPr>
+            <a:r>
+              <a:rPr lang="en-US" altLang="zh-TW" sz="2200" b="1" dirty="0"/>
+              <a:t>Multiple power domain </a:t>
+            </a:r>
+            <a:r>
+              <a:rPr lang="en-US" altLang="zh-TW" sz="2200" dirty="0"/>
+              <a:t>design is prevalent for achieving aggressive power savings</a:t>
+            </a:r>
+          </a:p>
+          <a:p>
+            <a:pPr>
+              <a:lnSpc>
+                <a:spcPct val="150000"/>
+              </a:lnSpc>
+            </a:pPr>
+            <a:r>
+              <a:rPr lang="en-US" altLang="zh-TW" sz="2200" dirty="0"/>
+              <a:t>Power delivery to cross-domain cells poses a tough challenge at advanced technology nodes.</a:t>
+            </a:r>
+          </a:p>
+          <a:p>
+            <a:pPr lvl="1">
+              <a:lnSpc>
+                <a:spcPct val="150000"/>
+              </a:lnSpc>
+            </a:pPr>
+            <a:r>
+              <a:rPr lang="en-US" altLang="zh-TW" sz="1800" dirty="0"/>
+              <a:t>IR drop constraint</a:t>
+            </a:r>
+          </a:p>
+          <a:p>
+            <a:pPr lvl="1">
+              <a:lnSpc>
+                <a:spcPct val="150000"/>
+              </a:lnSpc>
+            </a:pPr>
+            <a:r>
+              <a:rPr lang="en-US" altLang="zh-TW" sz="1800" dirty="0"/>
+              <a:t>Routing source competition between the secondary power routing and regular signal routing.</a:t>
+            </a:r>
+          </a:p>
+          <a:p>
+            <a:pPr lvl="1">
+              <a:lnSpc>
+                <a:spcPct val="150000"/>
+              </a:lnSpc>
+            </a:pPr>
+            <a:endParaRPr lang="en-US" altLang="zh-TW" sz="1800" dirty="0"/>
+          </a:p>
+          <a:p>
+            <a:pPr>
+              <a:lnSpc>
+                <a:spcPct val="150000"/>
+              </a:lnSpc>
+            </a:pPr>
+            <a:r>
+              <a:rPr lang="en-US" altLang="zh-TW" sz="2200" dirty="0"/>
+              <a:t>Explore power sub-mesh construction to mitigate the </a:t>
+            </a:r>
+            <a:r>
+              <a:rPr lang="en-US" altLang="zh-TW" sz="2200" b="1" dirty="0"/>
+              <a:t>IR drop issue </a:t>
+            </a:r>
+            <a:r>
+              <a:rPr lang="en-US" altLang="zh-TW" sz="2200" dirty="0"/>
+              <a:t>for cross-domain cells and </a:t>
+            </a:r>
+            <a:r>
+              <a:rPr lang="en-US" altLang="zh-TW" sz="2200" b="1" dirty="0"/>
+              <a:t>minimize its routing overhead</a:t>
+            </a:r>
+            <a:r>
+              <a:rPr lang="en-US" altLang="zh-TW" sz="2200" dirty="0"/>
+              <a:t>.</a:t>
+            </a:r>
+          </a:p>
+        </p:txBody>
+      </p:sp>
+      <p:sp>
+        <p:nvSpPr>
+          <p:cNvPr id="4" name="投影片編號版面配置區 3">
+            <a:extLst>
+              <a:ext uri="{FF2B5EF4-FFF2-40B4-BE49-F238E27FC236}">
+                <a16:creationId xmlns:a16="http://schemas.microsoft.com/office/drawing/2014/main" id="{75FE7E51-3153-478A-D8A4-7E30B3D4AF4C}"/>
+              </a:ext>
+            </a:extLst>
+          </p:cNvPr>
+          <p:cNvSpPr>
+            <a:spLocks noGrp="1"/>
+          </p:cNvSpPr>
+          <p:nvPr>
+            <p:ph type="sldNum" sz="quarter" idx="12"/>
+          </p:nvPr>
+        </p:nvSpPr>
+        <p:spPr/>
+        <p:txBody>
+          <a:bodyPr/>
+          <a:lstStyle/>
+          <a:p>
+            <a:fld id="{666274A1-CF9C-426A-8DD4-B13ED0C24231}" type="slidenum">
+              <a:rPr lang="en-US" smtClean="0"/>
+              <a:t>2</a:t>
+            </a:fld>
+            <a:endParaRPr lang="en-US"/>
+          </a:p>
+        </p:txBody>
+      </p:sp>
+      <p:cxnSp>
+        <p:nvCxnSpPr>
+          <p:cNvPr id="6" name="直線接點 5">
+            <a:extLst>
+              <a:ext uri="{FF2B5EF4-FFF2-40B4-BE49-F238E27FC236}">
+                <a16:creationId xmlns:a16="http://schemas.microsoft.com/office/drawing/2014/main" id="{87856D0A-DE1E-3C4B-52E5-C28D9ACE5A67}"/>
+              </a:ext>
+            </a:extLst>
+          </p:cNvPr>
+          <p:cNvCxnSpPr/>
+          <p:nvPr/>
+        </p:nvCxnSpPr>
+        <p:spPr>
+          <a:xfrm>
+            <a:off x="5332396" y="4340993"/>
+            <a:ext cx="2358189" cy="0"/>
+          </a:xfrm>
+          <a:prstGeom prst="line">
+            <a:avLst/>
+          </a:prstGeom>
+          <a:ln w="19050">
+            <a:solidFill>
+              <a:srgbClr val="FF0000"/>
+            </a:solidFill>
+          </a:ln>
+        </p:spPr>
+        <p:style>
+          <a:lnRef idx="1">
+            <a:schemeClr val="accent1"/>
+          </a:lnRef>
+          <a:fillRef idx="0">
+            <a:schemeClr val="accent1"/>
+          </a:fillRef>
+          <a:effectRef idx="0">
+            <a:schemeClr val="accent1"/>
+          </a:effectRef>
+          <a:fontRef idx="minor">
+            <a:schemeClr val="tx1"/>
+          </a:fontRef>
+        </p:style>
+      </p:cxnSp>
+      <p:cxnSp>
+        <p:nvCxnSpPr>
+          <p:cNvPr id="8" name="直線單箭頭接點 7">
+            <a:extLst>
+              <a:ext uri="{FF2B5EF4-FFF2-40B4-BE49-F238E27FC236}">
+                <a16:creationId xmlns:a16="http://schemas.microsoft.com/office/drawing/2014/main" id="{FF8F9C42-4D9C-A440-E5A5-883D34D761BF}"/>
+              </a:ext>
+            </a:extLst>
+          </p:cNvPr>
+          <p:cNvCxnSpPr/>
+          <p:nvPr/>
+        </p:nvCxnSpPr>
+        <p:spPr>
+          <a:xfrm>
+            <a:off x="6509886" y="4340993"/>
+            <a:ext cx="0" cy="240632"/>
+          </a:xfrm>
+          <a:prstGeom prst="straightConnector1">
+            <a:avLst/>
+          </a:prstGeom>
+          <a:ln>
+            <a:solidFill>
+              <a:srgbClr val="FF0000"/>
+            </a:solidFill>
+            <a:tailEnd type="triangle"/>
+          </a:ln>
+        </p:spPr>
+        <p:style>
+          <a:lnRef idx="1">
+            <a:schemeClr val="accent1"/>
+          </a:lnRef>
+          <a:fillRef idx="0">
+            <a:schemeClr val="accent1"/>
+          </a:fillRef>
+          <a:effectRef idx="0">
+            <a:schemeClr val="accent1"/>
+          </a:effectRef>
+          <a:fontRef idx="minor">
+            <a:schemeClr val="tx1"/>
+          </a:fontRef>
+        </p:style>
+      </p:cxnSp>
+      <p:sp>
+        <p:nvSpPr>
+          <p:cNvPr id="9" name="文字方塊 8">
+            <a:extLst>
+              <a:ext uri="{FF2B5EF4-FFF2-40B4-BE49-F238E27FC236}">
+                <a16:creationId xmlns:a16="http://schemas.microsoft.com/office/drawing/2014/main" id="{D59EAD91-E7E6-B5FE-6D57-3EF4ACEF6E52}"/>
+              </a:ext>
+            </a:extLst>
+          </p:cNvPr>
+          <p:cNvSpPr txBox="1"/>
+          <p:nvPr/>
+        </p:nvSpPr>
+        <p:spPr>
+          <a:xfrm>
+            <a:off x="2839453" y="4581625"/>
+            <a:ext cx="8325852" cy="369332"/>
+          </a:xfrm>
+          <a:prstGeom prst="rect">
+            <a:avLst/>
+          </a:prstGeom>
+          <a:noFill/>
+        </p:spPr>
+        <p:txBody>
+          <a:bodyPr wrap="square" rtlCol="0">
+            <a:spAutoFit/>
+          </a:bodyPr>
+          <a:lstStyle/>
+          <a:p>
+            <a:pPr algn="l"/>
+            <a:r>
+              <a:rPr lang="en-US" altLang="zh-TW" sz="1800" b="0" i="0" u="none" strike="noStrike" baseline="0" dirty="0">
+                <a:solidFill>
+                  <a:srgbClr val="FF0000"/>
+                </a:solidFill>
+                <a:latin typeface="+mj-lt"/>
+              </a:rPr>
+              <a:t>the routing between the secondary power pins on cross-domain cells and power sources</a:t>
+            </a:r>
+            <a:endParaRPr lang="zh-TW" altLang="en-US" dirty="0">
+              <a:solidFill>
+                <a:srgbClr val="FF0000"/>
+              </a:solidFill>
+              <a:latin typeface="+mj-lt"/>
+            </a:endParaRPr>
+          </a:p>
+        </p:txBody>
+      </p:sp>
+    </p:spTree>
+    <p:extLst>
+      <p:ext uri="{BB962C8B-B14F-4D97-AF65-F5344CB8AC3E}">
+        <p14:creationId xmlns:p14="http://schemas.microsoft.com/office/powerpoint/2010/main" val="3896077914"/>
+      </p:ext>
+    </p:extLst>
+  </p:cSld>
+  <p:clrMapOvr>
+    <a:masterClrMapping/>
+  </p:clrMapOvr>
+</p:sld>
+</file>
+
+<file path=ppt/slides/slide4.xml><?xml version="1.0" encoding="utf-8"?>
+<p:sld xmlns:a="http://schemas.openxmlformats.org/drawingml/2006/main" xmlns:r="http://schemas.openxmlformats.org/officeDocument/2006/relationships" xmlns:p="http://schemas.openxmlformats.org/presentationml/2006/main">
+  <p:cSld>
+    <p:spTree>
+      <p:nvGrpSpPr>
+        <p:cNvPr id="1" name=""/>
+        <p:cNvGrpSpPr/>
+        <p:nvPr/>
+      </p:nvGrpSpPr>
+      <p:grpSpPr>
+        <a:xfrm>
+          <a:off x="0" y="0"/>
+          <a:ext cx="0" cy="0"/>
+          <a:chOff x="0" y="0"/>
+          <a:chExt cx="0" cy="0"/>
+        </a:xfrm>
+      </p:grpSpPr>
+      <p:sp>
+        <p:nvSpPr>
+          <p:cNvPr id="2" name="標題 1">
+            <a:extLst>
+              <a:ext uri="{FF2B5EF4-FFF2-40B4-BE49-F238E27FC236}">
+                <a16:creationId xmlns:a16="http://schemas.microsoft.com/office/drawing/2014/main" id="{AE5CDEBA-F7CB-4423-D17F-78C9E7A6B544}"/>
+              </a:ext>
+            </a:extLst>
+          </p:cNvPr>
+          <p:cNvSpPr>
+            <a:spLocks noGrp="1"/>
+          </p:cNvSpPr>
+          <p:nvPr>
+            <p:ph type="title"/>
+          </p:nvPr>
+        </p:nvSpPr>
+        <p:spPr/>
+        <p:txBody>
+          <a:bodyPr/>
+          <a:lstStyle/>
+          <a:p>
+            <a:r>
+              <a:rPr lang="en-US" altLang="zh-TW" sz="4000" dirty="0">
+                <a:latin typeface="Times" panose="02020603050405020304" pitchFamily="18" charset="0"/>
+                <a:cs typeface="Times" panose="02020603050405020304" pitchFamily="18" charset="0"/>
+              </a:rPr>
+              <a:t>Introduction</a:t>
+            </a:r>
+            <a:endParaRPr lang="zh-TW" altLang="en-US" dirty="0">
+              <a:latin typeface="Times" panose="02020603050405020304" pitchFamily="18" charset="0"/>
+              <a:cs typeface="Times" panose="02020603050405020304" pitchFamily="18" charset="0"/>
+            </a:endParaRPr>
+          </a:p>
+        </p:txBody>
+      </p:sp>
+      <p:sp>
+        <p:nvSpPr>
+          <p:cNvPr id="3" name="內容版面配置區 2">
+            <a:extLst>
+              <a:ext uri="{FF2B5EF4-FFF2-40B4-BE49-F238E27FC236}">
+                <a16:creationId xmlns:a16="http://schemas.microsoft.com/office/drawing/2014/main" id="{2BF1C42E-208D-D375-D779-4FE5706E52D6}"/>
+              </a:ext>
+            </a:extLst>
+          </p:cNvPr>
+          <p:cNvSpPr>
+            <a:spLocks noGrp="1"/>
+          </p:cNvSpPr>
+          <p:nvPr>
+            <p:ph idx="1"/>
+          </p:nvPr>
+        </p:nvSpPr>
+        <p:spPr>
+          <a:xfrm>
+            <a:off x="838200" y="1620000"/>
+            <a:ext cx="10731366" cy="4895850"/>
+          </a:xfrm>
+        </p:spPr>
+        <p:txBody>
+          <a:bodyPr>
+            <a:normAutofit/>
+          </a:bodyPr>
+          <a:lstStyle/>
+          <a:p>
+            <a:pPr>
+              <a:lnSpc>
+                <a:spcPct val="150000"/>
+              </a:lnSpc>
+            </a:pPr>
+            <a:r>
+              <a:rPr lang="en-US" altLang="zh-TW" sz="2200" dirty="0"/>
+              <a:t>Primary power mesh occupies high layers</a:t>
+            </a:r>
+          </a:p>
+          <a:p>
+            <a:pPr lvl="1">
+              <a:lnSpc>
+                <a:spcPct val="150000"/>
+              </a:lnSpc>
+            </a:pPr>
+            <a:r>
+              <a:rPr lang="en-US" altLang="zh-TW" sz="1800" dirty="0"/>
+              <a:t>High layer vias are relatively large at advanced technology nodes.</a:t>
+            </a:r>
+          </a:p>
+          <a:p>
+            <a:pPr lvl="1">
+              <a:lnSpc>
+                <a:spcPct val="150000"/>
+              </a:lnSpc>
+            </a:pPr>
+            <a:r>
+              <a:rPr lang="en-US" altLang="zh-TW" sz="1800" dirty="0">
+                <a:latin typeface="+mj-lt"/>
+              </a:rPr>
+              <a:t>E</a:t>
+            </a:r>
+            <a:r>
+              <a:rPr lang="en-US" altLang="zh-TW" sz="1800" b="0" i="0" u="none" strike="noStrike" baseline="0" dirty="0">
+                <a:latin typeface="+mj-lt"/>
+              </a:rPr>
+              <a:t>ach of its stripes can offer a limited number of tapping vias.</a:t>
+            </a:r>
+          </a:p>
+          <a:p>
+            <a:pPr lvl="1">
+              <a:lnSpc>
+                <a:spcPct val="150000"/>
+              </a:lnSpc>
+            </a:pPr>
+            <a:endParaRPr lang="en-US" altLang="zh-TW" sz="100" b="0" i="0" u="none" strike="noStrike" baseline="0" dirty="0">
+              <a:latin typeface="+mj-lt"/>
+            </a:endParaRPr>
+          </a:p>
+          <a:p>
+            <a:pPr>
+              <a:lnSpc>
+                <a:spcPct val="125000"/>
+              </a:lnSpc>
+            </a:pPr>
+            <a:r>
+              <a:rPr lang="en-US" altLang="zh-TW" sz="2200" dirty="0">
+                <a:latin typeface="+mj-lt"/>
+              </a:rPr>
+              <a:t>If a secondary power pin is not tapped to the nearest power stripe due to limited tapping vias or local congestion.</a:t>
+            </a:r>
+          </a:p>
+          <a:p>
+            <a:pPr lvl="1">
+              <a:lnSpc>
+                <a:spcPct val="150000"/>
+              </a:lnSpc>
+            </a:pPr>
+            <a:r>
+              <a:rPr lang="en-US" altLang="zh-TW" sz="1800" dirty="0">
+                <a:latin typeface="+mj-lt"/>
+              </a:rPr>
+              <a:t>It will take a long connection to a distant stripe and in turn induce a </a:t>
+            </a:r>
+            <a:r>
+              <a:rPr lang="en-US" altLang="zh-TW" sz="1800" b="1" dirty="0">
+                <a:latin typeface="+mj-lt"/>
+              </a:rPr>
+              <a:t>severe IR drop </a:t>
+            </a:r>
+            <a:r>
+              <a:rPr lang="en-US" altLang="zh-TW" sz="1800" dirty="0">
+                <a:latin typeface="+mj-lt"/>
+              </a:rPr>
+              <a:t>due to high resistance.</a:t>
+            </a:r>
+          </a:p>
+        </p:txBody>
+      </p:sp>
+      <p:sp>
+        <p:nvSpPr>
+          <p:cNvPr id="4" name="投影片編號版面配置區 3">
+            <a:extLst>
+              <a:ext uri="{FF2B5EF4-FFF2-40B4-BE49-F238E27FC236}">
+                <a16:creationId xmlns:a16="http://schemas.microsoft.com/office/drawing/2014/main" id="{75FE7E51-3153-478A-D8A4-7E30B3D4AF4C}"/>
+              </a:ext>
+            </a:extLst>
+          </p:cNvPr>
+          <p:cNvSpPr>
+            <a:spLocks noGrp="1"/>
+          </p:cNvSpPr>
+          <p:nvPr>
+            <p:ph type="sldNum" sz="quarter" idx="12"/>
+          </p:nvPr>
+        </p:nvSpPr>
+        <p:spPr/>
+        <p:txBody>
+          <a:bodyPr/>
+          <a:lstStyle/>
+          <a:p>
+            <a:fld id="{666274A1-CF9C-426A-8DD4-B13ED0C24231}" type="slidenum">
+              <a:rPr lang="en-US" smtClean="0"/>
+              <a:t>3</a:t>
+            </a:fld>
+            <a:endParaRPr lang="en-US"/>
+          </a:p>
+        </p:txBody>
+      </p:sp>
+      <p:pic>
+        <p:nvPicPr>
+          <p:cNvPr id="10" name="圖片 9">
+            <a:extLst>
+              <a:ext uri="{FF2B5EF4-FFF2-40B4-BE49-F238E27FC236}">
+                <a16:creationId xmlns:a16="http://schemas.microsoft.com/office/drawing/2014/main" id="{21430BEC-8916-1418-4902-A39A25AAF04C}"/>
+              </a:ext>
+            </a:extLst>
+          </p:cNvPr>
+          <p:cNvPicPr>
+            <a:picLocks noChangeAspect="1"/>
+          </p:cNvPicPr>
+          <p:nvPr/>
+        </p:nvPicPr>
+        <p:blipFill rotWithShape="1">
+          <a:blip r:embed="rId3"/>
+          <a:srcRect r="50134" b="28609"/>
+          <a:stretch/>
+        </p:blipFill>
+        <p:spPr>
+          <a:xfrm>
+            <a:off x="1126958" y="4945286"/>
+            <a:ext cx="3493167" cy="1912714"/>
+          </a:xfrm>
+          <a:prstGeom prst="rect">
+            <a:avLst/>
+          </a:prstGeom>
+        </p:spPr>
+      </p:pic>
+      <p:pic>
+        <p:nvPicPr>
+          <p:cNvPr id="17" name="圖片 16">
+            <a:extLst>
+              <a:ext uri="{FF2B5EF4-FFF2-40B4-BE49-F238E27FC236}">
+                <a16:creationId xmlns:a16="http://schemas.microsoft.com/office/drawing/2014/main" id="{81D71470-4A0F-E891-E1D2-1362615FCC80}"/>
+              </a:ext>
+            </a:extLst>
+          </p:cNvPr>
+          <p:cNvPicPr>
+            <a:picLocks noChangeAspect="1"/>
+          </p:cNvPicPr>
+          <p:nvPr/>
+        </p:nvPicPr>
+        <p:blipFill rotWithShape="1">
+          <a:blip r:embed="rId3"/>
+          <a:srcRect t="70439"/>
+          <a:stretch/>
+        </p:blipFill>
+        <p:spPr>
+          <a:xfrm>
+            <a:off x="5238949" y="5847090"/>
+            <a:ext cx="5711792" cy="645785"/>
+          </a:xfrm>
+          <a:prstGeom prst="rect">
+            <a:avLst/>
+          </a:prstGeom>
+        </p:spPr>
+      </p:pic>
+    </p:spTree>
+    <p:extLst>
+      <p:ext uri="{BB962C8B-B14F-4D97-AF65-F5344CB8AC3E}">
+        <p14:creationId xmlns:p14="http://schemas.microsoft.com/office/powerpoint/2010/main" val="4204101419"/>
+      </p:ext>
+    </p:extLst>
+  </p:cSld>
+  <p:clrMapOvr>
+    <a:masterClrMapping/>
+  </p:clrMapOvr>
+</p:sld>
+</file>
+
+<file path=ppt/slides/slide5.xml><?xml version="1.0" encoding="utf-8"?>
+<p:sld xmlns:a="http://schemas.openxmlformats.org/drawingml/2006/main" xmlns:r="http://schemas.openxmlformats.org/officeDocument/2006/relationships" xmlns:p="http://schemas.openxmlformats.org/presentationml/2006/main">
+  <p:cSld>
+    <p:spTree>
+      <p:nvGrpSpPr>
+        <p:cNvPr id="1" name=""/>
+        <p:cNvGrpSpPr/>
+        <p:nvPr/>
+      </p:nvGrpSpPr>
+      <p:grpSpPr>
+        <a:xfrm>
+          <a:off x="0" y="0"/>
+          <a:ext cx="0" cy="0"/>
+          <a:chOff x="0" y="0"/>
+          <a:chExt cx="0" cy="0"/>
+        </a:xfrm>
+      </p:grpSpPr>
+      <p:sp>
+        <p:nvSpPr>
+          <p:cNvPr id="2" name="標題 1">
+            <a:extLst>
+              <a:ext uri="{FF2B5EF4-FFF2-40B4-BE49-F238E27FC236}">
+                <a16:creationId xmlns:a16="http://schemas.microsoft.com/office/drawing/2014/main" id="{8E0AE47E-DCA4-8061-AF0F-9D3A4E488605}"/>
+              </a:ext>
+            </a:extLst>
+          </p:cNvPr>
+          <p:cNvSpPr>
+            <a:spLocks noGrp="1"/>
+          </p:cNvSpPr>
+          <p:nvPr>
+            <p:ph type="title"/>
+          </p:nvPr>
+        </p:nvSpPr>
+        <p:spPr/>
+        <p:txBody>
+          <a:bodyPr/>
+          <a:lstStyle/>
+          <a:p>
+            <a:r>
+              <a:rPr lang="en-US" altLang="zh-TW" sz="4000" dirty="0"/>
+              <a:t>Introduction</a:t>
+            </a:r>
+            <a:endParaRPr lang="zh-TW" altLang="en-US" dirty="0"/>
+          </a:p>
+        </p:txBody>
+      </p:sp>
+      <p:sp>
+        <p:nvSpPr>
+          <p:cNvPr id="3" name="內容版面配置區 2">
+            <a:extLst>
+              <a:ext uri="{FF2B5EF4-FFF2-40B4-BE49-F238E27FC236}">
+                <a16:creationId xmlns:a16="http://schemas.microsoft.com/office/drawing/2014/main" id="{0E2CE92E-D6E6-CBF1-0EE0-EA0705A30CA8}"/>
+              </a:ext>
+            </a:extLst>
+          </p:cNvPr>
+          <p:cNvSpPr>
+            <a:spLocks noGrp="1"/>
+          </p:cNvSpPr>
+          <p:nvPr>
+            <p:ph idx="1"/>
+          </p:nvPr>
+        </p:nvSpPr>
+        <p:spPr/>
+        <p:txBody>
+          <a:bodyPr>
+            <a:normAutofit/>
+          </a:bodyPr>
+          <a:lstStyle/>
+          <a:p>
+            <a:pPr>
+              <a:lnSpc>
+                <a:spcPct val="150000"/>
+              </a:lnSpc>
+            </a:pPr>
+            <a:r>
+              <a:rPr lang="en-US" altLang="zh-TW" sz="2200" dirty="0"/>
+              <a:t>To resolve the issue, a local power sub-mesh can be constructed on lower layers.</a:t>
+            </a:r>
+          </a:p>
+          <a:p>
+            <a:pPr lvl="1">
+              <a:lnSpc>
+                <a:spcPct val="150000"/>
+              </a:lnSpc>
+            </a:pPr>
+            <a:r>
+              <a:rPr lang="en-US" altLang="zh-TW" sz="1800" dirty="0"/>
+              <a:t>Provides smaller and more tapping vias.</a:t>
+            </a:r>
+          </a:p>
+          <a:p>
+            <a:pPr lvl="1">
+              <a:lnSpc>
+                <a:spcPct val="150000"/>
+              </a:lnSpc>
+            </a:pPr>
+            <a:r>
+              <a:rPr lang="en-US" altLang="zh-TW" sz="1800" dirty="0"/>
+              <a:t>Avoids long connections and maintains low resistance.</a:t>
+            </a:r>
+          </a:p>
+          <a:p>
+            <a:pPr>
+              <a:lnSpc>
+                <a:spcPct val="150000"/>
+              </a:lnSpc>
+            </a:pPr>
+            <a:endParaRPr lang="zh-TW" altLang="en-US" sz="2200" dirty="0"/>
+          </a:p>
+        </p:txBody>
+      </p:sp>
+      <p:sp>
+        <p:nvSpPr>
+          <p:cNvPr id="4" name="投影片編號版面配置區 3">
+            <a:extLst>
+              <a:ext uri="{FF2B5EF4-FFF2-40B4-BE49-F238E27FC236}">
+                <a16:creationId xmlns:a16="http://schemas.microsoft.com/office/drawing/2014/main" id="{128CE170-2858-5584-3791-D300548BD988}"/>
+              </a:ext>
+            </a:extLst>
+          </p:cNvPr>
+          <p:cNvSpPr>
+            <a:spLocks noGrp="1"/>
+          </p:cNvSpPr>
+          <p:nvPr>
+            <p:ph type="sldNum" sz="quarter" idx="12"/>
+          </p:nvPr>
+        </p:nvSpPr>
+        <p:spPr/>
+        <p:txBody>
+          <a:bodyPr/>
+          <a:lstStyle/>
+          <a:p>
+            <a:fld id="{666274A1-CF9C-426A-8DD4-B13ED0C24231}" type="slidenum">
+              <a:rPr lang="en-US" smtClean="0"/>
+              <a:t>4</a:t>
+            </a:fld>
+            <a:endParaRPr lang="en-US"/>
+          </a:p>
+        </p:txBody>
+      </p:sp>
+      <p:pic>
+        <p:nvPicPr>
+          <p:cNvPr id="5" name="圖片 4">
+            <a:extLst>
+              <a:ext uri="{FF2B5EF4-FFF2-40B4-BE49-F238E27FC236}">
+                <a16:creationId xmlns:a16="http://schemas.microsoft.com/office/drawing/2014/main" id="{D8D9E943-C5BC-4083-F39F-B6EECA35EBCA}"/>
+              </a:ext>
+            </a:extLst>
+          </p:cNvPr>
+          <p:cNvPicPr>
+            <a:picLocks noChangeAspect="1"/>
+          </p:cNvPicPr>
+          <p:nvPr/>
+        </p:nvPicPr>
+        <p:blipFill>
+          <a:blip r:embed="rId2"/>
+          <a:stretch>
+            <a:fillRect/>
+          </a:stretch>
+        </p:blipFill>
+        <p:spPr>
+          <a:xfrm>
+            <a:off x="2446220" y="3700993"/>
+            <a:ext cx="7299560" cy="2791882"/>
+          </a:xfrm>
+          <a:prstGeom prst="rect">
+            <a:avLst/>
+          </a:prstGeom>
+        </p:spPr>
+      </p:pic>
+    </p:spTree>
+    <p:extLst>
+      <p:ext uri="{BB962C8B-B14F-4D97-AF65-F5344CB8AC3E}">
+        <p14:creationId xmlns:p14="http://schemas.microsoft.com/office/powerpoint/2010/main" val="3683025572"/>
+      </p:ext>
+    </p:extLst>
+  </p:cSld>
+  <p:clrMapOvr>
+    <a:masterClrMapping/>
+  </p:clrMapOvr>
+</p:sld>
+</file>
+
+<file path=ppt/slides/slide6.xml><?xml version="1.0" encoding="utf-8"?>
+<p:sld xmlns:a="http://schemas.openxmlformats.org/drawingml/2006/main" xmlns:r="http://schemas.openxmlformats.org/officeDocument/2006/relationships" xmlns:p="http://schemas.openxmlformats.org/presentationml/2006/main">
+  <p:cSld>
+    <p:spTree>
+      <p:nvGrpSpPr>
+        <p:cNvPr id="1" name=""/>
+        <p:cNvGrpSpPr/>
+        <p:nvPr/>
+      </p:nvGrpSpPr>
+      <p:grpSpPr>
+        <a:xfrm>
+          <a:off x="0" y="0"/>
+          <a:ext cx="0" cy="0"/>
+          <a:chOff x="0" y="0"/>
+          <a:chExt cx="0" cy="0"/>
+        </a:xfrm>
+      </p:grpSpPr>
+      <p:sp>
+        <p:nvSpPr>
+          <p:cNvPr id="2" name="標題 1">
+            <a:extLst>
+              <a:ext uri="{FF2B5EF4-FFF2-40B4-BE49-F238E27FC236}">
+                <a16:creationId xmlns:a16="http://schemas.microsoft.com/office/drawing/2014/main" id="{540C1AE1-8881-03D6-83F3-A715DB3E6C73}"/>
+              </a:ext>
+            </a:extLst>
+          </p:cNvPr>
+          <p:cNvSpPr>
+            <a:spLocks noGrp="1"/>
+          </p:cNvSpPr>
+          <p:nvPr>
+            <p:ph type="title"/>
+          </p:nvPr>
+        </p:nvSpPr>
+        <p:spPr/>
+        <p:txBody>
+          <a:bodyPr/>
+          <a:lstStyle/>
+          <a:p>
+            <a:r>
+              <a:rPr lang="en-US" altLang="zh-TW" sz="4000" dirty="0"/>
+              <a:t>Introduction</a:t>
+            </a:r>
+            <a:endParaRPr lang="zh-TW" altLang="en-US" dirty="0"/>
+          </a:p>
+        </p:txBody>
+      </p:sp>
+      <p:sp>
+        <p:nvSpPr>
+          <p:cNvPr id="3" name="內容版面配置區 2">
+            <a:extLst>
+              <a:ext uri="{FF2B5EF4-FFF2-40B4-BE49-F238E27FC236}">
+                <a16:creationId xmlns:a16="http://schemas.microsoft.com/office/drawing/2014/main" id="{B8187782-33D6-607B-2699-26F99D42AB6B}"/>
+              </a:ext>
+            </a:extLst>
+          </p:cNvPr>
+          <p:cNvSpPr>
+            <a:spLocks noGrp="1"/>
+          </p:cNvSpPr>
+          <p:nvPr>
+            <p:ph idx="1"/>
+          </p:nvPr>
+        </p:nvSpPr>
+        <p:spPr/>
+        <p:txBody>
+          <a:bodyPr>
+            <a:normAutofit/>
+          </a:bodyPr>
+          <a:lstStyle/>
+          <a:p>
+            <a:r>
+              <a:rPr lang="en-US" altLang="zh-TW" sz="2200" dirty="0"/>
+              <a:t>Cross-domain cells are irregularly distributed in a layout.</a:t>
+            </a:r>
+            <a:endParaRPr lang="zh-TW" altLang="en-US" sz="2200" dirty="0"/>
+          </a:p>
+        </p:txBody>
+      </p:sp>
+      <p:sp>
+        <p:nvSpPr>
+          <p:cNvPr id="4" name="投影片編號版面配置區 3">
+            <a:extLst>
+              <a:ext uri="{FF2B5EF4-FFF2-40B4-BE49-F238E27FC236}">
+                <a16:creationId xmlns:a16="http://schemas.microsoft.com/office/drawing/2014/main" id="{47FCB0DF-5B03-7C1A-EA80-43D050A04FE5}"/>
+              </a:ext>
+            </a:extLst>
+          </p:cNvPr>
+          <p:cNvSpPr>
+            <a:spLocks noGrp="1"/>
+          </p:cNvSpPr>
+          <p:nvPr>
+            <p:ph type="sldNum" sz="quarter" idx="12"/>
+          </p:nvPr>
+        </p:nvSpPr>
+        <p:spPr/>
+        <p:txBody>
+          <a:bodyPr/>
+          <a:lstStyle/>
+          <a:p>
+            <a:fld id="{666274A1-CF9C-426A-8DD4-B13ED0C24231}" type="slidenum">
+              <a:rPr lang="en-US" smtClean="0"/>
+              <a:t>5</a:t>
+            </a:fld>
+            <a:endParaRPr lang="en-US"/>
+          </a:p>
+        </p:txBody>
+      </p:sp>
+      <p:pic>
+        <p:nvPicPr>
+          <p:cNvPr id="8" name="圖片 7">
+            <a:extLst>
+              <a:ext uri="{FF2B5EF4-FFF2-40B4-BE49-F238E27FC236}">
+                <a16:creationId xmlns:a16="http://schemas.microsoft.com/office/drawing/2014/main" id="{6EC73C34-9E04-F16B-2B94-1D7D8666D2DD}"/>
+              </a:ext>
+            </a:extLst>
+          </p:cNvPr>
+          <p:cNvPicPr>
+            <a:picLocks noChangeAspect="1"/>
+          </p:cNvPicPr>
+          <p:nvPr/>
+        </p:nvPicPr>
+        <p:blipFill>
+          <a:blip r:embed="rId3"/>
+          <a:stretch>
+            <a:fillRect/>
+          </a:stretch>
+        </p:blipFill>
+        <p:spPr>
+          <a:xfrm>
+            <a:off x="1124551" y="3005488"/>
+            <a:ext cx="9942897" cy="2810944"/>
+          </a:xfrm>
+          <a:prstGeom prst="rect">
+            <a:avLst/>
+          </a:prstGeom>
+        </p:spPr>
+      </p:pic>
+    </p:spTree>
+    <p:extLst>
+      <p:ext uri="{BB962C8B-B14F-4D97-AF65-F5344CB8AC3E}">
+        <p14:creationId xmlns:p14="http://schemas.microsoft.com/office/powerpoint/2010/main" val="4227509719"/>
+      </p:ext>
+    </p:extLst>
+  </p:cSld>
+  <p:clrMapOvr>
+    <a:masterClrMapping/>
+  </p:clrMapOvr>
+</p:sld>
+</file>
+
+<file path=ppt/slides/slide7.xml><?xml version="1.0" encoding="utf-8"?>
+<p:sld xmlns:a="http://schemas.openxmlformats.org/drawingml/2006/main" xmlns:r="http://schemas.openxmlformats.org/officeDocument/2006/relationships" xmlns:p="http://schemas.openxmlformats.org/presentationml/2006/main">
+  <p:cSld>
+    <p:spTree>
+      <p:nvGrpSpPr>
+        <p:cNvPr id="1" name=""/>
+        <p:cNvGrpSpPr/>
+        <p:nvPr/>
+      </p:nvGrpSpPr>
+      <p:grpSpPr>
+        <a:xfrm>
+          <a:off x="0" y="0"/>
+          <a:ext cx="0" cy="0"/>
+          <a:chOff x="0" y="0"/>
+          <a:chExt cx="0" cy="0"/>
+        </a:xfrm>
+      </p:grpSpPr>
+      <p:sp>
+        <p:nvSpPr>
+          <p:cNvPr id="2" name="標題 1">
+            <a:extLst>
+              <a:ext uri="{FF2B5EF4-FFF2-40B4-BE49-F238E27FC236}">
+                <a16:creationId xmlns:a16="http://schemas.microsoft.com/office/drawing/2014/main" id="{AE5CDEBA-F7CB-4423-D17F-78C9E7A6B544}"/>
+              </a:ext>
+            </a:extLst>
+          </p:cNvPr>
+          <p:cNvSpPr>
+            <a:spLocks noGrp="1"/>
+          </p:cNvSpPr>
+          <p:nvPr>
+            <p:ph type="title"/>
+          </p:nvPr>
+        </p:nvSpPr>
+        <p:spPr/>
+        <p:txBody>
+          <a:bodyPr/>
+          <a:lstStyle/>
+          <a:p>
+            <a:r>
+              <a:rPr lang="en-US" altLang="zh-TW" sz="4000" dirty="0">
+                <a:latin typeface="Times" panose="02020603050405020304" pitchFamily="18" charset="0"/>
+                <a:cs typeface="Times" panose="02020603050405020304" pitchFamily="18" charset="0"/>
+              </a:rPr>
+              <a:t>Introduction</a:t>
+            </a:r>
+            <a:endParaRPr lang="zh-TW" altLang="en-US" dirty="0">
+              <a:latin typeface="Times" panose="02020603050405020304" pitchFamily="18" charset="0"/>
+              <a:cs typeface="Times" panose="02020603050405020304" pitchFamily="18" charset="0"/>
+            </a:endParaRPr>
+          </a:p>
+        </p:txBody>
+      </p:sp>
+      <p:sp>
+        <p:nvSpPr>
+          <p:cNvPr id="3" name="內容版面配置區 2">
+            <a:extLst>
+              <a:ext uri="{FF2B5EF4-FFF2-40B4-BE49-F238E27FC236}">
+                <a16:creationId xmlns:a16="http://schemas.microsoft.com/office/drawing/2014/main" id="{2BF1C42E-208D-D375-D779-4FE5706E52D6}"/>
+              </a:ext>
+            </a:extLst>
+          </p:cNvPr>
+          <p:cNvSpPr>
+            <a:spLocks noGrp="1"/>
+          </p:cNvSpPr>
+          <p:nvPr>
+            <p:ph idx="1"/>
+          </p:nvPr>
+        </p:nvSpPr>
+        <p:spPr>
+          <a:xfrm>
+            <a:off x="838200" y="1620000"/>
+            <a:ext cx="10515600" cy="4895850"/>
+          </a:xfrm>
+        </p:spPr>
+        <p:txBody>
+          <a:bodyPr>
+            <a:normAutofit/>
+          </a:bodyPr>
+          <a:lstStyle/>
+          <a:p>
+            <a:pPr>
+              <a:lnSpc>
+                <a:spcPct val="150000"/>
+              </a:lnSpc>
+            </a:pPr>
+            <a:r>
+              <a:rPr lang="en-US" altLang="zh-TW" sz="2200" dirty="0"/>
+              <a:t>Starts with a full sub-mesh with the best IR drop, and repeatedly removes unnecessary sub-meshes.</a:t>
+            </a:r>
+          </a:p>
+          <a:p>
+            <a:pPr lvl="1">
+              <a:lnSpc>
+                <a:spcPct val="150000"/>
+              </a:lnSpc>
+            </a:pPr>
+            <a:r>
+              <a:rPr lang="en-US" altLang="zh-TW" sz="1800" dirty="0"/>
+              <a:t>Until the IR drop constraint cannot be satisfied.</a:t>
+            </a:r>
+          </a:p>
+          <a:p>
+            <a:pPr lvl="1">
+              <a:lnSpc>
+                <a:spcPct val="150000"/>
+              </a:lnSpc>
+            </a:pPr>
+            <a:r>
+              <a:rPr lang="en-US" altLang="zh-TW" sz="1800" dirty="0"/>
+              <a:t>While the IR drop analysis in each iteration is time-consuming.</a:t>
+            </a:r>
+          </a:p>
+          <a:p>
+            <a:pPr lvl="1">
+              <a:lnSpc>
+                <a:spcPct val="150000"/>
+              </a:lnSpc>
+            </a:pPr>
+            <a:endParaRPr lang="en-US" altLang="zh-TW" sz="100" dirty="0"/>
+          </a:p>
+          <a:p>
+            <a:pPr>
+              <a:lnSpc>
+                <a:spcPct val="150000"/>
+              </a:lnSpc>
+            </a:pPr>
+            <a:r>
+              <a:rPr lang="en-US" altLang="zh-TW" sz="2200" dirty="0"/>
+              <a:t>They train two models under power sub-meshes of various densities.</a:t>
+            </a:r>
+          </a:p>
+          <a:p>
+            <a:pPr lvl="1">
+              <a:lnSpc>
+                <a:spcPct val="150000"/>
+              </a:lnSpc>
+            </a:pPr>
+            <a:r>
+              <a:rPr lang="en-US" altLang="zh-TW" sz="1800" dirty="0"/>
+              <a:t>IR drop prediction model</a:t>
+            </a:r>
+          </a:p>
+          <a:p>
+            <a:pPr lvl="1">
+              <a:lnSpc>
+                <a:spcPct val="150000"/>
+              </a:lnSpc>
+            </a:pPr>
+            <a:r>
+              <a:rPr lang="en-US" altLang="zh-TW" sz="1800" dirty="0"/>
+              <a:t>Design rule violation prediction model</a:t>
+            </a:r>
+          </a:p>
+          <a:p>
+            <a:pPr lvl="1">
+              <a:lnSpc>
+                <a:spcPct val="150000"/>
+              </a:lnSpc>
+            </a:pPr>
+            <a:endParaRPr lang="en-US" altLang="zh-TW" sz="100" dirty="0"/>
+          </a:p>
+          <a:p>
+            <a:pPr>
+              <a:lnSpc>
+                <a:spcPct val="125000"/>
+              </a:lnSpc>
+            </a:pPr>
+            <a:r>
+              <a:rPr lang="en-US" altLang="zh-TW" sz="2200" dirty="0"/>
+              <a:t>The trained models effectively guide sub-mesh construction for cross-domain cells to budget the routing resource usage on secondary power routing and signal routing.</a:t>
+            </a:r>
+          </a:p>
+          <a:p>
+            <a:pPr>
+              <a:lnSpc>
+                <a:spcPct val="150000"/>
+              </a:lnSpc>
+            </a:pPr>
+            <a:endParaRPr lang="en-US" altLang="zh-TW" sz="2200" dirty="0"/>
+          </a:p>
+        </p:txBody>
+      </p:sp>
+      <p:sp>
+        <p:nvSpPr>
+          <p:cNvPr id="4" name="投影片編號版面配置區 3">
+            <a:extLst>
+              <a:ext uri="{FF2B5EF4-FFF2-40B4-BE49-F238E27FC236}">
+                <a16:creationId xmlns:a16="http://schemas.microsoft.com/office/drawing/2014/main" id="{75FE7E51-3153-478A-D8A4-7E30B3D4AF4C}"/>
+              </a:ext>
+            </a:extLst>
+          </p:cNvPr>
+          <p:cNvSpPr>
+            <a:spLocks noGrp="1"/>
+          </p:cNvSpPr>
+          <p:nvPr>
+            <p:ph type="sldNum" sz="quarter" idx="12"/>
+          </p:nvPr>
+        </p:nvSpPr>
+        <p:spPr/>
+        <p:txBody>
+          <a:bodyPr/>
+          <a:lstStyle/>
+          <a:p>
+            <a:fld id="{666274A1-CF9C-426A-8DD4-B13ED0C24231}" type="slidenum">
+              <a:rPr lang="en-US" smtClean="0"/>
+              <a:t>6</a:t>
+            </a:fld>
+            <a:endParaRPr lang="en-US"/>
+          </a:p>
+        </p:txBody>
+      </p:sp>
+    </p:spTree>
+    <p:extLst>
+      <p:ext uri="{BB962C8B-B14F-4D97-AF65-F5344CB8AC3E}">
+        <p14:creationId xmlns:p14="http://schemas.microsoft.com/office/powerpoint/2010/main" val="3288152618"/>
+      </p:ext>
+    </p:extLst>
+  </p:cSld>
+  <p:clrMapOvr>
+    <a:masterClrMapping/>
+  </p:clrMapOvr>
+</p:sld>
+</file>
+
+<file path=ppt/slides/slide8.xml><?xml version="1.0" encoding="utf-8"?>
+<p:sld xmlns:a="http://schemas.openxmlformats.org/drawingml/2006/main" xmlns:r="http://schemas.openxmlformats.org/officeDocument/2006/relationships" xmlns:p="http://schemas.openxmlformats.org/presentationml/2006/main">
+  <p:cSld>
+    <p:spTree>
+      <p:nvGrpSpPr>
+        <p:cNvPr id="1" name=""/>
+        <p:cNvGrpSpPr/>
+        <p:nvPr/>
+      </p:nvGrpSpPr>
+      <p:grpSpPr>
+        <a:xfrm>
+          <a:off x="0" y="0"/>
+          <a:ext cx="0" cy="0"/>
+          <a:chOff x="0" y="0"/>
+          <a:chExt cx="0" cy="0"/>
+        </a:xfrm>
+      </p:grpSpPr>
+      <p:sp>
+        <p:nvSpPr>
+          <p:cNvPr id="2" name="標題 1">
+            <a:extLst>
+              <a:ext uri="{FF2B5EF4-FFF2-40B4-BE49-F238E27FC236}">
+                <a16:creationId xmlns:a16="http://schemas.microsoft.com/office/drawing/2014/main" id="{AE5CDEBA-F7CB-4423-D17F-78C9E7A6B544}"/>
+              </a:ext>
+            </a:extLst>
+          </p:cNvPr>
+          <p:cNvSpPr>
+            <a:spLocks noGrp="1"/>
+          </p:cNvSpPr>
+          <p:nvPr>
+            <p:ph type="title"/>
+          </p:nvPr>
+        </p:nvSpPr>
+        <p:spPr/>
+        <p:txBody>
+          <a:bodyPr/>
+          <a:lstStyle/>
+          <a:p>
+            <a:r>
+              <a:rPr lang="en-US" altLang="zh-TW" sz="4000" dirty="0">
+                <a:latin typeface="Times" panose="02020603050405020304" pitchFamily="18" charset="0"/>
+                <a:cs typeface="Times" panose="02020603050405020304" pitchFamily="18" charset="0"/>
+              </a:rPr>
+              <a:t>Preliminaries</a:t>
+            </a:r>
+            <a:endParaRPr lang="zh-TW" altLang="en-US" dirty="0">
+              <a:latin typeface="Times" panose="02020603050405020304" pitchFamily="18" charset="0"/>
+              <a:cs typeface="Times" panose="02020603050405020304" pitchFamily="18" charset="0"/>
+            </a:endParaRPr>
+          </a:p>
+        </p:txBody>
+      </p:sp>
+      <p:sp>
+        <p:nvSpPr>
+          <p:cNvPr id="3" name="內容版面配置區 2">
+            <a:extLst>
+              <a:ext uri="{FF2B5EF4-FFF2-40B4-BE49-F238E27FC236}">
+                <a16:creationId xmlns:a16="http://schemas.microsoft.com/office/drawing/2014/main" id="{2BF1C42E-208D-D375-D779-4FE5706E52D6}"/>
+              </a:ext>
+            </a:extLst>
+          </p:cNvPr>
+          <p:cNvSpPr>
+            <a:spLocks noGrp="1"/>
+          </p:cNvSpPr>
+          <p:nvPr>
+            <p:ph idx="1"/>
+          </p:nvPr>
+        </p:nvSpPr>
+        <p:spPr>
+          <a:xfrm>
+            <a:off x="838200" y="1619999"/>
+            <a:ext cx="10515600" cy="5101475"/>
+          </a:xfrm>
+        </p:spPr>
+        <p:txBody>
+          <a:bodyPr>
+            <a:normAutofit/>
+          </a:bodyPr>
+          <a:lstStyle/>
+          <a:p>
+            <a:pPr>
+              <a:lnSpc>
+                <a:spcPct val="150000"/>
+              </a:lnSpc>
+            </a:pPr>
+            <a:r>
+              <a:rPr lang="en-US" altLang="zh-TW" sz="2200" dirty="0">
+                <a:latin typeface="+mj-lt"/>
+              </a:rPr>
+              <a:t>Power Domain</a:t>
+            </a:r>
+          </a:p>
+          <a:p>
+            <a:pPr lvl="1">
+              <a:lnSpc>
+                <a:spcPct val="150000"/>
+              </a:lnSpc>
+            </a:pPr>
+            <a:r>
+              <a:rPr lang="en-US" altLang="zh-TW" sz="1800" dirty="0">
+                <a:latin typeface="+mj-lt"/>
+              </a:rPr>
+              <a:t>A collection of cells that use the same power supply during normal operation.</a:t>
+            </a:r>
+          </a:p>
+          <a:p>
+            <a:pPr lvl="1">
+              <a:lnSpc>
+                <a:spcPct val="150000"/>
+              </a:lnSpc>
+            </a:pPr>
+            <a:r>
+              <a:rPr lang="en-US" altLang="zh-TW" sz="1800" dirty="0">
+                <a:latin typeface="+mj-lt"/>
+              </a:rPr>
+              <a:t>Can be switched on or off at the same time.</a:t>
+            </a:r>
+          </a:p>
+          <a:p>
+            <a:pPr lvl="1">
+              <a:lnSpc>
+                <a:spcPct val="150000"/>
+              </a:lnSpc>
+            </a:pPr>
+            <a:endParaRPr lang="en-US" altLang="zh-TW" sz="100" dirty="0">
+              <a:latin typeface="+mj-lt"/>
+            </a:endParaRPr>
+          </a:p>
+          <a:p>
+            <a:pPr>
+              <a:lnSpc>
+                <a:spcPct val="150000"/>
+              </a:lnSpc>
+            </a:pPr>
+            <a:r>
+              <a:rPr lang="en-US" altLang="zh-TW" sz="2200" dirty="0">
+                <a:latin typeface="+mj-lt"/>
+              </a:rPr>
+              <a:t>There are numerous multiple power domain cells (cross domain cells)</a:t>
+            </a:r>
+          </a:p>
+          <a:p>
+            <a:pPr lvl="1">
+              <a:lnSpc>
+                <a:spcPct val="150000"/>
+              </a:lnSpc>
+            </a:pPr>
+            <a:r>
+              <a:rPr lang="en-US" altLang="zh-TW" sz="1800" dirty="0">
+                <a:latin typeface="+mj-lt"/>
+              </a:rPr>
+              <a:t>Always-on buffers/inverters, retention flip-flops, isolation cells.</a:t>
+            </a:r>
+          </a:p>
+          <a:p>
+            <a:pPr lvl="1">
+              <a:lnSpc>
+                <a:spcPct val="150000"/>
+              </a:lnSpc>
+            </a:pPr>
+            <a:r>
+              <a:rPr lang="en-US" altLang="zh-TW" sz="1800" dirty="0">
+                <a:latin typeface="+mj-lt"/>
+              </a:rPr>
+              <a:t>There pins called secondary power pin.</a:t>
+            </a:r>
+          </a:p>
+          <a:p>
+            <a:pPr lvl="1">
+              <a:lnSpc>
+                <a:spcPct val="150000"/>
+              </a:lnSpc>
+            </a:pPr>
+            <a:endParaRPr lang="en-US" altLang="zh-TW" sz="100" dirty="0">
+              <a:latin typeface="+mj-lt"/>
+            </a:endParaRPr>
+          </a:p>
+          <a:p>
+            <a:pPr>
+              <a:lnSpc>
+                <a:spcPct val="150000"/>
+              </a:lnSpc>
+            </a:pPr>
+            <a:r>
+              <a:rPr lang="en-US" altLang="zh-TW" sz="2200" dirty="0">
+                <a:latin typeface="+mj-lt"/>
+              </a:rPr>
+              <a:t>There are 2 types of power source for a cross-domain cell</a:t>
+            </a:r>
+          </a:p>
+          <a:p>
+            <a:pPr lvl="1">
+              <a:lnSpc>
+                <a:spcPct val="150000"/>
+              </a:lnSpc>
+            </a:pPr>
+            <a:r>
+              <a:rPr lang="en-US" altLang="zh-TW" sz="1800" u="sng" dirty="0">
+                <a:latin typeface="+mj-lt"/>
+              </a:rPr>
+              <a:t>Direct supply</a:t>
+            </a:r>
+            <a:r>
+              <a:rPr lang="en-US" altLang="zh-TW" sz="1800" dirty="0">
+                <a:latin typeface="+mj-lt"/>
+              </a:rPr>
+              <a:t>:    primary power mesh directly supplies power to the cross-domain cells.</a:t>
+            </a:r>
+          </a:p>
+          <a:p>
+            <a:pPr lvl="1">
+              <a:lnSpc>
+                <a:spcPct val="150000"/>
+              </a:lnSpc>
+            </a:pPr>
+            <a:r>
+              <a:rPr lang="en-US" altLang="zh-TW" sz="1800" u="sng" dirty="0">
+                <a:latin typeface="+mj-lt"/>
+              </a:rPr>
+              <a:t>Indirect supply</a:t>
+            </a:r>
+            <a:r>
+              <a:rPr lang="en-US" altLang="zh-TW" sz="1800" dirty="0">
+                <a:latin typeface="+mj-lt"/>
+              </a:rPr>
+              <a:t>:  power gating cell (MTCMOS), level shifter.</a:t>
+            </a:r>
+          </a:p>
+          <a:p>
+            <a:pPr lvl="1">
+              <a:lnSpc>
+                <a:spcPct val="150000"/>
+              </a:lnSpc>
+            </a:pPr>
+            <a:endParaRPr lang="en-US" altLang="zh-TW" sz="1800" dirty="0">
+              <a:latin typeface="+mj-lt"/>
+            </a:endParaRPr>
+          </a:p>
+        </p:txBody>
+      </p:sp>
+      <p:sp>
+        <p:nvSpPr>
+          <p:cNvPr id="4" name="投影片編號版面配置區 3">
+            <a:extLst>
+              <a:ext uri="{FF2B5EF4-FFF2-40B4-BE49-F238E27FC236}">
+                <a16:creationId xmlns:a16="http://schemas.microsoft.com/office/drawing/2014/main" id="{75FE7E51-3153-478A-D8A4-7E30B3D4AF4C}"/>
+              </a:ext>
+            </a:extLst>
+          </p:cNvPr>
+          <p:cNvSpPr>
+            <a:spLocks noGrp="1"/>
+          </p:cNvSpPr>
+          <p:nvPr>
+            <p:ph type="sldNum" sz="quarter" idx="12"/>
+          </p:nvPr>
+        </p:nvSpPr>
+        <p:spPr/>
+        <p:txBody>
+          <a:bodyPr/>
+          <a:lstStyle/>
+          <a:p>
+            <a:fld id="{666274A1-CF9C-426A-8DD4-B13ED0C24231}" type="slidenum">
+              <a:rPr lang="en-US" smtClean="0"/>
+              <a:t>7</a:t>
+            </a:fld>
+            <a:endParaRPr lang="en-US"/>
+          </a:p>
+        </p:txBody>
+      </p:sp>
+    </p:spTree>
+    <p:extLst>
+      <p:ext uri="{BB962C8B-B14F-4D97-AF65-F5344CB8AC3E}">
+        <p14:creationId xmlns:p14="http://schemas.microsoft.com/office/powerpoint/2010/main" val="1133187789"/>
+      </p:ext>
+    </p:extLst>
+  </p:cSld>
+  <p:clrMapOvr>
+    <a:masterClrMapping/>
+  </p:clrMapOvr>
+</p:sld>
+</file>
+
+<file path=ppt/slides/slide9.xml><?xml version="1.0" encoding="utf-8"?>
+<p:sld xmlns:a="http://schemas.openxmlformats.org/drawingml/2006/main" xmlns:r="http://schemas.openxmlformats.org/officeDocument/2006/relationships" xmlns:p="http://schemas.openxmlformats.org/presentationml/2006/main">
+  <p:cSld>
+    <p:spTree>
+      <p:nvGrpSpPr>
+        <p:cNvPr id="1" name=""/>
+        <p:cNvGrpSpPr/>
+        <p:nvPr/>
+      </p:nvGrpSpPr>
+      <p:grpSpPr>
+        <a:xfrm>
+          <a:off x="0" y="0"/>
+          <a:ext cx="0" cy="0"/>
+          <a:chOff x="0" y="0"/>
+          <a:chExt cx="0" cy="0"/>
+        </a:xfrm>
+      </p:grpSpPr>
+      <p:sp>
+        <p:nvSpPr>
+          <p:cNvPr id="2" name="標題 1">
+            <a:extLst>
+              <a:ext uri="{FF2B5EF4-FFF2-40B4-BE49-F238E27FC236}">
+                <a16:creationId xmlns:a16="http://schemas.microsoft.com/office/drawing/2014/main" id="{AE5CDEBA-F7CB-4423-D17F-78C9E7A6B544}"/>
+              </a:ext>
+            </a:extLst>
+          </p:cNvPr>
+          <p:cNvSpPr>
+            <a:spLocks noGrp="1"/>
+          </p:cNvSpPr>
+          <p:nvPr>
+            <p:ph type="title"/>
+          </p:nvPr>
+        </p:nvSpPr>
+        <p:spPr/>
+        <p:txBody>
+          <a:bodyPr/>
+          <a:lstStyle/>
+          <a:p>
+            <a:r>
+              <a:rPr lang="en-US" altLang="zh-TW" sz="4000" dirty="0">
+                <a:latin typeface="Times" panose="02020603050405020304" pitchFamily="18" charset="0"/>
+                <a:cs typeface="Times" panose="02020603050405020304" pitchFamily="18" charset="0"/>
+              </a:rPr>
+              <a:t>Preliminaries</a:t>
             </a:r>
             <a:endParaRPr lang="zh-TW" altLang="en-US" dirty="0">
               <a:latin typeface="Times" panose="02020603050405020304" pitchFamily="18" charset="0"/>
@@ -5830,629 +13358,6 @@
               <a:p>
                 <a:pPr>
                   <a:lnSpc>
-                    <a:spcPct val="200000"/>
-                  </a:lnSpc>
-                </a:pPr>
-                <a:r>
-                  <a:rPr lang="en-US" altLang="zh-TW" sz="2200" dirty="0"/>
-                  <a:t>Many placers utilize the HPWL model for rapid wirelength approximation.</a:t>
-                </a:r>
-              </a:p>
-              <a:p>
-                <a:pPr>
-                  <a:lnSpc>
-                    <a:spcPct val="200000"/>
-                  </a:lnSpc>
-                </a:pPr>
-                <a:r>
-                  <a:rPr lang="en-US" altLang="zh-TW" sz="2200" dirty="0">
-                    <a:latin typeface="+mj-lt"/>
-                  </a:rPr>
-                  <a:t>For #pins </a:t>
-                </a:r>
-                <a14:m>
-                  <m:oMath xmlns:m="http://schemas.openxmlformats.org/officeDocument/2006/math">
-                    <m:r>
-                      <a:rPr lang="en-US" altLang="zh-TW" sz="2200" i="1" smtClean="0">
-                        <a:latin typeface="Cambria Math" panose="02040503050406030204" pitchFamily="18" charset="0"/>
-                        <a:ea typeface="Cambria Math" panose="02040503050406030204" pitchFamily="18" charset="0"/>
-                      </a:rPr>
-                      <m:t>≥</m:t>
-                    </m:r>
-                  </m:oMath>
-                </a14:m>
-                <a:r>
-                  <a:rPr lang="zh-TW" altLang="en-US" sz="2200" dirty="0">
-                    <a:latin typeface="+mj-lt"/>
-                  </a:rPr>
-                  <a:t> </a:t>
-                </a:r>
-                <a:r>
-                  <a:rPr lang="en-US" altLang="zh-TW" sz="2200" dirty="0">
-                    <a:latin typeface="+mj-lt"/>
-                  </a:rPr>
-                  <a:t>3, HPWL model will distort the RSMT-based topology in routing.</a:t>
-                </a:r>
-              </a:p>
-              <a:p>
-                <a:pPr lvl="1">
-                  <a:lnSpc>
-                    <a:spcPct val="150000"/>
-                  </a:lnSpc>
-                </a:pPr>
-                <a:r>
-                  <a:rPr lang="en-US" altLang="zh-TW" sz="2000" dirty="0">
-                    <a:latin typeface="+mj-lt"/>
-                  </a:rPr>
-                  <a:t>Shorter routing WL </a:t>
-                </a:r>
-                <a14:m>
-                  <m:oMath xmlns:m="http://schemas.openxmlformats.org/officeDocument/2006/math">
-                    <m:r>
-                      <a:rPr lang="en-US" altLang="zh-TW" sz="2000" i="1" smtClean="0">
-                        <a:latin typeface="Cambria Math" panose="02040503050406030204" pitchFamily="18" charset="0"/>
-                        <a:ea typeface="Cambria Math" panose="02040503050406030204" pitchFamily="18" charset="0"/>
-                      </a:rPr>
-                      <m:t>→</m:t>
-                    </m:r>
-                  </m:oMath>
-                </a14:m>
-                <a:r>
-                  <a:rPr lang="zh-TW" altLang="en-US" sz="2000" dirty="0">
-                    <a:latin typeface="+mj-lt"/>
-                  </a:rPr>
-                  <a:t> </a:t>
-                </a:r>
-                <a:r>
-                  <a:rPr lang="en-US" altLang="zh-TW" sz="2000" dirty="0">
-                    <a:latin typeface="+mj-lt"/>
-                  </a:rPr>
-                  <a:t>shorter RC segment, which resulting in a </a:t>
-                </a:r>
-                <a:r>
-                  <a:rPr lang="en-US" altLang="zh-TW" sz="2000" b="1" dirty="0">
-                    <a:latin typeface="+mj-lt"/>
-                  </a:rPr>
-                  <a:t>delay decrease </a:t>
-                </a:r>
-                <a:r>
-                  <a:rPr lang="en-US" altLang="zh-TW" sz="2000" dirty="0">
-                    <a:latin typeface="+mj-lt"/>
-                  </a:rPr>
-                  <a:t>in wire connection. </a:t>
-                </a:r>
-              </a:p>
-              <a:p>
-                <a:pPr lvl="1">
-                  <a:lnSpc>
-                    <a:spcPct val="150000"/>
-                  </a:lnSpc>
-                </a:pPr>
-                <a:r>
-                  <a:rPr lang="en-US" altLang="zh-TW" sz="2000" dirty="0">
-                    <a:latin typeface="+mj-lt"/>
-                  </a:rPr>
-                  <a:t>Less crisscrossing in the routing topology </a:t>
-                </a:r>
-                <a14:m>
-                  <m:oMath xmlns:m="http://schemas.openxmlformats.org/officeDocument/2006/math">
-                    <m:r>
-                      <a:rPr lang="en-US" altLang="zh-TW" sz="2000" i="1" smtClean="0">
-                        <a:latin typeface="Cambria Math" panose="02040503050406030204" pitchFamily="18" charset="0"/>
-                        <a:ea typeface="Cambria Math" panose="02040503050406030204" pitchFamily="18" charset="0"/>
-                      </a:rPr>
-                      <m:t>→</m:t>
-                    </m:r>
-                  </m:oMath>
-                </a14:m>
-                <a:r>
-                  <a:rPr lang="zh-TW" altLang="en-US" sz="2000" dirty="0">
-                    <a:latin typeface="+mj-lt"/>
-                  </a:rPr>
-                  <a:t> </a:t>
-                </a:r>
-                <a:r>
-                  <a:rPr lang="en-US" altLang="zh-TW" sz="2000" dirty="0">
-                    <a:latin typeface="+mj-lt"/>
-                  </a:rPr>
-                  <a:t>alleviate the </a:t>
-                </a:r>
-                <a:r>
-                  <a:rPr lang="en-US" altLang="zh-TW" sz="2000" b="1" dirty="0">
-                    <a:latin typeface="+mj-lt"/>
-                  </a:rPr>
-                  <a:t>congestion</a:t>
-                </a:r>
-                <a:r>
-                  <a:rPr lang="en-US" altLang="zh-TW" sz="2000" dirty="0">
-                    <a:latin typeface="+mj-lt"/>
-                  </a:rPr>
-                  <a:t> pressure for the routing.</a:t>
-                </a:r>
-              </a:p>
-              <a:p>
-                <a:pPr>
-                  <a:lnSpc>
-                    <a:spcPct val="200000"/>
-                  </a:lnSpc>
-                </a:pPr>
-                <a:r>
-                  <a:rPr lang="en-US" altLang="zh-TW" sz="2200" dirty="0">
-                    <a:latin typeface="+mj-lt"/>
-                  </a:rPr>
-                  <a:t>Some algorithms address high-fanout nets by assigning them</a:t>
-                </a:r>
-                <a:r>
-                  <a:rPr lang="zh-TW" altLang="en-US" sz="2200" dirty="0">
-                    <a:latin typeface="+mj-lt"/>
-                  </a:rPr>
-                  <a:t> </a:t>
-                </a:r>
-                <a:r>
-                  <a:rPr lang="en-US" altLang="zh-TW" sz="2200" dirty="0">
-                    <a:latin typeface="+mj-lt"/>
-                  </a:rPr>
-                  <a:t>a higher net weight.</a:t>
-                </a:r>
-              </a:p>
-              <a:p>
-                <a:pPr lvl="1">
-                  <a:lnSpc>
-                    <a:spcPct val="150000"/>
-                  </a:lnSpc>
-                </a:pPr>
-                <a:r>
-                  <a:rPr lang="en-US" altLang="zh-TW" sz="2000" dirty="0">
-                    <a:latin typeface="+mj-lt"/>
-                  </a:rPr>
-                  <a:t>Still leaving the internal crisscrossing untouched.</a:t>
-                </a:r>
-                <a:endParaRPr lang="zh-TW" altLang="en-US" sz="2000" dirty="0">
-                  <a:latin typeface="+mj-lt"/>
-                </a:endParaRPr>
-              </a:p>
-            </p:txBody>
-          </p:sp>
-        </mc:Choice>
-        <mc:Fallback xmlns="">
-          <p:sp>
-            <p:nvSpPr>
-              <p:cNvPr id="3" name="內容版面配置區 2">
-                <a:extLst>
-                  <a:ext uri="{FF2B5EF4-FFF2-40B4-BE49-F238E27FC236}">
-                    <a16:creationId xmlns:a16="http://schemas.microsoft.com/office/drawing/2014/main" id="{2BF1C42E-208D-D375-D779-4FE5706E52D6}"/>
-                  </a:ext>
-                </a:extLst>
-              </p:cNvPr>
-              <p:cNvSpPr>
-                <a:spLocks noGrp="1" noRot="1" noChangeAspect="1" noMove="1" noResize="1" noEditPoints="1" noAdjustHandles="1" noChangeArrowheads="1" noChangeShapeType="1" noTextEdit="1"/>
-              </p:cNvSpPr>
-              <p:nvPr>
-                <p:ph idx="1"/>
-              </p:nvPr>
-            </p:nvSpPr>
-            <p:spPr>
-              <a:xfrm>
-                <a:off x="838200" y="1620000"/>
-                <a:ext cx="10515600" cy="4895850"/>
-              </a:xfrm>
-              <a:blipFill>
-                <a:blip r:embed="rId2"/>
-                <a:stretch>
-                  <a:fillRect l="-696"/>
-                </a:stretch>
-              </a:blipFill>
-            </p:spPr>
-            <p:txBody>
-              <a:bodyPr/>
-              <a:lstStyle/>
-              <a:p>
-                <a:r>
-                  <a:rPr lang="zh-TW" altLang="en-US">
-                    <a:noFill/>
-                  </a:rPr>
-                  <a:t> </a:t>
-                </a:r>
-              </a:p>
-            </p:txBody>
-          </p:sp>
-        </mc:Fallback>
-      </mc:AlternateContent>
-      <p:sp>
-        <p:nvSpPr>
-          <p:cNvPr id="4" name="投影片編號版面配置區 3">
-            <a:extLst>
-              <a:ext uri="{FF2B5EF4-FFF2-40B4-BE49-F238E27FC236}">
-                <a16:creationId xmlns:a16="http://schemas.microsoft.com/office/drawing/2014/main" id="{75FE7E51-3153-478A-D8A4-7E30B3D4AF4C}"/>
-              </a:ext>
-            </a:extLst>
-          </p:cNvPr>
-          <p:cNvSpPr>
-            <a:spLocks noGrp="1"/>
-          </p:cNvSpPr>
-          <p:nvPr>
-            <p:ph type="sldNum" sz="quarter" idx="12"/>
-          </p:nvPr>
-        </p:nvSpPr>
-        <p:spPr/>
-        <p:txBody>
-          <a:bodyPr/>
-          <a:lstStyle/>
-          <a:p>
-            <a:fld id="{666274A1-CF9C-426A-8DD4-B13ED0C24231}" type="slidenum">
-              <a:rPr lang="en-US" smtClean="0"/>
-              <a:t>2</a:t>
-            </a:fld>
-            <a:endParaRPr lang="en-US"/>
-          </a:p>
-        </p:txBody>
-      </p:sp>
-    </p:spTree>
-    <p:extLst>
-      <p:ext uri="{BB962C8B-B14F-4D97-AF65-F5344CB8AC3E}">
-        <p14:creationId xmlns:p14="http://schemas.microsoft.com/office/powerpoint/2010/main" val="3896077914"/>
-      </p:ext>
-    </p:extLst>
-  </p:cSld>
-  <p:clrMapOvr>
-    <a:masterClrMapping/>
-  </p:clrMapOvr>
-</p:sld>
-</file>
-
-<file path=ppt/slides/slide4.xml><?xml version="1.0" encoding="utf-8"?>
-<p:sld xmlns:a="http://schemas.openxmlformats.org/drawingml/2006/main" xmlns:r="http://schemas.openxmlformats.org/officeDocument/2006/relationships" xmlns:p="http://schemas.openxmlformats.org/presentationml/2006/main">
-  <p:cSld>
-    <p:spTree>
-      <p:nvGrpSpPr>
-        <p:cNvPr id="1" name=""/>
-        <p:cNvGrpSpPr/>
-        <p:nvPr/>
-      </p:nvGrpSpPr>
-      <p:grpSpPr>
-        <a:xfrm>
-          <a:off x="0" y="0"/>
-          <a:ext cx="0" cy="0"/>
-          <a:chOff x="0" y="0"/>
-          <a:chExt cx="0" cy="0"/>
-        </a:xfrm>
-      </p:grpSpPr>
-      <p:sp>
-        <p:nvSpPr>
-          <p:cNvPr id="2" name="標題 1">
-            <a:extLst>
-              <a:ext uri="{FF2B5EF4-FFF2-40B4-BE49-F238E27FC236}">
-                <a16:creationId xmlns:a16="http://schemas.microsoft.com/office/drawing/2014/main" id="{AE5CDEBA-F7CB-4423-D17F-78C9E7A6B544}"/>
-              </a:ext>
-            </a:extLst>
-          </p:cNvPr>
-          <p:cNvSpPr>
-            <a:spLocks noGrp="1"/>
-          </p:cNvSpPr>
-          <p:nvPr>
-            <p:ph type="title"/>
-          </p:nvPr>
-        </p:nvSpPr>
-        <p:spPr/>
-        <p:txBody>
-          <a:bodyPr/>
-          <a:lstStyle/>
-          <a:p>
-            <a:r>
-              <a:rPr lang="en-US" altLang="zh-TW" dirty="0">
-                <a:latin typeface="Times" panose="02020603050405020304" pitchFamily="18" charset="0"/>
-                <a:cs typeface="Times" panose="02020603050405020304" pitchFamily="18" charset="0"/>
-              </a:rPr>
-              <a:t>Preliminaries</a:t>
-            </a:r>
-            <a:endParaRPr lang="zh-TW" altLang="en-US" dirty="0">
-              <a:latin typeface="Times" panose="02020603050405020304" pitchFamily="18" charset="0"/>
-              <a:cs typeface="Times" panose="02020603050405020304" pitchFamily="18" charset="0"/>
-            </a:endParaRPr>
-          </a:p>
-        </p:txBody>
-      </p:sp>
-      <p:sp>
-        <p:nvSpPr>
-          <p:cNvPr id="3" name="內容版面配置區 2">
-            <a:extLst>
-              <a:ext uri="{FF2B5EF4-FFF2-40B4-BE49-F238E27FC236}">
-                <a16:creationId xmlns:a16="http://schemas.microsoft.com/office/drawing/2014/main" id="{2BF1C42E-208D-D375-D779-4FE5706E52D6}"/>
-              </a:ext>
-            </a:extLst>
-          </p:cNvPr>
-          <p:cNvSpPr>
-            <a:spLocks noGrp="1"/>
-          </p:cNvSpPr>
-          <p:nvPr>
-            <p:ph idx="1"/>
-          </p:nvPr>
-        </p:nvSpPr>
-        <p:spPr>
-          <a:xfrm>
-            <a:off x="838200" y="1620000"/>
-            <a:ext cx="10515600" cy="4895850"/>
-          </a:xfrm>
-        </p:spPr>
-        <p:txBody>
-          <a:bodyPr>
-            <a:normAutofit/>
-          </a:bodyPr>
-          <a:lstStyle/>
-          <a:p>
-            <a:pPr>
-              <a:lnSpc>
-                <a:spcPct val="150000"/>
-              </a:lnSpc>
-            </a:pPr>
-            <a:r>
-              <a:rPr lang="en-US" altLang="zh-TW" sz="2200" dirty="0">
-                <a:latin typeface="+mj-lt"/>
-              </a:rPr>
-              <a:t>Power Domain</a:t>
-            </a:r>
-          </a:p>
-          <a:p>
-            <a:pPr lvl="1">
-              <a:lnSpc>
-                <a:spcPct val="150000"/>
-              </a:lnSpc>
-            </a:pPr>
-            <a:r>
-              <a:rPr lang="en-US" altLang="zh-TW" sz="1800" dirty="0">
-                <a:latin typeface="+mj-lt"/>
-              </a:rPr>
-              <a:t>A collection of cells that use the same power supply during normal operation.</a:t>
-            </a:r>
-          </a:p>
-          <a:p>
-            <a:pPr lvl="1">
-              <a:lnSpc>
-                <a:spcPct val="150000"/>
-              </a:lnSpc>
-            </a:pPr>
-            <a:r>
-              <a:rPr lang="en-US" altLang="zh-TW" sz="1800" dirty="0">
-                <a:latin typeface="+mj-lt"/>
-              </a:rPr>
-              <a:t>Can be switched on or off at the same time.</a:t>
-            </a:r>
-          </a:p>
-          <a:p>
-            <a:pPr lvl="1">
-              <a:lnSpc>
-                <a:spcPct val="150000"/>
-              </a:lnSpc>
-            </a:pPr>
-            <a:endParaRPr lang="en-US" altLang="zh-TW" sz="500" dirty="0">
-              <a:latin typeface="+mj-lt"/>
-            </a:endParaRPr>
-          </a:p>
-          <a:p>
-            <a:pPr>
-              <a:lnSpc>
-                <a:spcPct val="150000"/>
-              </a:lnSpc>
-            </a:pPr>
-            <a:r>
-              <a:rPr lang="en-US" altLang="zh-TW" sz="2200" dirty="0">
-                <a:latin typeface="+mj-lt"/>
-              </a:rPr>
-              <a:t>There are numerous multiple power domain cells</a:t>
-            </a:r>
-          </a:p>
-          <a:p>
-            <a:pPr lvl="1">
-              <a:lnSpc>
-                <a:spcPct val="150000"/>
-              </a:lnSpc>
-            </a:pPr>
-            <a:r>
-              <a:rPr lang="en-US" altLang="zh-TW" sz="1800" dirty="0">
-                <a:latin typeface="+mj-lt"/>
-              </a:rPr>
-              <a:t>Always-on buffers/inverters, retention flip-flops, isolation cells.</a:t>
-            </a:r>
-          </a:p>
-          <a:p>
-            <a:pPr lvl="1">
-              <a:lnSpc>
-                <a:spcPct val="150000"/>
-              </a:lnSpc>
-            </a:pPr>
-            <a:endParaRPr lang="en-US" altLang="zh-TW" sz="500" dirty="0">
-              <a:latin typeface="+mj-lt"/>
-            </a:endParaRPr>
-          </a:p>
-          <a:p>
-            <a:pPr>
-              <a:lnSpc>
-                <a:spcPct val="150000"/>
-              </a:lnSpc>
-            </a:pPr>
-            <a:r>
-              <a:rPr lang="en-US" altLang="zh-TW" sz="2200" dirty="0">
-                <a:latin typeface="+mj-lt"/>
-              </a:rPr>
-              <a:t>There are 2 types of power source for a cross domain cell</a:t>
-            </a:r>
-          </a:p>
-          <a:p>
-            <a:pPr lvl="1">
-              <a:lnSpc>
-                <a:spcPct val="150000"/>
-              </a:lnSpc>
-            </a:pPr>
-            <a:r>
-              <a:rPr lang="en-US" altLang="zh-TW" sz="1800" u="sng" dirty="0">
-                <a:latin typeface="+mj-lt"/>
-              </a:rPr>
-              <a:t>Direct supply</a:t>
-            </a:r>
-            <a:r>
-              <a:rPr lang="en-US" altLang="zh-TW" sz="1800" dirty="0">
-                <a:latin typeface="+mj-lt"/>
-              </a:rPr>
-              <a:t>:    primary power mesh directly supplies power to the cross domain cells.</a:t>
-            </a:r>
-          </a:p>
-          <a:p>
-            <a:pPr lvl="1">
-              <a:lnSpc>
-                <a:spcPct val="150000"/>
-              </a:lnSpc>
-            </a:pPr>
-            <a:r>
-              <a:rPr lang="en-US" altLang="zh-TW" sz="1800" u="sng" dirty="0">
-                <a:latin typeface="+mj-lt"/>
-              </a:rPr>
-              <a:t>Indirect supply</a:t>
-            </a:r>
-            <a:r>
-              <a:rPr lang="en-US" altLang="zh-TW" sz="1800" dirty="0">
-                <a:latin typeface="+mj-lt"/>
-              </a:rPr>
-              <a:t>:  power gating cell (MTCMOS), level shifter.</a:t>
-            </a:r>
-          </a:p>
-          <a:p>
-            <a:pPr lvl="1">
-              <a:lnSpc>
-                <a:spcPct val="150000"/>
-              </a:lnSpc>
-            </a:pPr>
-            <a:endParaRPr lang="en-US" altLang="zh-TW" sz="1800" dirty="0">
-              <a:latin typeface="+mj-lt"/>
-            </a:endParaRPr>
-          </a:p>
-        </p:txBody>
-      </p:sp>
-      <p:sp>
-        <p:nvSpPr>
-          <p:cNvPr id="4" name="投影片編號版面配置區 3">
-            <a:extLst>
-              <a:ext uri="{FF2B5EF4-FFF2-40B4-BE49-F238E27FC236}">
-                <a16:creationId xmlns:a16="http://schemas.microsoft.com/office/drawing/2014/main" id="{75FE7E51-3153-478A-D8A4-7E30B3D4AF4C}"/>
-              </a:ext>
-            </a:extLst>
-          </p:cNvPr>
-          <p:cNvSpPr>
-            <a:spLocks noGrp="1"/>
-          </p:cNvSpPr>
-          <p:nvPr>
-            <p:ph type="sldNum" sz="quarter" idx="12"/>
-          </p:nvPr>
-        </p:nvSpPr>
-        <p:spPr/>
-        <p:txBody>
-          <a:bodyPr/>
-          <a:lstStyle/>
-          <a:p>
-            <a:fld id="{666274A1-CF9C-426A-8DD4-B13ED0C24231}" type="slidenum">
-              <a:rPr lang="en-US" smtClean="0"/>
-              <a:t>3</a:t>
-            </a:fld>
-            <a:endParaRPr lang="en-US"/>
-          </a:p>
-        </p:txBody>
-      </p:sp>
-    </p:spTree>
-    <p:extLst>
-      <p:ext uri="{BB962C8B-B14F-4D97-AF65-F5344CB8AC3E}">
-        <p14:creationId xmlns:p14="http://schemas.microsoft.com/office/powerpoint/2010/main" val="1133187789"/>
-      </p:ext>
-    </p:extLst>
-  </p:cSld>
-  <p:clrMapOvr>
-    <a:masterClrMapping/>
-  </p:clrMapOvr>
-</p:sld>
-</file>
-
-<file path=ppt/slides/slide5.xml><?xml version="1.0" encoding="utf-8"?>
-<p:sld xmlns:a="http://schemas.openxmlformats.org/drawingml/2006/main" xmlns:r="http://schemas.openxmlformats.org/officeDocument/2006/relationships" xmlns:p="http://schemas.openxmlformats.org/presentationml/2006/main">
-  <p:cSld>
-    <p:spTree>
-      <p:nvGrpSpPr>
-        <p:cNvPr id="1" name=""/>
-        <p:cNvGrpSpPr/>
-        <p:nvPr/>
-      </p:nvGrpSpPr>
-      <p:grpSpPr>
-        <a:xfrm>
-          <a:off x="0" y="0"/>
-          <a:ext cx="0" cy="0"/>
-          <a:chOff x="0" y="0"/>
-          <a:chExt cx="0" cy="0"/>
-        </a:xfrm>
-      </p:grpSpPr>
-      <p:sp>
-        <p:nvSpPr>
-          <p:cNvPr id="2" name="標題 1">
-            <a:extLst>
-              <a:ext uri="{FF2B5EF4-FFF2-40B4-BE49-F238E27FC236}">
-                <a16:creationId xmlns:a16="http://schemas.microsoft.com/office/drawing/2014/main" id="{AE5CDEBA-F7CB-4423-D17F-78C9E7A6B544}"/>
-              </a:ext>
-            </a:extLst>
-          </p:cNvPr>
-          <p:cNvSpPr>
-            <a:spLocks noGrp="1"/>
-          </p:cNvSpPr>
-          <p:nvPr>
-            <p:ph type="title"/>
-          </p:nvPr>
-        </p:nvSpPr>
-        <p:spPr/>
-        <p:txBody>
-          <a:bodyPr/>
-          <a:lstStyle/>
-          <a:p>
-            <a:r>
-              <a:rPr lang="en-US" altLang="zh-TW" dirty="0">
-                <a:latin typeface="Times" panose="02020603050405020304" pitchFamily="18" charset="0"/>
-                <a:cs typeface="Times" panose="02020603050405020304" pitchFamily="18" charset="0"/>
-              </a:rPr>
-              <a:t>Preliminaries</a:t>
-            </a:r>
-            <a:endParaRPr lang="zh-TW" altLang="en-US" dirty="0">
-              <a:latin typeface="Times" panose="02020603050405020304" pitchFamily="18" charset="0"/>
-              <a:cs typeface="Times" panose="02020603050405020304" pitchFamily="18" charset="0"/>
-            </a:endParaRPr>
-          </a:p>
-        </p:txBody>
-      </p:sp>
-      <mc:AlternateContent xmlns:mc="http://schemas.openxmlformats.org/markup-compatibility/2006">
-        <mc:Choice xmlns:a14="http://schemas.microsoft.com/office/drawing/2010/main" Requires="a14">
-          <p:sp>
-            <p:nvSpPr>
-              <p:cNvPr id="3" name="內容版面配置區 2">
-                <a:extLst>
-                  <a:ext uri="{FF2B5EF4-FFF2-40B4-BE49-F238E27FC236}">
-                    <a16:creationId xmlns:a16="http://schemas.microsoft.com/office/drawing/2014/main" id="{2BF1C42E-208D-D375-D779-4FE5706E52D6}"/>
-                  </a:ext>
-                </a:extLst>
-              </p:cNvPr>
-              <p:cNvSpPr>
-                <a:spLocks noGrp="1"/>
-              </p:cNvSpPr>
-              <p:nvPr>
-                <p:ph idx="1"/>
-              </p:nvPr>
-            </p:nvSpPr>
-            <p:spPr>
-              <a:xfrm>
-                <a:off x="838200" y="1620000"/>
-                <a:ext cx="10515600" cy="4895850"/>
-              </a:xfrm>
-            </p:spPr>
-            <p:txBody>
-              <a:bodyPr>
-                <a:normAutofit/>
-              </a:bodyPr>
-              <a:lstStyle/>
-              <a:p>
-                <a:pPr lvl="1">
-                  <a:lnSpc>
                     <a:spcPct val="150000"/>
                   </a:lnSpc>
                 </a:pPr>
@@ -6464,7 +13369,7 @@
                 </a:r>
               </a:p>
               <a:p>
-                <a:pPr lvl="2">
+                <a:pPr lvl="1">
                   <a:lnSpc>
                     <a:spcPct val="150000"/>
                   </a:lnSpc>
@@ -6477,7 +13382,7 @@
                 </a:r>
               </a:p>
               <a:p>
-                <a:pPr lvl="2">
+                <a:pPr lvl="1">
                   <a:lnSpc>
                     <a:spcPct val="150000"/>
                   </a:lnSpc>
@@ -6600,7 +13505,7 @@
                 </a:endParaRPr>
               </a:p>
               <a:p>
-                <a:pPr lvl="3">
+                <a:pPr lvl="2">
                   <a:lnSpc>
                     <a:spcPct val="150000"/>
                   </a:lnSpc>
@@ -6648,7 +13553,7 @@
                 </a:r>
               </a:p>
               <a:p>
-                <a:pPr lvl="3">
+                <a:pPr lvl="2">
                   <a:lnSpc>
                     <a:spcPct val="150000"/>
                   </a:lnSpc>
@@ -6701,10 +13606,61 @@
                   <a:t>ffective resistance from the power source to the location of interest in the layout.</a:t>
                 </a:r>
               </a:p>
+              <a:p>
+                <a:pPr>
+                  <a:lnSpc>
+                    <a:spcPct val="150000"/>
+                  </a:lnSpc>
+                </a:pPr>
+                <a:r>
+                  <a:rPr lang="en-US" altLang="zh-TW" sz="2200" dirty="0">
+                    <a:latin typeface="+mj-lt"/>
+                  </a:rPr>
+                  <a:t>Usually route power source and the secondary power pin of a cross-domain cell with wider metal</a:t>
+                </a:r>
+                <a:r>
+                  <a:rPr lang="zh-TW" altLang="en-US" sz="2200" dirty="0">
+                    <a:latin typeface="+mj-lt"/>
+                  </a:rPr>
+                  <a:t> </a:t>
+                </a:r>
+                <a:r>
+                  <a:rPr lang="en-US" altLang="zh-TW" sz="2200" dirty="0">
+                    <a:latin typeface="+mj-lt"/>
+                  </a:rPr>
+                  <a:t>than signal routing.</a:t>
+                </a:r>
+              </a:p>
+              <a:p>
+                <a:pPr lvl="1">
+                  <a:lnSpc>
+                    <a:spcPct val="150000"/>
+                  </a:lnSpc>
+                </a:pPr>
+                <a:r>
+                  <a:rPr lang="en-US" altLang="zh-TW" sz="1800" dirty="0">
+                    <a:latin typeface="+mj-lt"/>
+                  </a:rPr>
+                  <a:t>Encounter more severe IR drop issue.</a:t>
+                </a:r>
+              </a:p>
+              <a:p>
+                <a:pPr lvl="1">
+                  <a:lnSpc>
+                    <a:spcPct val="150000"/>
+                  </a:lnSpc>
+                </a:pPr>
+                <a:r>
+                  <a:rPr lang="en-US" altLang="zh-TW" sz="1800" dirty="0">
+                    <a:latin typeface="+mj-lt"/>
+                  </a:rPr>
+                  <a:t>Use sub-mesh reduce wire resistance and provide more via tapping location.</a:t>
+                </a:r>
+              </a:p>
             </p:txBody>
           </p:sp>
         </mc:Choice>
-        <mc:Fallback>
+        <mc:Fallback xmlns="">
           <p:sp>
             <p:nvSpPr>
               <p:cNvPr id="3" name="內容版面配置區 2">
@@ -6729,7 +13685,7 @@
               <a:blipFill>
                 <a:blip r:embed="rId3"/>
                 <a:stretch>
-                  <a:fillRect/>
+                  <a:fillRect l="-696"/>
                 </a:stretch>
               </a:blipFill>
             </p:spPr>
@@ -6771,117 +13727,46 @@
           <a:p>
             <a:fld id="{666274A1-CF9C-426A-8DD4-B13ED0C24231}" type="slidenum">
               <a:rPr lang="en-US" smtClean="0"/>
-              <a:t>4</a:t>
+              <a:t>8</a:t>
             </a:fld>
             <a:endParaRPr lang="en-US"/>
           </a:p>
         </p:txBody>
       </p:sp>
+      <p:pic>
+        <p:nvPicPr>
+          <p:cNvPr id="6" name="圖片 5">
+            <a:extLst>
+              <a:ext uri="{FF2B5EF4-FFF2-40B4-BE49-F238E27FC236}">
+                <a16:creationId xmlns:a16="http://schemas.microsoft.com/office/drawing/2014/main" id="{CE6AB594-E603-3F82-6564-C5CA8573E9C0}"/>
+              </a:ext>
+            </a:extLst>
+          </p:cNvPr>
+          <p:cNvPicPr>
+            <a:picLocks noChangeAspect="1"/>
+          </p:cNvPicPr>
+          <p:nvPr/>
+        </p:nvPicPr>
+        <p:blipFill>
+          <a:blip r:embed="rId4"/>
+          <a:stretch>
+            <a:fillRect/>
+          </a:stretch>
+        </p:blipFill>
+        <p:spPr>
+          <a:xfrm>
+            <a:off x="6096000" y="136525"/>
+            <a:ext cx="5465894" cy="2103012"/>
+          </a:xfrm>
+          <a:prstGeom prst="rect">
+            <a:avLst/>
+          </a:prstGeom>
+        </p:spPr>
+      </p:pic>
     </p:spTree>
     <p:extLst>
       <p:ext uri="{BB962C8B-B14F-4D97-AF65-F5344CB8AC3E}">
         <p14:creationId xmlns:p14="http://schemas.microsoft.com/office/powerpoint/2010/main" val="3284811820"/>
-      </p:ext>
-    </p:extLst>
-  </p:cSld>
-  <p:clrMapOvr>
-    <a:masterClrMapping/>
-  </p:clrMapOvr>
-</p:sld>
-</file>
-
-<file path=ppt/slides/slide6.xml><?xml version="1.0" encoding="utf-8"?>
-<p:sld xmlns:a="http://schemas.openxmlformats.org/drawingml/2006/main" xmlns:r="http://schemas.openxmlformats.org/officeDocument/2006/relationships" xmlns:p="http://schemas.openxmlformats.org/presentationml/2006/main">
-  <p:cSld>
-    <p:spTree>
-      <p:nvGrpSpPr>
-        <p:cNvPr id="1" name=""/>
-        <p:cNvGrpSpPr/>
-        <p:nvPr/>
-      </p:nvGrpSpPr>
-      <p:grpSpPr>
-        <a:xfrm>
-          <a:off x="0" y="0"/>
-          <a:ext cx="0" cy="0"/>
-          <a:chOff x="0" y="0"/>
-          <a:chExt cx="0" cy="0"/>
-        </a:xfrm>
-      </p:grpSpPr>
-      <p:sp>
-        <p:nvSpPr>
-          <p:cNvPr id="4" name="Slide Number Placeholder 3">
-            <a:extLst>
-              <a:ext uri="{FF2B5EF4-FFF2-40B4-BE49-F238E27FC236}">
-                <a16:creationId xmlns:a16="http://schemas.microsoft.com/office/drawing/2014/main" id="{DB47E6D4-11C1-7FA3-40FD-EC8CC1AC8613}"/>
-              </a:ext>
-            </a:extLst>
-          </p:cNvPr>
-          <p:cNvSpPr>
-            <a:spLocks noGrp="1"/>
-          </p:cNvSpPr>
-          <p:nvPr>
-            <p:ph type="sldNum" sz="quarter" idx="12"/>
-          </p:nvPr>
-        </p:nvSpPr>
-        <p:spPr/>
-        <p:txBody>
-          <a:bodyPr/>
-          <a:lstStyle/>
-          <a:p>
-            <a:fld id="{666274A1-CF9C-426A-8DD4-B13ED0C24231}" type="slidenum">
-              <a:rPr lang="en-US" smtClean="0"/>
-              <a:t>5</a:t>
-            </a:fld>
-            <a:endParaRPr lang="en-US"/>
-          </a:p>
-        </p:txBody>
-      </p:sp>
-      <p:sp>
-        <p:nvSpPr>
-          <p:cNvPr id="5" name="TextBox 4">
-            <a:extLst>
-              <a:ext uri="{FF2B5EF4-FFF2-40B4-BE49-F238E27FC236}">
-                <a16:creationId xmlns:a16="http://schemas.microsoft.com/office/drawing/2014/main" id="{DE342AA9-4E4B-2420-9858-9BBA5A519307}"/>
-              </a:ext>
-            </a:extLst>
-          </p:cNvPr>
-          <p:cNvSpPr txBox="1"/>
-          <p:nvPr/>
-        </p:nvSpPr>
-        <p:spPr>
-          <a:xfrm>
-            <a:off x="2627743" y="2967335"/>
-            <a:ext cx="6936514" cy="923330"/>
-          </a:xfrm>
-          <a:prstGeom prst="rect">
-            <a:avLst/>
-          </a:prstGeom>
-          <a:noFill/>
-        </p:spPr>
-        <p:txBody>
-          <a:bodyPr wrap="none" rtlCol="0">
-            <a:spAutoFit/>
-          </a:bodyPr>
-          <a:lstStyle/>
-          <a:p>
-            <a:r>
-              <a:rPr lang="en-US" altLang="zh-TW" sz="5400" dirty="0">
-                <a:latin typeface="Times" panose="02020603050405020304" pitchFamily="18" charset="0"/>
-                <a:cs typeface="Times" panose="02020603050405020304" pitchFamily="18" charset="0"/>
-              </a:rPr>
-              <a:t>Thank you for listening!</a:t>
-            </a:r>
-            <a:endParaRPr lang="zh-TW" altLang="en-US" sz="5400" dirty="0">
-              <a:latin typeface="Times" panose="02020603050405020304" pitchFamily="18" charset="0"/>
-              <a:cs typeface="Times" panose="02020603050405020304" pitchFamily="18" charset="0"/>
-            </a:endParaRPr>
-          </a:p>
-        </p:txBody>
-      </p:sp>
-    </p:spTree>
-    <p:extLst>
-      <p:ext uri="{BB962C8B-B14F-4D97-AF65-F5344CB8AC3E}">
-        <p14:creationId xmlns:p14="http://schemas.microsoft.com/office/powerpoint/2010/main" val="1947749228"/>
       </p:ext>
     </p:extLst>
   </p:cSld>

--- a/GM/powerplan/Power Sub-Mesh Construction in Multiple Power Domain Design/Power Sub-Mesh Construction in Multiple Power Domain Design.pptx
+++ b/GM/powerplan/Power Sub-Mesh Construction in Multiple Power Domain Design/Power Sub-Mesh Construction in Multiple Power Domain Design.pptx
@@ -5,37 +5,41 @@
     <p:sldMasterId id="2147483648" r:id="rId1"/>
   </p:sldMasterIdLst>
   <p:notesMasterIdLst>
-    <p:notesMasterId r:id="rId30"/>
+    <p:notesMasterId r:id="rId34"/>
   </p:notesMasterIdLst>
   <p:sldIdLst>
     <p:sldId id="256" r:id="rId2"/>
     <p:sldId id="299" r:id="rId3"/>
-    <p:sldId id="300" r:id="rId4"/>
-    <p:sldId id="304" r:id="rId5"/>
-    <p:sldId id="305" r:id="rId6"/>
-    <p:sldId id="306" r:id="rId7"/>
-    <p:sldId id="303" r:id="rId8"/>
-    <p:sldId id="301" r:id="rId9"/>
-    <p:sldId id="302" r:id="rId10"/>
-    <p:sldId id="307" r:id="rId11"/>
-    <p:sldId id="308" r:id="rId12"/>
-    <p:sldId id="309" r:id="rId13"/>
-    <p:sldId id="310" r:id="rId14"/>
-    <p:sldId id="311" r:id="rId15"/>
-    <p:sldId id="312" r:id="rId16"/>
-    <p:sldId id="313" r:id="rId17"/>
-    <p:sldId id="314" r:id="rId18"/>
-    <p:sldId id="315" r:id="rId19"/>
-    <p:sldId id="316" r:id="rId20"/>
-    <p:sldId id="317" r:id="rId21"/>
-    <p:sldId id="318" r:id="rId22"/>
-    <p:sldId id="319" r:id="rId23"/>
-    <p:sldId id="321" r:id="rId24"/>
-    <p:sldId id="320" r:id="rId25"/>
-    <p:sldId id="323" r:id="rId26"/>
-    <p:sldId id="324" r:id="rId27"/>
-    <p:sldId id="325" r:id="rId28"/>
-    <p:sldId id="298" r:id="rId29"/>
+    <p:sldId id="326" r:id="rId4"/>
+    <p:sldId id="300" r:id="rId5"/>
+    <p:sldId id="304" r:id="rId6"/>
+    <p:sldId id="305" r:id="rId7"/>
+    <p:sldId id="306" r:id="rId8"/>
+    <p:sldId id="303" r:id="rId9"/>
+    <p:sldId id="327" r:id="rId10"/>
+    <p:sldId id="301" r:id="rId11"/>
+    <p:sldId id="302" r:id="rId12"/>
+    <p:sldId id="307" r:id="rId13"/>
+    <p:sldId id="328" r:id="rId14"/>
+    <p:sldId id="308" r:id="rId15"/>
+    <p:sldId id="309" r:id="rId16"/>
+    <p:sldId id="310" r:id="rId17"/>
+    <p:sldId id="311" r:id="rId18"/>
+    <p:sldId id="312" r:id="rId19"/>
+    <p:sldId id="313" r:id="rId20"/>
+    <p:sldId id="314" r:id="rId21"/>
+    <p:sldId id="315" r:id="rId22"/>
+    <p:sldId id="316" r:id="rId23"/>
+    <p:sldId id="317" r:id="rId24"/>
+    <p:sldId id="329" r:id="rId25"/>
+    <p:sldId id="318" r:id="rId26"/>
+    <p:sldId id="319" r:id="rId27"/>
+    <p:sldId id="321" r:id="rId28"/>
+    <p:sldId id="320" r:id="rId29"/>
+    <p:sldId id="323" r:id="rId30"/>
+    <p:sldId id="324" r:id="rId31"/>
+    <p:sldId id="325" r:id="rId32"/>
+    <p:sldId id="298" r:id="rId33"/>
   </p:sldIdLst>
   <p:sldSz cx="12192000" cy="6858000"/>
   <p:notesSz cx="6858000" cy="9144000"/>
@@ -1944,7 +1948,7 @@
           <a:p>
             <a:fld id="{C9ED61FB-B9B0-4D85-A72E-A614C28ECC4E}" type="datetimeFigureOut">
               <a:rPr lang="en-US" smtClean="0"/>
-              <a:t>5/13/2024</a:t>
+              <a:t>5/15/2024</a:t>
             </a:fld>
             <a:endParaRPr lang="en-US"/>
           </a:p>
@@ -2363,7 +2367,7 @@
           <a:p>
             <a:fld id="{9D457EAB-1485-47AD-BEAD-484FAEBF5A54}" type="slidenum">
               <a:rPr lang="en-US" smtClean="0"/>
-              <a:t>3</a:t>
+              <a:t>4</a:t>
             </a:fld>
             <a:endParaRPr lang="en-US"/>
           </a:p>
@@ -2508,7 +2512,7 @@
           <a:p>
             <a:fld id="{9D457EAB-1485-47AD-BEAD-484FAEBF5A54}" type="slidenum">
               <a:rPr lang="en-US" smtClean="0"/>
-              <a:t>5</a:t>
+              <a:t>6</a:t>
             </a:fld>
             <a:endParaRPr lang="en-US"/>
           </a:p>
@@ -2592,7 +2596,7 @@
           <a:p>
             <a:fld id="{9D457EAB-1485-47AD-BEAD-484FAEBF5A54}" type="slidenum">
               <a:rPr lang="en-US" smtClean="0"/>
-              <a:t>7</a:t>
+              <a:t>9</a:t>
             </a:fld>
             <a:endParaRPr lang="en-US"/>
           </a:p>
@@ -2693,7 +2697,7 @@
           <a:p>
             <a:fld id="{9D457EAB-1485-47AD-BEAD-484FAEBF5A54}" type="slidenum">
               <a:rPr lang="en-US" smtClean="0"/>
-              <a:t>8</a:t>
+              <a:t>10</a:t>
             </a:fld>
             <a:endParaRPr lang="en-US"/>
           </a:p>
@@ -2777,7 +2781,7 @@
           <a:p>
             <a:fld id="{9D457EAB-1485-47AD-BEAD-484FAEBF5A54}" type="slidenum">
               <a:rPr lang="en-US" smtClean="0"/>
-              <a:t>12</a:t>
+              <a:t>15</a:t>
             </a:fld>
             <a:endParaRPr lang="en-US"/>
           </a:p>
@@ -2877,7 +2881,7 @@
           <a:p>
             <a:fld id="{9D457EAB-1485-47AD-BEAD-484FAEBF5A54}" type="slidenum">
               <a:rPr lang="en-US" smtClean="0"/>
-              <a:t>14</a:t>
+              <a:t>17</a:t>
             </a:fld>
             <a:endParaRPr lang="en-US"/>
           </a:p>
@@ -2985,7 +2989,7 @@
           <a:p>
             <a:fld id="{9D457EAB-1485-47AD-BEAD-484FAEBF5A54}" type="slidenum">
               <a:rPr lang="en-US" smtClean="0"/>
-              <a:t>18</a:t>
+              <a:t>21</a:t>
             </a:fld>
             <a:endParaRPr lang="en-US"/>
           </a:p>
@@ -3183,7 +3187,7 @@
           <a:p>
             <a:fld id="{9D457EAB-1485-47AD-BEAD-484FAEBF5A54}" type="slidenum">
               <a:rPr lang="en-US" smtClean="0"/>
-              <a:t>23</a:t>
+              <a:t>27</a:t>
             </a:fld>
             <a:endParaRPr lang="en-US"/>
           </a:p>
@@ -3349,7 +3353,7 @@
           <a:p>
             <a:fld id="{99BA7BAB-F69F-4C21-8D40-7AA273A2D01F}" type="datetime1">
               <a:rPr lang="en-US" smtClean="0"/>
-              <a:t>5/13/2024</a:t>
+              <a:t>5/15/2024</a:t>
             </a:fld>
             <a:endParaRPr lang="en-US"/>
           </a:p>
@@ -3554,7 +3558,7 @@
           <a:p>
             <a:fld id="{FB00A8EC-4678-43EE-BE64-F312B7F1A46F}" type="datetime1">
               <a:rPr lang="en-US" smtClean="0"/>
-              <a:t>5/13/2024</a:t>
+              <a:t>5/15/2024</a:t>
             </a:fld>
             <a:endParaRPr lang="en-US"/>
           </a:p>
@@ -3762,7 +3766,7 @@
           <a:p>
             <a:fld id="{9487F23D-EA8F-4C56-9373-23F6109AD11F}" type="datetime1">
               <a:rPr lang="en-US" smtClean="0"/>
-              <a:t>5/13/2024</a:t>
+              <a:t>5/15/2024</a:t>
             </a:fld>
             <a:endParaRPr lang="en-US"/>
           </a:p>
@@ -3960,7 +3964,7 @@
           <a:p>
             <a:fld id="{A34E716E-0239-4A81-9CF4-D3B9651721CF}" type="datetime1">
               <a:rPr lang="en-US" smtClean="0"/>
-              <a:t>5/13/2024</a:t>
+              <a:t>5/15/2024</a:t>
             </a:fld>
             <a:endParaRPr lang="en-US"/>
           </a:p>
@@ -4242,7 +4246,7 @@
           <a:p>
             <a:fld id="{CC112E56-3D97-4B86-935C-1C493DD86A08}" type="datetime1">
               <a:rPr lang="en-US" smtClean="0"/>
-              <a:t>5/13/2024</a:t>
+              <a:t>5/15/2024</a:t>
             </a:fld>
             <a:endParaRPr lang="en-US"/>
           </a:p>
@@ -4507,7 +4511,7 @@
           <a:p>
             <a:fld id="{40649135-BABF-4F63-9AF8-3CEC545E47DC}" type="datetime1">
               <a:rPr lang="en-US" smtClean="0"/>
-              <a:t>5/13/2024</a:t>
+              <a:t>5/15/2024</a:t>
             </a:fld>
             <a:endParaRPr lang="en-US"/>
           </a:p>
@@ -4919,7 +4923,7 @@
           <a:p>
             <a:fld id="{B16EBC02-C9C0-442D-A8A6-494057203542}" type="datetime1">
               <a:rPr lang="en-US" smtClean="0"/>
-              <a:t>5/13/2024</a:t>
+              <a:t>5/15/2024</a:t>
             </a:fld>
             <a:endParaRPr lang="en-US"/>
           </a:p>
@@ -5060,7 +5064,7 @@
           <a:p>
             <a:fld id="{A126C4B4-559D-414E-BC9C-16A745BBF3C3}" type="datetime1">
               <a:rPr lang="en-US" smtClean="0"/>
-              <a:t>5/13/2024</a:t>
+              <a:t>5/15/2024</a:t>
             </a:fld>
             <a:endParaRPr lang="en-US"/>
           </a:p>
@@ -5173,7 +5177,7 @@
           <a:p>
             <a:fld id="{0D49D49E-73A5-4C03-BFEA-3D845EB044D8}" type="datetime1">
               <a:rPr lang="en-US" smtClean="0"/>
-              <a:t>5/13/2024</a:t>
+              <a:t>5/15/2024</a:t>
             </a:fld>
             <a:endParaRPr lang="en-US"/>
           </a:p>
@@ -5484,7 +5488,7 @@
           <a:p>
             <a:fld id="{4A0F93E6-3134-410C-B573-A5F6B38FC346}" type="datetime1">
               <a:rPr lang="en-US" smtClean="0"/>
-              <a:t>5/13/2024</a:t>
+              <a:t>5/15/2024</a:t>
             </a:fld>
             <a:endParaRPr lang="en-US"/>
           </a:p>
@@ -5772,7 +5776,7 @@
           <a:p>
             <a:fld id="{F766E70F-5320-45A5-BE33-1819A93C2AF4}" type="datetime1">
               <a:rPr lang="en-US" smtClean="0"/>
-              <a:t>5/13/2024</a:t>
+              <a:t>5/15/2024</a:t>
             </a:fld>
             <a:endParaRPr lang="en-US"/>
           </a:p>
@@ -6013,7 +6017,7 @@
           <a:p>
             <a:fld id="{A706458B-0289-40FF-A02D-2C541B7F1CB6}" type="datetime1">
               <a:rPr lang="en-US" smtClean="0"/>
-              <a:t>5/13/2024</a:t>
+              <a:t>5/15/2024</a:t>
             </a:fld>
             <a:endParaRPr lang="en-US"/>
           </a:p>
@@ -6834,7 +6838,7 @@
           <p:cNvPr id="2" name="標題 1">
             <a:extLst>
               <a:ext uri="{FF2B5EF4-FFF2-40B4-BE49-F238E27FC236}">
-                <a16:creationId xmlns:a16="http://schemas.microsoft.com/office/drawing/2014/main" id="{5286E359-E626-B493-ABAF-94D504ABD4C3}"/>
+                <a16:creationId xmlns:a16="http://schemas.microsoft.com/office/drawing/2014/main" id="{AE5CDEBA-F7CB-4423-D17F-78C9E7A6B544}"/>
               </a:ext>
             </a:extLst>
           </p:cNvPr>
@@ -6851,10 +6855,16 @@
           <a:lstStyle/>
           <a:p>
             <a:r>
-              <a:rPr lang="en-US" altLang="zh-TW" sz="4000" dirty="0"/>
+              <a:rPr lang="en-US" altLang="zh-TW" sz="4000" dirty="0">
+                <a:latin typeface="Times" panose="02020603050405020304" pitchFamily="18" charset="0"/>
+                <a:cs typeface="Times" panose="02020603050405020304" pitchFamily="18" charset="0"/>
+              </a:rPr>
               <a:t>Preliminaries</a:t>
             </a:r>
-            <a:endParaRPr lang="zh-TW" altLang="en-US" dirty="0"/>
+            <a:endParaRPr lang="zh-TW" altLang="en-US" dirty="0">
+              <a:latin typeface="Times" panose="02020603050405020304" pitchFamily="18" charset="0"/>
+              <a:cs typeface="Times" panose="02020603050405020304" pitchFamily="18" charset="0"/>
+            </a:endParaRPr>
           </a:p>
         </p:txBody>
       </p:sp>
@@ -6863,7 +6873,7 @@
           <p:cNvPr id="3" name="內容版面配置區 2">
             <a:extLst>
               <a:ext uri="{FF2B5EF4-FFF2-40B4-BE49-F238E27FC236}">
-                <a16:creationId xmlns:a16="http://schemas.microsoft.com/office/drawing/2014/main" id="{64602112-5F7A-7122-5DB0-E3E666D8CB39}"/>
+                <a16:creationId xmlns:a16="http://schemas.microsoft.com/office/drawing/2014/main" id="{2BF1C42E-208D-D375-D779-4FE5706E52D6}"/>
               </a:ext>
             </a:extLst>
           </p:cNvPr>
@@ -6876,12 +6886,14 @@
         </p:nvSpPr>
         <p:spPr>
           <a:xfrm>
-            <a:off x="838200" y="1690688"/>
-            <a:ext cx="10515600" cy="4486275"/>
+            <a:off x="838200" y="1619999"/>
+            <a:ext cx="10515600" cy="5101475"/>
           </a:xfrm>
         </p:spPr>
         <p:txBody>
-          <a:bodyPr/>
+          <a:bodyPr>
+            <a:normAutofit/>
+          </a:bodyPr>
           <a:lstStyle/>
           <a:p>
             <a:pPr>
@@ -6890,8 +6902,10 @@
               </a:lnSpc>
             </a:pPr>
             <a:r>
-              <a:rPr lang="en-US" altLang="zh-TW" sz="2200" dirty="0"/>
-              <a:t>Input</a:t>
+              <a:rPr lang="en-US" altLang="zh-TW" sz="2200" dirty="0">
+                <a:latin typeface="+mj-lt"/>
+              </a:rPr>
+              <a:t>Power Domain</a:t>
             </a:r>
           </a:p>
           <a:p>
@@ -6901,8 +6915,22 @@
               </a:lnSpc>
             </a:pPr>
             <a:r>
-              <a:rPr lang="en-US" altLang="zh-TW" sz="1800" dirty="0"/>
-              <a:t>A timing-driven placed and clock-routed multiple power domain design.</a:t>
+              <a:rPr lang="en-US" altLang="zh-TW" sz="1800" dirty="0">
+                <a:latin typeface="+mj-lt"/>
+              </a:rPr>
+              <a:t>A collection of cells that use the </a:t>
+            </a:r>
+            <a:r>
+              <a:rPr lang="en-US" altLang="zh-TW" sz="1800" b="1" dirty="0">
+                <a:latin typeface="+mj-lt"/>
+              </a:rPr>
+              <a:t>same power supply </a:t>
+            </a:r>
+            <a:r>
+              <a:rPr lang="en-US" altLang="zh-TW" sz="1800" dirty="0">
+                <a:latin typeface="+mj-lt"/>
+              </a:rPr>
+              <a:t>during normal operation.</a:t>
             </a:r>
           </a:p>
           <a:p>
@@ -6912,9 +6940,21 @@
               </a:lnSpc>
             </a:pPr>
             <a:r>
-              <a:rPr lang="en-US" altLang="zh-TW" sz="1800" dirty="0"/>
-              <a:t>A set of cross-domain cells and corresponding power sources, primary power mesh and signal routing distributions.</a:t>
-            </a:r>
+              <a:rPr lang="en-US" altLang="zh-TW" sz="1800" dirty="0">
+                <a:latin typeface="+mj-lt"/>
+              </a:rPr>
+              <a:t>Can be switched on or off at the same time.</a:t>
+            </a:r>
+          </a:p>
+          <a:p>
+            <a:pPr lvl="1">
+              <a:lnSpc>
+                <a:spcPct val="150000"/>
+              </a:lnSpc>
+            </a:pPr>
+            <a:endParaRPr lang="en-US" altLang="zh-TW" sz="100" dirty="0">
+              <a:latin typeface="+mj-lt"/>
+            </a:endParaRPr>
           </a:p>
           <a:p>
             <a:pPr>
@@ -6923,8 +6963,10 @@
               </a:lnSpc>
             </a:pPr>
             <a:r>
-              <a:rPr lang="en-US" altLang="zh-TW" sz="2200" dirty="0"/>
-              <a:t>Goal</a:t>
+              <a:rPr lang="en-US" altLang="zh-TW" sz="2200" dirty="0">
+                <a:latin typeface="+mj-lt"/>
+              </a:rPr>
+              <a:t>There are numerous multiple power domain cells (cross domain cells)</a:t>
             </a:r>
           </a:p>
           <a:p>
@@ -6934,8 +6976,10 @@
               </a:lnSpc>
             </a:pPr>
             <a:r>
-              <a:rPr lang="en-US" altLang="zh-TW" sz="1800" dirty="0"/>
-              <a:t>To construct power sub-meshes such that the IR drop constraints on cross-domain cells are satisfied.</a:t>
+              <a:rPr lang="en-US" altLang="zh-TW" sz="1800" dirty="0">
+                <a:latin typeface="+mj-lt"/>
+              </a:rPr>
+              <a:t>Always-on buffers/inverters, retention flip-flops, isolation cells.</a:t>
             </a:r>
           </a:p>
           <a:p>
@@ -6945,10 +6989,82 @@
               </a:lnSpc>
             </a:pPr>
             <a:r>
-              <a:rPr lang="en-US" altLang="zh-TW" sz="1800" dirty="0"/>
-              <a:t>Design rule violations on signal routing are minimized without timing degradation.</a:t>
-            </a:r>
-            <a:endParaRPr lang="zh-TW" altLang="en-US" sz="1800" dirty="0"/>
+              <a:rPr lang="en-US" altLang="zh-TW" sz="1800" dirty="0">
+                <a:latin typeface="+mj-lt"/>
+              </a:rPr>
+              <a:t>They contain pins called secondary power pin.</a:t>
+            </a:r>
+          </a:p>
+          <a:p>
+            <a:pPr lvl="1">
+              <a:lnSpc>
+                <a:spcPct val="150000"/>
+              </a:lnSpc>
+            </a:pPr>
+            <a:endParaRPr lang="en-US" altLang="zh-TW" sz="100" dirty="0">
+              <a:latin typeface="+mj-lt"/>
+            </a:endParaRPr>
+          </a:p>
+          <a:p>
+            <a:pPr>
+              <a:lnSpc>
+                <a:spcPct val="150000"/>
+              </a:lnSpc>
+            </a:pPr>
+            <a:r>
+              <a:rPr lang="en-US" altLang="zh-TW" sz="2200" dirty="0">
+                <a:latin typeface="+mj-lt"/>
+              </a:rPr>
+              <a:t>There are 2 types of power source for a cross-domain cell</a:t>
+            </a:r>
+          </a:p>
+          <a:p>
+            <a:pPr lvl="1">
+              <a:lnSpc>
+                <a:spcPct val="150000"/>
+              </a:lnSpc>
+            </a:pPr>
+            <a:r>
+              <a:rPr lang="en-US" altLang="zh-TW" sz="1800" u="sng" dirty="0">
+                <a:latin typeface="+mj-lt"/>
+              </a:rPr>
+              <a:t>Direct supply</a:t>
+            </a:r>
+            <a:r>
+              <a:rPr lang="en-US" altLang="zh-TW" sz="1800" dirty="0">
+                <a:latin typeface="+mj-lt"/>
+              </a:rPr>
+              <a:t>:    primary power mesh directly supplies power to the cross-domain cells.</a:t>
+            </a:r>
+          </a:p>
+          <a:p>
+            <a:pPr lvl="1">
+              <a:lnSpc>
+                <a:spcPct val="150000"/>
+              </a:lnSpc>
+            </a:pPr>
+            <a:r>
+              <a:rPr lang="en-US" altLang="zh-TW" sz="1800" u="sng" dirty="0">
+                <a:latin typeface="+mj-lt"/>
+              </a:rPr>
+              <a:t>Indirect supply</a:t>
+            </a:r>
+            <a:r>
+              <a:rPr lang="en-US" altLang="zh-TW" sz="1800" dirty="0">
+                <a:latin typeface="+mj-lt"/>
+              </a:rPr>
+              <a:t>:  power gating cell (MTCMOS), level shifter.</a:t>
+            </a:r>
+          </a:p>
+          <a:p>
+            <a:pPr lvl="1">
+              <a:lnSpc>
+                <a:spcPct val="150000"/>
+              </a:lnSpc>
+            </a:pPr>
+            <a:endParaRPr lang="en-US" altLang="zh-TW" sz="1800" dirty="0">
+              <a:latin typeface="+mj-lt"/>
+            </a:endParaRPr>
           </a:p>
         </p:txBody>
       </p:sp>
@@ -6957,7 +7073,7 @@
           <p:cNvPr id="4" name="投影片編號版面配置區 3">
             <a:extLst>
               <a:ext uri="{FF2B5EF4-FFF2-40B4-BE49-F238E27FC236}">
-                <a16:creationId xmlns:a16="http://schemas.microsoft.com/office/drawing/2014/main" id="{BEB3191F-3D5D-B9EF-1EDE-CD891F6DB1AD}"/>
+                <a16:creationId xmlns:a16="http://schemas.microsoft.com/office/drawing/2014/main" id="{75FE7E51-3153-478A-D8A4-7E30B3D4AF4C}"/>
               </a:ext>
             </a:extLst>
           </p:cNvPr>
@@ -6984,7 +7100,7 @@
     </p:spTree>
     <p:extLst>
       <p:ext uri="{BB962C8B-B14F-4D97-AF65-F5344CB8AC3E}">
-        <p14:creationId xmlns:p14="http://schemas.microsoft.com/office/powerpoint/2010/main" val="3031697280"/>
+        <p14:creationId xmlns:p14="http://schemas.microsoft.com/office/powerpoint/2010/main" val="1133187789"/>
       </p:ext>
     </p:extLst>
   </p:cSld>
@@ -7016,7 +7132,7 @@
           <p:cNvPr id="2" name="標題 1">
             <a:extLst>
               <a:ext uri="{FF2B5EF4-FFF2-40B4-BE49-F238E27FC236}">
-                <a16:creationId xmlns:a16="http://schemas.microsoft.com/office/drawing/2014/main" id="{27366C51-2F74-B127-3481-5D12174C21C1}"/>
+                <a16:creationId xmlns:a16="http://schemas.microsoft.com/office/drawing/2014/main" id="{AE5CDEBA-F7CB-4423-D17F-78C9E7A6B544}"/>
               </a:ext>
             </a:extLst>
           </p:cNvPr>
@@ -7033,75 +7149,460 @@
           <a:lstStyle/>
           <a:p>
             <a:r>
-              <a:rPr lang="en-US" altLang="zh-TW" sz="4000" dirty="0"/>
-              <a:t>Methodology</a:t>
-            </a:r>
-            <a:endParaRPr lang="zh-TW" altLang="en-US" dirty="0"/>
+              <a:rPr lang="en-US" altLang="zh-TW" sz="4000" dirty="0">
+                <a:latin typeface="Times" panose="02020603050405020304" pitchFamily="18" charset="0"/>
+                <a:cs typeface="Times" panose="02020603050405020304" pitchFamily="18" charset="0"/>
+              </a:rPr>
+              <a:t>Preliminaries</a:t>
+            </a:r>
+            <a:endParaRPr lang="zh-TW" altLang="en-US" dirty="0">
+              <a:latin typeface="Times" panose="02020603050405020304" pitchFamily="18" charset="0"/>
+              <a:cs typeface="Times" panose="02020603050405020304" pitchFamily="18" charset="0"/>
+            </a:endParaRPr>
+          </a:p>
+        </p:txBody>
+      </p:sp>
+      <mc:AlternateContent xmlns:mc="http://schemas.openxmlformats.org/markup-compatibility/2006" xmlns:a14="http://schemas.microsoft.com/office/drawing/2010/main">
+        <mc:Choice Requires="a14">
+          <p:sp>
+            <p:nvSpPr>
+              <p:cNvPr id="3" name="內容版面配置區 2">
+                <a:extLst>
+                  <a:ext uri="{FF2B5EF4-FFF2-40B4-BE49-F238E27FC236}">
+                    <a16:creationId xmlns:a16="http://schemas.microsoft.com/office/drawing/2014/main" id="{2BF1C42E-208D-D375-D779-4FE5706E52D6}"/>
+                  </a:ext>
+                </a:extLst>
+              </p:cNvPr>
+              <p:cNvSpPr>
+                <a:spLocks noGrp="1"/>
+              </p:cNvSpPr>
+              <p:nvPr>
+                <p:ph idx="1"/>
+              </p:nvPr>
+            </p:nvSpPr>
+            <p:spPr>
+              <a:xfrm>
+                <a:off x="838200" y="1620000"/>
+                <a:ext cx="10515600" cy="4895850"/>
+              </a:xfrm>
+            </p:spPr>
+            <p:txBody>
+              <a:bodyPr>
+                <a:normAutofit/>
+              </a:bodyPr>
+              <a:lstStyle/>
+              <a:p>
+                <a:pPr>
+                  <a:lnSpc>
+                    <a:spcPct val="150000"/>
+                  </a:lnSpc>
+                </a:pPr>
+                <a:r>
+                  <a:rPr lang="en-US" altLang="zh-TW" sz="2200" dirty="0">
+                    <a:latin typeface="+mj-lt"/>
+                  </a:rPr>
+                  <a:t>Static IR drop:</a:t>
+                </a:r>
+              </a:p>
+              <a:p>
+                <a:pPr lvl="1">
+                  <a:lnSpc>
+                    <a:spcPct val="150000"/>
+                  </a:lnSpc>
+                </a:pPr>
+                <a:r>
+                  <a:rPr lang="en-US" altLang="zh-TW" sz="1800" dirty="0">
+                    <a:latin typeface="+mj-lt"/>
+                  </a:rPr>
+                  <a:t>Measure the weakness of the overall power delivery network.</a:t>
+                </a:r>
+              </a:p>
+              <a:p>
+                <a:pPr lvl="1">
+                  <a:lnSpc>
+                    <a:spcPct val="150000"/>
+                  </a:lnSpc>
+                </a:pPr>
+                <a14:m>
+                  <m:oMath xmlns:m="http://schemas.openxmlformats.org/officeDocument/2006/math">
+                    <m:sSub>
+                      <m:sSubPr>
+                        <m:ctrlPr>
+                          <a:rPr lang="en-US" altLang="zh-TW" sz="1800" i="1" smtClean="0">
+                            <a:latin typeface="Cambria Math" panose="02040503050406030204" pitchFamily="18" charset="0"/>
+                          </a:rPr>
+                        </m:ctrlPr>
+                      </m:sSubPr>
+                      <m:e>
+                        <m:r>
+                          <a:rPr lang="en-US" altLang="zh-TW" sz="1800" b="0" i="1" smtClean="0">
+                            <a:latin typeface="Cambria Math" panose="02040503050406030204" pitchFamily="18" charset="0"/>
+                          </a:rPr>
+                          <m:t>𝑉</m:t>
+                        </m:r>
+                      </m:e>
+                      <m:sub>
+                        <m:r>
+                          <a:rPr lang="en-US" altLang="zh-TW" sz="1800" b="0" i="1" smtClean="0">
+                            <a:latin typeface="Cambria Math" panose="02040503050406030204" pitchFamily="18" charset="0"/>
+                          </a:rPr>
+                          <m:t>𝑠𝑡𝑎𝑡𝑖𝑐</m:t>
+                        </m:r>
+                        <m:r>
+                          <a:rPr lang="en-US" altLang="zh-TW" sz="1800" b="0" i="1" smtClean="0">
+                            <a:latin typeface="Cambria Math" panose="02040503050406030204" pitchFamily="18" charset="0"/>
+                          </a:rPr>
+                          <m:t>_</m:t>
+                        </m:r>
+                        <m:r>
+                          <a:rPr lang="en-US" altLang="zh-TW" sz="1800" b="0" i="1" smtClean="0">
+                            <a:latin typeface="Cambria Math" panose="02040503050406030204" pitchFamily="18" charset="0"/>
+                          </a:rPr>
+                          <m:t>𝑑𝑟𝑜𝑝</m:t>
+                        </m:r>
+                      </m:sub>
+                    </m:sSub>
+                    <m:r>
+                      <a:rPr lang="en-US" altLang="zh-TW" sz="1800" b="0" i="1" smtClean="0">
+                        <a:latin typeface="Cambria Math" panose="02040503050406030204" pitchFamily="18" charset="0"/>
+                      </a:rPr>
+                      <m:t>= </m:t>
+                    </m:r>
+                    <m:sSub>
+                      <m:sSubPr>
+                        <m:ctrlPr>
+                          <a:rPr lang="en-US" altLang="zh-TW" sz="1800" b="0" i="1" smtClean="0">
+                            <a:latin typeface="Cambria Math" panose="02040503050406030204" pitchFamily="18" charset="0"/>
+                          </a:rPr>
+                        </m:ctrlPr>
+                      </m:sSubPr>
+                      <m:e>
+                        <m:r>
+                          <a:rPr lang="en-US" altLang="zh-TW" sz="1800" b="0" i="1" smtClean="0">
+                            <a:latin typeface="Cambria Math" panose="02040503050406030204" pitchFamily="18" charset="0"/>
+                          </a:rPr>
+                          <m:t>𝐼</m:t>
+                        </m:r>
+                      </m:e>
+                      <m:sub>
+                        <m:r>
+                          <a:rPr lang="en-US" altLang="zh-TW" sz="1800" b="0" i="1" smtClean="0">
+                            <a:latin typeface="Cambria Math" panose="02040503050406030204" pitchFamily="18" charset="0"/>
+                          </a:rPr>
+                          <m:t>𝑎𝑣𝑔</m:t>
+                        </m:r>
+                      </m:sub>
+                    </m:sSub>
+                    <m:r>
+                      <a:rPr lang="en-US" altLang="zh-TW" sz="1800" b="0" i="1" smtClean="0">
+                        <a:latin typeface="Cambria Math" panose="02040503050406030204" pitchFamily="18" charset="0"/>
+                      </a:rPr>
+                      <m:t> </m:t>
+                    </m:r>
+                    <m:r>
+                      <a:rPr lang="en-US" altLang="zh-TW" sz="1800" b="0" i="1" smtClean="0">
+                        <a:latin typeface="Cambria Math" panose="02040503050406030204" pitchFamily="18" charset="0"/>
+                        <a:ea typeface="Cambria Math" panose="02040503050406030204" pitchFamily="18" charset="0"/>
+                      </a:rPr>
+                      <m:t>× </m:t>
+                    </m:r>
+                    <m:sSub>
+                      <m:sSubPr>
+                        <m:ctrlPr>
+                          <a:rPr lang="en-US" altLang="zh-TW" sz="1800" b="0" i="1" smtClean="0">
+                            <a:latin typeface="Cambria Math" panose="02040503050406030204" pitchFamily="18" charset="0"/>
+                            <a:ea typeface="Cambria Math" panose="02040503050406030204" pitchFamily="18" charset="0"/>
+                          </a:rPr>
+                        </m:ctrlPr>
+                      </m:sSubPr>
+                      <m:e>
+                        <m:r>
+                          <a:rPr lang="en-US" altLang="zh-TW" sz="1800" b="0" i="1" smtClean="0">
+                            <a:latin typeface="Cambria Math" panose="02040503050406030204" pitchFamily="18" charset="0"/>
+                            <a:ea typeface="Cambria Math" panose="02040503050406030204" pitchFamily="18" charset="0"/>
+                          </a:rPr>
+                          <m:t>𝑅</m:t>
+                        </m:r>
+                      </m:e>
+                      <m:sub>
+                        <m:r>
+                          <a:rPr lang="en-US" altLang="zh-TW" sz="1800" b="0" i="1" smtClean="0">
+                            <a:latin typeface="Cambria Math" panose="02040503050406030204" pitchFamily="18" charset="0"/>
+                            <a:ea typeface="Cambria Math" panose="02040503050406030204" pitchFamily="18" charset="0"/>
+                          </a:rPr>
+                          <m:t>𝑤𝑖𝑟𝑒</m:t>
+                        </m:r>
+                      </m:sub>
+                    </m:sSub>
+                  </m:oMath>
+                </a14:m>
+                <a:endParaRPr lang="en-US" altLang="zh-TW" sz="1800" dirty="0">
+                  <a:latin typeface="+mj-lt"/>
+                </a:endParaRPr>
+              </a:p>
+              <a:p>
+                <a:pPr lvl="2">
+                  <a:lnSpc>
+                    <a:spcPct val="150000"/>
+                  </a:lnSpc>
+                </a:pPr>
+                <a14:m>
+                  <m:oMath xmlns:m="http://schemas.openxmlformats.org/officeDocument/2006/math">
+                    <m:sSub>
+                      <m:sSubPr>
+                        <m:ctrlPr>
+                          <a:rPr lang="en-US" altLang="zh-TW" sz="1600" i="1" smtClean="0">
+                            <a:latin typeface="Cambria Math" panose="02040503050406030204" pitchFamily="18" charset="0"/>
+                          </a:rPr>
+                        </m:ctrlPr>
+                      </m:sSubPr>
+                      <m:e>
+                        <m:r>
+                          <a:rPr lang="en-US" altLang="zh-TW" sz="1600" b="0" i="1" smtClean="0">
+                            <a:latin typeface="Cambria Math" panose="02040503050406030204" pitchFamily="18" charset="0"/>
+                          </a:rPr>
+                          <m:t>𝐼</m:t>
+                        </m:r>
+                      </m:e>
+                      <m:sub>
+                        <m:r>
+                          <a:rPr lang="en-US" altLang="zh-TW" sz="1600" b="0" i="1" smtClean="0">
+                            <a:latin typeface="Cambria Math" panose="02040503050406030204" pitchFamily="18" charset="0"/>
+                          </a:rPr>
+                          <m:t>𝑎𝑣𝑔</m:t>
+                        </m:r>
+                      </m:sub>
+                    </m:sSub>
+                    <m:r>
+                      <a:rPr lang="en-US" altLang="zh-TW" sz="1600" b="0" i="1" smtClean="0">
+                        <a:latin typeface="Cambria Math" panose="02040503050406030204" pitchFamily="18" charset="0"/>
+                      </a:rPr>
+                      <m:t>: </m:t>
+                    </m:r>
+                  </m:oMath>
+                </a14:m>
+                <a:r>
+                  <a:rPr lang="en-US" altLang="zh-TW" sz="1600" b="0" i="0" dirty="0">
+                    <a:latin typeface="+mj-lt"/>
+                  </a:rPr>
+                  <a:t>   The average current drawn from PDN under average switching rate.</a:t>
+                </a:r>
+              </a:p>
+              <a:p>
+                <a:pPr lvl="2">
+                  <a:lnSpc>
+                    <a:spcPct val="150000"/>
+                  </a:lnSpc>
+                </a:pPr>
+                <a14:m>
+                  <m:oMath xmlns:m="http://schemas.openxmlformats.org/officeDocument/2006/math">
+                    <m:sSub>
+                      <m:sSubPr>
+                        <m:ctrlPr>
+                          <a:rPr lang="en-US" altLang="zh-TW" sz="1600" i="1" smtClean="0">
+                            <a:latin typeface="Cambria Math" panose="02040503050406030204" pitchFamily="18" charset="0"/>
+                          </a:rPr>
+                        </m:ctrlPr>
+                      </m:sSubPr>
+                      <m:e>
+                        <m:r>
+                          <a:rPr lang="en-US" altLang="zh-TW" sz="1600" b="0" i="1" smtClean="0">
+                            <a:latin typeface="Cambria Math" panose="02040503050406030204" pitchFamily="18" charset="0"/>
+                          </a:rPr>
+                          <m:t>𝑅</m:t>
+                        </m:r>
+                      </m:e>
+                      <m:sub>
+                        <m:r>
+                          <a:rPr lang="en-US" altLang="zh-TW" sz="1600" b="0" i="1" smtClean="0">
+                            <a:latin typeface="Cambria Math" panose="02040503050406030204" pitchFamily="18" charset="0"/>
+                          </a:rPr>
+                          <m:t>𝑤𝑖𝑟𝑒</m:t>
+                        </m:r>
+                      </m:sub>
+                    </m:sSub>
+                    <m:r>
+                      <a:rPr lang="en-US" altLang="zh-TW" sz="1600" b="0" i="1" smtClean="0">
+                        <a:latin typeface="Cambria Math" panose="02040503050406030204" pitchFamily="18" charset="0"/>
+                      </a:rPr>
+                      <m:t>:</m:t>
+                    </m:r>
+                  </m:oMath>
+                </a14:m>
+                <a:r>
+                  <a:rPr lang="en-US" altLang="zh-TW" sz="1600" b="0" i="0" dirty="0">
+                    <a:latin typeface="+mj-lt"/>
+                  </a:rPr>
+                  <a:t>  E</a:t>
+                </a:r>
+                <a:r>
+                  <a:rPr lang="en-US" altLang="zh-TW" sz="1600" dirty="0">
+                    <a:latin typeface="+mj-lt"/>
+                  </a:rPr>
+                  <a:t>ffective resistance from the power source to the location of interest in the layout.</a:t>
+                </a:r>
+              </a:p>
+              <a:p>
+                <a:pPr>
+                  <a:lnSpc>
+                    <a:spcPct val="150000"/>
+                  </a:lnSpc>
+                </a:pPr>
+                <a:r>
+                  <a:rPr lang="en-US" altLang="zh-TW" sz="2200" dirty="0">
+                    <a:latin typeface="+mj-lt"/>
+                  </a:rPr>
+                  <a:t>Usually route power source and the secondary power pin of a cross-domain cell with wider metal</a:t>
+                </a:r>
+                <a:r>
+                  <a:rPr lang="zh-TW" altLang="en-US" sz="2200" dirty="0">
+                    <a:latin typeface="+mj-lt"/>
+                  </a:rPr>
+                  <a:t> </a:t>
+                </a:r>
+                <a:r>
+                  <a:rPr lang="en-US" altLang="zh-TW" sz="2200" dirty="0">
+                    <a:latin typeface="+mj-lt"/>
+                  </a:rPr>
+                  <a:t>than signal routing.</a:t>
+                </a:r>
+              </a:p>
+              <a:p>
+                <a:pPr lvl="1">
+                  <a:lnSpc>
+                    <a:spcPct val="150000"/>
+                  </a:lnSpc>
+                </a:pPr>
+                <a:r>
+                  <a:rPr lang="en-US" altLang="zh-TW" sz="1800" dirty="0">
+                    <a:latin typeface="+mj-lt"/>
+                  </a:rPr>
+                  <a:t>Encounter more severe IR drop issue.</a:t>
+                </a:r>
+              </a:p>
+              <a:p>
+                <a:pPr lvl="1">
+                  <a:lnSpc>
+                    <a:spcPct val="150000"/>
+                  </a:lnSpc>
+                </a:pPr>
+                <a:r>
+                  <a:rPr lang="en-US" altLang="zh-TW" sz="1800" dirty="0">
+                    <a:latin typeface="+mj-lt"/>
+                  </a:rPr>
+                  <a:t>Use sub-mesh reduce wire resistance and provide more via tapping location.</a:t>
+                </a:r>
+              </a:p>
+            </p:txBody>
+          </p:sp>
+        </mc:Choice>
+        <mc:Fallback xmlns="">
+          <p:sp>
+            <p:nvSpPr>
+              <p:cNvPr id="3" name="內容版面配置區 2">
+                <a:extLst>
+                  <a:ext uri="{FF2B5EF4-FFF2-40B4-BE49-F238E27FC236}">
+                    <a16:creationId xmlns:a16="http://schemas.microsoft.com/office/drawing/2014/main" id="{2BF1C42E-208D-D375-D779-4FE5706E52D6}"/>
+                  </a:ext>
+                </a:extLst>
+              </p:cNvPr>
+              <p:cNvSpPr>
+                <a:spLocks noGrp="1" noRot="1" noChangeAspect="1" noMove="1" noResize="1" noEditPoints="1" noAdjustHandles="1" noChangeArrowheads="1" noChangeShapeType="1" noTextEdit="1"/>
+              </p:cNvSpPr>
+              <p:nvPr>
+                <p:ph idx="1"/>
+              </p:nvPr>
+            </p:nvSpPr>
+            <p:spPr>
+              <a:xfrm>
+                <a:off x="838200" y="1620000"/>
+                <a:ext cx="10515600" cy="4895850"/>
+              </a:xfrm>
+              <a:blipFill>
+                <a:blip r:embed="rId3"/>
+                <a:stretch>
+                  <a:fillRect l="-696"/>
+                </a:stretch>
+              </a:blipFill>
+            </p:spPr>
+            <p:txBody>
+              <a:bodyPr/>
+              <a:lstStyle/>
+              <a:p>
+                <a:r>
+                  <a:rPr lang="zh-TW" altLang="en-US">
+                    <a:noFill/>
+                  </a:rPr>
+                  <a:t> </a:t>
+                </a:r>
+              </a:p>
+            </p:txBody>
+          </p:sp>
+        </mc:Fallback>
+      </mc:AlternateContent>
+      <p:sp>
+        <p:nvSpPr>
+          <p:cNvPr id="4" name="投影片編號版面配置區 3">
+            <a:extLst>
+              <a:ext uri="{FF2B5EF4-FFF2-40B4-BE49-F238E27FC236}">
+                <a16:creationId xmlns:a16="http://schemas.microsoft.com/office/drawing/2014/main" id="{75FE7E51-3153-478A-D8A4-7E30B3D4AF4C}"/>
+              </a:ext>
+            </a:extLst>
+          </p:cNvPr>
+          <p:cNvSpPr>
+            <a:spLocks noGrp="1"/>
+          </p:cNvSpPr>
+          <p:nvPr>
+            <p:ph type="sldNum" sz="quarter" idx="12"/>
+          </p:nvPr>
+        </p:nvSpPr>
+        <p:spPr/>
+        <p:txBody>
+          <a:bodyPr/>
+          <a:lstStyle/>
+          <a:p>
+            <a:fld id="{666274A1-CF9C-426A-8DD4-B13ED0C24231}" type="slidenum">
+              <a:rPr lang="en-US" smtClean="0"/>
+              <a:t>10</a:t>
+            </a:fld>
+            <a:endParaRPr lang="en-US"/>
           </a:p>
         </p:txBody>
       </p:sp>
       <p:pic>
         <p:nvPicPr>
-          <p:cNvPr id="6" name="內容版面配置區 5">
-            <a:extLst>
-              <a:ext uri="{FF2B5EF4-FFF2-40B4-BE49-F238E27FC236}">
-                <a16:creationId xmlns:a16="http://schemas.microsoft.com/office/drawing/2014/main" id="{FAFD1D33-569C-F65A-6431-0CC47395F37F}"/>
+          <p:cNvPr id="6" name="圖片 5">
+            <a:extLst>
+              <a:ext uri="{FF2B5EF4-FFF2-40B4-BE49-F238E27FC236}">
+                <a16:creationId xmlns:a16="http://schemas.microsoft.com/office/drawing/2014/main" id="{CE6AB594-E603-3F82-6564-C5CA8573E9C0}"/>
               </a:ext>
             </a:extLst>
           </p:cNvPr>
           <p:cNvPicPr>
-            <a:picLocks noGrp="1" noChangeAspect="1"/>
+            <a:picLocks noChangeAspect="1"/>
           </p:cNvPicPr>
-          <p:nvPr>
-            <p:ph idx="1"/>
-          </p:nvPr>
+          <p:nvPr/>
         </p:nvPicPr>
         <p:blipFill>
-          <a:blip r:embed="rId2"/>
+          <a:blip r:embed="rId4"/>
           <a:stretch>
             <a:fillRect/>
           </a:stretch>
         </p:blipFill>
         <p:spPr>
           <a:xfrm>
-            <a:off x="2860272" y="1575594"/>
-            <a:ext cx="6471455" cy="4895850"/>
+            <a:off x="6096000" y="136525"/>
+            <a:ext cx="5465894" cy="2103012"/>
           </a:xfrm>
+          <a:prstGeom prst="rect">
+            <a:avLst/>
+          </a:prstGeom>
         </p:spPr>
       </p:pic>
-      <p:sp>
-        <p:nvSpPr>
-          <p:cNvPr id="4" name="投影片編號版面配置區 3">
-            <a:extLst>
-              <a:ext uri="{FF2B5EF4-FFF2-40B4-BE49-F238E27FC236}">
-                <a16:creationId xmlns:a16="http://schemas.microsoft.com/office/drawing/2014/main" id="{E170D164-5E43-0D64-2651-D812DF971DF0}"/>
-              </a:ext>
-            </a:extLst>
-          </p:cNvPr>
-          <p:cNvSpPr>
-            <a:spLocks noGrp="1"/>
-          </p:cNvSpPr>
-          <p:nvPr>
-            <p:ph type="sldNum" sz="quarter" idx="12"/>
-          </p:nvPr>
-        </p:nvSpPr>
-        <p:spPr/>
-        <p:txBody>
-          <a:bodyPr/>
-          <a:lstStyle/>
-          <a:p>
-            <a:fld id="{666274A1-CF9C-426A-8DD4-B13ED0C24231}" type="slidenum">
-              <a:rPr lang="en-US" smtClean="0"/>
-              <a:t>10</a:t>
-            </a:fld>
-            <a:endParaRPr lang="en-US"/>
-          </a:p>
-        </p:txBody>
-      </p:sp>
     </p:spTree>
     <p:extLst>
       <p:ext uri="{BB962C8B-B14F-4D97-AF65-F5344CB8AC3E}">
-        <p14:creationId xmlns:p14="http://schemas.microsoft.com/office/powerpoint/2010/main" val="663736613"/>
+        <p14:creationId xmlns:p14="http://schemas.microsoft.com/office/powerpoint/2010/main" val="3284811820"/>
       </p:ext>
     </p:extLst>
   </p:cSld>
@@ -7133,7 +7634,7 @@
           <p:cNvPr id="2" name="標題 1">
             <a:extLst>
               <a:ext uri="{FF2B5EF4-FFF2-40B4-BE49-F238E27FC236}">
-                <a16:creationId xmlns:a16="http://schemas.microsoft.com/office/drawing/2014/main" id="{FD28F0D8-549F-0F5A-0929-4EE037E6D213}"/>
+                <a16:creationId xmlns:a16="http://schemas.microsoft.com/office/drawing/2014/main" id="{5286E359-E626-B493-ABAF-94D504ABD4C3}"/>
               </a:ext>
             </a:extLst>
           </p:cNvPr>
@@ -7151,15 +7652,7 @@
           <a:p>
             <a:r>
               <a:rPr lang="en-US" altLang="zh-TW" sz="4000" dirty="0"/>
-              <a:t>Methodology</a:t>
-            </a:r>
-            <a:r>
-              <a:rPr lang="en-US" altLang="zh-TW" dirty="0"/>
-              <a:t> </a:t>
-            </a:r>
-            <a:r>
-              <a:rPr lang="en-US" altLang="zh-TW" sz="2800" dirty="0"/>
-              <a:t>– Feature Extraction</a:t>
+              <a:t>Preliminaries</a:t>
             </a:r>
             <a:endParaRPr lang="zh-TW" altLang="en-US" dirty="0"/>
           </a:p>
@@ -7170,7 +7663,7 @@
           <p:cNvPr id="3" name="內容版面配置區 2">
             <a:extLst>
               <a:ext uri="{FF2B5EF4-FFF2-40B4-BE49-F238E27FC236}">
-                <a16:creationId xmlns:a16="http://schemas.microsoft.com/office/drawing/2014/main" id="{A631D7BD-9745-5DAE-5222-935ABF471125}"/>
+                <a16:creationId xmlns:a16="http://schemas.microsoft.com/office/drawing/2014/main" id="{64602112-5F7A-7122-5DB0-E3E666D8CB39}"/>
               </a:ext>
             </a:extLst>
           </p:cNvPr>
@@ -7181,66 +7674,86 @@
             <p:ph idx="1"/>
           </p:nvPr>
         </p:nvSpPr>
-        <p:spPr/>
-        <p:txBody>
-          <a:bodyPr>
-            <a:normAutofit/>
-          </a:bodyPr>
+        <p:spPr>
+          <a:xfrm>
+            <a:off x="838200" y="1690688"/>
+            <a:ext cx="10515600" cy="4486275"/>
+          </a:xfrm>
+        </p:spPr>
+        <p:txBody>
+          <a:bodyPr/>
           <a:lstStyle/>
           <a:p>
             <a:pPr>
               <a:lnSpc>
-                <a:spcPct val="125000"/>
+                <a:spcPct val="150000"/>
               </a:lnSpc>
             </a:pPr>
             <a:r>
               <a:rPr lang="en-US" altLang="zh-TW" sz="2200" dirty="0"/>
-              <a:t>Training layouts are generated by a multiple power domain design with different densities of sub-meshes.</a:t>
-            </a:r>
+              <a:t>Problem input</a:t>
+            </a:r>
+          </a:p>
+          <a:p>
+            <a:pPr lvl="1">
+              <a:lnSpc>
+                <a:spcPct val="150000"/>
+              </a:lnSpc>
+            </a:pPr>
+            <a:r>
+              <a:rPr lang="en-US" altLang="zh-TW" sz="1800" dirty="0"/>
+              <a:t>A timing-driven placed and clock-routed multiple power domain design.</a:t>
+            </a:r>
+          </a:p>
+          <a:p>
+            <a:pPr lvl="1">
+              <a:lnSpc>
+                <a:spcPct val="150000"/>
+              </a:lnSpc>
+            </a:pPr>
+            <a:r>
+              <a:rPr lang="en-US" altLang="zh-TW" sz="1800" dirty="0"/>
+              <a:t>A set of cross-domain cells and corresponding power sources, primary power mesh and signal routing distributions (</a:t>
+            </a:r>
+            <a:r>
+              <a:rPr lang="en-US" altLang="zh-TW" sz="1800"/>
+              <a:t>global routing).</a:t>
+            </a:r>
+            <a:endParaRPr lang="en-US" altLang="zh-TW" sz="1800" dirty="0"/>
           </a:p>
           <a:p>
             <a:pPr>
               <a:lnSpc>
-                <a:spcPct val="125000"/>
+                <a:spcPct val="150000"/>
               </a:lnSpc>
             </a:pPr>
             <a:r>
               <a:rPr lang="en-US" altLang="zh-TW" sz="2200" dirty="0"/>
-              <a:t>The training layout is partitioned into uniform grids.</a:t>
-            </a:r>
-          </a:p>
-          <a:p>
-            <a:pPr>
+              <a:t>Goal</a:t>
+            </a:r>
+          </a:p>
+          <a:p>
+            <a:pPr lvl="1">
               <a:lnSpc>
-                <a:spcPct val="125000"/>
+                <a:spcPct val="150000"/>
               </a:lnSpc>
             </a:pPr>
             <a:r>
-              <a:rPr lang="en-US" altLang="zh-TW" sz="2200" dirty="0"/>
-              <a:t>The datasets contain around 20K cross-domain cell instances</a:t>
+              <a:rPr lang="en-US" altLang="zh-TW" sz="1800" dirty="0"/>
+              <a:t>To construct power sub-meshes such that the IR drop constraints on cross-domain cells are satisfied.</a:t>
             </a:r>
           </a:p>
           <a:p>
             <a:pPr lvl="1">
               <a:lnSpc>
-                <a:spcPct val="125000"/>
+                <a:spcPct val="150000"/>
               </a:lnSpc>
             </a:pPr>
             <a:r>
               <a:rPr lang="en-US" altLang="zh-TW" sz="1800" dirty="0"/>
-              <a:t>Split them into training and validation sets with 80 : 20 split ratio.</a:t>
-            </a:r>
-          </a:p>
-          <a:p>
-            <a:pPr lvl="1">
-              <a:lnSpc>
-                <a:spcPct val="125000"/>
-              </a:lnSpc>
-            </a:pPr>
-            <a:r>
-              <a:rPr lang="en-US" altLang="zh-TW" sz="1800" dirty="0"/>
-              <a:t>Perform normalization and standardization on the data feature values before the training process</a:t>
-            </a:r>
+              <a:t>Design rule violations on signal routing are minimized without timing degradation.</a:t>
+            </a:r>
+            <a:endParaRPr lang="zh-TW" altLang="en-US" sz="1800" dirty="0"/>
           </a:p>
         </p:txBody>
       </p:sp>
@@ -7249,7 +7762,7 @@
           <p:cNvPr id="4" name="投影片編號版面配置區 3">
             <a:extLst>
               <a:ext uri="{FF2B5EF4-FFF2-40B4-BE49-F238E27FC236}">
-                <a16:creationId xmlns:a16="http://schemas.microsoft.com/office/drawing/2014/main" id="{29205F26-7060-16BC-949B-03B5E192AEFC}"/>
+                <a16:creationId xmlns:a16="http://schemas.microsoft.com/office/drawing/2014/main" id="{BEB3191F-3D5D-B9EF-1EDE-CD891F6DB1AD}"/>
               </a:ext>
             </a:extLst>
           </p:cNvPr>
@@ -7276,7 +7789,7 @@
     </p:spTree>
     <p:extLst>
       <p:ext uri="{BB962C8B-B14F-4D97-AF65-F5344CB8AC3E}">
-        <p14:creationId xmlns:p14="http://schemas.microsoft.com/office/powerpoint/2010/main" val="2703942916"/>
+        <p14:creationId xmlns:p14="http://schemas.microsoft.com/office/powerpoint/2010/main" val="3031697280"/>
       </p:ext>
     </p:extLst>
   </p:cSld>
@@ -7305,6 +7818,510 @@
       </p:grpSpPr>
       <p:sp>
         <p:nvSpPr>
+          <p:cNvPr id="2" name="標題 1">
+            <a:extLst>
+              <a:ext uri="{FF2B5EF4-FFF2-40B4-BE49-F238E27FC236}">
+                <a16:creationId xmlns:a16="http://schemas.microsoft.com/office/drawing/2014/main" id="{F95E0C03-DA09-BCA5-440A-A05C34D99715}"/>
+              </a:ext>
+            </a:extLst>
+          </p:cNvPr>
+          <p:cNvSpPr>
+            <a:spLocks noGrp="1"/>
+          </p:cNvSpPr>
+          <p:nvPr>
+            <p:ph type="title"/>
+          </p:nvPr>
+        </p:nvSpPr>
+        <p:spPr/>
+        <p:txBody>
+          <a:bodyPr/>
+          <a:lstStyle/>
+          <a:p>
+            <a:r>
+              <a:rPr lang="en-US" altLang="zh-TW" sz="4000" dirty="0">
+                <a:latin typeface="Times" panose="02020603050405020304" pitchFamily="18" charset="0"/>
+                <a:cs typeface="Times" panose="02020603050405020304" pitchFamily="18" charset="0"/>
+              </a:rPr>
+              <a:t>Outline</a:t>
+            </a:r>
+            <a:endParaRPr lang="zh-TW" altLang="en-US" dirty="0">
+              <a:latin typeface="Times" panose="02020603050405020304" pitchFamily="18" charset="0"/>
+              <a:cs typeface="Times" panose="02020603050405020304" pitchFamily="18" charset="0"/>
+            </a:endParaRPr>
+          </a:p>
+        </p:txBody>
+      </p:sp>
+      <p:sp>
+        <p:nvSpPr>
+          <p:cNvPr id="3" name="內容版面配置區 2">
+            <a:extLst>
+              <a:ext uri="{FF2B5EF4-FFF2-40B4-BE49-F238E27FC236}">
+                <a16:creationId xmlns:a16="http://schemas.microsoft.com/office/drawing/2014/main" id="{F671C038-AE51-E136-6B1E-6C38BF235BBE}"/>
+              </a:ext>
+            </a:extLst>
+          </p:cNvPr>
+          <p:cNvSpPr>
+            <a:spLocks noGrp="1"/>
+          </p:cNvSpPr>
+          <p:nvPr>
+            <p:ph idx="1"/>
+          </p:nvPr>
+        </p:nvSpPr>
+        <p:spPr bwMode="auto">
+          <a:xfrm>
+            <a:off x="838200" y="1620000"/>
+            <a:ext cx="10515600" cy="4351338"/>
+          </a:xfrm>
+        </p:spPr>
+        <p:txBody>
+          <a:bodyPr>
+            <a:normAutofit/>
+          </a:bodyPr>
+          <a:lstStyle/>
+          <a:p>
+            <a:pPr>
+              <a:lnSpc>
+                <a:spcPct val="150000"/>
+              </a:lnSpc>
+            </a:pPr>
+            <a:r>
+              <a:rPr lang="en-US" altLang="zh-TW" sz="2400" dirty="0">
+                <a:solidFill>
+                  <a:schemeClr val="bg1">
+                    <a:lumMod val="65000"/>
+                  </a:schemeClr>
+                </a:solidFill>
+              </a:rPr>
+              <a:t>Introduction</a:t>
+            </a:r>
+          </a:p>
+          <a:p>
+            <a:pPr>
+              <a:lnSpc>
+                <a:spcPct val="150000"/>
+              </a:lnSpc>
+            </a:pPr>
+            <a:r>
+              <a:rPr lang="en-US" altLang="zh-TW" sz="2400" dirty="0">
+                <a:solidFill>
+                  <a:schemeClr val="bg1">
+                    <a:lumMod val="65000"/>
+                  </a:schemeClr>
+                </a:solidFill>
+              </a:rPr>
+              <a:t>Preliminaries</a:t>
+            </a:r>
+          </a:p>
+          <a:p>
+            <a:pPr>
+              <a:lnSpc>
+                <a:spcPct val="150000"/>
+              </a:lnSpc>
+            </a:pPr>
+            <a:r>
+              <a:rPr lang="en-US" altLang="zh-TW" sz="2400" dirty="0"/>
+              <a:t>Methodology</a:t>
+            </a:r>
+          </a:p>
+          <a:p>
+            <a:pPr>
+              <a:lnSpc>
+                <a:spcPct val="150000"/>
+              </a:lnSpc>
+            </a:pPr>
+            <a:r>
+              <a:rPr lang="en-US" altLang="zh-TW" sz="2400" dirty="0">
+                <a:solidFill>
+                  <a:schemeClr val="bg1">
+                    <a:lumMod val="65000"/>
+                  </a:schemeClr>
+                </a:solidFill>
+              </a:rPr>
+              <a:t>Experimental</a:t>
+            </a:r>
+            <a:r>
+              <a:rPr lang="en-US" altLang="zh-TW" dirty="0">
+                <a:solidFill>
+                  <a:schemeClr val="bg1">
+                    <a:lumMod val="65000"/>
+                  </a:schemeClr>
+                </a:solidFill>
+              </a:rPr>
+              <a:t> </a:t>
+            </a:r>
+            <a:r>
+              <a:rPr lang="en-US" altLang="zh-TW" sz="2400" dirty="0">
+                <a:solidFill>
+                  <a:schemeClr val="bg1">
+                    <a:lumMod val="65000"/>
+                  </a:schemeClr>
+                </a:solidFill>
+              </a:rPr>
+              <a:t>Results</a:t>
+            </a:r>
+            <a:endParaRPr lang="zh-TW" altLang="en-US" dirty="0">
+              <a:solidFill>
+                <a:schemeClr val="bg1">
+                  <a:lumMod val="65000"/>
+                </a:schemeClr>
+              </a:solidFill>
+            </a:endParaRPr>
+          </a:p>
+        </p:txBody>
+      </p:sp>
+      <p:sp>
+        <p:nvSpPr>
+          <p:cNvPr id="4" name="投影片編號版面配置區 3">
+            <a:extLst>
+              <a:ext uri="{FF2B5EF4-FFF2-40B4-BE49-F238E27FC236}">
+                <a16:creationId xmlns:a16="http://schemas.microsoft.com/office/drawing/2014/main" id="{5891B803-9796-C957-1032-D2F5DFAFFD47}"/>
+              </a:ext>
+            </a:extLst>
+          </p:cNvPr>
+          <p:cNvSpPr>
+            <a:spLocks noGrp="1"/>
+          </p:cNvSpPr>
+          <p:nvPr>
+            <p:ph type="sldNum" sz="quarter" idx="12"/>
+          </p:nvPr>
+        </p:nvSpPr>
+        <p:spPr/>
+        <p:txBody>
+          <a:bodyPr/>
+          <a:lstStyle/>
+          <a:p>
+            <a:fld id="{666274A1-CF9C-426A-8DD4-B13ED0C24231}" type="slidenum">
+              <a:rPr lang="en-US" smtClean="0"/>
+              <a:t>12</a:t>
+            </a:fld>
+            <a:endParaRPr lang="en-US"/>
+          </a:p>
+        </p:txBody>
+      </p:sp>
+    </p:spTree>
+    <p:extLst>
+      <p:ext uri="{BB962C8B-B14F-4D97-AF65-F5344CB8AC3E}">
+        <p14:creationId xmlns:p14="http://schemas.microsoft.com/office/powerpoint/2010/main" val="3410730265"/>
+      </p:ext>
+    </p:extLst>
+  </p:cSld>
+  <p:clrMapOvr>
+    <a:masterClrMapping/>
+  </p:clrMapOvr>
+</p:sld>
+</file>
+
+<file path=ppt/slides/slide14.xml><?xml version="1.0" encoding="utf-8"?>
+<p:sld xmlns:a="http://schemas.openxmlformats.org/drawingml/2006/main" xmlns:r="http://schemas.openxmlformats.org/officeDocument/2006/relationships" xmlns:p="http://schemas.openxmlformats.org/presentationml/2006/main">
+  <p:cSld>
+    <p:spTree>
+      <p:nvGrpSpPr>
+        <p:cNvPr id="1" name=""/>
+        <p:cNvGrpSpPr/>
+        <p:nvPr/>
+      </p:nvGrpSpPr>
+      <p:grpSpPr>
+        <a:xfrm>
+          <a:off x="0" y="0"/>
+          <a:ext cx="0" cy="0"/>
+          <a:chOff x="0" y="0"/>
+          <a:chExt cx="0" cy="0"/>
+        </a:xfrm>
+      </p:grpSpPr>
+      <p:sp>
+        <p:nvSpPr>
+          <p:cNvPr id="2" name="標題 1">
+            <a:extLst>
+              <a:ext uri="{FF2B5EF4-FFF2-40B4-BE49-F238E27FC236}">
+                <a16:creationId xmlns:a16="http://schemas.microsoft.com/office/drawing/2014/main" id="{27366C51-2F74-B127-3481-5D12174C21C1}"/>
+              </a:ext>
+            </a:extLst>
+          </p:cNvPr>
+          <p:cNvSpPr>
+            <a:spLocks noGrp="1"/>
+          </p:cNvSpPr>
+          <p:nvPr>
+            <p:ph type="title"/>
+          </p:nvPr>
+        </p:nvSpPr>
+        <p:spPr/>
+        <p:txBody>
+          <a:bodyPr/>
+          <a:lstStyle/>
+          <a:p>
+            <a:r>
+              <a:rPr lang="en-US" altLang="zh-TW" sz="4000" dirty="0"/>
+              <a:t>Methodology</a:t>
+            </a:r>
+            <a:endParaRPr lang="zh-TW" altLang="en-US" dirty="0"/>
+          </a:p>
+        </p:txBody>
+      </p:sp>
+      <p:pic>
+        <p:nvPicPr>
+          <p:cNvPr id="6" name="內容版面配置區 5">
+            <a:extLst>
+              <a:ext uri="{FF2B5EF4-FFF2-40B4-BE49-F238E27FC236}">
+                <a16:creationId xmlns:a16="http://schemas.microsoft.com/office/drawing/2014/main" id="{FAFD1D33-569C-F65A-6431-0CC47395F37F}"/>
+              </a:ext>
+            </a:extLst>
+          </p:cNvPr>
+          <p:cNvPicPr>
+            <a:picLocks noGrp="1" noChangeAspect="1"/>
+          </p:cNvPicPr>
+          <p:nvPr>
+            <p:ph idx="1"/>
+          </p:nvPr>
+        </p:nvPicPr>
+        <p:blipFill>
+          <a:blip r:embed="rId2"/>
+          <a:stretch>
+            <a:fillRect/>
+          </a:stretch>
+        </p:blipFill>
+        <p:spPr>
+          <a:xfrm>
+            <a:off x="2860272" y="1575594"/>
+            <a:ext cx="6471455" cy="4895850"/>
+          </a:xfrm>
+        </p:spPr>
+      </p:pic>
+      <p:sp>
+        <p:nvSpPr>
+          <p:cNvPr id="4" name="投影片編號版面配置區 3">
+            <a:extLst>
+              <a:ext uri="{FF2B5EF4-FFF2-40B4-BE49-F238E27FC236}">
+                <a16:creationId xmlns:a16="http://schemas.microsoft.com/office/drawing/2014/main" id="{E170D164-5E43-0D64-2651-D812DF971DF0}"/>
+              </a:ext>
+            </a:extLst>
+          </p:cNvPr>
+          <p:cNvSpPr>
+            <a:spLocks noGrp="1"/>
+          </p:cNvSpPr>
+          <p:nvPr>
+            <p:ph type="sldNum" sz="quarter" idx="12"/>
+          </p:nvPr>
+        </p:nvSpPr>
+        <p:spPr/>
+        <p:txBody>
+          <a:bodyPr/>
+          <a:lstStyle/>
+          <a:p>
+            <a:fld id="{666274A1-CF9C-426A-8DD4-B13ED0C24231}" type="slidenum">
+              <a:rPr lang="en-US" smtClean="0"/>
+              <a:t>13</a:t>
+            </a:fld>
+            <a:endParaRPr lang="en-US"/>
+          </a:p>
+        </p:txBody>
+      </p:sp>
+    </p:spTree>
+    <p:extLst>
+      <p:ext uri="{BB962C8B-B14F-4D97-AF65-F5344CB8AC3E}">
+        <p14:creationId xmlns:p14="http://schemas.microsoft.com/office/powerpoint/2010/main" val="663736613"/>
+      </p:ext>
+    </p:extLst>
+  </p:cSld>
+  <p:clrMapOvr>
+    <a:masterClrMapping/>
+  </p:clrMapOvr>
+</p:sld>
+</file>
+
+<file path=ppt/slides/slide15.xml><?xml version="1.0" encoding="utf-8"?>
+<p:sld xmlns:a="http://schemas.openxmlformats.org/drawingml/2006/main" xmlns:r="http://schemas.openxmlformats.org/officeDocument/2006/relationships" xmlns:p="http://schemas.openxmlformats.org/presentationml/2006/main">
+  <p:cSld>
+    <p:spTree>
+      <p:nvGrpSpPr>
+        <p:cNvPr id="1" name=""/>
+        <p:cNvGrpSpPr/>
+        <p:nvPr/>
+      </p:nvGrpSpPr>
+      <p:grpSpPr>
+        <a:xfrm>
+          <a:off x="0" y="0"/>
+          <a:ext cx="0" cy="0"/>
+          <a:chOff x="0" y="0"/>
+          <a:chExt cx="0" cy="0"/>
+        </a:xfrm>
+      </p:grpSpPr>
+      <p:sp>
+        <p:nvSpPr>
+          <p:cNvPr id="2" name="標題 1">
+            <a:extLst>
+              <a:ext uri="{FF2B5EF4-FFF2-40B4-BE49-F238E27FC236}">
+                <a16:creationId xmlns:a16="http://schemas.microsoft.com/office/drawing/2014/main" id="{FD28F0D8-549F-0F5A-0929-4EE037E6D213}"/>
+              </a:ext>
+            </a:extLst>
+          </p:cNvPr>
+          <p:cNvSpPr>
+            <a:spLocks noGrp="1"/>
+          </p:cNvSpPr>
+          <p:nvPr>
+            <p:ph type="title"/>
+          </p:nvPr>
+        </p:nvSpPr>
+        <p:spPr/>
+        <p:txBody>
+          <a:bodyPr/>
+          <a:lstStyle/>
+          <a:p>
+            <a:r>
+              <a:rPr lang="en-US" altLang="zh-TW" sz="4000" dirty="0"/>
+              <a:t>Methodology</a:t>
+            </a:r>
+            <a:r>
+              <a:rPr lang="en-US" altLang="zh-TW" dirty="0"/>
+              <a:t> </a:t>
+            </a:r>
+            <a:r>
+              <a:rPr lang="en-US" altLang="zh-TW" sz="2800" dirty="0"/>
+              <a:t>– Feature Extraction</a:t>
+            </a:r>
+            <a:endParaRPr lang="zh-TW" altLang="en-US" dirty="0"/>
+          </a:p>
+        </p:txBody>
+      </p:sp>
+      <p:sp>
+        <p:nvSpPr>
+          <p:cNvPr id="3" name="內容版面配置區 2">
+            <a:extLst>
+              <a:ext uri="{FF2B5EF4-FFF2-40B4-BE49-F238E27FC236}">
+                <a16:creationId xmlns:a16="http://schemas.microsoft.com/office/drawing/2014/main" id="{A631D7BD-9745-5DAE-5222-935ABF471125}"/>
+              </a:ext>
+            </a:extLst>
+          </p:cNvPr>
+          <p:cNvSpPr>
+            <a:spLocks noGrp="1"/>
+          </p:cNvSpPr>
+          <p:nvPr>
+            <p:ph idx="1"/>
+          </p:nvPr>
+        </p:nvSpPr>
+        <p:spPr/>
+        <p:txBody>
+          <a:bodyPr>
+            <a:normAutofit/>
+          </a:bodyPr>
+          <a:lstStyle/>
+          <a:p>
+            <a:pPr>
+              <a:lnSpc>
+                <a:spcPct val="125000"/>
+              </a:lnSpc>
+            </a:pPr>
+            <a:r>
+              <a:rPr lang="en-US" altLang="zh-TW" sz="2200" dirty="0"/>
+              <a:t>Training layouts are generated by a multiple power domain design with different densities of sub-meshes.</a:t>
+            </a:r>
+          </a:p>
+          <a:p>
+            <a:pPr>
+              <a:lnSpc>
+                <a:spcPct val="125000"/>
+              </a:lnSpc>
+            </a:pPr>
+            <a:r>
+              <a:rPr lang="en-US" altLang="zh-TW" sz="2200" dirty="0"/>
+              <a:t>The training layout is partitioned into uniform grids.</a:t>
+            </a:r>
+          </a:p>
+          <a:p>
+            <a:pPr>
+              <a:lnSpc>
+                <a:spcPct val="125000"/>
+              </a:lnSpc>
+            </a:pPr>
+            <a:r>
+              <a:rPr lang="en-US" altLang="zh-TW" sz="2200" dirty="0"/>
+              <a:t>The datasets contain around 20K cross-domain cell instances</a:t>
+            </a:r>
+          </a:p>
+          <a:p>
+            <a:pPr lvl="1">
+              <a:lnSpc>
+                <a:spcPct val="125000"/>
+              </a:lnSpc>
+            </a:pPr>
+            <a:r>
+              <a:rPr lang="en-US" altLang="zh-TW" sz="1800" dirty="0"/>
+              <a:t>Split them into training and validation sets with 80 : 20 split ratio.</a:t>
+            </a:r>
+          </a:p>
+          <a:p>
+            <a:pPr lvl="1">
+              <a:lnSpc>
+                <a:spcPct val="125000"/>
+              </a:lnSpc>
+            </a:pPr>
+            <a:r>
+              <a:rPr lang="en-US" altLang="zh-TW" sz="1800" dirty="0"/>
+              <a:t>Perform normalization and standardization on the data feature values before the training process</a:t>
+            </a:r>
+          </a:p>
+        </p:txBody>
+      </p:sp>
+      <p:sp>
+        <p:nvSpPr>
+          <p:cNvPr id="4" name="投影片編號版面配置區 3">
+            <a:extLst>
+              <a:ext uri="{FF2B5EF4-FFF2-40B4-BE49-F238E27FC236}">
+                <a16:creationId xmlns:a16="http://schemas.microsoft.com/office/drawing/2014/main" id="{29205F26-7060-16BC-949B-03B5E192AEFC}"/>
+              </a:ext>
+            </a:extLst>
+          </p:cNvPr>
+          <p:cNvSpPr>
+            <a:spLocks noGrp="1"/>
+          </p:cNvSpPr>
+          <p:nvPr>
+            <p:ph type="sldNum" sz="quarter" idx="12"/>
+          </p:nvPr>
+        </p:nvSpPr>
+        <p:spPr/>
+        <p:txBody>
+          <a:bodyPr/>
+          <a:lstStyle/>
+          <a:p>
+            <a:fld id="{666274A1-CF9C-426A-8DD4-B13ED0C24231}" type="slidenum">
+              <a:rPr lang="en-US" smtClean="0"/>
+              <a:t>14</a:t>
+            </a:fld>
+            <a:endParaRPr lang="en-US"/>
+          </a:p>
+        </p:txBody>
+      </p:sp>
+    </p:spTree>
+    <p:extLst>
+      <p:ext uri="{BB962C8B-B14F-4D97-AF65-F5344CB8AC3E}">
+        <p14:creationId xmlns:p14="http://schemas.microsoft.com/office/powerpoint/2010/main" val="2703942916"/>
+      </p:ext>
+    </p:extLst>
+  </p:cSld>
+  <p:clrMapOvr>
+    <a:masterClrMapping/>
+  </p:clrMapOvr>
+</p:sld>
+</file>
+
+<file path=ppt/slides/slide16.xml><?xml version="1.0" encoding="utf-8"?>
+<p:sld xmlns:a="http://schemas.openxmlformats.org/drawingml/2006/main" xmlns:r="http://schemas.openxmlformats.org/officeDocument/2006/relationships" xmlns:p="http://schemas.openxmlformats.org/presentationml/2006/main">
+  <p:cSld>
+    <p:spTree>
+      <p:nvGrpSpPr>
+        <p:cNvPr id="1" name=""/>
+        <p:cNvGrpSpPr/>
+        <p:nvPr/>
+      </p:nvGrpSpPr>
+      <p:grpSpPr>
+        <a:xfrm>
+          <a:off x="0" y="0"/>
+          <a:ext cx="0" cy="0"/>
+          <a:chOff x="0" y="0"/>
+          <a:chExt cx="0" cy="0"/>
+        </a:xfrm>
+      </p:grpSpPr>
+      <p:sp>
+        <p:nvSpPr>
           <p:cNvPr id="3" name="內容版面配置區 2">
             <a:extLst>
               <a:ext uri="{FF2B5EF4-FFF2-40B4-BE49-F238E27FC236}">
@@ -7362,7 +8379,7 @@
           <a:p>
             <a:fld id="{666274A1-CF9C-426A-8DD4-B13ED0C24231}" type="slidenum">
               <a:rPr lang="en-US" smtClean="0"/>
-              <a:t>12</a:t>
+              <a:t>15</a:t>
             </a:fld>
             <a:endParaRPr lang="en-US"/>
           </a:p>
@@ -8304,7 +9321,7 @@
             </a:pPr>
             <a:r>
               <a:rPr lang="en-US" altLang="zh-TW" sz="1600" dirty="0"/>
-              <a:t>the static IR drop value of each cross-domain cell (with direct or indirect supply) reported by the IR drop simulation tool</a:t>
+              <a:t>The static IR drop value of each cross-domain cell (with direct or indirect supply) reported by the IR drop simulation tool</a:t>
             </a:r>
           </a:p>
           <a:p>
@@ -8336,7 +9353,7 @@
 </p:sld>
 </file>
 
-<file path=ppt/slides/slide14.xml><?xml version="1.0" encoding="utf-8"?>
+<file path=ppt/slides/slide17.xml><?xml version="1.0" encoding="utf-8"?>
 <p:sld xmlns:a="http://schemas.openxmlformats.org/drawingml/2006/main" xmlns:r="http://schemas.openxmlformats.org/officeDocument/2006/relationships" xmlns:p="http://schemas.openxmlformats.org/presentationml/2006/main">
   <p:cSld>
     <p:spTree>
@@ -8742,7 +9759,7 @@
           <a:p>
             <a:fld id="{666274A1-CF9C-426A-8DD4-B13ED0C24231}" type="slidenum">
               <a:rPr lang="en-US" smtClean="0"/>
-              <a:t>13</a:t>
+              <a:t>16</a:t>
             </a:fld>
             <a:endParaRPr lang="en-US"/>
           </a:p>
@@ -8821,7 +9838,7 @@
 </p:sld>
 </file>
 
-<file path=ppt/slides/slide15.xml><?xml version="1.0" encoding="utf-8"?>
+<file path=ppt/slides/slide18.xml><?xml version="1.0" encoding="utf-8"?>
 <p:sld xmlns:a="http://schemas.openxmlformats.org/drawingml/2006/main" xmlns:r="http://schemas.openxmlformats.org/officeDocument/2006/relationships" xmlns:p="http://schemas.openxmlformats.org/presentationml/2006/main">
   <p:cSld>
     <p:spTree>
@@ -9003,7 +10020,7 @@
           <a:p>
             <a:fld id="{666274A1-CF9C-426A-8DD4-B13ED0C24231}" type="slidenum">
               <a:rPr lang="en-US" smtClean="0"/>
-              <a:t>14</a:t>
+              <a:t>17</a:t>
             </a:fld>
             <a:endParaRPr lang="en-US"/>
           </a:p>
@@ -9126,7 +10143,7 @@
 </p:sld>
 </file>
 
-<file path=ppt/slides/slide16.xml><?xml version="1.0" encoding="utf-8"?>
+<file path=ppt/slides/slide19.xml><?xml version="1.0" encoding="utf-8"?>
 <p:sld xmlns:a="http://schemas.openxmlformats.org/drawingml/2006/main" xmlns:r="http://schemas.openxmlformats.org/officeDocument/2006/relationships" xmlns:p="http://schemas.openxmlformats.org/presentationml/2006/main">
   <p:cSld>
     <p:spTree>
@@ -9203,7 +10220,7 @@
           <a:p>
             <a:fld id="{666274A1-CF9C-426A-8DD4-B13ED0C24231}" type="slidenum">
               <a:rPr lang="en-US" smtClean="0"/>
-              <a:t>15</a:t>
+              <a:t>18</a:t>
             </a:fld>
             <a:endParaRPr lang="en-US"/>
           </a:p>
@@ -9277,7 +10294,7 @@
 </p:sld>
 </file>
 
-<file path=ppt/slides/slide17.xml><?xml version="1.0" encoding="utf-8"?>
+<file path=ppt/slides/slide2.xml><?xml version="1.0" encoding="utf-8"?>
 <p:sld xmlns:a="http://schemas.openxmlformats.org/drawingml/2006/main" xmlns:r="http://schemas.openxmlformats.org/officeDocument/2006/relationships" xmlns:p="http://schemas.openxmlformats.org/presentationml/2006/main">
   <p:cSld>
     <p:spTree>
@@ -9299,6 +10316,182 @@
           <p:cNvPr id="2" name="標題 1">
             <a:extLst>
               <a:ext uri="{FF2B5EF4-FFF2-40B4-BE49-F238E27FC236}">
+                <a16:creationId xmlns:a16="http://schemas.microsoft.com/office/drawing/2014/main" id="{F95E0C03-DA09-BCA5-440A-A05C34D99715}"/>
+              </a:ext>
+            </a:extLst>
+          </p:cNvPr>
+          <p:cNvSpPr>
+            <a:spLocks noGrp="1"/>
+          </p:cNvSpPr>
+          <p:nvPr>
+            <p:ph type="title"/>
+          </p:nvPr>
+        </p:nvSpPr>
+        <p:spPr/>
+        <p:txBody>
+          <a:bodyPr/>
+          <a:lstStyle/>
+          <a:p>
+            <a:r>
+              <a:rPr lang="en-US" altLang="zh-TW" sz="4000" dirty="0">
+                <a:latin typeface="Times" panose="02020603050405020304" pitchFamily="18" charset="0"/>
+                <a:cs typeface="Times" panose="02020603050405020304" pitchFamily="18" charset="0"/>
+              </a:rPr>
+              <a:t>Outline</a:t>
+            </a:r>
+            <a:endParaRPr lang="zh-TW" altLang="en-US" dirty="0">
+              <a:latin typeface="Times" panose="02020603050405020304" pitchFamily="18" charset="0"/>
+              <a:cs typeface="Times" panose="02020603050405020304" pitchFamily="18" charset="0"/>
+            </a:endParaRPr>
+          </a:p>
+        </p:txBody>
+      </p:sp>
+      <p:sp>
+        <p:nvSpPr>
+          <p:cNvPr id="3" name="內容版面配置區 2">
+            <a:extLst>
+              <a:ext uri="{FF2B5EF4-FFF2-40B4-BE49-F238E27FC236}">
+                <a16:creationId xmlns:a16="http://schemas.microsoft.com/office/drawing/2014/main" id="{F671C038-AE51-E136-6B1E-6C38BF235BBE}"/>
+              </a:ext>
+            </a:extLst>
+          </p:cNvPr>
+          <p:cNvSpPr>
+            <a:spLocks noGrp="1"/>
+          </p:cNvSpPr>
+          <p:nvPr>
+            <p:ph idx="1"/>
+          </p:nvPr>
+        </p:nvSpPr>
+        <p:spPr bwMode="auto">
+          <a:xfrm>
+            <a:off x="838200" y="1620000"/>
+            <a:ext cx="10515600" cy="4351338"/>
+          </a:xfrm>
+        </p:spPr>
+        <p:txBody>
+          <a:bodyPr>
+            <a:normAutofit/>
+          </a:bodyPr>
+          <a:lstStyle/>
+          <a:p>
+            <a:pPr>
+              <a:lnSpc>
+                <a:spcPct val="150000"/>
+              </a:lnSpc>
+            </a:pPr>
+            <a:r>
+              <a:rPr lang="en-US" altLang="zh-TW" sz="2400" dirty="0"/>
+              <a:t>Introduction</a:t>
+            </a:r>
+          </a:p>
+          <a:p>
+            <a:pPr>
+              <a:lnSpc>
+                <a:spcPct val="150000"/>
+              </a:lnSpc>
+            </a:pPr>
+            <a:r>
+              <a:rPr lang="en-US" altLang="zh-TW" sz="2400" dirty="0"/>
+              <a:t>Preliminaries</a:t>
+            </a:r>
+          </a:p>
+          <a:p>
+            <a:pPr>
+              <a:lnSpc>
+                <a:spcPct val="150000"/>
+              </a:lnSpc>
+            </a:pPr>
+            <a:r>
+              <a:rPr lang="en-US" altLang="zh-TW" sz="2400" dirty="0"/>
+              <a:t>Methodology</a:t>
+            </a:r>
+          </a:p>
+          <a:p>
+            <a:pPr>
+              <a:lnSpc>
+                <a:spcPct val="150000"/>
+              </a:lnSpc>
+            </a:pPr>
+            <a:r>
+              <a:rPr lang="en-US" altLang="zh-TW" sz="2400" dirty="0"/>
+              <a:t>Experimental</a:t>
+            </a:r>
+            <a:r>
+              <a:rPr lang="en-US" altLang="zh-TW" dirty="0"/>
+              <a:t> </a:t>
+            </a:r>
+            <a:r>
+              <a:rPr lang="en-US" altLang="zh-TW" sz="2400" dirty="0"/>
+              <a:t>Results</a:t>
+            </a:r>
+            <a:endParaRPr lang="zh-TW" altLang="en-US" dirty="0"/>
+          </a:p>
+        </p:txBody>
+      </p:sp>
+      <p:sp>
+        <p:nvSpPr>
+          <p:cNvPr id="4" name="投影片編號版面配置區 3">
+            <a:extLst>
+              <a:ext uri="{FF2B5EF4-FFF2-40B4-BE49-F238E27FC236}">
+                <a16:creationId xmlns:a16="http://schemas.microsoft.com/office/drawing/2014/main" id="{5891B803-9796-C957-1032-D2F5DFAFFD47}"/>
+              </a:ext>
+            </a:extLst>
+          </p:cNvPr>
+          <p:cNvSpPr>
+            <a:spLocks noGrp="1"/>
+          </p:cNvSpPr>
+          <p:nvPr>
+            <p:ph type="sldNum" sz="quarter" idx="12"/>
+          </p:nvPr>
+        </p:nvSpPr>
+        <p:spPr/>
+        <p:txBody>
+          <a:bodyPr/>
+          <a:lstStyle/>
+          <a:p>
+            <a:fld id="{666274A1-CF9C-426A-8DD4-B13ED0C24231}" type="slidenum">
+              <a:rPr lang="en-US" smtClean="0"/>
+              <a:t>1</a:t>
+            </a:fld>
+            <a:endParaRPr lang="en-US"/>
+          </a:p>
+        </p:txBody>
+      </p:sp>
+    </p:spTree>
+    <p:extLst>
+      <p:ext uri="{BB962C8B-B14F-4D97-AF65-F5344CB8AC3E}">
+        <p14:creationId xmlns:p14="http://schemas.microsoft.com/office/powerpoint/2010/main" val="701454037"/>
+      </p:ext>
+    </p:extLst>
+  </p:cSld>
+  <p:clrMapOvr>
+    <a:masterClrMapping/>
+  </p:clrMapOvr>
+</p:sld>
+</file>
+
+<file path=ppt/slides/slide20.xml><?xml version="1.0" encoding="utf-8"?>
+<p:sld xmlns:a="http://schemas.openxmlformats.org/drawingml/2006/main" xmlns:r="http://schemas.openxmlformats.org/officeDocument/2006/relationships" xmlns:p="http://schemas.openxmlformats.org/presentationml/2006/main">
+  <p:cSld>
+    <p:spTree>
+      <p:nvGrpSpPr>
+        <p:cNvPr id="1" name=""/>
+        <p:cNvGrpSpPr/>
+        <p:nvPr/>
+      </p:nvGrpSpPr>
+      <p:grpSpPr>
+        <a:xfrm>
+          <a:off x="0" y="0"/>
+          <a:ext cx="0" cy="0"/>
+          <a:chOff x="0" y="0"/>
+          <a:chExt cx="0" cy="0"/>
+        </a:xfrm>
+      </p:grpSpPr>
+      <p:sp>
+        <p:nvSpPr>
+          <p:cNvPr id="2" name="標題 1">
+            <a:extLst>
+              <a:ext uri="{FF2B5EF4-FFF2-40B4-BE49-F238E27FC236}">
                 <a16:creationId xmlns:a16="http://schemas.microsoft.com/office/drawing/2014/main" id="{70FB0DA9-E48F-8219-EB95-9ABBE688E849}"/>
               </a:ext>
             </a:extLst>
@@ -9354,7 +10547,7 @@
           <a:p>
             <a:fld id="{666274A1-CF9C-426A-8DD4-B13ED0C24231}" type="slidenum">
               <a:rPr lang="en-US" smtClean="0"/>
-              <a:t>16</a:t>
+              <a:t>19</a:t>
             </a:fld>
             <a:endParaRPr lang="en-US"/>
           </a:p>
@@ -9428,7 +10621,7 @@
 </p:sld>
 </file>
 
-<file path=ppt/slides/slide18.xml><?xml version="1.0" encoding="utf-8"?>
+<file path=ppt/slides/slide21.xml><?xml version="1.0" encoding="utf-8"?>
 <p:sld xmlns:a="http://schemas.openxmlformats.org/drawingml/2006/main" xmlns:r="http://schemas.openxmlformats.org/officeDocument/2006/relationships" xmlns:p="http://schemas.openxmlformats.org/presentationml/2006/main">
   <p:cSld>
     <p:spTree>
@@ -9563,7 +10756,7 @@
           <a:p>
             <a:fld id="{666274A1-CF9C-426A-8DD4-B13ED0C24231}" type="slidenum">
               <a:rPr lang="en-US" smtClean="0"/>
-              <a:t>17</a:t>
+              <a:t>20</a:t>
             </a:fld>
             <a:endParaRPr lang="en-US"/>
           </a:p>
@@ -9612,7 +10805,7 @@
 </p:sld>
 </file>
 
-<file path=ppt/slides/slide19.xml><?xml version="1.0" encoding="utf-8"?>
+<file path=ppt/slides/slide22.xml><?xml version="1.0" encoding="utf-8"?>
 <p:sld xmlns:a="http://schemas.openxmlformats.org/drawingml/2006/main" xmlns:r="http://schemas.openxmlformats.org/officeDocument/2006/relationships" xmlns:p="http://schemas.openxmlformats.org/presentationml/2006/main">
   <p:cSld>
     <p:spTree>
@@ -9929,7 +11122,7 @@
           <a:p>
             <a:fld id="{666274A1-CF9C-426A-8DD4-B13ED0C24231}" type="slidenum">
               <a:rPr lang="en-US" smtClean="0"/>
-              <a:t>18</a:t>
+              <a:t>21</a:t>
             </a:fld>
             <a:endParaRPr lang="en-US" dirty="0"/>
           </a:p>
@@ -10124,7 +11317,7 @@
 </p:sld>
 </file>
 
-<file path=ppt/slides/slide2.xml><?xml version="1.0" encoding="utf-8"?>
+<file path=ppt/slides/slide23.xml><?xml version="1.0" encoding="utf-8"?>
 <p:sld xmlns:a="http://schemas.openxmlformats.org/drawingml/2006/main" xmlns:r="http://schemas.openxmlformats.org/officeDocument/2006/relationships" xmlns:p="http://schemas.openxmlformats.org/presentationml/2006/main">
   <p:cSld>
     <p:spTree>
@@ -10146,7 +11339,7 @@
           <p:cNvPr id="2" name="標題 1">
             <a:extLst>
               <a:ext uri="{FF2B5EF4-FFF2-40B4-BE49-F238E27FC236}">
-                <a16:creationId xmlns:a16="http://schemas.microsoft.com/office/drawing/2014/main" id="{F95E0C03-DA09-BCA5-440A-A05C34D99715}"/>
+                <a16:creationId xmlns:a16="http://schemas.microsoft.com/office/drawing/2014/main" id="{76B33A3F-DD1F-491A-A3CB-A472026661C8}"/>
               </a:ext>
             </a:extLst>
           </p:cNvPr>
@@ -10163,107 +11356,329 @@
           <a:lstStyle/>
           <a:p>
             <a:r>
-              <a:rPr lang="en-US" altLang="zh-TW" sz="4000" dirty="0">
-                <a:latin typeface="Times" panose="02020603050405020304" pitchFamily="18" charset="0"/>
-                <a:cs typeface="Times" panose="02020603050405020304" pitchFamily="18" charset="0"/>
+              <a:rPr kumimoji="0" lang="en-US" altLang="zh-TW" sz="4000" b="0" i="0" u="none" strike="noStrike" kern="1200" cap="none" spc="0" normalizeH="0" baseline="0" noProof="0" dirty="0">
+                <a:ln>
+                  <a:noFill/>
+                </a:ln>
+                <a:solidFill>
+                  <a:prstClr val="black"/>
+                </a:solidFill>
+                <a:effectLst/>
+                <a:uLnTx/>
+                <a:uFillTx/>
+                <a:latin typeface="Times New Roman"/>
+                <a:ea typeface="標楷體"/>
+                <a:cs typeface="+mj-cs"/>
               </a:rPr>
-              <a:t>Outline</a:t>
-            </a:r>
-            <a:endParaRPr lang="zh-TW" altLang="en-US" dirty="0">
-              <a:latin typeface="Times" panose="02020603050405020304" pitchFamily="18" charset="0"/>
-              <a:cs typeface="Times" panose="02020603050405020304" pitchFamily="18" charset="0"/>
-            </a:endParaRPr>
-          </a:p>
-        </p:txBody>
-      </p:sp>
-      <p:sp>
-        <p:nvSpPr>
-          <p:cNvPr id="3" name="內容版面配置區 2">
-            <a:extLst>
-              <a:ext uri="{FF2B5EF4-FFF2-40B4-BE49-F238E27FC236}">
-                <a16:creationId xmlns:a16="http://schemas.microsoft.com/office/drawing/2014/main" id="{F671C038-AE51-E136-6B1E-6C38BF235BBE}"/>
-              </a:ext>
-            </a:extLst>
-          </p:cNvPr>
-          <p:cNvSpPr>
-            <a:spLocks noGrp="1"/>
-          </p:cNvSpPr>
-          <p:nvPr>
-            <p:ph idx="1"/>
-          </p:nvPr>
-        </p:nvSpPr>
-        <p:spPr bwMode="auto">
-          <a:xfrm>
-            <a:off x="838200" y="1620000"/>
-            <a:ext cx="10515600" cy="4351338"/>
-          </a:xfrm>
-        </p:spPr>
-        <p:txBody>
-          <a:bodyPr>
-            <a:normAutofit/>
-          </a:bodyPr>
-          <a:lstStyle/>
-          <a:p>
-            <a:pPr>
-              <a:lnSpc>
-                <a:spcPct val="150000"/>
-              </a:lnSpc>
-            </a:pPr>
-            <a:r>
-              <a:rPr lang="en-US" altLang="zh-TW" sz="2400" dirty="0"/>
-              <a:t>Introduction</a:t>
-            </a:r>
-          </a:p>
-          <a:p>
-            <a:pPr>
-              <a:lnSpc>
-                <a:spcPct val="150000"/>
-              </a:lnSpc>
-            </a:pPr>
-            <a:r>
-              <a:rPr lang="en-US" altLang="zh-TW" sz="2400" dirty="0"/>
-              <a:t>Preliminaries</a:t>
-            </a:r>
-          </a:p>
-          <a:p>
-            <a:pPr>
-              <a:lnSpc>
-                <a:spcPct val="150000"/>
-              </a:lnSpc>
-            </a:pPr>
-            <a:r>
-              <a:rPr lang="en-US" altLang="zh-TW" sz="2400" dirty="0"/>
               <a:t>Methodology</a:t>
             </a:r>
-          </a:p>
-          <a:p>
-            <a:pPr>
-              <a:lnSpc>
-                <a:spcPct val="150000"/>
-              </a:lnSpc>
-            </a:pPr>
-            <a:r>
-              <a:rPr lang="en-US" altLang="zh-TW" sz="2400" dirty="0"/>
-              <a:t>Experimental</a:t>
-            </a:r>
-            <a:r>
-              <a:rPr lang="en-US" altLang="zh-TW" dirty="0"/>
+            <a:r>
+              <a:rPr kumimoji="0" lang="en-US" altLang="zh-TW" sz="4400" b="0" i="0" u="none" strike="noStrike" kern="1200" cap="none" spc="0" normalizeH="0" baseline="0" noProof="0" dirty="0">
+                <a:ln>
+                  <a:noFill/>
+                </a:ln>
+                <a:solidFill>
+                  <a:prstClr val="black"/>
+                </a:solidFill>
+                <a:effectLst/>
+                <a:uLnTx/>
+                <a:uFillTx/>
+                <a:latin typeface="Times New Roman"/>
+                <a:ea typeface="標楷體"/>
+                <a:cs typeface="+mj-cs"/>
+              </a:rPr>
               <a:t> </a:t>
             </a:r>
             <a:r>
-              <a:rPr lang="en-US" altLang="zh-TW" sz="2400" dirty="0"/>
-              <a:t>Results</a:t>
+              <a:rPr kumimoji="0" lang="en-US" altLang="zh-TW" sz="2800" b="0" i="0" u="none" strike="noStrike" kern="1200" cap="none" spc="0" normalizeH="0" baseline="0" noProof="0" dirty="0">
+                <a:ln>
+                  <a:noFill/>
+                </a:ln>
+                <a:solidFill>
+                  <a:prstClr val="black"/>
+                </a:solidFill>
+                <a:effectLst/>
+                <a:uLnTx/>
+                <a:uFillTx/>
+                <a:latin typeface="Times New Roman"/>
+                <a:ea typeface="標楷體"/>
+                <a:cs typeface="+mj-cs"/>
+              </a:rPr>
+              <a:t>– Model Prediction and ECO Selection</a:t>
             </a:r>
             <a:endParaRPr lang="zh-TW" altLang="en-US" dirty="0"/>
           </a:p>
         </p:txBody>
       </p:sp>
+      <mc:AlternateContent xmlns:mc="http://schemas.openxmlformats.org/markup-compatibility/2006">
+        <mc:Choice xmlns:a14="http://schemas.microsoft.com/office/drawing/2010/main" Requires="a14">
+          <p:sp>
+            <p:nvSpPr>
+              <p:cNvPr id="3" name="內容版面配置區 2">
+                <a:extLst>
+                  <a:ext uri="{FF2B5EF4-FFF2-40B4-BE49-F238E27FC236}">
+                    <a16:creationId xmlns:a16="http://schemas.microsoft.com/office/drawing/2014/main" id="{B88EB786-1B26-7EF7-3DDE-66FC4B1612CC}"/>
+                  </a:ext>
+                </a:extLst>
+              </p:cNvPr>
+              <p:cNvSpPr>
+                <a:spLocks noGrp="1"/>
+              </p:cNvSpPr>
+              <p:nvPr>
+                <p:ph idx="1"/>
+              </p:nvPr>
+            </p:nvSpPr>
+            <p:spPr/>
+            <p:txBody>
+              <a:bodyPr>
+                <a:normAutofit/>
+              </a:bodyPr>
+              <a:lstStyle/>
+              <a:p>
+                <a:pPr>
+                  <a:lnSpc>
+                    <a:spcPct val="150000"/>
+                  </a:lnSpc>
+                </a:pPr>
+                <a:r>
+                  <a:rPr lang="en-US" altLang="zh-TW" sz="2200" dirty="0"/>
+                  <a:t>Different settings of </a:t>
+                </a:r>
+                <a14:m>
+                  <m:oMath xmlns:m="http://schemas.openxmlformats.org/officeDocument/2006/math">
+                    <m:sSub>
+                      <m:sSubPr>
+                        <m:ctrlPr>
+                          <a:rPr lang="en-US" altLang="zh-TW" sz="2200" i="1" dirty="0" smtClean="0">
+                            <a:latin typeface="Cambria Math" panose="02040503050406030204" pitchFamily="18" charset="0"/>
+                          </a:rPr>
+                        </m:ctrlPr>
+                      </m:sSubPr>
+                      <m:e>
+                        <m:r>
+                          <a:rPr lang="zh-TW" altLang="en-US" sz="2200" i="1" dirty="0">
+                            <a:latin typeface="Cambria Math" panose="02040503050406030204" pitchFamily="18" charset="0"/>
+                          </a:rPr>
+                          <m:t>𝑆𝑀𝐷</m:t>
+                        </m:r>
+                      </m:e>
+                      <m:sub>
+                        <m:r>
+                          <a:rPr lang="en-US" altLang="zh-TW" sz="2200" b="0" i="1" dirty="0" smtClean="0">
+                            <a:latin typeface="Cambria Math" panose="02040503050406030204" pitchFamily="18" charset="0"/>
+                          </a:rPr>
+                          <m:t>𝑖</m:t>
+                        </m:r>
+                      </m:sub>
+                    </m:sSub>
+                  </m:oMath>
+                </a14:m>
+                <a:r>
+                  <a:rPr lang="zh-TW" altLang="en-US" sz="2200" dirty="0"/>
+                  <a:t> </a:t>
+                </a:r>
+                <a:r>
+                  <a:rPr lang="en-US" altLang="zh-TW" sz="2200" dirty="0"/>
+                  <a:t>are applied during the model inference.</a:t>
+                </a:r>
+              </a:p>
+              <a:p>
+                <a:pPr lvl="1">
+                  <a:lnSpc>
+                    <a:spcPct val="150000"/>
+                  </a:lnSpc>
+                </a:pPr>
+                <a:r>
+                  <a:rPr lang="en-US" altLang="zh-TW" sz="1800" dirty="0"/>
+                  <a:t>Reflecting sub-meshes of various densities.</a:t>
+                </a:r>
+              </a:p>
+              <a:p>
+                <a:pPr lvl="1">
+                  <a:lnSpc>
+                    <a:spcPct val="150000"/>
+                  </a:lnSpc>
+                </a:pPr>
+                <a:endParaRPr lang="en-US" altLang="zh-TW" sz="400" dirty="0"/>
+              </a:p>
+              <a:p>
+                <a:pPr>
+                  <a:lnSpc>
+                    <a:spcPct val="150000"/>
+                  </a:lnSpc>
+                </a:pPr>
+                <a:r>
+                  <a:rPr lang="en-US" altLang="zh-TW" sz="2200" dirty="0"/>
+                  <a:t>Choose smallest </a:t>
+                </a:r>
+                <a14:m>
+                  <m:oMath xmlns:m="http://schemas.openxmlformats.org/officeDocument/2006/math">
+                    <m:sSub>
+                      <m:sSubPr>
+                        <m:ctrlPr>
+                          <a:rPr lang="en-US" altLang="zh-TW" sz="2200" i="1" dirty="0" smtClean="0">
+                            <a:latin typeface="Cambria Math" panose="02040503050406030204" pitchFamily="18" charset="0"/>
+                          </a:rPr>
+                        </m:ctrlPr>
+                      </m:sSubPr>
+                      <m:e>
+                        <m:r>
+                          <a:rPr lang="zh-TW" altLang="en-US" sz="2200" i="1" dirty="0">
+                            <a:latin typeface="Cambria Math" panose="02040503050406030204" pitchFamily="18" charset="0"/>
+                          </a:rPr>
+                          <m:t>𝑆𝑀𝐷</m:t>
+                        </m:r>
+                      </m:e>
+                      <m:sub>
+                        <m:r>
+                          <a:rPr lang="en-US" altLang="zh-TW" sz="2200" b="0" i="1" dirty="0" smtClean="0">
+                            <a:latin typeface="Cambria Math" panose="02040503050406030204" pitchFamily="18" charset="0"/>
+                          </a:rPr>
+                          <m:t>𝑖</m:t>
+                        </m:r>
+                      </m:sub>
+                    </m:sSub>
+                  </m:oMath>
+                </a14:m>
+                <a:r>
+                  <a:rPr lang="zh-TW" altLang="en-US" sz="2200" dirty="0"/>
+                  <a:t> </a:t>
+                </a:r>
+                <a:r>
+                  <a:rPr lang="en-US" altLang="zh-TW" sz="2200" dirty="0"/>
+                  <a:t>setting that meets the IR drop constraint and has no DRC hotspot.</a:t>
+                </a:r>
+              </a:p>
+              <a:p>
+                <a:pPr lvl="1">
+                  <a:lnSpc>
+                    <a:spcPct val="150000"/>
+                  </a:lnSpc>
+                </a:pPr>
+                <a:r>
+                  <a:rPr lang="en-US" altLang="zh-TW" sz="1800" dirty="0"/>
+                  <a:t>Be the sub-mesh configuration for the grid where the cross-domain cell is located.</a:t>
+                </a:r>
+              </a:p>
+              <a:p>
+                <a:pPr lvl="1">
+                  <a:lnSpc>
+                    <a:spcPct val="150000"/>
+                  </a:lnSpc>
+                </a:pPr>
+                <a:endParaRPr lang="en-US" altLang="zh-TW" sz="400" dirty="0"/>
+              </a:p>
+              <a:p>
+                <a:pPr>
+                  <a:lnSpc>
+                    <a:spcPct val="150000"/>
+                  </a:lnSpc>
+                </a:pPr>
+                <a:r>
+                  <a:rPr lang="en-US" altLang="zh-TW" sz="2200" dirty="0"/>
+                  <a:t>If no </a:t>
+                </a:r>
+                <a14:m>
+                  <m:oMath xmlns:m="http://schemas.openxmlformats.org/officeDocument/2006/math">
+                    <m:sSub>
+                      <m:sSubPr>
+                        <m:ctrlPr>
+                          <a:rPr lang="en-US" altLang="zh-TW" sz="2200" i="1" dirty="0" smtClean="0">
+                            <a:latin typeface="Cambria Math" panose="02040503050406030204" pitchFamily="18" charset="0"/>
+                          </a:rPr>
+                        </m:ctrlPr>
+                      </m:sSubPr>
+                      <m:e>
+                        <m:r>
+                          <a:rPr lang="zh-TW" altLang="en-US" sz="2200" i="1" dirty="0">
+                            <a:latin typeface="Cambria Math" panose="02040503050406030204" pitchFamily="18" charset="0"/>
+                          </a:rPr>
+                          <m:t>𝑆𝑀𝐷</m:t>
+                        </m:r>
+                      </m:e>
+                      <m:sub>
+                        <m:r>
+                          <a:rPr lang="en-US" altLang="zh-TW" sz="2200" b="0" i="1" dirty="0" smtClean="0">
+                            <a:latin typeface="Cambria Math" panose="02040503050406030204" pitchFamily="18" charset="0"/>
+                          </a:rPr>
+                          <m:t>𝑖</m:t>
+                        </m:r>
+                      </m:sub>
+                    </m:sSub>
+                    <m:r>
+                      <a:rPr lang="en-US" altLang="zh-TW" sz="2200" b="0" i="1" dirty="0" smtClean="0">
+                        <a:latin typeface="Cambria Math" panose="02040503050406030204" pitchFamily="18" charset="0"/>
+                      </a:rPr>
+                      <m:t> </m:t>
+                    </m:r>
+                  </m:oMath>
+                </a14:m>
+                <a:r>
+                  <a:rPr lang="en-US" altLang="zh-TW" sz="2200" dirty="0"/>
+                  <a:t>setting meets both requirements.</a:t>
+                </a:r>
+              </a:p>
+              <a:p>
+                <a:pPr lvl="1">
+                  <a:lnSpc>
+                    <a:spcPct val="150000"/>
+                  </a:lnSpc>
+                </a:pPr>
+                <a:r>
+                  <a:rPr lang="en-US" altLang="zh-TW" sz="1800" dirty="0"/>
+                  <a:t>The grid will be skipped and handled by ECO.</a:t>
+                </a:r>
+                <a:endParaRPr lang="zh-TW" altLang="en-US" sz="1800" dirty="0"/>
+              </a:p>
+            </p:txBody>
+          </p:sp>
+        </mc:Choice>
+        <mc:Fallback>
+          <p:sp>
+            <p:nvSpPr>
+              <p:cNvPr id="3" name="內容版面配置區 2">
+                <a:extLst>
+                  <a:ext uri="{FF2B5EF4-FFF2-40B4-BE49-F238E27FC236}">
+                    <a16:creationId xmlns:a16="http://schemas.microsoft.com/office/drawing/2014/main" id="{B88EB786-1B26-7EF7-3DDE-66FC4B1612CC}"/>
+                  </a:ext>
+                </a:extLst>
+              </p:cNvPr>
+              <p:cNvSpPr>
+                <a:spLocks noGrp="1" noRot="1" noChangeAspect="1" noMove="1" noResize="1" noEditPoints="1" noAdjustHandles="1" noChangeArrowheads="1" noChangeShapeType="1" noTextEdit="1"/>
+              </p:cNvSpPr>
+              <p:nvPr>
+                <p:ph idx="1"/>
+              </p:nvPr>
+            </p:nvSpPr>
+            <p:spPr>
+              <a:blipFill>
+                <a:blip r:embed="rId2"/>
+                <a:stretch>
+                  <a:fillRect l="-696"/>
+                </a:stretch>
+              </a:blipFill>
+            </p:spPr>
+            <p:txBody>
+              <a:bodyPr/>
+              <a:lstStyle/>
+              <a:p>
+                <a:r>
+                  <a:rPr lang="zh-TW" altLang="en-US">
+                    <a:noFill/>
+                  </a:rPr>
+                  <a:t> </a:t>
+                </a:r>
+              </a:p>
+            </p:txBody>
+          </p:sp>
+        </mc:Fallback>
+      </mc:AlternateContent>
       <p:sp>
         <p:nvSpPr>
           <p:cNvPr id="4" name="投影片編號版面配置區 3">
             <a:extLst>
               <a:ext uri="{FF2B5EF4-FFF2-40B4-BE49-F238E27FC236}">
-                <a16:creationId xmlns:a16="http://schemas.microsoft.com/office/drawing/2014/main" id="{5891B803-9796-C957-1032-D2F5DFAFFD47}"/>
+                <a16:creationId xmlns:a16="http://schemas.microsoft.com/office/drawing/2014/main" id="{6FD16732-0E72-A2A2-89D2-42D674E18730}"/>
               </a:ext>
             </a:extLst>
           </p:cNvPr>
@@ -10281,7 +11696,7 @@
           <a:p>
             <a:fld id="{666274A1-CF9C-426A-8DD4-B13ED0C24231}" type="slidenum">
               <a:rPr lang="en-US" smtClean="0"/>
-              <a:t>1</a:t>
+              <a:t>22</a:t>
             </a:fld>
             <a:endParaRPr lang="en-US"/>
           </a:p>
@@ -10290,7 +11705,7 @@
     </p:spTree>
     <p:extLst>
       <p:ext uri="{BB962C8B-B14F-4D97-AF65-F5344CB8AC3E}">
-        <p14:creationId xmlns:p14="http://schemas.microsoft.com/office/powerpoint/2010/main" val="701454037"/>
+        <p14:creationId xmlns:p14="http://schemas.microsoft.com/office/powerpoint/2010/main" val="826746291"/>
       </p:ext>
     </p:extLst>
   </p:cSld>
@@ -10300,7 +11715,7 @@
 </p:sld>
 </file>
 
-<file path=ppt/slides/slide20.xml><?xml version="1.0" encoding="utf-8"?>
+<file path=ppt/slides/slide24.xml><?xml version="1.0" encoding="utf-8"?>
 <p:sld xmlns:a="http://schemas.openxmlformats.org/drawingml/2006/main" xmlns:r="http://schemas.openxmlformats.org/officeDocument/2006/relationships" xmlns:p="http://schemas.openxmlformats.org/presentationml/2006/main">
   <p:cSld>
     <p:spTree>
@@ -10322,7 +11737,7 @@
           <p:cNvPr id="2" name="標題 1">
             <a:extLst>
               <a:ext uri="{FF2B5EF4-FFF2-40B4-BE49-F238E27FC236}">
-                <a16:creationId xmlns:a16="http://schemas.microsoft.com/office/drawing/2014/main" id="{76B33A3F-DD1F-491A-A3CB-A472026661C8}"/>
+                <a16:creationId xmlns:a16="http://schemas.microsoft.com/office/drawing/2014/main" id="{F95E0C03-DA09-BCA5-440A-A05C34D99715}"/>
               </a:ext>
             </a:extLst>
           </p:cNvPr>
@@ -10339,55 +11754,114 @@
           <a:lstStyle/>
           <a:p>
             <a:r>
-              <a:rPr kumimoji="0" lang="en-US" altLang="zh-TW" sz="4000" b="0" i="0" u="none" strike="noStrike" kern="1200" cap="none" spc="0" normalizeH="0" baseline="0" noProof="0" dirty="0">
-                <a:ln>
-                  <a:noFill/>
-                </a:ln>
+              <a:rPr lang="en-US" altLang="zh-TW" sz="4000" dirty="0">
+                <a:latin typeface="Times" panose="02020603050405020304" pitchFamily="18" charset="0"/>
+                <a:cs typeface="Times" panose="02020603050405020304" pitchFamily="18" charset="0"/>
+              </a:rPr>
+              <a:t>Outline</a:t>
+            </a:r>
+            <a:endParaRPr lang="zh-TW" altLang="en-US" dirty="0">
+              <a:latin typeface="Times" panose="02020603050405020304" pitchFamily="18" charset="0"/>
+              <a:cs typeface="Times" panose="02020603050405020304" pitchFamily="18" charset="0"/>
+            </a:endParaRPr>
+          </a:p>
+        </p:txBody>
+      </p:sp>
+      <p:sp>
+        <p:nvSpPr>
+          <p:cNvPr id="3" name="內容版面配置區 2">
+            <a:extLst>
+              <a:ext uri="{FF2B5EF4-FFF2-40B4-BE49-F238E27FC236}">
+                <a16:creationId xmlns:a16="http://schemas.microsoft.com/office/drawing/2014/main" id="{F671C038-AE51-E136-6B1E-6C38BF235BBE}"/>
+              </a:ext>
+            </a:extLst>
+          </p:cNvPr>
+          <p:cNvSpPr>
+            <a:spLocks noGrp="1"/>
+          </p:cNvSpPr>
+          <p:nvPr>
+            <p:ph idx="1"/>
+          </p:nvPr>
+        </p:nvSpPr>
+        <p:spPr bwMode="auto">
+          <a:xfrm>
+            <a:off x="838200" y="1620000"/>
+            <a:ext cx="10515600" cy="4351338"/>
+          </a:xfrm>
+        </p:spPr>
+        <p:txBody>
+          <a:bodyPr>
+            <a:normAutofit/>
+          </a:bodyPr>
+          <a:lstStyle/>
+          <a:p>
+            <a:pPr>
+              <a:lnSpc>
+                <a:spcPct val="150000"/>
+              </a:lnSpc>
+            </a:pPr>
+            <a:r>
+              <a:rPr lang="en-US" altLang="zh-TW" sz="2400" dirty="0">
                 <a:solidFill>
-                  <a:prstClr val="black"/>
+                  <a:schemeClr val="bg1">
+                    <a:lumMod val="65000"/>
+                  </a:schemeClr>
                 </a:solidFill>
-                <a:effectLst/>
-                <a:uLnTx/>
-                <a:uFillTx/>
-                <a:latin typeface="Times New Roman"/>
-                <a:ea typeface="標楷體"/>
-                <a:cs typeface="+mj-cs"/>
+              </a:rPr>
+              <a:t>Introduction</a:t>
+            </a:r>
+          </a:p>
+          <a:p>
+            <a:pPr>
+              <a:lnSpc>
+                <a:spcPct val="150000"/>
+              </a:lnSpc>
+            </a:pPr>
+            <a:r>
+              <a:rPr lang="en-US" altLang="zh-TW" sz="2400" dirty="0">
+                <a:solidFill>
+                  <a:schemeClr val="bg1">
+                    <a:lumMod val="65000"/>
+                  </a:schemeClr>
+                </a:solidFill>
+              </a:rPr>
+              <a:t>Preliminaries</a:t>
+            </a:r>
+          </a:p>
+          <a:p>
+            <a:pPr>
+              <a:lnSpc>
+                <a:spcPct val="150000"/>
+              </a:lnSpc>
+            </a:pPr>
+            <a:r>
+              <a:rPr lang="en-US" altLang="zh-TW" sz="2400" dirty="0">
+                <a:solidFill>
+                  <a:schemeClr val="bg1">
+                    <a:lumMod val="65000"/>
+                  </a:schemeClr>
+                </a:solidFill>
               </a:rPr>
               <a:t>Methodology</a:t>
             </a:r>
-            <a:r>
-              <a:rPr kumimoji="0" lang="en-US" altLang="zh-TW" sz="4400" b="0" i="0" u="none" strike="noStrike" kern="1200" cap="none" spc="0" normalizeH="0" baseline="0" noProof="0" dirty="0">
-                <a:ln>
-                  <a:noFill/>
-                </a:ln>
-                <a:solidFill>
-                  <a:prstClr val="black"/>
-                </a:solidFill>
-                <a:effectLst/>
-                <a:uLnTx/>
-                <a:uFillTx/>
-                <a:latin typeface="Times New Roman"/>
-                <a:ea typeface="標楷體"/>
-                <a:cs typeface="+mj-cs"/>
-              </a:rPr>
+          </a:p>
+          <a:p>
+            <a:pPr>
+              <a:lnSpc>
+                <a:spcPct val="150000"/>
+              </a:lnSpc>
+            </a:pPr>
+            <a:r>
+              <a:rPr lang="en-US" altLang="zh-TW" sz="2400" dirty="0"/>
+              <a:t>Experimental</a:t>
+            </a:r>
+            <a:r>
+              <a:rPr lang="en-US" altLang="zh-TW" dirty="0"/>
               <a:t> </a:t>
             </a:r>
             <a:r>
-              <a:rPr kumimoji="0" lang="en-US" altLang="zh-TW" sz="2800" b="0" i="0" u="none" strike="noStrike" kern="1200" cap="none" spc="0" normalizeH="0" baseline="0" noProof="0" dirty="0">
-                <a:ln>
-                  <a:noFill/>
-                </a:ln>
-                <a:solidFill>
-                  <a:prstClr val="black"/>
-                </a:solidFill>
-                <a:effectLst/>
-                <a:uLnTx/>
-                <a:uFillTx/>
-                <a:latin typeface="Times New Roman"/>
-                <a:ea typeface="標楷體"/>
-                <a:cs typeface="+mj-cs"/>
-              </a:rPr>
-              <a:t>– Model Prediction and ECO Selection</a:t>
+              <a:rPr lang="en-US" altLang="zh-TW" sz="2400" dirty="0"/>
+              <a:t>Results</a:t>
             </a:r>
             <a:endParaRPr lang="zh-TW" altLang="en-US" dirty="0"/>
           </a:p>
@@ -10395,35 +11869,10 @@
       </p:sp>
       <p:sp>
         <p:nvSpPr>
-          <p:cNvPr id="3" name="內容版面配置區 2">
-            <a:extLst>
-              <a:ext uri="{FF2B5EF4-FFF2-40B4-BE49-F238E27FC236}">
-                <a16:creationId xmlns:a16="http://schemas.microsoft.com/office/drawing/2014/main" id="{B88EB786-1B26-7EF7-3DDE-66FC4B1612CC}"/>
-              </a:ext>
-            </a:extLst>
-          </p:cNvPr>
-          <p:cNvSpPr>
-            <a:spLocks noGrp="1"/>
-          </p:cNvSpPr>
-          <p:nvPr>
-            <p:ph idx="1"/>
-          </p:nvPr>
-        </p:nvSpPr>
-        <p:spPr/>
-        <p:txBody>
-          <a:bodyPr/>
-          <a:lstStyle/>
-          <a:p>
-            <a:endParaRPr lang="zh-TW" altLang="en-US"/>
-          </a:p>
-        </p:txBody>
-      </p:sp>
-      <p:sp>
-        <p:nvSpPr>
           <p:cNvPr id="4" name="投影片編號版面配置區 3">
             <a:extLst>
               <a:ext uri="{FF2B5EF4-FFF2-40B4-BE49-F238E27FC236}">
-                <a16:creationId xmlns:a16="http://schemas.microsoft.com/office/drawing/2014/main" id="{6FD16732-0E72-A2A2-89D2-42D674E18730}"/>
+                <a16:creationId xmlns:a16="http://schemas.microsoft.com/office/drawing/2014/main" id="{5891B803-9796-C957-1032-D2F5DFAFFD47}"/>
               </a:ext>
             </a:extLst>
           </p:cNvPr>
@@ -10441,7 +11890,7 @@
           <a:p>
             <a:fld id="{666274A1-CF9C-426A-8DD4-B13ED0C24231}" type="slidenum">
               <a:rPr lang="en-US" smtClean="0"/>
-              <a:t>19</a:t>
+              <a:t>23</a:t>
             </a:fld>
             <a:endParaRPr lang="en-US"/>
           </a:p>
@@ -10450,7 +11899,7 @@
     </p:spTree>
     <p:extLst>
       <p:ext uri="{BB962C8B-B14F-4D97-AF65-F5344CB8AC3E}">
-        <p14:creationId xmlns:p14="http://schemas.microsoft.com/office/powerpoint/2010/main" val="826746291"/>
+        <p14:creationId xmlns:p14="http://schemas.microsoft.com/office/powerpoint/2010/main" val="3870443105"/>
       </p:ext>
     </p:extLst>
   </p:cSld>
@@ -10460,7 +11909,7 @@
 </p:sld>
 </file>
 
-<file path=ppt/slides/slide21.xml><?xml version="1.0" encoding="utf-8"?>
+<file path=ppt/slides/slide25.xml><?xml version="1.0" encoding="utf-8"?>
 <p:sld xmlns:a="http://schemas.openxmlformats.org/drawingml/2006/main" xmlns:r="http://schemas.openxmlformats.org/officeDocument/2006/relationships" xmlns:p="http://schemas.openxmlformats.org/presentationml/2006/main">
   <p:cSld>
     <p:spTree>
@@ -10654,7 +12103,7 @@
           <a:p>
             <a:fld id="{666274A1-CF9C-426A-8DD4-B13ED0C24231}" type="slidenum">
               <a:rPr lang="en-US" smtClean="0"/>
-              <a:t>20</a:t>
+              <a:t>24</a:t>
             </a:fld>
             <a:endParaRPr lang="en-US"/>
           </a:p>
@@ -10703,7 +12152,7 @@
 </p:sld>
 </file>
 
-<file path=ppt/slides/slide22.xml><?xml version="1.0" encoding="utf-8"?>
+<file path=ppt/slides/slide26.xml><?xml version="1.0" encoding="utf-8"?>
 <p:sld xmlns:a="http://schemas.openxmlformats.org/drawingml/2006/main" xmlns:r="http://schemas.openxmlformats.org/officeDocument/2006/relationships" xmlns:p="http://schemas.openxmlformats.org/presentationml/2006/main">
   <p:cSld>
     <p:spTree>
@@ -10880,7 +12329,7 @@
           <a:p>
             <a:fld id="{666274A1-CF9C-426A-8DD4-B13ED0C24231}" type="slidenum">
               <a:rPr lang="en-US" smtClean="0"/>
-              <a:t>21</a:t>
+              <a:t>25</a:t>
             </a:fld>
             <a:endParaRPr lang="en-US"/>
           </a:p>
@@ -10899,7 +12348,7 @@
 </p:sld>
 </file>
 
-<file path=ppt/slides/slide23.xml><?xml version="1.0" encoding="utf-8"?>
+<file path=ppt/slides/slide27.xml><?xml version="1.0" encoding="utf-8"?>
 <p:sld xmlns:a="http://schemas.openxmlformats.org/drawingml/2006/main" xmlns:r="http://schemas.openxmlformats.org/officeDocument/2006/relationships" xmlns:p="http://schemas.openxmlformats.org/presentationml/2006/main">
   <p:cSld>
     <p:spTree>
@@ -11117,7 +12566,7 @@
           <a:p>
             <a:fld id="{666274A1-CF9C-426A-8DD4-B13ED0C24231}" type="slidenum">
               <a:rPr lang="en-US" smtClean="0"/>
-              <a:t>22</a:t>
+              <a:t>26</a:t>
             </a:fld>
             <a:endParaRPr lang="en-US"/>
           </a:p>
@@ -11136,7 +12585,7 @@
 </p:sld>
 </file>
 
-<file path=ppt/slides/slide24.xml><?xml version="1.0" encoding="utf-8"?>
+<file path=ppt/slides/slide28.xml><?xml version="1.0" encoding="utf-8"?>
 <p:sld xmlns:a="http://schemas.openxmlformats.org/drawingml/2006/main" xmlns:r="http://schemas.openxmlformats.org/officeDocument/2006/relationships" xmlns:p="http://schemas.openxmlformats.org/presentationml/2006/main">
   <p:cSld>
     <p:spTree>
@@ -11201,7 +12650,7 @@
           <a:p>
             <a:fld id="{666274A1-CF9C-426A-8DD4-B13ED0C24231}" type="slidenum">
               <a:rPr lang="en-US" smtClean="0"/>
-              <a:t>23</a:t>
+              <a:t>27</a:t>
             </a:fld>
             <a:endParaRPr lang="en-US"/>
           </a:p>
@@ -11250,7 +12699,7 @@
 </p:sld>
 </file>
 
-<file path=ppt/slides/slide25.xml><?xml version="1.0" encoding="utf-8"?>
+<file path=ppt/slides/slide29.xml><?xml version="1.0" encoding="utf-8"?>
 <p:sld xmlns:a="http://schemas.openxmlformats.org/drawingml/2006/main" xmlns:r="http://schemas.openxmlformats.org/officeDocument/2006/relationships" xmlns:p="http://schemas.openxmlformats.org/presentationml/2006/main">
   <p:cSld>
     <p:spTree>
@@ -11352,7 +12801,7 @@
           <a:p>
             <a:fld id="{666274A1-CF9C-426A-8DD4-B13ED0C24231}" type="slidenum">
               <a:rPr lang="en-US" smtClean="0"/>
-              <a:t>24</a:t>
+              <a:t>28</a:t>
             </a:fld>
             <a:endParaRPr lang="en-US"/>
           </a:p>
@@ -11401,7 +12850,7 @@
 </p:sld>
 </file>
 
-<file path=ppt/slides/slide26.xml><?xml version="1.0" encoding="utf-8"?>
+<file path=ppt/slides/slide3.xml><?xml version="1.0" encoding="utf-8"?>
 <p:sld xmlns:a="http://schemas.openxmlformats.org/drawingml/2006/main" xmlns:r="http://schemas.openxmlformats.org/officeDocument/2006/relationships" xmlns:p="http://schemas.openxmlformats.org/presentationml/2006/main">
   <p:cSld>
     <p:spTree>
@@ -11423,7 +12872,7 @@
           <p:cNvPr id="2" name="標題 1">
             <a:extLst>
               <a:ext uri="{FF2B5EF4-FFF2-40B4-BE49-F238E27FC236}">
-                <a16:creationId xmlns:a16="http://schemas.microsoft.com/office/drawing/2014/main" id="{610288D9-B7B8-9916-CE8A-A16E3CD37FDC}"/>
+                <a16:creationId xmlns:a16="http://schemas.microsoft.com/office/drawing/2014/main" id="{F95E0C03-DA09-BCA5-440A-A05C34D99715}"/>
               </a:ext>
             </a:extLst>
           </p:cNvPr>
@@ -11440,10 +12889,16 @@
           <a:lstStyle/>
           <a:p>
             <a:r>
-              <a:rPr lang="en-US" altLang="zh-TW" sz="4400" dirty="0"/>
-              <a:t>Experimental Result</a:t>
-            </a:r>
-            <a:endParaRPr lang="zh-TW" altLang="en-US" dirty="0"/>
+              <a:rPr lang="en-US" altLang="zh-TW" sz="4000" dirty="0">
+                <a:latin typeface="Times" panose="02020603050405020304" pitchFamily="18" charset="0"/>
+                <a:cs typeface="Times" panose="02020603050405020304" pitchFamily="18" charset="0"/>
+              </a:rPr>
+              <a:t>Outline</a:t>
+            </a:r>
+            <a:endParaRPr lang="zh-TW" altLang="en-US" dirty="0">
+              <a:latin typeface="Times" panose="02020603050405020304" pitchFamily="18" charset="0"/>
+              <a:cs typeface="Times" panose="02020603050405020304" pitchFamily="18" charset="0"/>
+            </a:endParaRPr>
           </a:p>
         </p:txBody>
       </p:sp>
@@ -11452,7 +12907,7 @@
           <p:cNvPr id="3" name="內容版面配置區 2">
             <a:extLst>
               <a:ext uri="{FF2B5EF4-FFF2-40B4-BE49-F238E27FC236}">
-                <a16:creationId xmlns:a16="http://schemas.microsoft.com/office/drawing/2014/main" id="{0C8CE807-4736-147A-1173-1E63556B4CF6}"/>
+                <a16:creationId xmlns:a16="http://schemas.microsoft.com/office/drawing/2014/main" id="{F671C038-AE51-E136-6B1E-6C38BF235BBE}"/>
               </a:ext>
             </a:extLst>
           </p:cNvPr>
@@ -11463,13 +12918,219 @@
             <p:ph idx="1"/>
           </p:nvPr>
         </p:nvSpPr>
-        <p:spPr/>
+        <p:spPr bwMode="auto">
+          <a:xfrm>
+            <a:off x="838200" y="1620000"/>
+            <a:ext cx="10515600" cy="4351338"/>
+          </a:xfrm>
+        </p:spPr>
         <p:txBody>
           <a:bodyPr>
             <a:normAutofit/>
           </a:bodyPr>
           <a:lstStyle/>
           <a:p>
+            <a:pPr>
+              <a:lnSpc>
+                <a:spcPct val="150000"/>
+              </a:lnSpc>
+            </a:pPr>
+            <a:r>
+              <a:rPr lang="en-US" altLang="zh-TW" sz="2400" dirty="0"/>
+              <a:t>Introduction</a:t>
+            </a:r>
+          </a:p>
+          <a:p>
+            <a:pPr>
+              <a:lnSpc>
+                <a:spcPct val="150000"/>
+              </a:lnSpc>
+            </a:pPr>
+            <a:r>
+              <a:rPr lang="en-US" altLang="zh-TW" sz="2400" dirty="0">
+                <a:solidFill>
+                  <a:schemeClr val="bg1">
+                    <a:lumMod val="65000"/>
+                  </a:schemeClr>
+                </a:solidFill>
+              </a:rPr>
+              <a:t>Preliminaries</a:t>
+            </a:r>
+          </a:p>
+          <a:p>
+            <a:pPr>
+              <a:lnSpc>
+                <a:spcPct val="150000"/>
+              </a:lnSpc>
+            </a:pPr>
+            <a:r>
+              <a:rPr lang="en-US" altLang="zh-TW" sz="2400" dirty="0">
+                <a:solidFill>
+                  <a:schemeClr val="bg1">
+                    <a:lumMod val="65000"/>
+                  </a:schemeClr>
+                </a:solidFill>
+              </a:rPr>
+              <a:t>Methodology</a:t>
+            </a:r>
+          </a:p>
+          <a:p>
+            <a:pPr>
+              <a:lnSpc>
+                <a:spcPct val="150000"/>
+              </a:lnSpc>
+            </a:pPr>
+            <a:r>
+              <a:rPr lang="en-US" altLang="zh-TW" sz="2400" dirty="0">
+                <a:solidFill>
+                  <a:schemeClr val="bg1">
+                    <a:lumMod val="65000"/>
+                  </a:schemeClr>
+                </a:solidFill>
+              </a:rPr>
+              <a:t>Experimental</a:t>
+            </a:r>
+            <a:r>
+              <a:rPr lang="en-US" altLang="zh-TW" dirty="0">
+                <a:solidFill>
+                  <a:schemeClr val="bg1">
+                    <a:lumMod val="65000"/>
+                  </a:schemeClr>
+                </a:solidFill>
+              </a:rPr>
+              <a:t> </a:t>
+            </a:r>
+            <a:r>
+              <a:rPr lang="en-US" altLang="zh-TW" sz="2400" dirty="0">
+                <a:solidFill>
+                  <a:schemeClr val="bg1">
+                    <a:lumMod val="65000"/>
+                  </a:schemeClr>
+                </a:solidFill>
+              </a:rPr>
+              <a:t>Results</a:t>
+            </a:r>
+            <a:endParaRPr lang="zh-TW" altLang="en-US" dirty="0">
+              <a:solidFill>
+                <a:schemeClr val="bg1">
+                  <a:lumMod val="65000"/>
+                </a:schemeClr>
+              </a:solidFill>
+            </a:endParaRPr>
+          </a:p>
+        </p:txBody>
+      </p:sp>
+      <p:sp>
+        <p:nvSpPr>
+          <p:cNvPr id="4" name="投影片編號版面配置區 3">
+            <a:extLst>
+              <a:ext uri="{FF2B5EF4-FFF2-40B4-BE49-F238E27FC236}">
+                <a16:creationId xmlns:a16="http://schemas.microsoft.com/office/drawing/2014/main" id="{5891B803-9796-C957-1032-D2F5DFAFFD47}"/>
+              </a:ext>
+            </a:extLst>
+          </p:cNvPr>
+          <p:cNvSpPr>
+            <a:spLocks noGrp="1"/>
+          </p:cNvSpPr>
+          <p:nvPr>
+            <p:ph type="sldNum" sz="quarter" idx="12"/>
+          </p:nvPr>
+        </p:nvSpPr>
+        <p:spPr/>
+        <p:txBody>
+          <a:bodyPr/>
+          <a:lstStyle/>
+          <a:p>
+            <a:fld id="{666274A1-CF9C-426A-8DD4-B13ED0C24231}" type="slidenum">
+              <a:rPr lang="en-US" smtClean="0"/>
+              <a:t>2</a:t>
+            </a:fld>
+            <a:endParaRPr lang="en-US"/>
+          </a:p>
+        </p:txBody>
+      </p:sp>
+    </p:spTree>
+    <p:extLst>
+      <p:ext uri="{BB962C8B-B14F-4D97-AF65-F5344CB8AC3E}">
+        <p14:creationId xmlns:p14="http://schemas.microsoft.com/office/powerpoint/2010/main" val="296725533"/>
+      </p:ext>
+    </p:extLst>
+  </p:cSld>
+  <p:clrMapOvr>
+    <a:masterClrMapping/>
+  </p:clrMapOvr>
+</p:sld>
+</file>
+
+<file path=ppt/slides/slide30.xml><?xml version="1.0" encoding="utf-8"?>
+<p:sld xmlns:a="http://schemas.openxmlformats.org/drawingml/2006/main" xmlns:r="http://schemas.openxmlformats.org/officeDocument/2006/relationships" xmlns:p="http://schemas.openxmlformats.org/presentationml/2006/main">
+  <p:cSld>
+    <p:spTree>
+      <p:nvGrpSpPr>
+        <p:cNvPr id="1" name=""/>
+        <p:cNvGrpSpPr/>
+        <p:nvPr/>
+      </p:nvGrpSpPr>
+      <p:grpSpPr>
+        <a:xfrm>
+          <a:off x="0" y="0"/>
+          <a:ext cx="0" cy="0"/>
+          <a:chOff x="0" y="0"/>
+          <a:chExt cx="0" cy="0"/>
+        </a:xfrm>
+      </p:grpSpPr>
+      <p:sp>
+        <p:nvSpPr>
+          <p:cNvPr id="2" name="標題 1">
+            <a:extLst>
+              <a:ext uri="{FF2B5EF4-FFF2-40B4-BE49-F238E27FC236}">
+                <a16:creationId xmlns:a16="http://schemas.microsoft.com/office/drawing/2014/main" id="{610288D9-B7B8-9916-CE8A-A16E3CD37FDC}"/>
+              </a:ext>
+            </a:extLst>
+          </p:cNvPr>
+          <p:cNvSpPr>
+            <a:spLocks noGrp="1"/>
+          </p:cNvSpPr>
+          <p:nvPr>
+            <p:ph type="title"/>
+          </p:nvPr>
+        </p:nvSpPr>
+        <p:spPr/>
+        <p:txBody>
+          <a:bodyPr/>
+          <a:lstStyle/>
+          <a:p>
+            <a:r>
+              <a:rPr lang="en-US" altLang="zh-TW" sz="4400" dirty="0"/>
+              <a:t>Experimental Result</a:t>
+            </a:r>
+            <a:endParaRPr lang="zh-TW" altLang="en-US" dirty="0"/>
+          </a:p>
+        </p:txBody>
+      </p:sp>
+      <p:sp>
+        <p:nvSpPr>
+          <p:cNvPr id="3" name="內容版面配置區 2">
+            <a:extLst>
+              <a:ext uri="{FF2B5EF4-FFF2-40B4-BE49-F238E27FC236}">
+                <a16:creationId xmlns:a16="http://schemas.microsoft.com/office/drawing/2014/main" id="{0C8CE807-4736-147A-1173-1E63556B4CF6}"/>
+              </a:ext>
+            </a:extLst>
+          </p:cNvPr>
+          <p:cNvSpPr>
+            <a:spLocks noGrp="1"/>
+          </p:cNvSpPr>
+          <p:nvPr>
+            <p:ph idx="1"/>
+          </p:nvPr>
+        </p:nvSpPr>
+        <p:spPr/>
+        <p:txBody>
+          <a:bodyPr>
+            <a:normAutofit/>
+          </a:bodyPr>
+          <a:lstStyle/>
+          <a:p>
             <a:r>
               <a:rPr lang="en-US" altLang="zh-TW" sz="2200" dirty="0"/>
               <a:t>Routability improvement (especially for congestion region)</a:t>
@@ -11501,7 +13162,7 @@
           <a:p>
             <a:fld id="{666274A1-CF9C-426A-8DD4-B13ED0C24231}" type="slidenum">
               <a:rPr lang="en-US" smtClean="0"/>
-              <a:t>25</a:t>
+              <a:t>29</a:t>
             </a:fld>
             <a:endParaRPr lang="en-US"/>
           </a:p>
@@ -11550,7 +13211,7 @@
 </p:sld>
 </file>
 
-<file path=ppt/slides/slide27.xml><?xml version="1.0" encoding="utf-8"?>
+<file path=ppt/slides/slide31.xml><?xml version="1.0" encoding="utf-8"?>
 <p:sld xmlns:a="http://schemas.openxmlformats.org/drawingml/2006/main" xmlns:r="http://schemas.openxmlformats.org/officeDocument/2006/relationships" xmlns:p="http://schemas.openxmlformats.org/presentationml/2006/main">
   <p:cSld>
     <p:spTree>
@@ -11669,7 +13330,7 @@
           <a:p>
             <a:fld id="{666274A1-CF9C-426A-8DD4-B13ED0C24231}" type="slidenum">
               <a:rPr lang="en-US" smtClean="0"/>
-              <a:t>26</a:t>
+              <a:t>30</a:t>
             </a:fld>
             <a:endParaRPr lang="en-US"/>
           </a:p>
@@ -11718,7 +13379,7 @@
 </p:sld>
 </file>
 
-<file path=ppt/slides/slide28.xml><?xml version="1.0" encoding="utf-8"?>
+<file path=ppt/slides/slide32.xml><?xml version="1.0" encoding="utf-8"?>
 <p:sld xmlns:a="http://schemas.openxmlformats.org/drawingml/2006/main" xmlns:r="http://schemas.openxmlformats.org/officeDocument/2006/relationships" xmlns:p="http://schemas.openxmlformats.org/presentationml/2006/main">
   <p:cSld>
     <p:spTree>
@@ -11758,7 +13419,7 @@
           <a:p>
             <a:fld id="{666274A1-CF9C-426A-8DD4-B13ED0C24231}" type="slidenum">
               <a:rPr lang="en-US" smtClean="0"/>
-              <a:t>27</a:t>
+              <a:t>31</a:t>
             </a:fld>
             <a:endParaRPr lang="en-US"/>
           </a:p>
@@ -11819,7 +13480,7 @@
 </p:sld>
 </file>
 
-<file path=ppt/slides/slide3.xml><?xml version="1.0" encoding="utf-8"?>
+<file path=ppt/slides/slide4.xml><?xml version="1.0" encoding="utf-8"?>
 <p:sld xmlns:a="http://schemas.openxmlformats.org/drawingml/2006/main" xmlns:r="http://schemas.openxmlformats.org/officeDocument/2006/relationships" xmlns:p="http://schemas.openxmlformats.org/presentationml/2006/main">
   <p:cSld>
     <p:spTree>
@@ -12017,7 +13678,7 @@
           <a:p>
             <a:fld id="{666274A1-CF9C-426A-8DD4-B13ED0C24231}" type="slidenum">
               <a:rPr lang="en-US" smtClean="0"/>
-              <a:t>2</a:t>
+              <a:t>3</a:t>
             </a:fld>
             <a:endParaRPr lang="en-US"/>
           </a:p>
@@ -12142,7 +13803,34 @@
                 </a:solidFill>
                 <a:latin typeface="+mj-lt"/>
               </a:rPr>
-              <a:t>the routing between the secondary power pins on cross-domain cells and power sources</a:t>
+              <a:t>the routing between the secondary power pins </a:t>
+            </a:r>
+            <a:r>
+              <a:rPr lang="en-US" altLang="zh-TW" sz="1800" i="0" u="none" strike="noStrike" baseline="0" dirty="0">
+                <a:solidFill>
+                  <a:srgbClr val="FF0000"/>
+                </a:solidFill>
+                <a:latin typeface="+mj-lt"/>
+              </a:rPr>
+              <a:t>on </a:t>
+            </a:r>
+            <a:r>
+              <a:rPr lang="en-US" altLang="zh-TW" sz="1800" b="1" i="0" u="none" strike="noStrike" baseline="0" dirty="0">
+                <a:solidFill>
+                  <a:srgbClr val="FF0000"/>
+                </a:solidFill>
+                <a:latin typeface="+mj-lt"/>
+              </a:rPr>
+              <a:t>cross-domain cells </a:t>
+            </a:r>
+            <a:r>
+              <a:rPr lang="en-US" altLang="zh-TW" sz="1800" b="0" i="0" u="none" strike="noStrike" baseline="0" dirty="0">
+                <a:solidFill>
+                  <a:srgbClr val="FF0000"/>
+                </a:solidFill>
+                <a:latin typeface="+mj-lt"/>
+              </a:rPr>
+              <a:t>and power sources</a:t>
             </a:r>
             <a:endParaRPr lang="zh-TW" altLang="en-US" dirty="0">
               <a:solidFill>
@@ -12166,7 +13854,7 @@
 </p:sld>
 </file>
 
-<file path=ppt/slides/slide4.xml><?xml version="1.0" encoding="utf-8"?>
+<file path=ppt/slides/slide5.xml><?xml version="1.0" encoding="utf-8"?>
 <p:sld xmlns:a="http://schemas.openxmlformats.org/drawingml/2006/main" xmlns:r="http://schemas.openxmlformats.org/officeDocument/2006/relationships" xmlns:p="http://schemas.openxmlformats.org/presentationml/2006/main">
   <p:cSld>
     <p:spTree>
@@ -12359,7 +14047,7 @@
           <a:p>
             <a:fld id="{666274A1-CF9C-426A-8DD4-B13ED0C24231}" type="slidenum">
               <a:rPr lang="en-US" smtClean="0"/>
-              <a:t>3</a:t>
+              <a:t>4</a:t>
             </a:fld>
             <a:endParaRPr lang="en-US"/>
           </a:p>
@@ -12436,7 +14124,7 @@
 </p:sld>
 </file>
 
-<file path=ppt/slides/slide5.xml><?xml version="1.0" encoding="utf-8"?>
+<file path=ppt/slides/slide6.xml><?xml version="1.0" encoding="utf-8"?>
 <p:sld xmlns:a="http://schemas.openxmlformats.org/drawingml/2006/main" xmlns:r="http://schemas.openxmlformats.org/officeDocument/2006/relationships" xmlns:p="http://schemas.openxmlformats.org/presentationml/2006/main">
   <p:cSld>
     <p:spTree>
@@ -12570,7 +14258,7 @@
           <a:p>
             <a:fld id="{666274A1-CF9C-426A-8DD4-B13ED0C24231}" type="slidenum">
               <a:rPr lang="en-US" smtClean="0"/>
-              <a:t>4</a:t>
+              <a:t>5</a:t>
             </a:fld>
             <a:endParaRPr lang="en-US"/>
           </a:p>
@@ -12619,7 +14307,7 @@
 </p:sld>
 </file>
 
-<file path=ppt/slides/slide6.xml><?xml version="1.0" encoding="utf-8"?>
+<file path=ppt/slides/slide7.xml><?xml version="1.0" encoding="utf-8"?>
 <p:sld xmlns:a="http://schemas.openxmlformats.org/drawingml/2006/main" xmlns:r="http://schemas.openxmlformats.org/officeDocument/2006/relationships" xmlns:p="http://schemas.openxmlformats.org/presentationml/2006/main">
   <p:cSld>
     <p:spTree>
@@ -12719,7 +14407,7 @@
           <a:p>
             <a:fld id="{666274A1-CF9C-426A-8DD4-B13ED0C24231}" type="slidenum">
               <a:rPr lang="en-US" smtClean="0"/>
-              <a:t>5</a:t>
+              <a:t>6</a:t>
             </a:fld>
             <a:endParaRPr lang="en-US"/>
           </a:p>
@@ -12768,230 +14456,6 @@
 </p:sld>
 </file>
 
-<file path=ppt/slides/slide7.xml><?xml version="1.0" encoding="utf-8"?>
-<p:sld xmlns:a="http://schemas.openxmlformats.org/drawingml/2006/main" xmlns:r="http://schemas.openxmlformats.org/officeDocument/2006/relationships" xmlns:p="http://schemas.openxmlformats.org/presentationml/2006/main">
-  <p:cSld>
-    <p:spTree>
-      <p:nvGrpSpPr>
-        <p:cNvPr id="1" name=""/>
-        <p:cNvGrpSpPr/>
-        <p:nvPr/>
-      </p:nvGrpSpPr>
-      <p:grpSpPr>
-        <a:xfrm>
-          <a:off x="0" y="0"/>
-          <a:ext cx="0" cy="0"/>
-          <a:chOff x="0" y="0"/>
-          <a:chExt cx="0" cy="0"/>
-        </a:xfrm>
-      </p:grpSpPr>
-      <p:sp>
-        <p:nvSpPr>
-          <p:cNvPr id="2" name="標題 1">
-            <a:extLst>
-              <a:ext uri="{FF2B5EF4-FFF2-40B4-BE49-F238E27FC236}">
-                <a16:creationId xmlns:a16="http://schemas.microsoft.com/office/drawing/2014/main" id="{AE5CDEBA-F7CB-4423-D17F-78C9E7A6B544}"/>
-              </a:ext>
-            </a:extLst>
-          </p:cNvPr>
-          <p:cNvSpPr>
-            <a:spLocks noGrp="1"/>
-          </p:cNvSpPr>
-          <p:nvPr>
-            <p:ph type="title"/>
-          </p:nvPr>
-        </p:nvSpPr>
-        <p:spPr/>
-        <p:txBody>
-          <a:bodyPr/>
-          <a:lstStyle/>
-          <a:p>
-            <a:r>
-              <a:rPr lang="en-US" altLang="zh-TW" sz="4000" dirty="0">
-                <a:latin typeface="Times" panose="02020603050405020304" pitchFamily="18" charset="0"/>
-                <a:cs typeface="Times" panose="02020603050405020304" pitchFamily="18" charset="0"/>
-              </a:rPr>
-              <a:t>Introduction</a:t>
-            </a:r>
-            <a:endParaRPr lang="zh-TW" altLang="en-US" dirty="0">
-              <a:latin typeface="Times" panose="02020603050405020304" pitchFamily="18" charset="0"/>
-              <a:cs typeface="Times" panose="02020603050405020304" pitchFamily="18" charset="0"/>
-            </a:endParaRPr>
-          </a:p>
-        </p:txBody>
-      </p:sp>
-      <p:sp>
-        <p:nvSpPr>
-          <p:cNvPr id="3" name="內容版面配置區 2">
-            <a:extLst>
-              <a:ext uri="{FF2B5EF4-FFF2-40B4-BE49-F238E27FC236}">
-                <a16:creationId xmlns:a16="http://schemas.microsoft.com/office/drawing/2014/main" id="{2BF1C42E-208D-D375-D779-4FE5706E52D6}"/>
-              </a:ext>
-            </a:extLst>
-          </p:cNvPr>
-          <p:cNvSpPr>
-            <a:spLocks noGrp="1"/>
-          </p:cNvSpPr>
-          <p:nvPr>
-            <p:ph idx="1"/>
-          </p:nvPr>
-        </p:nvSpPr>
-        <p:spPr>
-          <a:xfrm>
-            <a:off x="838200" y="1620000"/>
-            <a:ext cx="10515600" cy="4895850"/>
-          </a:xfrm>
-        </p:spPr>
-        <p:txBody>
-          <a:bodyPr>
-            <a:normAutofit/>
-          </a:bodyPr>
-          <a:lstStyle/>
-          <a:p>
-            <a:pPr>
-              <a:lnSpc>
-                <a:spcPct val="150000"/>
-              </a:lnSpc>
-            </a:pPr>
-            <a:r>
-              <a:rPr lang="en-US" altLang="zh-TW" sz="2200" dirty="0"/>
-              <a:t>Starts with a full sub-mesh with the best IR drop, and repeatedly removes unnecessary sub-meshes.</a:t>
-            </a:r>
-          </a:p>
-          <a:p>
-            <a:pPr lvl="1">
-              <a:lnSpc>
-                <a:spcPct val="150000"/>
-              </a:lnSpc>
-            </a:pPr>
-            <a:r>
-              <a:rPr lang="en-US" altLang="zh-TW" sz="1800" dirty="0"/>
-              <a:t>Until the IR drop constraint cannot be satisfied.</a:t>
-            </a:r>
-          </a:p>
-          <a:p>
-            <a:pPr lvl="1">
-              <a:lnSpc>
-                <a:spcPct val="150000"/>
-              </a:lnSpc>
-            </a:pPr>
-            <a:r>
-              <a:rPr lang="en-US" altLang="zh-TW" sz="1800" dirty="0"/>
-              <a:t>While the IR drop analysis in each iteration is time-consuming.</a:t>
-            </a:r>
-          </a:p>
-          <a:p>
-            <a:pPr lvl="1">
-              <a:lnSpc>
-                <a:spcPct val="150000"/>
-              </a:lnSpc>
-            </a:pPr>
-            <a:endParaRPr lang="en-US" altLang="zh-TW" sz="100" dirty="0"/>
-          </a:p>
-          <a:p>
-            <a:pPr>
-              <a:lnSpc>
-                <a:spcPct val="150000"/>
-              </a:lnSpc>
-            </a:pPr>
-            <a:r>
-              <a:rPr lang="en-US" altLang="zh-TW" sz="2200" dirty="0"/>
-              <a:t>They train two models under power sub-meshes of various densities.</a:t>
-            </a:r>
-          </a:p>
-          <a:p>
-            <a:pPr lvl="1">
-              <a:lnSpc>
-                <a:spcPct val="150000"/>
-              </a:lnSpc>
-            </a:pPr>
-            <a:r>
-              <a:rPr lang="en-US" altLang="zh-TW" sz="1800" dirty="0"/>
-              <a:t>IR drop prediction model</a:t>
-            </a:r>
-          </a:p>
-          <a:p>
-            <a:pPr lvl="1">
-              <a:lnSpc>
-                <a:spcPct val="150000"/>
-              </a:lnSpc>
-            </a:pPr>
-            <a:r>
-              <a:rPr lang="en-US" altLang="zh-TW" sz="1800" dirty="0"/>
-              <a:t>Design rule violation prediction model</a:t>
-            </a:r>
-          </a:p>
-          <a:p>
-            <a:pPr lvl="1">
-              <a:lnSpc>
-                <a:spcPct val="150000"/>
-              </a:lnSpc>
-            </a:pPr>
-            <a:endParaRPr lang="en-US" altLang="zh-TW" sz="100" dirty="0"/>
-          </a:p>
-          <a:p>
-            <a:pPr>
-              <a:lnSpc>
-                <a:spcPct val="125000"/>
-              </a:lnSpc>
-            </a:pPr>
-            <a:r>
-              <a:rPr lang="en-US" altLang="zh-TW" sz="2200" dirty="0"/>
-              <a:t>The trained models effectively guide sub-mesh construction for cross-domain cells to budget the routing resource usage on secondary power routing and signal routing.</a:t>
-            </a:r>
-          </a:p>
-          <a:p>
-            <a:pPr>
-              <a:lnSpc>
-                <a:spcPct val="150000"/>
-              </a:lnSpc>
-            </a:pPr>
-            <a:endParaRPr lang="en-US" altLang="zh-TW" sz="2200" dirty="0"/>
-          </a:p>
-        </p:txBody>
-      </p:sp>
-      <p:sp>
-        <p:nvSpPr>
-          <p:cNvPr id="4" name="投影片編號版面配置區 3">
-            <a:extLst>
-              <a:ext uri="{FF2B5EF4-FFF2-40B4-BE49-F238E27FC236}">
-                <a16:creationId xmlns:a16="http://schemas.microsoft.com/office/drawing/2014/main" id="{75FE7E51-3153-478A-D8A4-7E30B3D4AF4C}"/>
-              </a:ext>
-            </a:extLst>
-          </p:cNvPr>
-          <p:cNvSpPr>
-            <a:spLocks noGrp="1"/>
-          </p:cNvSpPr>
-          <p:nvPr>
-            <p:ph type="sldNum" sz="quarter" idx="12"/>
-          </p:nvPr>
-        </p:nvSpPr>
-        <p:spPr/>
-        <p:txBody>
-          <a:bodyPr/>
-          <a:lstStyle/>
-          <a:p>
-            <a:fld id="{666274A1-CF9C-426A-8DD4-B13ED0C24231}" type="slidenum">
-              <a:rPr lang="en-US" smtClean="0"/>
-              <a:t>6</a:t>
-            </a:fld>
-            <a:endParaRPr lang="en-US"/>
-          </a:p>
-        </p:txBody>
-      </p:sp>
-    </p:spTree>
-    <p:extLst>
-      <p:ext uri="{BB962C8B-B14F-4D97-AF65-F5344CB8AC3E}">
-        <p14:creationId xmlns:p14="http://schemas.microsoft.com/office/powerpoint/2010/main" val="3288152618"/>
-      </p:ext>
-    </p:extLst>
-  </p:cSld>
-  <p:clrMapOvr>
-    <a:masterClrMapping/>
-  </p:clrMapOvr>
-</p:sld>
-</file>
-
 <file path=ppt/slides/slide8.xml><?xml version="1.0" encoding="utf-8"?>
 <p:sld xmlns:a="http://schemas.openxmlformats.org/drawingml/2006/main" xmlns:r="http://schemas.openxmlformats.org/officeDocument/2006/relationships" xmlns:p="http://schemas.openxmlformats.org/presentationml/2006/main">
   <p:cSld>
@@ -13035,7 +14499,7 @@
                 <a:latin typeface="Times" panose="02020603050405020304" pitchFamily="18" charset="0"/>
                 <a:cs typeface="Times" panose="02020603050405020304" pitchFamily="18" charset="0"/>
               </a:rPr>
-              <a:t>Preliminaries</a:t>
+              <a:t>Introduction</a:t>
             </a:r>
             <a:endParaRPr lang="zh-TW" altLang="en-US" dirty="0">
               <a:latin typeface="Times" panose="02020603050405020304" pitchFamily="18" charset="0"/>
@@ -13062,8 +14526,8 @@
         </p:nvSpPr>
         <p:spPr>
           <a:xfrm>
-            <a:off x="838200" y="1619999"/>
-            <a:ext cx="10515600" cy="5101475"/>
+            <a:off x="838200" y="1620000"/>
+            <a:ext cx="10515600" cy="4895850"/>
           </a:xfrm>
         </p:spPr>
         <p:txBody>
@@ -13078,10 +14542,8 @@
               </a:lnSpc>
             </a:pPr>
             <a:r>
-              <a:rPr lang="en-US" altLang="zh-TW" sz="2200" dirty="0">
-                <a:latin typeface="+mj-lt"/>
-              </a:rPr>
-              <a:t>Power Domain</a:t>
+              <a:rPr lang="en-US" altLang="zh-TW" sz="2200" dirty="0"/>
+              <a:t>Starts with a full sub-mesh with the best IR drop, and repeatedly removes unnecessary sub-meshes.</a:t>
             </a:r>
           </a:p>
           <a:p>
@@ -13091,10 +14553,8 @@
               </a:lnSpc>
             </a:pPr>
             <a:r>
-              <a:rPr lang="en-US" altLang="zh-TW" sz="1800" dirty="0">
-                <a:latin typeface="+mj-lt"/>
-              </a:rPr>
-              <a:t>A collection of cells that use the same power supply during normal operation.</a:t>
+              <a:rPr lang="en-US" altLang="zh-TW" sz="1800" dirty="0"/>
+              <a:t>Until the IR drop constraint cannot be satisfied.</a:t>
             </a:r>
           </a:p>
           <a:p>
@@ -13104,10 +14564,8 @@
               </a:lnSpc>
             </a:pPr>
             <a:r>
-              <a:rPr lang="en-US" altLang="zh-TW" sz="1800" dirty="0">
-                <a:latin typeface="+mj-lt"/>
-              </a:rPr>
-              <a:t>Can be switched on or off at the same time.</a:t>
+              <a:rPr lang="en-US" altLang="zh-TW" sz="1800" dirty="0"/>
+              <a:t>While the IR drop analysis in each iteration is time-consuming.</a:t>
             </a:r>
           </a:p>
           <a:p>
@@ -13116,9 +14574,7 @@
                 <a:spcPct val="150000"/>
               </a:lnSpc>
             </a:pPr>
-            <a:endParaRPr lang="en-US" altLang="zh-TW" sz="100" dirty="0">
-              <a:latin typeface="+mj-lt"/>
-            </a:endParaRPr>
+            <a:endParaRPr lang="en-US" altLang="zh-TW" sz="100" dirty="0"/>
           </a:p>
           <a:p>
             <a:pPr>
@@ -13127,10 +14583,8 @@
               </a:lnSpc>
             </a:pPr>
             <a:r>
-              <a:rPr lang="en-US" altLang="zh-TW" sz="2200" dirty="0">
-                <a:latin typeface="+mj-lt"/>
-              </a:rPr>
-              <a:t>There are numerous multiple power domain cells (cross domain cells)</a:t>
+              <a:rPr lang="en-US" altLang="zh-TW" sz="2200" dirty="0"/>
+              <a:t>They train two models under power sub-meshes of various densities.</a:t>
             </a:r>
           </a:p>
           <a:p>
@@ -13140,10 +14594,8 @@
               </a:lnSpc>
             </a:pPr>
             <a:r>
-              <a:rPr lang="en-US" altLang="zh-TW" sz="1800" dirty="0">
-                <a:latin typeface="+mj-lt"/>
-              </a:rPr>
-              <a:t>Always-on buffers/inverters, retention flip-flops, isolation cells.</a:t>
+              <a:rPr lang="en-US" altLang="zh-TW" sz="1800" dirty="0"/>
+              <a:t>IR drop prediction model</a:t>
             </a:r>
           </a:p>
           <a:p>
@@ -13153,10 +14605,8 @@
               </a:lnSpc>
             </a:pPr>
             <a:r>
-              <a:rPr lang="en-US" altLang="zh-TW" sz="1800" dirty="0">
-                <a:latin typeface="+mj-lt"/>
-              </a:rPr>
-              <a:t>There pins called secondary power pin.</a:t>
+              <a:rPr lang="en-US" altLang="zh-TW" sz="1800" dirty="0"/>
+              <a:t>Design rule violation prediction model</a:t>
             </a:r>
           </a:p>
           <a:p>
@@ -13165,9 +14615,18 @@
                 <a:spcPct val="150000"/>
               </a:lnSpc>
             </a:pPr>
-            <a:endParaRPr lang="en-US" altLang="zh-TW" sz="100" dirty="0">
-              <a:latin typeface="+mj-lt"/>
-            </a:endParaRPr>
+            <a:endParaRPr lang="en-US" altLang="zh-TW" sz="100" dirty="0"/>
+          </a:p>
+          <a:p>
+            <a:pPr>
+              <a:lnSpc>
+                <a:spcPct val="125000"/>
+              </a:lnSpc>
+            </a:pPr>
+            <a:r>
+              <a:rPr lang="en-US" altLang="zh-TW" sz="2200" dirty="0"/>
+              <a:t>The trained models effectively guide sub-mesh construction for cross-domain cells to budget the routing resource usage on secondary power routing and signal routing.</a:t>
+            </a:r>
           </a:p>
           <a:p>
             <a:pPr>
@@ -13175,60 +14634,7 @@
                 <a:spcPct val="150000"/>
               </a:lnSpc>
             </a:pPr>
-            <a:r>
-              <a:rPr lang="en-US" altLang="zh-TW" sz="2200" dirty="0">
-                <a:latin typeface="+mj-lt"/>
-              </a:rPr>
-              <a:t>There are 2 types of power source for a cross-domain cell</a:t>
-            </a:r>
-          </a:p>
-          <a:p>
-            <a:pPr lvl="1">
-              <a:lnSpc>
-                <a:spcPct val="150000"/>
-              </a:lnSpc>
-            </a:pPr>
-            <a:r>
-              <a:rPr lang="en-US" altLang="zh-TW" sz="1800" u="sng" dirty="0">
-                <a:latin typeface="+mj-lt"/>
-              </a:rPr>
-              <a:t>Direct supply</a:t>
-            </a:r>
-            <a:r>
-              <a:rPr lang="en-US" altLang="zh-TW" sz="1800" dirty="0">
-                <a:latin typeface="+mj-lt"/>
-              </a:rPr>
-              <a:t>:    primary power mesh directly supplies power to the cross-domain cells.</a:t>
-            </a:r>
-          </a:p>
-          <a:p>
-            <a:pPr lvl="1">
-              <a:lnSpc>
-                <a:spcPct val="150000"/>
-              </a:lnSpc>
-            </a:pPr>
-            <a:r>
-              <a:rPr lang="en-US" altLang="zh-TW" sz="1800" u="sng" dirty="0">
-                <a:latin typeface="+mj-lt"/>
-              </a:rPr>
-              <a:t>Indirect supply</a:t>
-            </a:r>
-            <a:r>
-              <a:rPr lang="en-US" altLang="zh-TW" sz="1800" dirty="0">
-                <a:latin typeface="+mj-lt"/>
-              </a:rPr>
-              <a:t>:  power gating cell (MTCMOS), level shifter.</a:t>
-            </a:r>
-          </a:p>
-          <a:p>
-            <a:pPr lvl="1">
-              <a:lnSpc>
-                <a:spcPct val="150000"/>
-              </a:lnSpc>
-            </a:pPr>
-            <a:endParaRPr lang="en-US" altLang="zh-TW" sz="1800" dirty="0">
-              <a:latin typeface="+mj-lt"/>
-            </a:endParaRPr>
+            <a:endParaRPr lang="en-US" altLang="zh-TW" sz="2200" dirty="0"/>
           </a:p>
         </p:txBody>
       </p:sp>
@@ -13264,7 +14670,7 @@
     </p:spTree>
     <p:extLst>
       <p:ext uri="{BB962C8B-B14F-4D97-AF65-F5344CB8AC3E}">
-        <p14:creationId xmlns:p14="http://schemas.microsoft.com/office/powerpoint/2010/main" val="1133187789"/>
+        <p14:creationId xmlns:p14="http://schemas.microsoft.com/office/powerpoint/2010/main" val="3288152618"/>
       </p:ext>
     </p:extLst>
   </p:cSld>
@@ -13296,7 +14702,7 @@
           <p:cNvPr id="2" name="標題 1">
             <a:extLst>
               <a:ext uri="{FF2B5EF4-FFF2-40B4-BE49-F238E27FC236}">
-                <a16:creationId xmlns:a16="http://schemas.microsoft.com/office/drawing/2014/main" id="{AE5CDEBA-F7CB-4423-D17F-78C9E7A6B544}"/>
+                <a16:creationId xmlns:a16="http://schemas.microsoft.com/office/drawing/2014/main" id="{F95E0C03-DA09-BCA5-440A-A05C34D99715}"/>
               </a:ext>
             </a:extLst>
           </p:cNvPr>
@@ -13317,7 +14723,7 @@
                 <a:latin typeface="Times" panose="02020603050405020304" pitchFamily="18" charset="0"/>
                 <a:cs typeface="Times" panose="02020603050405020304" pitchFamily="18" charset="0"/>
               </a:rPr>
-              <a:t>Preliminaries</a:t>
+              <a:t>Outline</a:t>
             </a:r>
             <a:endParaRPr lang="zh-TW" altLang="en-US" dirty="0">
               <a:latin typeface="Times" panose="02020603050405020304" pitchFamily="18" charset="0"/>
@@ -13326,390 +14732,130 @@
           </a:p>
         </p:txBody>
       </p:sp>
-      <mc:AlternateContent xmlns:mc="http://schemas.openxmlformats.org/markup-compatibility/2006" xmlns:a14="http://schemas.microsoft.com/office/drawing/2010/main">
-        <mc:Choice Requires="a14">
-          <p:sp>
-            <p:nvSpPr>
-              <p:cNvPr id="3" name="內容版面配置區 2">
-                <a:extLst>
-                  <a:ext uri="{FF2B5EF4-FFF2-40B4-BE49-F238E27FC236}">
-                    <a16:creationId xmlns:a16="http://schemas.microsoft.com/office/drawing/2014/main" id="{2BF1C42E-208D-D375-D779-4FE5706E52D6}"/>
-                  </a:ext>
-                </a:extLst>
-              </p:cNvPr>
-              <p:cNvSpPr>
-                <a:spLocks noGrp="1"/>
-              </p:cNvSpPr>
-              <p:nvPr>
-                <p:ph idx="1"/>
-              </p:nvPr>
-            </p:nvSpPr>
-            <p:spPr>
-              <a:xfrm>
-                <a:off x="838200" y="1620000"/>
-                <a:ext cx="10515600" cy="4895850"/>
-              </a:xfrm>
-            </p:spPr>
-            <p:txBody>
-              <a:bodyPr>
-                <a:normAutofit/>
-              </a:bodyPr>
-              <a:lstStyle/>
-              <a:p>
-                <a:pPr>
-                  <a:lnSpc>
-                    <a:spcPct val="150000"/>
-                  </a:lnSpc>
-                </a:pPr>
-                <a:r>
-                  <a:rPr lang="en-US" altLang="zh-TW" sz="2200" dirty="0">
-                    <a:latin typeface="+mj-lt"/>
-                  </a:rPr>
-                  <a:t>Static IR drop:</a:t>
-                </a:r>
-              </a:p>
-              <a:p>
-                <a:pPr lvl="1">
-                  <a:lnSpc>
-                    <a:spcPct val="150000"/>
-                  </a:lnSpc>
-                </a:pPr>
-                <a:r>
-                  <a:rPr lang="en-US" altLang="zh-TW" sz="1800" dirty="0">
-                    <a:latin typeface="+mj-lt"/>
-                  </a:rPr>
-                  <a:t>Measure the weakness of the overall power delivery network.</a:t>
-                </a:r>
-              </a:p>
-              <a:p>
-                <a:pPr lvl="1">
-                  <a:lnSpc>
-                    <a:spcPct val="150000"/>
-                  </a:lnSpc>
-                </a:pPr>
-                <a14:m>
-                  <m:oMath xmlns:m="http://schemas.openxmlformats.org/officeDocument/2006/math">
-                    <m:sSub>
-                      <m:sSubPr>
-                        <m:ctrlPr>
-                          <a:rPr lang="en-US" altLang="zh-TW" sz="1800" i="1" smtClean="0">
-                            <a:latin typeface="Cambria Math" panose="02040503050406030204" pitchFamily="18" charset="0"/>
-                          </a:rPr>
-                        </m:ctrlPr>
-                      </m:sSubPr>
-                      <m:e>
-                        <m:r>
-                          <a:rPr lang="en-US" altLang="zh-TW" sz="1800" b="0" i="1" smtClean="0">
-                            <a:latin typeface="Cambria Math" panose="02040503050406030204" pitchFamily="18" charset="0"/>
-                          </a:rPr>
-                          <m:t>𝑉</m:t>
-                        </m:r>
-                      </m:e>
-                      <m:sub>
-                        <m:r>
-                          <a:rPr lang="en-US" altLang="zh-TW" sz="1800" b="0" i="1" smtClean="0">
-                            <a:latin typeface="Cambria Math" panose="02040503050406030204" pitchFamily="18" charset="0"/>
-                          </a:rPr>
-                          <m:t>𝑠𝑡𝑎𝑡𝑖𝑐</m:t>
-                        </m:r>
-                        <m:r>
-                          <a:rPr lang="en-US" altLang="zh-TW" sz="1800" b="0" i="1" smtClean="0">
-                            <a:latin typeface="Cambria Math" panose="02040503050406030204" pitchFamily="18" charset="0"/>
-                          </a:rPr>
-                          <m:t>_</m:t>
-                        </m:r>
-                        <m:r>
-                          <a:rPr lang="en-US" altLang="zh-TW" sz="1800" b="0" i="1" smtClean="0">
-                            <a:latin typeface="Cambria Math" panose="02040503050406030204" pitchFamily="18" charset="0"/>
-                          </a:rPr>
-                          <m:t>𝑑𝑟𝑜𝑝</m:t>
-                        </m:r>
-                      </m:sub>
-                    </m:sSub>
-                    <m:r>
-                      <a:rPr lang="en-US" altLang="zh-TW" sz="1800" b="0" i="1" smtClean="0">
-                        <a:latin typeface="Cambria Math" panose="02040503050406030204" pitchFamily="18" charset="0"/>
-                      </a:rPr>
-                      <m:t>= </m:t>
-                    </m:r>
-                    <m:sSub>
-                      <m:sSubPr>
-                        <m:ctrlPr>
-                          <a:rPr lang="en-US" altLang="zh-TW" sz="1800" b="0" i="1" smtClean="0">
-                            <a:latin typeface="Cambria Math" panose="02040503050406030204" pitchFamily="18" charset="0"/>
-                          </a:rPr>
-                        </m:ctrlPr>
-                      </m:sSubPr>
-                      <m:e>
-                        <m:r>
-                          <a:rPr lang="en-US" altLang="zh-TW" sz="1800" b="0" i="1" smtClean="0">
-                            <a:latin typeface="Cambria Math" panose="02040503050406030204" pitchFamily="18" charset="0"/>
-                          </a:rPr>
-                          <m:t>𝐼</m:t>
-                        </m:r>
-                      </m:e>
-                      <m:sub>
-                        <m:r>
-                          <a:rPr lang="en-US" altLang="zh-TW" sz="1800" b="0" i="1" smtClean="0">
-                            <a:latin typeface="Cambria Math" panose="02040503050406030204" pitchFamily="18" charset="0"/>
-                          </a:rPr>
-                          <m:t>𝑎𝑣𝑔</m:t>
-                        </m:r>
-                      </m:sub>
-                    </m:sSub>
-                    <m:r>
-                      <a:rPr lang="en-US" altLang="zh-TW" sz="1800" b="0" i="1" smtClean="0">
-                        <a:latin typeface="Cambria Math" panose="02040503050406030204" pitchFamily="18" charset="0"/>
-                      </a:rPr>
-                      <m:t> </m:t>
-                    </m:r>
-                    <m:r>
-                      <a:rPr lang="en-US" altLang="zh-TW" sz="1800" b="0" i="1" smtClean="0">
-                        <a:latin typeface="Cambria Math" panose="02040503050406030204" pitchFamily="18" charset="0"/>
-                        <a:ea typeface="Cambria Math" panose="02040503050406030204" pitchFamily="18" charset="0"/>
-                      </a:rPr>
-                      <m:t>× </m:t>
-                    </m:r>
-                    <m:sSub>
-                      <m:sSubPr>
-                        <m:ctrlPr>
-                          <a:rPr lang="en-US" altLang="zh-TW" sz="1800" b="0" i="1" smtClean="0">
-                            <a:latin typeface="Cambria Math" panose="02040503050406030204" pitchFamily="18" charset="0"/>
-                            <a:ea typeface="Cambria Math" panose="02040503050406030204" pitchFamily="18" charset="0"/>
-                          </a:rPr>
-                        </m:ctrlPr>
-                      </m:sSubPr>
-                      <m:e>
-                        <m:r>
-                          <a:rPr lang="en-US" altLang="zh-TW" sz="1800" b="0" i="1" smtClean="0">
-                            <a:latin typeface="Cambria Math" panose="02040503050406030204" pitchFamily="18" charset="0"/>
-                            <a:ea typeface="Cambria Math" panose="02040503050406030204" pitchFamily="18" charset="0"/>
-                          </a:rPr>
-                          <m:t>𝑅</m:t>
-                        </m:r>
-                      </m:e>
-                      <m:sub>
-                        <m:r>
-                          <a:rPr lang="en-US" altLang="zh-TW" sz="1800" b="0" i="1" smtClean="0">
-                            <a:latin typeface="Cambria Math" panose="02040503050406030204" pitchFamily="18" charset="0"/>
-                            <a:ea typeface="Cambria Math" panose="02040503050406030204" pitchFamily="18" charset="0"/>
-                          </a:rPr>
-                          <m:t>𝑤𝑖𝑟𝑒</m:t>
-                        </m:r>
-                      </m:sub>
-                    </m:sSub>
-                  </m:oMath>
-                </a14:m>
-                <a:endParaRPr lang="en-US" altLang="zh-TW" sz="1800" dirty="0">
-                  <a:latin typeface="+mj-lt"/>
-                </a:endParaRPr>
-              </a:p>
-              <a:p>
-                <a:pPr lvl="2">
-                  <a:lnSpc>
-                    <a:spcPct val="150000"/>
-                  </a:lnSpc>
-                </a:pPr>
-                <a14:m>
-                  <m:oMath xmlns:m="http://schemas.openxmlformats.org/officeDocument/2006/math">
-                    <m:sSub>
-                      <m:sSubPr>
-                        <m:ctrlPr>
-                          <a:rPr lang="en-US" altLang="zh-TW" sz="1600" i="1" smtClean="0">
-                            <a:latin typeface="Cambria Math" panose="02040503050406030204" pitchFamily="18" charset="0"/>
-                          </a:rPr>
-                        </m:ctrlPr>
-                      </m:sSubPr>
-                      <m:e>
-                        <m:r>
-                          <a:rPr lang="en-US" altLang="zh-TW" sz="1600" b="0" i="1" smtClean="0">
-                            <a:latin typeface="Cambria Math" panose="02040503050406030204" pitchFamily="18" charset="0"/>
-                          </a:rPr>
-                          <m:t>𝐼</m:t>
-                        </m:r>
-                      </m:e>
-                      <m:sub>
-                        <m:r>
-                          <a:rPr lang="en-US" altLang="zh-TW" sz="1600" b="0" i="1" smtClean="0">
-                            <a:latin typeface="Cambria Math" panose="02040503050406030204" pitchFamily="18" charset="0"/>
-                          </a:rPr>
-                          <m:t>𝑎𝑣𝑔</m:t>
-                        </m:r>
-                      </m:sub>
-                    </m:sSub>
-                    <m:r>
-                      <a:rPr lang="en-US" altLang="zh-TW" sz="1600" b="0" i="1" smtClean="0">
-                        <a:latin typeface="Cambria Math" panose="02040503050406030204" pitchFamily="18" charset="0"/>
-                      </a:rPr>
-                      <m:t>: </m:t>
-                    </m:r>
-                  </m:oMath>
-                </a14:m>
-                <a:r>
-                  <a:rPr lang="en-US" altLang="zh-TW" sz="1600" b="0" i="0" dirty="0">
-                    <a:latin typeface="+mj-lt"/>
-                  </a:rPr>
-                  <a:t>   The average current drawn from PDN under average switching rate.</a:t>
-                </a:r>
-              </a:p>
-              <a:p>
-                <a:pPr lvl="2">
-                  <a:lnSpc>
-                    <a:spcPct val="150000"/>
-                  </a:lnSpc>
-                </a:pPr>
-                <a14:m>
-                  <m:oMath xmlns:m="http://schemas.openxmlformats.org/officeDocument/2006/math">
-                    <m:sSub>
-                      <m:sSubPr>
-                        <m:ctrlPr>
-                          <a:rPr lang="en-US" altLang="zh-TW" sz="1600" i="1" smtClean="0">
-                            <a:latin typeface="Cambria Math" panose="02040503050406030204" pitchFamily="18" charset="0"/>
-                          </a:rPr>
-                        </m:ctrlPr>
-                      </m:sSubPr>
-                      <m:e>
-                        <m:r>
-                          <a:rPr lang="en-US" altLang="zh-TW" sz="1600" b="0" i="1" smtClean="0">
-                            <a:latin typeface="Cambria Math" panose="02040503050406030204" pitchFamily="18" charset="0"/>
-                          </a:rPr>
-                          <m:t>𝑅</m:t>
-                        </m:r>
-                      </m:e>
-                      <m:sub>
-                        <m:r>
-                          <a:rPr lang="en-US" altLang="zh-TW" sz="1600" b="0" i="1" smtClean="0">
-                            <a:latin typeface="Cambria Math" panose="02040503050406030204" pitchFamily="18" charset="0"/>
-                          </a:rPr>
-                          <m:t>𝑤𝑖𝑟𝑒</m:t>
-                        </m:r>
-                      </m:sub>
-                    </m:sSub>
-                    <m:r>
-                      <a:rPr lang="en-US" altLang="zh-TW" sz="1600" b="0" i="1" smtClean="0">
-                        <a:latin typeface="Cambria Math" panose="02040503050406030204" pitchFamily="18" charset="0"/>
-                      </a:rPr>
-                      <m:t>:</m:t>
-                    </m:r>
-                  </m:oMath>
-                </a14:m>
-                <a:r>
-                  <a:rPr lang="en-US" altLang="zh-TW" sz="1600" b="0" i="0" dirty="0">
-                    <a:latin typeface="+mj-lt"/>
-                  </a:rPr>
-                  <a:t>  E</a:t>
-                </a:r>
-                <a:r>
-                  <a:rPr lang="en-US" altLang="zh-TW" sz="1600" dirty="0">
-                    <a:latin typeface="+mj-lt"/>
-                  </a:rPr>
-                  <a:t>ffective resistance from the power source to the location of interest in the layout.</a:t>
-                </a:r>
-              </a:p>
-              <a:p>
-                <a:pPr>
-                  <a:lnSpc>
-                    <a:spcPct val="150000"/>
-                  </a:lnSpc>
-                </a:pPr>
-                <a:r>
-                  <a:rPr lang="en-US" altLang="zh-TW" sz="2200" dirty="0">
-                    <a:latin typeface="+mj-lt"/>
-                  </a:rPr>
-                  <a:t>Usually route power source and the secondary power pin of a cross-domain cell with wider metal</a:t>
-                </a:r>
-                <a:r>
-                  <a:rPr lang="zh-TW" altLang="en-US" sz="2200" dirty="0">
-                    <a:latin typeface="+mj-lt"/>
-                  </a:rPr>
-                  <a:t> </a:t>
-                </a:r>
-                <a:r>
-                  <a:rPr lang="en-US" altLang="zh-TW" sz="2200" dirty="0">
-                    <a:latin typeface="+mj-lt"/>
-                  </a:rPr>
-                  <a:t>than signal routing.</a:t>
-                </a:r>
-              </a:p>
-              <a:p>
-                <a:pPr lvl="1">
-                  <a:lnSpc>
-                    <a:spcPct val="150000"/>
-                  </a:lnSpc>
-                </a:pPr>
-                <a:r>
-                  <a:rPr lang="en-US" altLang="zh-TW" sz="1800" dirty="0">
-                    <a:latin typeface="+mj-lt"/>
-                  </a:rPr>
-                  <a:t>Encounter more severe IR drop issue.</a:t>
-                </a:r>
-              </a:p>
-              <a:p>
-                <a:pPr lvl="1">
-                  <a:lnSpc>
-                    <a:spcPct val="150000"/>
-                  </a:lnSpc>
-                </a:pPr>
-                <a:r>
-                  <a:rPr lang="en-US" altLang="zh-TW" sz="1800" dirty="0">
-                    <a:latin typeface="+mj-lt"/>
-                  </a:rPr>
-                  <a:t>Use sub-mesh reduce wire resistance and provide more via tapping location.</a:t>
-                </a:r>
-              </a:p>
-            </p:txBody>
-          </p:sp>
-        </mc:Choice>
-        <mc:Fallback xmlns="">
-          <p:sp>
-            <p:nvSpPr>
-              <p:cNvPr id="3" name="內容版面配置區 2">
-                <a:extLst>
-                  <a:ext uri="{FF2B5EF4-FFF2-40B4-BE49-F238E27FC236}">
-                    <a16:creationId xmlns:a16="http://schemas.microsoft.com/office/drawing/2014/main" id="{2BF1C42E-208D-D375-D779-4FE5706E52D6}"/>
-                  </a:ext>
-                </a:extLst>
-              </p:cNvPr>
-              <p:cNvSpPr>
-                <a:spLocks noGrp="1" noRot="1" noChangeAspect="1" noMove="1" noResize="1" noEditPoints="1" noAdjustHandles="1" noChangeArrowheads="1" noChangeShapeType="1" noTextEdit="1"/>
-              </p:cNvSpPr>
-              <p:nvPr>
-                <p:ph idx="1"/>
-              </p:nvPr>
-            </p:nvSpPr>
-            <p:spPr>
-              <a:xfrm>
-                <a:off x="838200" y="1620000"/>
-                <a:ext cx="10515600" cy="4895850"/>
-              </a:xfrm>
-              <a:blipFill>
-                <a:blip r:embed="rId3"/>
-                <a:stretch>
-                  <a:fillRect l="-696"/>
-                </a:stretch>
-              </a:blipFill>
-            </p:spPr>
-            <p:txBody>
-              <a:bodyPr/>
-              <a:lstStyle/>
-              <a:p>
-                <a:r>
-                  <a:rPr lang="zh-TW" altLang="en-US">
-                    <a:noFill/>
-                  </a:rPr>
-                  <a:t> </a:t>
-                </a:r>
-              </a:p>
-            </p:txBody>
-          </p:sp>
-        </mc:Fallback>
-      </mc:AlternateContent>
+      <p:sp>
+        <p:nvSpPr>
+          <p:cNvPr id="3" name="內容版面配置區 2">
+            <a:extLst>
+              <a:ext uri="{FF2B5EF4-FFF2-40B4-BE49-F238E27FC236}">
+                <a16:creationId xmlns:a16="http://schemas.microsoft.com/office/drawing/2014/main" id="{F671C038-AE51-E136-6B1E-6C38BF235BBE}"/>
+              </a:ext>
+            </a:extLst>
+          </p:cNvPr>
+          <p:cNvSpPr>
+            <a:spLocks noGrp="1"/>
+          </p:cNvSpPr>
+          <p:nvPr>
+            <p:ph idx="1"/>
+          </p:nvPr>
+        </p:nvSpPr>
+        <p:spPr bwMode="auto">
+          <a:xfrm>
+            <a:off x="838200" y="1620000"/>
+            <a:ext cx="10515600" cy="4351338"/>
+          </a:xfrm>
+        </p:spPr>
+        <p:txBody>
+          <a:bodyPr>
+            <a:normAutofit/>
+          </a:bodyPr>
+          <a:lstStyle/>
+          <a:p>
+            <a:pPr>
+              <a:lnSpc>
+                <a:spcPct val="150000"/>
+              </a:lnSpc>
+            </a:pPr>
+            <a:r>
+              <a:rPr lang="en-US" altLang="zh-TW" sz="2400" dirty="0">
+                <a:solidFill>
+                  <a:schemeClr val="bg1">
+                    <a:lumMod val="65000"/>
+                  </a:schemeClr>
+                </a:solidFill>
+              </a:rPr>
+              <a:t>Introduction</a:t>
+            </a:r>
+          </a:p>
+          <a:p>
+            <a:pPr>
+              <a:lnSpc>
+                <a:spcPct val="150000"/>
+              </a:lnSpc>
+            </a:pPr>
+            <a:r>
+              <a:rPr lang="en-US" altLang="zh-TW" sz="2400" dirty="0"/>
+              <a:t>Preliminaries</a:t>
+            </a:r>
+          </a:p>
+          <a:p>
+            <a:pPr>
+              <a:lnSpc>
+                <a:spcPct val="150000"/>
+              </a:lnSpc>
+            </a:pPr>
+            <a:r>
+              <a:rPr lang="en-US" altLang="zh-TW" sz="2400" dirty="0">
+                <a:solidFill>
+                  <a:schemeClr val="bg1">
+                    <a:lumMod val="65000"/>
+                  </a:schemeClr>
+                </a:solidFill>
+              </a:rPr>
+              <a:t>Methodology</a:t>
+            </a:r>
+          </a:p>
+          <a:p>
+            <a:pPr>
+              <a:lnSpc>
+                <a:spcPct val="150000"/>
+              </a:lnSpc>
+            </a:pPr>
+            <a:r>
+              <a:rPr lang="en-US" altLang="zh-TW" sz="2400" dirty="0">
+                <a:solidFill>
+                  <a:schemeClr val="bg1">
+                    <a:lumMod val="65000"/>
+                  </a:schemeClr>
+                </a:solidFill>
+              </a:rPr>
+              <a:t>Experimental</a:t>
+            </a:r>
+            <a:r>
+              <a:rPr lang="en-US" altLang="zh-TW" dirty="0">
+                <a:solidFill>
+                  <a:schemeClr val="bg1">
+                    <a:lumMod val="65000"/>
+                  </a:schemeClr>
+                </a:solidFill>
+              </a:rPr>
+              <a:t> </a:t>
+            </a:r>
+            <a:r>
+              <a:rPr lang="en-US" altLang="zh-TW" sz="2400" dirty="0">
+                <a:solidFill>
+                  <a:schemeClr val="bg1">
+                    <a:lumMod val="65000"/>
+                  </a:schemeClr>
+                </a:solidFill>
+              </a:rPr>
+              <a:t>Results</a:t>
+            </a:r>
+            <a:endParaRPr lang="zh-TW" altLang="en-US" dirty="0">
+              <a:solidFill>
+                <a:schemeClr val="bg1">
+                  <a:lumMod val="65000"/>
+                </a:schemeClr>
+              </a:solidFill>
+            </a:endParaRPr>
+          </a:p>
+        </p:txBody>
+      </p:sp>
       <p:sp>
         <p:nvSpPr>
           <p:cNvPr id="4" name="投影片編號版面配置區 3">
             <a:extLst>
               <a:ext uri="{FF2B5EF4-FFF2-40B4-BE49-F238E27FC236}">
-                <a16:creationId xmlns:a16="http://schemas.microsoft.com/office/drawing/2014/main" id="{75FE7E51-3153-478A-D8A4-7E30B3D4AF4C}"/>
+                <a16:creationId xmlns:a16="http://schemas.microsoft.com/office/drawing/2014/main" id="{5891B803-9796-C957-1032-D2F5DFAFFD47}"/>
               </a:ext>
             </a:extLst>
           </p:cNvPr>
@@ -13733,40 +14879,10 @@
           </a:p>
         </p:txBody>
       </p:sp>
-      <p:pic>
-        <p:nvPicPr>
-          <p:cNvPr id="6" name="圖片 5">
-            <a:extLst>
-              <a:ext uri="{FF2B5EF4-FFF2-40B4-BE49-F238E27FC236}">
-                <a16:creationId xmlns:a16="http://schemas.microsoft.com/office/drawing/2014/main" id="{CE6AB594-E603-3F82-6564-C5CA8573E9C0}"/>
-              </a:ext>
-            </a:extLst>
-          </p:cNvPr>
-          <p:cNvPicPr>
-            <a:picLocks noChangeAspect="1"/>
-          </p:cNvPicPr>
-          <p:nvPr/>
-        </p:nvPicPr>
-        <p:blipFill>
-          <a:blip r:embed="rId4"/>
-          <a:stretch>
-            <a:fillRect/>
-          </a:stretch>
-        </p:blipFill>
-        <p:spPr>
-          <a:xfrm>
-            <a:off x="6096000" y="136525"/>
-            <a:ext cx="5465894" cy="2103012"/>
-          </a:xfrm>
-          <a:prstGeom prst="rect">
-            <a:avLst/>
-          </a:prstGeom>
-        </p:spPr>
-      </p:pic>
     </p:spTree>
     <p:extLst>
       <p:ext uri="{BB962C8B-B14F-4D97-AF65-F5344CB8AC3E}">
-        <p14:creationId xmlns:p14="http://schemas.microsoft.com/office/powerpoint/2010/main" val="3284811820"/>
+        <p14:creationId xmlns:p14="http://schemas.microsoft.com/office/powerpoint/2010/main" val="3475085156"/>
       </p:ext>
     </p:extLst>
   </p:cSld>

--- a/GM/powerplan/Power Sub-Mesh Construction in Multiple Power Domain Design/Power Sub-Mesh Construction in Multiple Power Domain Design.pptx
+++ b/GM/powerplan/Power Sub-Mesh Construction in Multiple Power Domain Design/Power Sub-Mesh Construction in Multiple Power Domain Design.pptx
@@ -1948,7 +1948,7 @@
           <a:p>
             <a:fld id="{C9ED61FB-B9B0-4D85-A72E-A614C28ECC4E}" type="datetimeFigureOut">
               <a:rPr lang="en-US" smtClean="0"/>
-              <a:t>5/15/2024</a:t>
+              <a:t>5/16/2024</a:t>
             </a:fld>
             <a:endParaRPr lang="en-US"/>
           </a:p>
@@ -2760,7 +2760,211 @@
           <a:bodyPr/>
           <a:lstStyle/>
           <a:p>
-            <a:endParaRPr lang="zh-TW" altLang="en-US" dirty="0"/>
+            <a:pPr algn="l">
+              <a:buFont typeface="Arial" panose="020B0604020202020204" pitchFamily="34" charset="0"/>
+              <a:buChar char="•"/>
+            </a:pPr>
+            <a:r>
+              <a:rPr lang="en-US" altLang="zh-CN" b="1" i="0" dirty="0">
+                <a:solidFill>
+                  <a:srgbClr val="0D0D0D"/>
+                </a:solidFill>
+                <a:effectLst/>
+                <a:highlight>
+                  <a:srgbClr val="FFFFFF"/>
+                </a:highlight>
+                <a:latin typeface="Söhne"/>
+              </a:rPr>
+              <a:t>N-well</a:t>
+            </a:r>
+            <a:r>
+              <a:rPr lang="zh-CN" altLang="en-US" b="1" i="0" dirty="0">
+                <a:solidFill>
+                  <a:srgbClr val="0D0D0D"/>
+                </a:solidFill>
+                <a:effectLst/>
+                <a:highlight>
+                  <a:srgbClr val="FFFFFF"/>
+                </a:highlight>
+                <a:latin typeface="Söhne"/>
+              </a:rPr>
+              <a:t>恒定电源</a:t>
+            </a:r>
+            <a:r>
+              <a:rPr lang="zh-CN" altLang="en-US" b="0" i="0" dirty="0">
+                <a:solidFill>
+                  <a:srgbClr val="0D0D0D"/>
+                </a:solidFill>
+                <a:effectLst/>
+                <a:highlight>
+                  <a:srgbClr val="FFFFFF"/>
+                </a:highlight>
+                <a:latin typeface="Söhne"/>
+              </a:rPr>
+              <a:t>：专门针对</a:t>
+            </a:r>
+            <a:r>
+              <a:rPr lang="en-US" altLang="zh-CN" b="0" i="0" dirty="0">
+                <a:solidFill>
+                  <a:srgbClr val="0D0D0D"/>
+                </a:solidFill>
+                <a:effectLst/>
+                <a:highlight>
+                  <a:srgbClr val="FFFFFF"/>
+                </a:highlight>
+                <a:latin typeface="Söhne"/>
+              </a:rPr>
+              <a:t>N-well</a:t>
+            </a:r>
+            <a:r>
+              <a:rPr lang="zh-CN" altLang="en-US" b="0" i="0" dirty="0">
+                <a:solidFill>
+                  <a:srgbClr val="0D0D0D"/>
+                </a:solidFill>
+                <a:effectLst/>
+                <a:highlight>
+                  <a:srgbClr val="FFFFFF"/>
+                </a:highlight>
+                <a:latin typeface="Söhne"/>
+              </a:rPr>
+              <a:t>区域的恒定电压供应，主要影响</a:t>
+            </a:r>
+            <a:r>
+              <a:rPr lang="en-US" altLang="zh-CN" b="0" i="0" dirty="0">
+                <a:solidFill>
+                  <a:srgbClr val="0D0D0D"/>
+                </a:solidFill>
+                <a:effectLst/>
+                <a:highlight>
+                  <a:srgbClr val="FFFFFF"/>
+                </a:highlight>
+                <a:latin typeface="Söhne"/>
+              </a:rPr>
+              <a:t>N-well</a:t>
+            </a:r>
+            <a:r>
+              <a:rPr lang="zh-CN" altLang="en-US" b="0" i="0" dirty="0">
+                <a:solidFill>
+                  <a:srgbClr val="0D0D0D"/>
+                </a:solidFill>
+                <a:effectLst/>
+                <a:highlight>
+                  <a:srgbClr val="FFFFFF"/>
+                </a:highlight>
+                <a:latin typeface="Söhne"/>
+              </a:rPr>
+              <a:t>内的</a:t>
+            </a:r>
+            <a:r>
+              <a:rPr lang="en-US" altLang="zh-CN" b="0" i="0" dirty="0">
+                <a:solidFill>
+                  <a:srgbClr val="0D0D0D"/>
+                </a:solidFill>
+                <a:effectLst/>
+                <a:highlight>
+                  <a:srgbClr val="FFFFFF"/>
+                </a:highlight>
+                <a:latin typeface="Söhne"/>
+              </a:rPr>
+              <a:t>P</a:t>
+            </a:r>
+            <a:r>
+              <a:rPr lang="zh-CN" altLang="en-US" b="0" i="0" dirty="0">
+                <a:solidFill>
+                  <a:srgbClr val="0D0D0D"/>
+                </a:solidFill>
+                <a:effectLst/>
+                <a:highlight>
+                  <a:srgbClr val="FFFFFF"/>
+                </a:highlight>
+                <a:latin typeface="Söhne"/>
+              </a:rPr>
+              <a:t>型</a:t>
+            </a:r>
+            <a:r>
+              <a:rPr lang="en-US" altLang="zh-CN" b="0" i="0" dirty="0">
+                <a:solidFill>
+                  <a:srgbClr val="0D0D0D"/>
+                </a:solidFill>
+                <a:effectLst/>
+                <a:highlight>
+                  <a:srgbClr val="FFFFFF"/>
+                </a:highlight>
+                <a:latin typeface="Söhne"/>
+              </a:rPr>
+              <a:t>MOSFET</a:t>
+            </a:r>
+            <a:r>
+              <a:rPr lang="zh-CN" altLang="en-US" b="0" i="0" dirty="0">
+                <a:solidFill>
+                  <a:srgbClr val="0D0D0D"/>
+                </a:solidFill>
+                <a:effectLst/>
+                <a:highlight>
+                  <a:srgbClr val="FFFFFF"/>
+                </a:highlight>
+                <a:latin typeface="Söhne"/>
+              </a:rPr>
+              <a:t>晶体管。</a:t>
+            </a:r>
+          </a:p>
+          <a:p>
+            <a:pPr algn="l">
+              <a:buFont typeface="Arial" panose="020B0604020202020204" pitchFamily="34" charset="0"/>
+              <a:buChar char="•"/>
+            </a:pPr>
+            <a:r>
+              <a:rPr lang="zh-CN" altLang="en-US" b="1" i="0" dirty="0">
+                <a:solidFill>
+                  <a:srgbClr val="0D0D0D"/>
+                </a:solidFill>
+                <a:effectLst/>
+                <a:highlight>
+                  <a:srgbClr val="FFFFFF"/>
+                </a:highlight>
+                <a:latin typeface="Söhne"/>
+              </a:rPr>
+              <a:t>电源网络</a:t>
+            </a:r>
+            <a:r>
+              <a:rPr lang="en-US" altLang="zh-CN" b="1" i="0" dirty="0">
+                <a:solidFill>
+                  <a:srgbClr val="0D0D0D"/>
+                </a:solidFill>
+                <a:effectLst/>
+                <a:highlight>
+                  <a:srgbClr val="FFFFFF"/>
+                </a:highlight>
+                <a:latin typeface="Söhne"/>
+              </a:rPr>
+              <a:t>/</a:t>
+            </a:r>
+            <a:r>
+              <a:rPr lang="zh-CN" altLang="en-US" b="1" i="0" dirty="0">
+                <a:solidFill>
+                  <a:srgbClr val="0D0D0D"/>
+                </a:solidFill>
+                <a:effectLst/>
+                <a:highlight>
+                  <a:srgbClr val="FFFFFF"/>
+                </a:highlight>
+                <a:latin typeface="Söhne"/>
+              </a:rPr>
+              <a:t>电源轨</a:t>
+            </a:r>
+            <a:r>
+              <a:rPr lang="zh-CN" altLang="en-US" b="0" i="0" dirty="0">
+                <a:solidFill>
+                  <a:srgbClr val="0D0D0D"/>
+                </a:solidFill>
+                <a:effectLst/>
+                <a:highlight>
+                  <a:srgbClr val="FFFFFF"/>
+                </a:highlight>
+                <a:latin typeface="Söhne"/>
+              </a:rPr>
+              <a:t>：覆盖整个芯片的电力传输系统，提供不同电压轨以满足不同模块的电源需求。</a:t>
+            </a:r>
           </a:p>
         </p:txBody>
       </p:sp>
@@ -2860,6 +3064,297 @@
               <a:rPr lang="en-US" altLang="zh-TW" dirty="0"/>
               <a:t>C.C.:      Correlation coefficient</a:t>
             </a:r>
+          </a:p>
+          <a:p>
+            <a:endParaRPr lang="en-US" altLang="zh-TW" dirty="0"/>
+          </a:p>
+          <a:p>
+            <a:pPr algn="l"/>
+            <a:r>
+              <a:rPr lang="zh-CN" altLang="en-US" b="1" i="0" dirty="0">
+                <a:solidFill>
+                  <a:srgbClr val="0D0D0D"/>
+                </a:solidFill>
+                <a:effectLst/>
+                <a:highlight>
+                  <a:srgbClr val="FFFFFF"/>
+                </a:highlight>
+                <a:latin typeface="Söhne"/>
+              </a:rPr>
+              <a:t>构建树的方式</a:t>
+            </a:r>
+          </a:p>
+          <a:p>
+            <a:pPr algn="l">
+              <a:buFont typeface="+mj-lt"/>
+              <a:buAutoNum type="arabicPeriod"/>
+            </a:pPr>
+            <a:r>
+              <a:rPr lang="zh-CN" altLang="en-US" b="1" i="0" dirty="0">
+                <a:solidFill>
+                  <a:srgbClr val="0D0D0D"/>
+                </a:solidFill>
+                <a:effectLst/>
+                <a:highlight>
+                  <a:srgbClr val="FFFFFF"/>
+                </a:highlight>
+                <a:latin typeface="Söhne"/>
+              </a:rPr>
+              <a:t>随机森林（</a:t>
+            </a:r>
+            <a:r>
+              <a:rPr lang="en-US" altLang="zh-CN" b="1" i="0" dirty="0">
+                <a:solidFill>
+                  <a:srgbClr val="0D0D0D"/>
+                </a:solidFill>
+                <a:effectLst/>
+                <a:highlight>
+                  <a:srgbClr val="FFFFFF"/>
+                </a:highlight>
+                <a:latin typeface="Söhne"/>
+              </a:rPr>
+              <a:t>RF</a:t>
+            </a:r>
+            <a:r>
+              <a:rPr lang="zh-CN" altLang="en-US" b="1" i="0" dirty="0">
+                <a:solidFill>
+                  <a:srgbClr val="0D0D0D"/>
+                </a:solidFill>
+                <a:effectLst/>
+                <a:highlight>
+                  <a:srgbClr val="FFFFFF"/>
+                </a:highlight>
+                <a:latin typeface="Söhne"/>
+              </a:rPr>
+              <a:t>）</a:t>
+            </a:r>
+            <a:r>
+              <a:rPr lang="zh-CN" altLang="en-US" b="0" i="0" dirty="0">
+                <a:solidFill>
+                  <a:srgbClr val="0D0D0D"/>
+                </a:solidFill>
+                <a:effectLst/>
+                <a:highlight>
+                  <a:srgbClr val="FFFFFF"/>
+                </a:highlight>
+                <a:latin typeface="Söhne"/>
+              </a:rPr>
+              <a:t>：</a:t>
+            </a:r>
+          </a:p>
+          <a:p>
+            <a:pPr marL="742950" lvl="1" indent="-285750" algn="l">
+              <a:buFont typeface="+mj-lt"/>
+              <a:buAutoNum type="arabicPeriod"/>
+            </a:pPr>
+            <a:r>
+              <a:rPr lang="zh-CN" altLang="en-US" b="0" i="0" dirty="0">
+                <a:solidFill>
+                  <a:srgbClr val="0D0D0D"/>
+                </a:solidFill>
+                <a:effectLst/>
+                <a:highlight>
+                  <a:srgbClr val="FFFFFF"/>
+                </a:highlight>
+                <a:latin typeface="Söhne"/>
+              </a:rPr>
+              <a:t>每次构建决策树时，随机森林从原始训练集中使用**自助采样（</a:t>
+            </a:r>
+            <a:r>
+              <a:rPr lang="en-US" altLang="zh-CN" b="0" i="0" dirty="0">
+                <a:solidFill>
+                  <a:srgbClr val="0D0D0D"/>
+                </a:solidFill>
+                <a:effectLst/>
+                <a:highlight>
+                  <a:srgbClr val="FFFFFF"/>
+                </a:highlight>
+                <a:latin typeface="Söhne"/>
+              </a:rPr>
+              <a:t>bootstrap sampling</a:t>
+            </a:r>
+            <a:r>
+              <a:rPr lang="zh-CN" altLang="en-US" b="0" i="0" dirty="0">
+                <a:solidFill>
+                  <a:srgbClr val="0D0D0D"/>
+                </a:solidFill>
+                <a:effectLst/>
+                <a:highlight>
+                  <a:srgbClr val="FFFFFF"/>
+                </a:highlight>
+                <a:latin typeface="Söhne"/>
+              </a:rPr>
+              <a:t>）**抽取样本，这意味着从数据集中有放回地抽取相同数量的样本作为一个树的训练数据。</a:t>
+            </a:r>
+          </a:p>
+          <a:p>
+            <a:pPr marL="742950" lvl="1" indent="-285750" algn="l">
+              <a:buFont typeface="+mj-lt"/>
+              <a:buAutoNum type="arabicPeriod"/>
+            </a:pPr>
+            <a:r>
+              <a:rPr lang="zh-CN" altLang="en-US" b="0" i="0" dirty="0">
+                <a:solidFill>
+                  <a:srgbClr val="0D0D0D"/>
+                </a:solidFill>
+                <a:effectLst/>
+                <a:highlight>
+                  <a:srgbClr val="FFFFFF"/>
+                </a:highlight>
+                <a:latin typeface="Söhne"/>
+              </a:rPr>
+              <a:t>在分裂数据点时，每个节点会从随机选定的特征子集中选取最优特征来进行分裂。</a:t>
+            </a:r>
+          </a:p>
+          <a:p>
+            <a:pPr algn="l">
+              <a:buFont typeface="+mj-lt"/>
+              <a:buAutoNum type="arabicPeriod"/>
+            </a:pPr>
+            <a:r>
+              <a:rPr lang="zh-CN" altLang="en-US" b="1" i="0" dirty="0">
+                <a:solidFill>
+                  <a:srgbClr val="0D0D0D"/>
+                </a:solidFill>
+                <a:effectLst/>
+                <a:highlight>
+                  <a:srgbClr val="FFFFFF"/>
+                </a:highlight>
+                <a:latin typeface="Söhne"/>
+              </a:rPr>
+              <a:t>极端随机树（</a:t>
+            </a:r>
+            <a:r>
+              <a:rPr lang="en-US" altLang="zh-CN" b="1" i="0" dirty="0">
+                <a:solidFill>
+                  <a:srgbClr val="0D0D0D"/>
+                </a:solidFill>
+                <a:effectLst/>
+                <a:highlight>
+                  <a:srgbClr val="FFFFFF"/>
+                </a:highlight>
+                <a:latin typeface="Söhne"/>
+              </a:rPr>
+              <a:t>Extra Trees</a:t>
+            </a:r>
+            <a:r>
+              <a:rPr lang="zh-CN" altLang="en-US" b="1" i="0" dirty="0">
+                <a:solidFill>
+                  <a:srgbClr val="0D0D0D"/>
+                </a:solidFill>
+                <a:effectLst/>
+                <a:highlight>
+                  <a:srgbClr val="FFFFFF"/>
+                </a:highlight>
+                <a:latin typeface="Söhne"/>
+              </a:rPr>
+              <a:t>，也称为</a:t>
+            </a:r>
+            <a:r>
+              <a:rPr lang="en-US" altLang="zh-CN" b="1" i="0" dirty="0">
+                <a:solidFill>
+                  <a:srgbClr val="0D0D0D"/>
+                </a:solidFill>
+                <a:effectLst/>
+                <a:highlight>
+                  <a:srgbClr val="FFFFFF"/>
+                </a:highlight>
+                <a:latin typeface="Söhne"/>
+              </a:rPr>
+              <a:t>Extremely Randomized Trees</a:t>
+            </a:r>
+            <a:r>
+              <a:rPr lang="zh-CN" altLang="en-US" b="1" i="0" dirty="0">
+                <a:solidFill>
+                  <a:srgbClr val="0D0D0D"/>
+                </a:solidFill>
+                <a:effectLst/>
+                <a:highlight>
+                  <a:srgbClr val="FFFFFF"/>
+                </a:highlight>
+                <a:latin typeface="Söhne"/>
+              </a:rPr>
+              <a:t>）</a:t>
+            </a:r>
+            <a:r>
+              <a:rPr lang="zh-CN" altLang="en-US" b="0" i="0" dirty="0">
+                <a:solidFill>
+                  <a:srgbClr val="0D0D0D"/>
+                </a:solidFill>
+                <a:effectLst/>
+                <a:highlight>
+                  <a:srgbClr val="FFFFFF"/>
+                </a:highlight>
+                <a:latin typeface="Söhne"/>
+              </a:rPr>
+              <a:t>：</a:t>
+            </a:r>
+          </a:p>
+          <a:p>
+            <a:pPr marL="742950" lvl="1" indent="-285750" algn="l">
+              <a:buFont typeface="+mj-lt"/>
+              <a:buAutoNum type="arabicPeriod"/>
+            </a:pPr>
+            <a:r>
+              <a:rPr lang="zh-CN" altLang="en-US" b="0" i="0" dirty="0">
+                <a:solidFill>
+                  <a:srgbClr val="0D0D0D"/>
+                </a:solidFill>
+                <a:effectLst/>
+                <a:highlight>
+                  <a:srgbClr val="FFFFFF"/>
+                </a:highlight>
+                <a:latin typeface="Söhne"/>
+              </a:rPr>
+              <a:t>极端随机树在构建每棵树的时候使用</a:t>
+            </a:r>
+            <a:r>
+              <a:rPr lang="zh-CN" altLang="en-US" b="1" i="0" dirty="0">
+                <a:solidFill>
+                  <a:srgbClr val="0D0D0D"/>
+                </a:solidFill>
+                <a:effectLst/>
+                <a:highlight>
+                  <a:srgbClr val="FFFFFF"/>
+                </a:highlight>
+                <a:latin typeface="Söhne"/>
+              </a:rPr>
+              <a:t>整个原始数据集</a:t>
+            </a:r>
+            <a:r>
+              <a:rPr lang="zh-CN" altLang="en-US" b="0" i="0" dirty="0">
+                <a:solidFill>
+                  <a:srgbClr val="0D0D0D"/>
+                </a:solidFill>
+                <a:effectLst/>
+                <a:highlight>
+                  <a:srgbClr val="FFFFFF"/>
+                </a:highlight>
+                <a:latin typeface="Söhne"/>
+              </a:rPr>
+              <a:t>，不进行自助采样。</a:t>
+            </a:r>
+          </a:p>
+          <a:p>
+            <a:pPr marL="742950" lvl="1" indent="-285750" algn="l">
+              <a:buFont typeface="+mj-lt"/>
+              <a:buAutoNum type="arabicPeriod"/>
+            </a:pPr>
+            <a:r>
+              <a:rPr lang="zh-CN" altLang="en-US" b="0" i="0" dirty="0">
+                <a:solidFill>
+                  <a:srgbClr val="0D0D0D"/>
+                </a:solidFill>
+                <a:effectLst/>
+                <a:highlight>
+                  <a:srgbClr val="FFFFFF"/>
+                </a:highlight>
+                <a:latin typeface="Söhne"/>
+              </a:rPr>
+              <a:t>在选择分裂节点时更为极端，不仅在一部分随机选定的特征中进行选择，而且对于每个特征分裂的阈值也是随机选定的，然后选择出这些随机生成的分裂中最好的一个来分裂节点。这个过程增加了随机性，减少了模型对数据的过拟合。</a:t>
+            </a:r>
+          </a:p>
+          <a:p>
             <a:endParaRPr lang="zh-TW" altLang="en-US" dirty="0"/>
           </a:p>
         </p:txBody>
@@ -3353,7 +3848,7 @@
           <a:p>
             <a:fld id="{99BA7BAB-F69F-4C21-8D40-7AA273A2D01F}" type="datetime1">
               <a:rPr lang="en-US" smtClean="0"/>
-              <a:t>5/15/2024</a:t>
+              <a:t>5/16/2024</a:t>
             </a:fld>
             <a:endParaRPr lang="en-US"/>
           </a:p>
@@ -3558,7 +4053,7 @@
           <a:p>
             <a:fld id="{FB00A8EC-4678-43EE-BE64-F312B7F1A46F}" type="datetime1">
               <a:rPr lang="en-US" smtClean="0"/>
-              <a:t>5/15/2024</a:t>
+              <a:t>5/16/2024</a:t>
             </a:fld>
             <a:endParaRPr lang="en-US"/>
           </a:p>
@@ -3766,7 +4261,7 @@
           <a:p>
             <a:fld id="{9487F23D-EA8F-4C56-9373-23F6109AD11F}" type="datetime1">
               <a:rPr lang="en-US" smtClean="0"/>
-              <a:t>5/15/2024</a:t>
+              <a:t>5/16/2024</a:t>
             </a:fld>
             <a:endParaRPr lang="en-US"/>
           </a:p>
@@ -3964,7 +4459,7 @@
           <a:p>
             <a:fld id="{A34E716E-0239-4A81-9CF4-D3B9651721CF}" type="datetime1">
               <a:rPr lang="en-US" smtClean="0"/>
-              <a:t>5/15/2024</a:t>
+              <a:t>5/16/2024</a:t>
             </a:fld>
             <a:endParaRPr lang="en-US"/>
           </a:p>
@@ -4246,7 +4741,7 @@
           <a:p>
             <a:fld id="{CC112E56-3D97-4B86-935C-1C493DD86A08}" type="datetime1">
               <a:rPr lang="en-US" smtClean="0"/>
-              <a:t>5/15/2024</a:t>
+              <a:t>5/16/2024</a:t>
             </a:fld>
             <a:endParaRPr lang="en-US"/>
           </a:p>
@@ -4511,7 +5006,7 @@
           <a:p>
             <a:fld id="{40649135-BABF-4F63-9AF8-3CEC545E47DC}" type="datetime1">
               <a:rPr lang="en-US" smtClean="0"/>
-              <a:t>5/15/2024</a:t>
+              <a:t>5/16/2024</a:t>
             </a:fld>
             <a:endParaRPr lang="en-US"/>
           </a:p>
@@ -4923,7 +5418,7 @@
           <a:p>
             <a:fld id="{B16EBC02-C9C0-442D-A8A6-494057203542}" type="datetime1">
               <a:rPr lang="en-US" smtClean="0"/>
-              <a:t>5/15/2024</a:t>
+              <a:t>5/16/2024</a:t>
             </a:fld>
             <a:endParaRPr lang="en-US"/>
           </a:p>
@@ -5064,7 +5559,7 @@
           <a:p>
             <a:fld id="{A126C4B4-559D-414E-BC9C-16A745BBF3C3}" type="datetime1">
               <a:rPr lang="en-US" smtClean="0"/>
-              <a:t>5/15/2024</a:t>
+              <a:t>5/16/2024</a:t>
             </a:fld>
             <a:endParaRPr lang="en-US"/>
           </a:p>
@@ -5177,7 +5672,7 @@
           <a:p>
             <a:fld id="{0D49D49E-73A5-4C03-BFEA-3D845EB044D8}" type="datetime1">
               <a:rPr lang="en-US" smtClean="0"/>
-              <a:t>5/15/2024</a:t>
+              <a:t>5/16/2024</a:t>
             </a:fld>
             <a:endParaRPr lang="en-US"/>
           </a:p>
@@ -5488,7 +5983,7 @@
           <a:p>
             <a:fld id="{4A0F93E6-3134-410C-B573-A5F6B38FC346}" type="datetime1">
               <a:rPr lang="en-US" smtClean="0"/>
-              <a:t>5/15/2024</a:t>
+              <a:t>5/16/2024</a:t>
             </a:fld>
             <a:endParaRPr lang="en-US"/>
           </a:p>
@@ -5776,7 +6271,7 @@
           <a:p>
             <a:fld id="{F766E70F-5320-45A5-BE33-1819A93C2AF4}" type="datetime1">
               <a:rPr lang="en-US" smtClean="0"/>
-              <a:t>5/15/2024</a:t>
+              <a:t>5/16/2024</a:t>
             </a:fld>
             <a:endParaRPr lang="en-US"/>
           </a:p>
@@ -6017,7 +6512,7 @@
           <a:p>
             <a:fld id="{A706458B-0289-40FF-A02D-2C541B7F1CB6}" type="datetime1">
               <a:rPr lang="en-US" smtClean="0"/>
-              <a:t>5/15/2024</a:t>
+              <a:t>5/16/2024</a:t>
             </a:fld>
             <a:endParaRPr lang="en-US"/>
           </a:p>
@@ -9285,7 +9780,7 @@
         </p:nvSpPr>
         <p:spPr>
           <a:xfrm>
-            <a:off x="507327" y="4623888"/>
+            <a:off x="508388" y="4582002"/>
             <a:ext cx="12017421" cy="1617751"/>
           </a:xfrm>
           <a:prstGeom prst="rect">
@@ -11410,8 +11905,8 @@
           </a:p>
         </p:txBody>
       </p:sp>
-      <mc:AlternateContent xmlns:mc="http://schemas.openxmlformats.org/markup-compatibility/2006">
-        <mc:Choice xmlns:a14="http://schemas.microsoft.com/office/drawing/2010/main" Requires="a14">
+      <mc:AlternateContent xmlns:mc="http://schemas.openxmlformats.org/markup-compatibility/2006" xmlns:a14="http://schemas.microsoft.com/office/drawing/2010/main">
+        <mc:Choice Requires="a14">
           <p:sp>
             <p:nvSpPr>
               <p:cNvPr id="3" name="內容版面配置區 2">
@@ -11633,7 +12128,7 @@
             </p:txBody>
           </p:sp>
         </mc:Choice>
-        <mc:Fallback>
+        <mc:Fallback xmlns="">
           <p:sp>
             <p:nvSpPr>
               <p:cNvPr id="3" name="內容版面配置區 2">
